--- a/docs/final_presentation.pptx
+++ b/docs/final_presentation.pptx
@@ -3,19 +3,588 @@
 <p:presentation xmlns:a="http://schemas.openxmlformats.org/drawingml/2006/main" xmlns:p="http://schemas.openxmlformats.org/presentationml/2006/main" xmlns:r="http://schemas.openxmlformats.org/officeDocument/2006/relationships">
   <p:sldMasterIdLst>
     <p:sldMasterId id="2147483648" r:id="rId2"/>
+    <p:sldMasterId id="2147483661" r:id="rId3"/>
+    <p:sldMasterId id="2147483674" r:id="rId4"/>
   </p:sldMasterIdLst>
   <p:sldIdLst>
-    <p:sldId id="256" r:id="rId3"/>
-    <p:sldId id="257" r:id="rId4"/>
-    <p:sldId id="258" r:id="rId5"/>
-    <p:sldId id="259" r:id="rId6"/>
-    <p:sldId id="260" r:id="rId7"/>
-    <p:sldId id="261" r:id="rId8"/>
-    <p:sldId id="262" r:id="rId9"/>
+    <p:sldId id="256" r:id="rId5"/>
+    <p:sldId id="257" r:id="rId6"/>
+    <p:sldId id="258" r:id="rId7"/>
+    <p:sldId id="259" r:id="rId8"/>
+    <p:sldId id="260" r:id="rId9"/>
+    <p:sldId id="261" r:id="rId10"/>
+    <p:sldId id="262" r:id="rId11"/>
   </p:sldIdLst>
   <p:sldSz cx="10080625" cy="7559675"/>
   <p:notesSz cx="7772400" cy="10058400"/>
 </p:presentation>
+</file>
+
+<file path=ppt/charts/chart1.xml><?xml version="1.0" encoding="utf-8"?>
+<c:chartSpace xmlns:c="http://schemas.openxmlformats.org/drawingml/2006/chart" xmlns:a="http://schemas.openxmlformats.org/drawingml/2006/main" xmlns:r="http://schemas.openxmlformats.org/officeDocument/2006/relationships">
+  <c:lang val="en-US"/>
+  <c:chart>
+    <c:title>
+      <c:tx>
+        <c:rich>
+          <a:bodyPr/>
+          <a:lstStyle/>
+          <a:p>
+            <a:pPr>
+              <a:defRPr/>
+            </a:pPr>
+            <a:r>
+              <a:rPr sz="1300">
+                <a:latin typeface="Arial"/>
+              </a:rPr>
+              <a:t>Euler-Maruyama Error as a Function of Number of Steps</a:t>
+            </a:r>
+          </a:p>
+        </c:rich>
+      </c:tx>
+      <c:layout/>
+    </c:title>
+    <c:plotArea>
+      <c:layout/>
+      <c:scatterChart>
+        <c:scatterStyle val="lineMarker"/>
+        <c:varyColors val="0"/>
+        <c:ser>
+          <c:idx val="0"/>
+          <c:order val="0"/>
+          <c:tx>
+            <c:strRef>
+              <c:f>label 1</c:f>
+              <c:strCache>
+                <c:ptCount val="1"/>
+                <c:pt idx="0">
+                  <c:v>Error</c:v>
+                </c:pt>
+              </c:strCache>
+            </c:strRef>
+          </c:tx>
+          <c:spPr>
+            <a:solidFill>
+              <a:srgbClr val="004586"/>
+            </a:solidFill>
+            <a:ln w="28800">
+              <a:solidFill>
+                <a:srgbClr val="004586"/>
+              </a:solidFill>
+              <a:round/>
+            </a:ln>
+          </c:spPr>
+          <c:marker>
+            <c:size val="7"/>
+          </c:marker>
+          <c:cat>
+            <c:strRef>
+              <c:f>categories</c:f>
+              <c:strCache>
+                <c:ptCount val="11"/>
+                <c:pt idx="0">
+                  <c:v>1</c:v>
+                </c:pt>
+                <c:pt idx="1">
+                  <c:v>2</c:v>
+                </c:pt>
+                <c:pt idx="2">
+                  <c:v>3</c:v>
+                </c:pt>
+                <c:pt idx="3">
+                  <c:v>4</c:v>
+                </c:pt>
+                <c:pt idx="4">
+                  <c:v>5</c:v>
+                </c:pt>
+                <c:pt idx="5">
+                  <c:v>6</c:v>
+                </c:pt>
+                <c:pt idx="6">
+                  <c:v>7</c:v>
+                </c:pt>
+                <c:pt idx="7">
+                  <c:v>8</c:v>
+                </c:pt>
+                <c:pt idx="8">
+                  <c:v>9</c:v>
+                </c:pt>
+                <c:pt idx="9">
+                  <c:v>10</c:v>
+                </c:pt>
+                <c:pt idx="10">
+                  <c:v>11</c:v>
+                </c:pt>
+              </c:strCache>
+            </c:strRef>
+          </c:cat>
+          <c:xVal>
+            <c:numRef>
+              <c:f>0</c:f>
+              <c:numCache>
+                <c:formatCode>General</c:formatCode>
+                <c:ptCount val="11"/>
+                <c:pt idx="0">
+                  <c:v>1</c:v>
+                </c:pt>
+                <c:pt idx="1">
+                  <c:v>3.16227766016838</c:v>
+                </c:pt>
+                <c:pt idx="2">
+                  <c:v>10</c:v>
+                </c:pt>
+                <c:pt idx="3">
+                  <c:v>31.6227766016838</c:v>
+                </c:pt>
+                <c:pt idx="4">
+                  <c:v>100</c:v>
+                </c:pt>
+                <c:pt idx="5">
+                  <c:v>316.227766016838</c:v>
+                </c:pt>
+                <c:pt idx="6">
+                  <c:v>1000</c:v>
+                </c:pt>
+                <c:pt idx="7">
+                  <c:v>3162.27766016838</c:v>
+                </c:pt>
+                <c:pt idx="8">
+                  <c:v>10000</c:v>
+                </c:pt>
+                <c:pt idx="9">
+                  <c:v>31622.7766016838</c:v>
+                </c:pt>
+                <c:pt idx="10">
+                  <c:v>100000</c:v>
+                </c:pt>
+              </c:numCache>
+            </c:numRef>
+          </c:xVal>
+          <c:yVal>
+            <c:numRef>
+              <c:f>1</c:f>
+              <c:numCache>
+                <c:formatCode>General</c:formatCode>
+                <c:ptCount val="11"/>
+                <c:pt idx="0">
+                  <c:v>1</c:v>
+                </c:pt>
+                <c:pt idx="1">
+                  <c:v>0.562341325190349</c:v>
+                </c:pt>
+                <c:pt idx="2">
+                  <c:v>0.316227766016838</c:v>
+                </c:pt>
+                <c:pt idx="3">
+                  <c:v>0.177827941003892</c:v>
+                </c:pt>
+                <c:pt idx="4">
+                  <c:v>0.1</c:v>
+                </c:pt>
+                <c:pt idx="5">
+                  <c:v>0.0562341325190349</c:v>
+                </c:pt>
+                <c:pt idx="6">
+                  <c:v>0.0316227766016838</c:v>
+                </c:pt>
+                <c:pt idx="7">
+                  <c:v>0.0177827941003892</c:v>
+                </c:pt>
+                <c:pt idx="8">
+                  <c:v>0.01</c:v>
+                </c:pt>
+                <c:pt idx="9">
+                  <c:v>0.00562341325190349</c:v>
+                </c:pt>
+                <c:pt idx="10">
+                  <c:v>0.00316227766016838</c:v>
+                </c:pt>
+              </c:numCache>
+            </c:numRef>
+          </c:yVal>
+        </c:ser>
+        <c:axId val="14857366"/>
+        <c:axId val="47800666"/>
+      </c:scatterChart>
+      <c:valAx>
+        <c:axId val="14857366"/>
+        <c:scaling>
+          <c:orientation val="minMax"/>
+          <c:logBase val="10"/>
+        </c:scaling>
+        <c:delete val="0"/>
+        <c:axPos val="b"/>
+        <c:title>
+          <c:tx>
+            <c:rich>
+              <a:bodyPr/>
+              <a:lstStyle/>
+              <a:p>
+                <a:pPr>
+                  <a:defRPr/>
+                </a:pPr>
+                <a:r>
+                  <a:rPr sz="900">
+                    <a:latin typeface="Arial"/>
+                  </a:rPr>
+                  <a:t>Steps per Path</a:t>
+                </a:r>
+              </a:p>
+            </c:rich>
+          </c:tx>
+          <c:layout/>
+        </c:title>
+        <c:majorTickMark val="out"/>
+        <c:minorTickMark val="none"/>
+        <c:tickLblPos val="nextTo"/>
+        <c:spPr>
+          <a:ln>
+            <a:solidFill>
+              <a:srgbClr val="b3b3b3"/>
+            </a:solidFill>
+          </a:ln>
+        </c:spPr>
+        <c:crossAx val="47800666"/>
+        <c:crossesAt val="0"/>
+      </c:valAx>
+      <c:valAx>
+        <c:axId val="47800666"/>
+        <c:scaling>
+          <c:orientation val="minMax"/>
+        </c:scaling>
+        <c:delete val="0"/>
+        <c:axPos val="l"/>
+        <c:title>
+          <c:tx>
+            <c:rich>
+              <a:bodyPr/>
+              <a:lstStyle/>
+              <a:p>
+                <a:pPr>
+                  <a:defRPr/>
+                </a:pPr>
+                <a:r>
+                  <a:rPr sz="900">
+                    <a:latin typeface="Arial"/>
+                  </a:rPr>
+                  <a:t>Error Size</a:t>
+                </a:r>
+              </a:p>
+            </c:rich>
+          </c:tx>
+          <c:layout/>
+        </c:title>
+        <c:majorTickMark val="out"/>
+        <c:minorTickMark val="none"/>
+        <c:tickLblPos val="nextTo"/>
+        <c:spPr>
+          <a:ln>
+            <a:solidFill>
+              <a:srgbClr val="b3b3b3"/>
+            </a:solidFill>
+          </a:ln>
+        </c:spPr>
+        <c:crossAx val="14857366"/>
+        <c:crossesAt val="0"/>
+      </c:valAx>
+      <c:spPr>
+        <a:noFill/>
+        <a:ln>
+          <a:solidFill>
+            <a:srgbClr val="b3b3b3"/>
+          </a:solidFill>
+        </a:ln>
+      </c:spPr>
+    </c:plotArea>
+    <c:plotVisOnly val="1"/>
+  </c:chart>
+  <c:spPr>
+    <a:solidFill>
+      <a:srgbClr val="ffffff"/>
+    </a:solidFill>
+    <a:ln>
+      <a:noFill/>
+    </a:ln>
+  </c:spPr>
+</c:chartSpace>
+</file>
+
+<file path=ppt/charts/chart2.xml><?xml version="1.0" encoding="utf-8"?>
+<c:chartSpace xmlns:c="http://schemas.openxmlformats.org/drawingml/2006/chart" xmlns:a="http://schemas.openxmlformats.org/drawingml/2006/main" xmlns:r="http://schemas.openxmlformats.org/officeDocument/2006/relationships">
+  <c:lang val="en-US"/>
+  <c:chart>
+    <c:title>
+      <c:tx>
+        <c:rich>
+          <a:bodyPr/>
+          <a:lstStyle/>
+          <a:p>
+            <a:pPr>
+              <a:defRPr/>
+            </a:pPr>
+            <a:r>
+              <a:rPr sz="1300">
+                <a:latin typeface="Arial"/>
+              </a:rPr>
+              <a:t>Time for Option Solving as a Function of Number of Steps</a:t>
+            </a:r>
+          </a:p>
+        </c:rich>
+      </c:tx>
+      <c:layout/>
+    </c:title>
+    <c:plotArea>
+      <c:layout/>
+      <c:scatterChart>
+        <c:scatterStyle val="lineMarker"/>
+        <c:varyColors val="0"/>
+        <c:ser>
+          <c:idx val="0"/>
+          <c:order val="0"/>
+          <c:tx>
+            <c:strRef>
+              <c:f>label 1</c:f>
+              <c:strCache>
+                <c:ptCount val="1"/>
+                <c:pt idx="0">
+                  <c:v>Overall Time</c:v>
+                </c:pt>
+              </c:strCache>
+            </c:strRef>
+          </c:tx>
+          <c:spPr>
+            <a:solidFill>
+              <a:srgbClr val="004586"/>
+            </a:solidFill>
+            <a:ln w="28800">
+              <a:noFill/>
+            </a:ln>
+          </c:spPr>
+          <c:marker>
+            <c:size val="7"/>
+          </c:marker>
+          <c:cat>
+            <c:strRef>
+              <c:f>categories</c:f>
+              <c:strCache>
+                <c:ptCount val="9"/>
+                <c:pt idx="0">
+                  <c:v>1</c:v>
+                </c:pt>
+                <c:pt idx="1">
+                  <c:v>2</c:v>
+                </c:pt>
+                <c:pt idx="2">
+                  <c:v>3</c:v>
+                </c:pt>
+                <c:pt idx="3">
+                  <c:v>4</c:v>
+                </c:pt>
+                <c:pt idx="4">
+                  <c:v>5</c:v>
+                </c:pt>
+                <c:pt idx="5">
+                  <c:v>6</c:v>
+                </c:pt>
+                <c:pt idx="6">
+                  <c:v>7</c:v>
+                </c:pt>
+                <c:pt idx="7">
+                  <c:v>8</c:v>
+                </c:pt>
+                <c:pt idx="8">
+                  <c:v>9</c:v>
+                </c:pt>
+              </c:strCache>
+            </c:strRef>
+          </c:cat>
+          <c:xVal>
+            <c:numRef>
+              <c:f>0</c:f>
+              <c:numCache>
+                <c:formatCode>General</c:formatCode>
+                <c:ptCount val="9"/>
+                <c:pt idx="0">
+                  <c:v>1</c:v>
+                </c:pt>
+                <c:pt idx="1">
+                  <c:v>3</c:v>
+                </c:pt>
+                <c:pt idx="2">
+                  <c:v>10</c:v>
+                </c:pt>
+                <c:pt idx="3">
+                  <c:v>32</c:v>
+                </c:pt>
+                <c:pt idx="4">
+                  <c:v>100</c:v>
+                </c:pt>
+                <c:pt idx="5">
+                  <c:v>316</c:v>
+                </c:pt>
+                <c:pt idx="6">
+                  <c:v>1000</c:v>
+                </c:pt>
+                <c:pt idx="7">
+                  <c:v>3162</c:v>
+                </c:pt>
+                <c:pt idx="8">
+                  <c:v>10000</c:v>
+                </c:pt>
+              </c:numCache>
+            </c:numRef>
+          </c:xVal>
+          <c:yVal>
+            <c:numRef>
+              <c:f>1</c:f>
+              <c:numCache>
+                <c:formatCode>General</c:formatCode>
+                <c:ptCount val="9"/>
+                <c:pt idx="0">
+                  <c:v>18.6682172</c:v>
+                </c:pt>
+                <c:pt idx="1">
+                  <c:v>21.9911811</c:v>
+                </c:pt>
+                <c:pt idx="2">
+                  <c:v>25.865504</c:v>
+                </c:pt>
+                <c:pt idx="3">
+                  <c:v>45.1622111</c:v>
+                </c:pt>
+                <c:pt idx="4">
+                  <c:v>105.3307719</c:v>
+                </c:pt>
+                <c:pt idx="5">
+                  <c:v>277.3497927</c:v>
+                </c:pt>
+                <c:pt idx="6">
+                  <c:v>727.2117116</c:v>
+                </c:pt>
+                <c:pt idx="7">
+                  <c:v>2107.370754</c:v>
+                </c:pt>
+                <c:pt idx="8">
+                  <c:v>6833.8865112</c:v>
+                </c:pt>
+              </c:numCache>
+            </c:numRef>
+          </c:yVal>
+        </c:ser>
+        <c:axId val="64446461"/>
+        <c:axId val="25322164"/>
+      </c:scatterChart>
+      <c:valAx>
+        <c:axId val="64446461"/>
+        <c:scaling>
+          <c:orientation val="minMax"/>
+          <c:logBase val="10"/>
+        </c:scaling>
+        <c:delete val="0"/>
+        <c:axPos val="b"/>
+        <c:title>
+          <c:tx>
+            <c:rich>
+              <a:bodyPr/>
+              <a:lstStyle/>
+              <a:p>
+                <a:pPr>
+                  <a:defRPr/>
+                </a:pPr>
+                <a:r>
+                  <a:rPr sz="900">
+                    <a:latin typeface="Arial"/>
+                  </a:rPr>
+                  <a:t>Number of Steps per Path</a:t>
+                </a:r>
+              </a:p>
+            </c:rich>
+          </c:tx>
+          <c:layout/>
+        </c:title>
+        <c:majorTickMark val="out"/>
+        <c:minorTickMark val="none"/>
+        <c:tickLblPos val="nextTo"/>
+        <c:spPr>
+          <a:ln>
+            <a:solidFill>
+              <a:srgbClr val="b3b3b3"/>
+            </a:solidFill>
+          </a:ln>
+        </c:spPr>
+        <c:crossAx val="25322164"/>
+        <c:crossesAt val="0"/>
+      </c:valAx>
+      <c:valAx>
+        <c:axId val="25322164"/>
+        <c:scaling>
+          <c:orientation val="minMax"/>
+          <c:logBase val="10"/>
+        </c:scaling>
+        <c:delete val="0"/>
+        <c:axPos val="l"/>
+        <c:majorGridlines>
+          <c:spPr>
+            <a:ln>
+              <a:solidFill>
+                <a:srgbClr val="b3b3b3"/>
+              </a:solidFill>
+            </a:ln>
+          </c:spPr>
+        </c:majorGridlines>
+        <c:title>
+          <c:tx>
+            <c:rich>
+              <a:bodyPr/>
+              <a:lstStyle/>
+              <a:p>
+                <a:pPr>
+                  <a:defRPr/>
+                </a:pPr>
+                <a:r>
+                  <a:rPr sz="900">
+                    <a:latin typeface="Arial"/>
+                  </a:rPr>
+                  <a:t>Seconds to Price Option</a:t>
+                </a:r>
+              </a:p>
+            </c:rich>
+          </c:tx>
+          <c:layout/>
+        </c:title>
+        <c:majorTickMark val="out"/>
+        <c:minorTickMark val="none"/>
+        <c:tickLblPos val="nextTo"/>
+        <c:spPr>
+          <a:ln>
+            <a:solidFill>
+              <a:srgbClr val="b3b3b3"/>
+            </a:solidFill>
+          </a:ln>
+        </c:spPr>
+        <c:crossAx val="64446461"/>
+        <c:crossesAt val="0"/>
+      </c:valAx>
+      <c:spPr>
+        <a:noFill/>
+        <a:ln>
+          <a:solidFill>
+            <a:srgbClr val="b3b3b3"/>
+          </a:solidFill>
+        </a:ln>
+      </c:spPr>
+    </c:plotArea>
+    <c:plotVisOnly val="1"/>
+  </c:chart>
+  <c:spPr>
+    <a:solidFill>
+      <a:srgbClr val="ffffff"/>
+    </a:solidFill>
+    <a:ln>
+      <a:noFill/>
+    </a:ln>
+  </c:spPr>
+</c:chartSpace>
 </file>
 
 <file path=ppt/slideLayouts/slideLayout1.xml><?xml version="1.0" encoding="utf-8"?>
@@ -59,7 +628,7 @@
       </p:grpSpPr>
       <p:sp>
         <p:nvSpPr>
-          <p:cNvPr id="26" name="PlaceHolder 1"/>
+          <p:cNvPr id="23" name="PlaceHolder 1"/>
           <p:cNvSpPr>
             <a:spLocks noGrp="1"/>
           </p:cNvSpPr>
@@ -70,7 +639,7 @@
         <p:spPr>
           <a:xfrm>
             <a:off x="504000" y="301320"/>
-            <a:ext cx="9071640" cy="1262520"/>
+            <a:ext cx="9071280" cy="1262520"/>
           </a:xfrm>
           <a:prstGeom prst="rect">
             <a:avLst/>
@@ -86,7 +655,7 @@
       </p:sp>
       <p:sp>
         <p:nvSpPr>
-          <p:cNvPr id="27" name="PlaceHolder 2"/>
+          <p:cNvPr id="24" name="PlaceHolder 2"/>
           <p:cNvSpPr>
             <a:spLocks noGrp="1"/>
           </p:cNvSpPr>
@@ -97,22 +666,22 @@
         <p:spPr>
           <a:xfrm>
             <a:off x="504000" y="1769040"/>
-            <a:ext cx="9071640" cy="2091240"/>
-          </a:xfrm>
-          <a:prstGeom prst="rect">
-            <a:avLst/>
-          </a:prstGeom>
-        </p:spPr>
-        <p:txBody>
-          <a:bodyPr lIns="0" rIns="0" tIns="0" bIns="0"/>
-          <a:p>
-            <a:endParaRPr/>
-          </a:p>
-        </p:txBody>
-      </p:sp>
-      <p:sp>
-        <p:nvSpPr>
-          <p:cNvPr id="28" name="PlaceHolder 3"/>
+            <a:ext cx="4426560" cy="2090880"/>
+          </a:xfrm>
+          <a:prstGeom prst="rect">
+            <a:avLst/>
+          </a:prstGeom>
+        </p:spPr>
+        <p:txBody>
+          <a:bodyPr lIns="0" rIns="0" tIns="0" bIns="0"/>
+          <a:p>
+            <a:endParaRPr/>
+          </a:p>
+        </p:txBody>
+      </p:sp>
+      <p:sp>
+        <p:nvSpPr>
+          <p:cNvPr id="25" name="PlaceHolder 3"/>
           <p:cNvSpPr>
             <a:spLocks noGrp="1"/>
           </p:cNvSpPr>
@@ -122,8 +691,8 @@
         </p:nvSpPr>
         <p:spPr>
           <a:xfrm>
-            <a:off x="504000" y="4059360"/>
-            <a:ext cx="9071640" cy="2091240"/>
+            <a:off x="504000" y="4059000"/>
+            <a:ext cx="4426560" cy="2090880"/>
           </a:xfrm>
           <a:prstGeom prst="rect">
             <a:avLst/>
@@ -160,7 +729,7 @@
       </p:grpSpPr>
       <p:sp>
         <p:nvSpPr>
-          <p:cNvPr id="29" name="PlaceHolder 1"/>
+          <p:cNvPr id="26" name="PlaceHolder 1"/>
           <p:cNvSpPr>
             <a:spLocks noGrp="1"/>
           </p:cNvSpPr>
@@ -171,7 +740,7 @@
         <p:spPr>
           <a:xfrm>
             <a:off x="504000" y="301320"/>
-            <a:ext cx="9071640" cy="1262520"/>
+            <a:ext cx="9071280" cy="1262520"/>
           </a:xfrm>
           <a:prstGeom prst="rect">
             <a:avLst/>
@@ -187,7 +756,7 @@
       </p:sp>
       <p:sp>
         <p:nvSpPr>
-          <p:cNvPr id="30" name="PlaceHolder 2"/>
+          <p:cNvPr id="27" name="PlaceHolder 2"/>
           <p:cNvSpPr>
             <a:spLocks noGrp="1"/>
           </p:cNvSpPr>
@@ -198,22 +767,22 @@
         <p:spPr>
           <a:xfrm>
             <a:off x="504000" y="1769040"/>
-            <a:ext cx="4426920" cy="2091240"/>
-          </a:xfrm>
-          <a:prstGeom prst="rect">
-            <a:avLst/>
-          </a:prstGeom>
-        </p:spPr>
-        <p:txBody>
-          <a:bodyPr lIns="0" rIns="0" tIns="0" bIns="0"/>
-          <a:p>
-            <a:endParaRPr/>
-          </a:p>
-        </p:txBody>
-      </p:sp>
-      <p:sp>
-        <p:nvSpPr>
-          <p:cNvPr id="31" name="PlaceHolder 3"/>
+            <a:ext cx="2160000" cy="2090880"/>
+          </a:xfrm>
+          <a:prstGeom prst="rect">
+            <a:avLst/>
+          </a:prstGeom>
+        </p:spPr>
+        <p:txBody>
+          <a:bodyPr lIns="0" rIns="0" tIns="0" bIns="0"/>
+          <a:p>
+            <a:endParaRPr/>
+          </a:p>
+        </p:txBody>
+      </p:sp>
+      <p:sp>
+        <p:nvSpPr>
+          <p:cNvPr id="28" name="PlaceHolder 3"/>
           <p:cNvSpPr>
             <a:spLocks noGrp="1"/>
           </p:cNvSpPr>
@@ -223,23 +792,23 @@
         </p:nvSpPr>
         <p:spPr>
           <a:xfrm>
-            <a:off x="5152680" y="1769040"/>
-            <a:ext cx="4426920" cy="2091240"/>
-          </a:xfrm>
-          <a:prstGeom prst="rect">
-            <a:avLst/>
-          </a:prstGeom>
-        </p:spPr>
-        <p:txBody>
-          <a:bodyPr lIns="0" rIns="0" tIns="0" bIns="0"/>
-          <a:p>
-            <a:endParaRPr/>
-          </a:p>
-        </p:txBody>
-      </p:sp>
-      <p:sp>
-        <p:nvSpPr>
-          <p:cNvPr id="32" name="PlaceHolder 4"/>
+            <a:off x="2772360" y="1769040"/>
+            <a:ext cx="2160000" cy="2090880"/>
+          </a:xfrm>
+          <a:prstGeom prst="rect">
+            <a:avLst/>
+          </a:prstGeom>
+        </p:spPr>
+        <p:txBody>
+          <a:bodyPr lIns="0" rIns="0" tIns="0" bIns="0"/>
+          <a:p>
+            <a:endParaRPr/>
+          </a:p>
+        </p:txBody>
+      </p:sp>
+      <p:sp>
+        <p:nvSpPr>
+          <p:cNvPr id="29" name="PlaceHolder 4"/>
           <p:cNvSpPr>
             <a:spLocks noGrp="1"/>
           </p:cNvSpPr>
@@ -249,23 +818,23 @@
         </p:nvSpPr>
         <p:spPr>
           <a:xfrm>
-            <a:off x="5152680" y="4059360"/>
-            <a:ext cx="4426920" cy="2091240"/>
-          </a:xfrm>
-          <a:prstGeom prst="rect">
-            <a:avLst/>
-          </a:prstGeom>
-        </p:spPr>
-        <p:txBody>
-          <a:bodyPr lIns="0" rIns="0" tIns="0" bIns="0"/>
-          <a:p>
-            <a:endParaRPr/>
-          </a:p>
-        </p:txBody>
-      </p:sp>
-      <p:sp>
-        <p:nvSpPr>
-          <p:cNvPr id="33" name="PlaceHolder 5"/>
+            <a:off x="2772360" y="4059000"/>
+            <a:ext cx="2160000" cy="2090880"/>
+          </a:xfrm>
+          <a:prstGeom prst="rect">
+            <a:avLst/>
+          </a:prstGeom>
+        </p:spPr>
+        <p:txBody>
+          <a:bodyPr lIns="0" rIns="0" tIns="0" bIns="0"/>
+          <a:p>
+            <a:endParaRPr/>
+          </a:p>
+        </p:txBody>
+      </p:sp>
+      <p:sp>
+        <p:nvSpPr>
+          <p:cNvPr id="30" name="PlaceHolder 5"/>
           <p:cNvSpPr>
             <a:spLocks noGrp="1"/>
           </p:cNvSpPr>
@@ -275,8 +844,8 @@
         </p:nvSpPr>
         <p:spPr>
           <a:xfrm>
-            <a:off x="504000" y="4059360"/>
-            <a:ext cx="4426920" cy="2091240"/>
+            <a:off x="504000" y="4059000"/>
+            <a:ext cx="2160000" cy="2090880"/>
           </a:xfrm>
           <a:prstGeom prst="rect">
             <a:avLst/>
@@ -313,7 +882,7 @@
       </p:grpSpPr>
       <p:sp>
         <p:nvSpPr>
-          <p:cNvPr id="34" name="PlaceHolder 1"/>
+          <p:cNvPr id="31" name="PlaceHolder 1"/>
           <p:cNvSpPr>
             <a:spLocks noGrp="1"/>
           </p:cNvSpPr>
@@ -324,7 +893,7 @@
         <p:spPr>
           <a:xfrm>
             <a:off x="504000" y="301320"/>
-            <a:ext cx="9071640" cy="1262520"/>
+            <a:ext cx="9071280" cy="1262520"/>
           </a:xfrm>
           <a:prstGeom prst="rect">
             <a:avLst/>
@@ -340,7 +909,7 @@
       </p:sp>
       <p:sp>
         <p:nvSpPr>
-          <p:cNvPr id="35" name="PlaceHolder 2"/>
+          <p:cNvPr id="32" name="PlaceHolder 2"/>
           <p:cNvSpPr>
             <a:spLocks noGrp="1"/>
           </p:cNvSpPr>
@@ -351,22 +920,22 @@
         <p:spPr>
           <a:xfrm>
             <a:off x="504000" y="1769040"/>
-            <a:ext cx="9071640" cy="4384440"/>
-          </a:xfrm>
-          <a:prstGeom prst="rect">
-            <a:avLst/>
-          </a:prstGeom>
-        </p:spPr>
-        <p:txBody>
-          <a:bodyPr lIns="0" rIns="0" tIns="0" bIns="0"/>
-          <a:p>
-            <a:endParaRPr/>
-          </a:p>
-        </p:txBody>
-      </p:sp>
-      <p:sp>
-        <p:nvSpPr>
-          <p:cNvPr id="36" name="PlaceHolder 3"/>
+            <a:ext cx="4426560" cy="4384080"/>
+          </a:xfrm>
+          <a:prstGeom prst="rect">
+            <a:avLst/>
+          </a:prstGeom>
+        </p:spPr>
+        <p:txBody>
+          <a:bodyPr lIns="0" rIns="0" tIns="0" bIns="0"/>
+          <a:p>
+            <a:endParaRPr/>
+          </a:p>
+        </p:txBody>
+      </p:sp>
+      <p:sp>
+        <p:nvSpPr>
+          <p:cNvPr id="33" name="PlaceHolder 3"/>
           <p:cNvSpPr>
             <a:spLocks noGrp="1"/>
           </p:cNvSpPr>
@@ -377,7 +946,7 @@
         <p:spPr>
           <a:xfrm>
             <a:off x="504000" y="1769040"/>
-            <a:ext cx="9071640" cy="4384440"/>
+            <a:ext cx="4426560" cy="4384080"/>
           </a:xfrm>
           <a:prstGeom prst="rect">
             <a:avLst/>
@@ -392,7 +961,7 @@
       </p:sp>
       <p:pic>
         <p:nvPicPr>
-          <p:cNvPr id="37" name="" descr=""/>
+          <p:cNvPr id="34" name="" descr=""/>
           <p:cNvPicPr/>
           <p:nvPr/>
         </p:nvPicPr>
@@ -404,8 +973,8 @@
         </p:blipFill>
         <p:spPr>
           <a:xfrm>
-            <a:off x="2292120" y="1768680"/>
-            <a:ext cx="5495040" cy="4384440"/>
+            <a:off x="504000" y="2195280"/>
+            <a:ext cx="4426560" cy="3531600"/>
           </a:xfrm>
           <a:prstGeom prst="rect">
             <a:avLst/>
@@ -417,7 +986,7 @@
       </p:pic>
       <p:pic>
         <p:nvPicPr>
-          <p:cNvPr id="38" name="" descr=""/>
+          <p:cNvPr id="35" name="" descr=""/>
           <p:cNvPicPr/>
           <p:nvPr/>
         </p:nvPicPr>
@@ -429,8 +998,8 @@
         </p:blipFill>
         <p:spPr>
           <a:xfrm>
-            <a:off x="2292120" y="1768680"/>
-            <a:ext cx="5495040" cy="4384440"/>
+            <a:off x="504000" y="2195280"/>
+            <a:ext cx="4426560" cy="3531600"/>
           </a:xfrm>
           <a:prstGeom prst="rect">
             <a:avLst/>
@@ -440,6 +1009,505 @@
           </a:ln>
         </p:spPr>
       </p:pic>
+    </p:spTree>
+  </p:cSld>
+</p:sldLayout>
+</file>
+
+<file path=ppt/slideLayouts/slideLayout13.xml><?xml version="1.0" encoding="utf-8"?>
+<p:sldLayout xmlns:a="http://schemas.openxmlformats.org/drawingml/2006/main" xmlns:p="http://schemas.openxmlformats.org/presentationml/2006/main" xmlns:r="http://schemas.openxmlformats.org/officeDocument/2006/relationships" type="blank" preserve="1">
+  <p:cSld name="Blank Slide">
+    <p:spTree>
+      <p:nvGrpSpPr>
+        <p:cNvPr id="1" name=""/>
+        <p:cNvGrpSpPr/>
+        <p:nvPr/>
+      </p:nvGrpSpPr>
+      <p:grpSpPr>
+        <a:xfrm>
+          <a:off x="0" y="0"/>
+          <a:ext cx="0" cy="0"/>
+          <a:chOff x="0" y="0"/>
+          <a:chExt cx="0" cy="0"/>
+        </a:xfrm>
+      </p:grpSpPr>
+    </p:spTree>
+  </p:cSld>
+</p:sldLayout>
+</file>
+
+<file path=ppt/slideLayouts/slideLayout14.xml><?xml version="1.0" encoding="utf-8"?>
+<p:sldLayout xmlns:a="http://schemas.openxmlformats.org/drawingml/2006/main" xmlns:p="http://schemas.openxmlformats.org/presentationml/2006/main" xmlns:r="http://schemas.openxmlformats.org/officeDocument/2006/relationships" type="tx" preserve="1">
+  <p:cSld name="Title Slide">
+    <p:spTree>
+      <p:nvGrpSpPr>
+        <p:cNvPr id="1" name=""/>
+        <p:cNvGrpSpPr/>
+        <p:nvPr/>
+      </p:nvGrpSpPr>
+      <p:grpSpPr>
+        <a:xfrm>
+          <a:off x="0" y="0"/>
+          <a:ext cx="0" cy="0"/>
+          <a:chOff x="0" y="0"/>
+          <a:chExt cx="0" cy="0"/>
+        </a:xfrm>
+      </p:grpSpPr>
+      <p:sp>
+        <p:nvSpPr>
+          <p:cNvPr id="38" name="PlaceHolder 1"/>
+          <p:cNvSpPr>
+            <a:spLocks noGrp="1"/>
+          </p:cNvSpPr>
+          <p:nvPr>
+            <p:ph type="title"/>
+          </p:nvPr>
+        </p:nvSpPr>
+        <p:spPr>
+          <a:xfrm>
+            <a:off x="504000" y="301320"/>
+            <a:ext cx="9071280" cy="1262520"/>
+          </a:xfrm>
+          <a:prstGeom prst="rect">
+            <a:avLst/>
+          </a:prstGeom>
+        </p:spPr>
+        <p:txBody>
+          <a:bodyPr lIns="0" rIns="0" tIns="0" bIns="0" anchor="ctr"/>
+          <a:p>
+            <a:pPr algn="ctr"/>
+            <a:endParaRPr/>
+          </a:p>
+        </p:txBody>
+      </p:sp>
+      <p:sp>
+        <p:nvSpPr>
+          <p:cNvPr id="39" name="PlaceHolder 2"/>
+          <p:cNvSpPr>
+            <a:spLocks noGrp="1"/>
+          </p:cNvSpPr>
+          <p:nvPr>
+            <p:ph type="subTitle"/>
+          </p:nvPr>
+        </p:nvSpPr>
+        <p:spPr>
+          <a:xfrm>
+            <a:off x="504000" y="1769040"/>
+            <a:ext cx="4426560" cy="4384440"/>
+          </a:xfrm>
+          <a:prstGeom prst="rect">
+            <a:avLst/>
+          </a:prstGeom>
+        </p:spPr>
+        <p:txBody>
+          <a:bodyPr lIns="0" rIns="0" tIns="0" bIns="0" anchor="ctr"/>
+          <a:p>
+            <a:pPr algn="ctr"/>
+            <a:endParaRPr/>
+          </a:p>
+        </p:txBody>
+      </p:sp>
+    </p:spTree>
+  </p:cSld>
+</p:sldLayout>
+</file>
+
+<file path=ppt/slideLayouts/slideLayout15.xml><?xml version="1.0" encoding="utf-8"?>
+<p:sldLayout xmlns:a="http://schemas.openxmlformats.org/drawingml/2006/main" xmlns:p="http://schemas.openxmlformats.org/presentationml/2006/main" xmlns:r="http://schemas.openxmlformats.org/officeDocument/2006/relationships" type="obj" preserve="1">
+  <p:cSld name="Title, Content">
+    <p:spTree>
+      <p:nvGrpSpPr>
+        <p:cNvPr id="1" name=""/>
+        <p:cNvGrpSpPr/>
+        <p:nvPr/>
+      </p:nvGrpSpPr>
+      <p:grpSpPr>
+        <a:xfrm>
+          <a:off x="0" y="0"/>
+          <a:ext cx="0" cy="0"/>
+          <a:chOff x="0" y="0"/>
+          <a:chExt cx="0" cy="0"/>
+        </a:xfrm>
+      </p:grpSpPr>
+      <p:sp>
+        <p:nvSpPr>
+          <p:cNvPr id="40" name="PlaceHolder 1"/>
+          <p:cNvSpPr>
+            <a:spLocks noGrp="1"/>
+          </p:cNvSpPr>
+          <p:nvPr>
+            <p:ph type="title"/>
+          </p:nvPr>
+        </p:nvSpPr>
+        <p:spPr>
+          <a:xfrm>
+            <a:off x="504000" y="301320"/>
+            <a:ext cx="9071280" cy="1262520"/>
+          </a:xfrm>
+          <a:prstGeom prst="rect">
+            <a:avLst/>
+          </a:prstGeom>
+        </p:spPr>
+        <p:txBody>
+          <a:bodyPr lIns="0" rIns="0" tIns="0" bIns="0" anchor="ctr"/>
+          <a:p>
+            <a:pPr algn="ctr"/>
+            <a:endParaRPr/>
+          </a:p>
+        </p:txBody>
+      </p:sp>
+      <p:sp>
+        <p:nvSpPr>
+          <p:cNvPr id="41" name="PlaceHolder 2"/>
+          <p:cNvSpPr>
+            <a:spLocks noGrp="1"/>
+          </p:cNvSpPr>
+          <p:nvPr>
+            <p:ph type="body"/>
+          </p:nvPr>
+        </p:nvSpPr>
+        <p:spPr>
+          <a:xfrm>
+            <a:off x="504000" y="1769040"/>
+            <a:ext cx="4426560" cy="4384080"/>
+          </a:xfrm>
+          <a:prstGeom prst="rect">
+            <a:avLst/>
+          </a:prstGeom>
+        </p:spPr>
+        <p:txBody>
+          <a:bodyPr lIns="0" rIns="0" tIns="0" bIns="0"/>
+          <a:p>
+            <a:endParaRPr/>
+          </a:p>
+        </p:txBody>
+      </p:sp>
+    </p:spTree>
+  </p:cSld>
+</p:sldLayout>
+</file>
+
+<file path=ppt/slideLayouts/slideLayout16.xml><?xml version="1.0" encoding="utf-8"?>
+<p:sldLayout xmlns:a="http://schemas.openxmlformats.org/drawingml/2006/main" xmlns:p="http://schemas.openxmlformats.org/presentationml/2006/main" xmlns:r="http://schemas.openxmlformats.org/officeDocument/2006/relationships" type="twoObj" preserve="1">
+  <p:cSld name="Title, 2 Content">
+    <p:spTree>
+      <p:nvGrpSpPr>
+        <p:cNvPr id="1" name=""/>
+        <p:cNvGrpSpPr/>
+        <p:nvPr/>
+      </p:nvGrpSpPr>
+      <p:grpSpPr>
+        <a:xfrm>
+          <a:off x="0" y="0"/>
+          <a:ext cx="0" cy="0"/>
+          <a:chOff x="0" y="0"/>
+          <a:chExt cx="0" cy="0"/>
+        </a:xfrm>
+      </p:grpSpPr>
+      <p:sp>
+        <p:nvSpPr>
+          <p:cNvPr id="42" name="PlaceHolder 1"/>
+          <p:cNvSpPr>
+            <a:spLocks noGrp="1"/>
+          </p:cNvSpPr>
+          <p:nvPr>
+            <p:ph type="title"/>
+          </p:nvPr>
+        </p:nvSpPr>
+        <p:spPr>
+          <a:xfrm>
+            <a:off x="504000" y="301320"/>
+            <a:ext cx="9071280" cy="1262520"/>
+          </a:xfrm>
+          <a:prstGeom prst="rect">
+            <a:avLst/>
+          </a:prstGeom>
+        </p:spPr>
+        <p:txBody>
+          <a:bodyPr lIns="0" rIns="0" tIns="0" bIns="0" anchor="ctr"/>
+          <a:p>
+            <a:pPr algn="ctr"/>
+            <a:endParaRPr/>
+          </a:p>
+        </p:txBody>
+      </p:sp>
+      <p:sp>
+        <p:nvSpPr>
+          <p:cNvPr id="43" name="PlaceHolder 2"/>
+          <p:cNvSpPr>
+            <a:spLocks noGrp="1"/>
+          </p:cNvSpPr>
+          <p:nvPr>
+            <p:ph type="body"/>
+          </p:nvPr>
+        </p:nvSpPr>
+        <p:spPr>
+          <a:xfrm>
+            <a:off x="504000" y="1769040"/>
+            <a:ext cx="2160000" cy="4384080"/>
+          </a:xfrm>
+          <a:prstGeom prst="rect">
+            <a:avLst/>
+          </a:prstGeom>
+        </p:spPr>
+        <p:txBody>
+          <a:bodyPr lIns="0" rIns="0" tIns="0" bIns="0"/>
+          <a:p>
+            <a:endParaRPr/>
+          </a:p>
+        </p:txBody>
+      </p:sp>
+      <p:sp>
+        <p:nvSpPr>
+          <p:cNvPr id="44" name="PlaceHolder 3"/>
+          <p:cNvSpPr>
+            <a:spLocks noGrp="1"/>
+          </p:cNvSpPr>
+          <p:nvPr>
+            <p:ph type="body"/>
+          </p:nvPr>
+        </p:nvSpPr>
+        <p:spPr>
+          <a:xfrm>
+            <a:off x="2772360" y="1769040"/>
+            <a:ext cx="2160000" cy="4384080"/>
+          </a:xfrm>
+          <a:prstGeom prst="rect">
+            <a:avLst/>
+          </a:prstGeom>
+        </p:spPr>
+        <p:txBody>
+          <a:bodyPr lIns="0" rIns="0" tIns="0" bIns="0"/>
+          <a:p>
+            <a:endParaRPr/>
+          </a:p>
+        </p:txBody>
+      </p:sp>
+    </p:spTree>
+  </p:cSld>
+</p:sldLayout>
+</file>
+
+<file path=ppt/slideLayouts/slideLayout17.xml><?xml version="1.0" encoding="utf-8"?>
+<p:sldLayout xmlns:a="http://schemas.openxmlformats.org/drawingml/2006/main" xmlns:p="http://schemas.openxmlformats.org/presentationml/2006/main" xmlns:r="http://schemas.openxmlformats.org/officeDocument/2006/relationships" type="titleOnly" preserve="1">
+  <p:cSld name="Title Only">
+    <p:spTree>
+      <p:nvGrpSpPr>
+        <p:cNvPr id="1" name=""/>
+        <p:cNvGrpSpPr/>
+        <p:nvPr/>
+      </p:nvGrpSpPr>
+      <p:grpSpPr>
+        <a:xfrm>
+          <a:off x="0" y="0"/>
+          <a:ext cx="0" cy="0"/>
+          <a:chOff x="0" y="0"/>
+          <a:chExt cx="0" cy="0"/>
+        </a:xfrm>
+      </p:grpSpPr>
+      <p:sp>
+        <p:nvSpPr>
+          <p:cNvPr id="45" name="PlaceHolder 1"/>
+          <p:cNvSpPr>
+            <a:spLocks noGrp="1"/>
+          </p:cNvSpPr>
+          <p:nvPr>
+            <p:ph type="title"/>
+          </p:nvPr>
+        </p:nvSpPr>
+        <p:spPr>
+          <a:xfrm>
+            <a:off x="504000" y="301320"/>
+            <a:ext cx="9071280" cy="1262520"/>
+          </a:xfrm>
+          <a:prstGeom prst="rect">
+            <a:avLst/>
+          </a:prstGeom>
+        </p:spPr>
+        <p:txBody>
+          <a:bodyPr lIns="0" rIns="0" tIns="0" bIns="0" anchor="ctr"/>
+          <a:p>
+            <a:pPr algn="ctr"/>
+            <a:endParaRPr/>
+          </a:p>
+        </p:txBody>
+      </p:sp>
+    </p:spTree>
+  </p:cSld>
+</p:sldLayout>
+</file>
+
+<file path=ppt/slideLayouts/slideLayout18.xml><?xml version="1.0" encoding="utf-8"?>
+<p:sldLayout xmlns:a="http://schemas.openxmlformats.org/drawingml/2006/main" xmlns:p="http://schemas.openxmlformats.org/presentationml/2006/main" xmlns:r="http://schemas.openxmlformats.org/officeDocument/2006/relationships" type="objOnly" preserve="1">
+  <p:cSld name="Centered Text">
+    <p:spTree>
+      <p:nvGrpSpPr>
+        <p:cNvPr id="1" name=""/>
+        <p:cNvGrpSpPr/>
+        <p:nvPr/>
+      </p:nvGrpSpPr>
+      <p:grpSpPr>
+        <a:xfrm>
+          <a:off x="0" y="0"/>
+          <a:ext cx="0" cy="0"/>
+          <a:chOff x="0" y="0"/>
+          <a:chExt cx="0" cy="0"/>
+        </a:xfrm>
+      </p:grpSpPr>
+      <p:sp>
+        <p:nvSpPr>
+          <p:cNvPr id="46" name="PlaceHolder 1"/>
+          <p:cNvSpPr>
+            <a:spLocks noGrp="1"/>
+          </p:cNvSpPr>
+          <p:nvPr>
+            <p:ph type="subTitle"/>
+          </p:nvPr>
+        </p:nvSpPr>
+        <p:spPr>
+          <a:xfrm>
+            <a:off x="504000" y="301320"/>
+            <a:ext cx="9071280" cy="5852160"/>
+          </a:xfrm>
+          <a:prstGeom prst="rect">
+            <a:avLst/>
+          </a:prstGeom>
+        </p:spPr>
+        <p:txBody>
+          <a:bodyPr lIns="0" rIns="0" tIns="0" bIns="0" anchor="ctr"/>
+          <a:p>
+            <a:pPr algn="ctr"/>
+            <a:endParaRPr/>
+          </a:p>
+        </p:txBody>
+      </p:sp>
+    </p:spTree>
+  </p:cSld>
+</p:sldLayout>
+</file>
+
+<file path=ppt/slideLayouts/slideLayout19.xml><?xml version="1.0" encoding="utf-8"?>
+<p:sldLayout xmlns:a="http://schemas.openxmlformats.org/drawingml/2006/main" xmlns:p="http://schemas.openxmlformats.org/presentationml/2006/main" xmlns:r="http://schemas.openxmlformats.org/officeDocument/2006/relationships" type="twoObjAndObj" preserve="1">
+  <p:cSld name="Title, 2 Content and Content">
+    <p:spTree>
+      <p:nvGrpSpPr>
+        <p:cNvPr id="1" name=""/>
+        <p:cNvGrpSpPr/>
+        <p:nvPr/>
+      </p:nvGrpSpPr>
+      <p:grpSpPr>
+        <a:xfrm>
+          <a:off x="0" y="0"/>
+          <a:ext cx="0" cy="0"/>
+          <a:chOff x="0" y="0"/>
+          <a:chExt cx="0" cy="0"/>
+        </a:xfrm>
+      </p:grpSpPr>
+      <p:sp>
+        <p:nvSpPr>
+          <p:cNvPr id="47" name="PlaceHolder 1"/>
+          <p:cNvSpPr>
+            <a:spLocks noGrp="1"/>
+          </p:cNvSpPr>
+          <p:nvPr>
+            <p:ph type="title"/>
+          </p:nvPr>
+        </p:nvSpPr>
+        <p:spPr>
+          <a:xfrm>
+            <a:off x="504000" y="301320"/>
+            <a:ext cx="9071280" cy="1262520"/>
+          </a:xfrm>
+          <a:prstGeom prst="rect">
+            <a:avLst/>
+          </a:prstGeom>
+        </p:spPr>
+        <p:txBody>
+          <a:bodyPr lIns="0" rIns="0" tIns="0" bIns="0" anchor="ctr"/>
+          <a:p>
+            <a:pPr algn="ctr"/>
+            <a:endParaRPr/>
+          </a:p>
+        </p:txBody>
+      </p:sp>
+      <p:sp>
+        <p:nvSpPr>
+          <p:cNvPr id="48" name="PlaceHolder 2"/>
+          <p:cNvSpPr>
+            <a:spLocks noGrp="1"/>
+          </p:cNvSpPr>
+          <p:nvPr>
+            <p:ph type="body"/>
+          </p:nvPr>
+        </p:nvSpPr>
+        <p:spPr>
+          <a:xfrm>
+            <a:off x="504000" y="1769040"/>
+            <a:ext cx="2160000" cy="2090880"/>
+          </a:xfrm>
+          <a:prstGeom prst="rect">
+            <a:avLst/>
+          </a:prstGeom>
+        </p:spPr>
+        <p:txBody>
+          <a:bodyPr lIns="0" rIns="0" tIns="0" bIns="0"/>
+          <a:p>
+            <a:endParaRPr/>
+          </a:p>
+        </p:txBody>
+      </p:sp>
+      <p:sp>
+        <p:nvSpPr>
+          <p:cNvPr id="49" name="PlaceHolder 3"/>
+          <p:cNvSpPr>
+            <a:spLocks noGrp="1"/>
+          </p:cNvSpPr>
+          <p:nvPr>
+            <p:ph type="body"/>
+          </p:nvPr>
+        </p:nvSpPr>
+        <p:spPr>
+          <a:xfrm>
+            <a:off x="504000" y="4059000"/>
+            <a:ext cx="2160000" cy="2090880"/>
+          </a:xfrm>
+          <a:prstGeom prst="rect">
+            <a:avLst/>
+          </a:prstGeom>
+        </p:spPr>
+        <p:txBody>
+          <a:bodyPr lIns="0" rIns="0" tIns="0" bIns="0"/>
+          <a:p>
+            <a:endParaRPr/>
+          </a:p>
+        </p:txBody>
+      </p:sp>
+      <p:sp>
+        <p:nvSpPr>
+          <p:cNvPr id="50" name="PlaceHolder 4"/>
+          <p:cNvSpPr>
+            <a:spLocks noGrp="1"/>
+          </p:cNvSpPr>
+          <p:nvPr>
+            <p:ph type="body"/>
+          </p:nvPr>
+        </p:nvSpPr>
+        <p:spPr>
+          <a:xfrm>
+            <a:off x="2772360" y="1769040"/>
+            <a:ext cx="2160000" cy="4384080"/>
+          </a:xfrm>
+          <a:prstGeom prst="rect">
+            <a:avLst/>
+          </a:prstGeom>
+        </p:spPr>
+        <p:txBody>
+          <a:bodyPr lIns="0" rIns="0" tIns="0" bIns="0"/>
+          <a:p>
+            <a:endParaRPr/>
+          </a:p>
+        </p:txBody>
+      </p:sp>
     </p:spTree>
   </p:cSld>
 </p:sldLayout>
@@ -464,7 +1532,7 @@
       </p:grpSpPr>
       <p:sp>
         <p:nvSpPr>
-          <p:cNvPr id="5" name="PlaceHolder 1"/>
+          <p:cNvPr id="2" name="PlaceHolder 1"/>
           <p:cNvSpPr>
             <a:spLocks noGrp="1"/>
           </p:cNvSpPr>
@@ -475,7 +1543,7 @@
         <p:spPr>
           <a:xfrm>
             <a:off x="504000" y="301320"/>
-            <a:ext cx="9071640" cy="1262520"/>
+            <a:ext cx="9071280" cy="1262520"/>
           </a:xfrm>
           <a:prstGeom prst="rect">
             <a:avLst/>
@@ -491,7 +1559,7 @@
       </p:sp>
       <p:sp>
         <p:nvSpPr>
-          <p:cNvPr id="6" name="PlaceHolder 2"/>
+          <p:cNvPr id="3" name="PlaceHolder 2"/>
           <p:cNvSpPr>
             <a:spLocks noGrp="1"/>
           </p:cNvSpPr>
@@ -502,7 +1570,989 @@
         <p:spPr>
           <a:xfrm>
             <a:off x="504000" y="1769040"/>
-            <a:ext cx="9071640" cy="4384800"/>
+            <a:ext cx="4426560" cy="4384440"/>
+          </a:xfrm>
+          <a:prstGeom prst="rect">
+            <a:avLst/>
+          </a:prstGeom>
+        </p:spPr>
+        <p:txBody>
+          <a:bodyPr lIns="0" rIns="0" tIns="0" bIns="0" anchor="ctr"/>
+          <a:p>
+            <a:pPr algn="ctr"/>
+            <a:endParaRPr/>
+          </a:p>
+        </p:txBody>
+      </p:sp>
+    </p:spTree>
+  </p:cSld>
+</p:sldLayout>
+</file>
+
+<file path=ppt/slideLayouts/slideLayout20.xml><?xml version="1.0" encoding="utf-8"?>
+<p:sldLayout xmlns:a="http://schemas.openxmlformats.org/drawingml/2006/main" xmlns:p="http://schemas.openxmlformats.org/presentationml/2006/main" xmlns:r="http://schemas.openxmlformats.org/officeDocument/2006/relationships" type="objAndTwoObj" preserve="1">
+  <p:cSld name="Title Content and 2 Content">
+    <p:spTree>
+      <p:nvGrpSpPr>
+        <p:cNvPr id="1" name=""/>
+        <p:cNvGrpSpPr/>
+        <p:nvPr/>
+      </p:nvGrpSpPr>
+      <p:grpSpPr>
+        <a:xfrm>
+          <a:off x="0" y="0"/>
+          <a:ext cx="0" cy="0"/>
+          <a:chOff x="0" y="0"/>
+          <a:chExt cx="0" cy="0"/>
+        </a:xfrm>
+      </p:grpSpPr>
+      <p:sp>
+        <p:nvSpPr>
+          <p:cNvPr id="51" name="PlaceHolder 1"/>
+          <p:cNvSpPr>
+            <a:spLocks noGrp="1"/>
+          </p:cNvSpPr>
+          <p:nvPr>
+            <p:ph type="title"/>
+          </p:nvPr>
+        </p:nvSpPr>
+        <p:spPr>
+          <a:xfrm>
+            <a:off x="504000" y="301320"/>
+            <a:ext cx="9071280" cy="1262520"/>
+          </a:xfrm>
+          <a:prstGeom prst="rect">
+            <a:avLst/>
+          </a:prstGeom>
+        </p:spPr>
+        <p:txBody>
+          <a:bodyPr lIns="0" rIns="0" tIns="0" bIns="0" anchor="ctr"/>
+          <a:p>
+            <a:pPr algn="ctr"/>
+            <a:endParaRPr/>
+          </a:p>
+        </p:txBody>
+      </p:sp>
+      <p:sp>
+        <p:nvSpPr>
+          <p:cNvPr id="52" name="PlaceHolder 2"/>
+          <p:cNvSpPr>
+            <a:spLocks noGrp="1"/>
+          </p:cNvSpPr>
+          <p:nvPr>
+            <p:ph type="body"/>
+          </p:nvPr>
+        </p:nvSpPr>
+        <p:spPr>
+          <a:xfrm>
+            <a:off x="504000" y="1769040"/>
+            <a:ext cx="2160000" cy="4384080"/>
+          </a:xfrm>
+          <a:prstGeom prst="rect">
+            <a:avLst/>
+          </a:prstGeom>
+        </p:spPr>
+        <p:txBody>
+          <a:bodyPr lIns="0" rIns="0" tIns="0" bIns="0"/>
+          <a:p>
+            <a:endParaRPr/>
+          </a:p>
+        </p:txBody>
+      </p:sp>
+      <p:sp>
+        <p:nvSpPr>
+          <p:cNvPr id="53" name="PlaceHolder 3"/>
+          <p:cNvSpPr>
+            <a:spLocks noGrp="1"/>
+          </p:cNvSpPr>
+          <p:nvPr>
+            <p:ph type="body"/>
+          </p:nvPr>
+        </p:nvSpPr>
+        <p:spPr>
+          <a:xfrm>
+            <a:off x="2772360" y="1769040"/>
+            <a:ext cx="2160000" cy="2090880"/>
+          </a:xfrm>
+          <a:prstGeom prst="rect">
+            <a:avLst/>
+          </a:prstGeom>
+        </p:spPr>
+        <p:txBody>
+          <a:bodyPr lIns="0" rIns="0" tIns="0" bIns="0"/>
+          <a:p>
+            <a:endParaRPr/>
+          </a:p>
+        </p:txBody>
+      </p:sp>
+      <p:sp>
+        <p:nvSpPr>
+          <p:cNvPr id="54" name="PlaceHolder 4"/>
+          <p:cNvSpPr>
+            <a:spLocks noGrp="1"/>
+          </p:cNvSpPr>
+          <p:nvPr>
+            <p:ph type="body"/>
+          </p:nvPr>
+        </p:nvSpPr>
+        <p:spPr>
+          <a:xfrm>
+            <a:off x="2772360" y="4059000"/>
+            <a:ext cx="2160000" cy="2090880"/>
+          </a:xfrm>
+          <a:prstGeom prst="rect">
+            <a:avLst/>
+          </a:prstGeom>
+        </p:spPr>
+        <p:txBody>
+          <a:bodyPr lIns="0" rIns="0" tIns="0" bIns="0"/>
+          <a:p>
+            <a:endParaRPr/>
+          </a:p>
+        </p:txBody>
+      </p:sp>
+    </p:spTree>
+  </p:cSld>
+</p:sldLayout>
+</file>
+
+<file path=ppt/slideLayouts/slideLayout21.xml><?xml version="1.0" encoding="utf-8"?>
+<p:sldLayout xmlns:a="http://schemas.openxmlformats.org/drawingml/2006/main" xmlns:p="http://schemas.openxmlformats.org/presentationml/2006/main" xmlns:r="http://schemas.openxmlformats.org/officeDocument/2006/relationships" type="twoObjOverTx" preserve="1">
+  <p:cSld name="Title, 2 Content over Content">
+    <p:spTree>
+      <p:nvGrpSpPr>
+        <p:cNvPr id="1" name=""/>
+        <p:cNvGrpSpPr/>
+        <p:nvPr/>
+      </p:nvGrpSpPr>
+      <p:grpSpPr>
+        <a:xfrm>
+          <a:off x="0" y="0"/>
+          <a:ext cx="0" cy="0"/>
+          <a:chOff x="0" y="0"/>
+          <a:chExt cx="0" cy="0"/>
+        </a:xfrm>
+      </p:grpSpPr>
+      <p:sp>
+        <p:nvSpPr>
+          <p:cNvPr id="55" name="PlaceHolder 1"/>
+          <p:cNvSpPr>
+            <a:spLocks noGrp="1"/>
+          </p:cNvSpPr>
+          <p:nvPr>
+            <p:ph type="title"/>
+          </p:nvPr>
+        </p:nvSpPr>
+        <p:spPr>
+          <a:xfrm>
+            <a:off x="504000" y="301320"/>
+            <a:ext cx="9071280" cy="1262520"/>
+          </a:xfrm>
+          <a:prstGeom prst="rect">
+            <a:avLst/>
+          </a:prstGeom>
+        </p:spPr>
+        <p:txBody>
+          <a:bodyPr lIns="0" rIns="0" tIns="0" bIns="0" anchor="ctr"/>
+          <a:p>
+            <a:pPr algn="ctr"/>
+            <a:endParaRPr/>
+          </a:p>
+        </p:txBody>
+      </p:sp>
+      <p:sp>
+        <p:nvSpPr>
+          <p:cNvPr id="56" name="PlaceHolder 2"/>
+          <p:cNvSpPr>
+            <a:spLocks noGrp="1"/>
+          </p:cNvSpPr>
+          <p:nvPr>
+            <p:ph type="body"/>
+          </p:nvPr>
+        </p:nvSpPr>
+        <p:spPr>
+          <a:xfrm>
+            <a:off x="504000" y="1769040"/>
+            <a:ext cx="2160000" cy="2090880"/>
+          </a:xfrm>
+          <a:prstGeom prst="rect">
+            <a:avLst/>
+          </a:prstGeom>
+        </p:spPr>
+        <p:txBody>
+          <a:bodyPr lIns="0" rIns="0" tIns="0" bIns="0"/>
+          <a:p>
+            <a:endParaRPr/>
+          </a:p>
+        </p:txBody>
+      </p:sp>
+      <p:sp>
+        <p:nvSpPr>
+          <p:cNvPr id="57" name="PlaceHolder 3"/>
+          <p:cNvSpPr>
+            <a:spLocks noGrp="1"/>
+          </p:cNvSpPr>
+          <p:nvPr>
+            <p:ph type="body"/>
+          </p:nvPr>
+        </p:nvSpPr>
+        <p:spPr>
+          <a:xfrm>
+            <a:off x="2772360" y="1769040"/>
+            <a:ext cx="2160000" cy="2090880"/>
+          </a:xfrm>
+          <a:prstGeom prst="rect">
+            <a:avLst/>
+          </a:prstGeom>
+        </p:spPr>
+        <p:txBody>
+          <a:bodyPr lIns="0" rIns="0" tIns="0" bIns="0"/>
+          <a:p>
+            <a:endParaRPr/>
+          </a:p>
+        </p:txBody>
+      </p:sp>
+      <p:sp>
+        <p:nvSpPr>
+          <p:cNvPr id="58" name="PlaceHolder 4"/>
+          <p:cNvSpPr>
+            <a:spLocks noGrp="1"/>
+          </p:cNvSpPr>
+          <p:nvPr>
+            <p:ph type="body"/>
+          </p:nvPr>
+        </p:nvSpPr>
+        <p:spPr>
+          <a:xfrm>
+            <a:off x="504000" y="4059000"/>
+            <a:ext cx="4426560" cy="2090880"/>
+          </a:xfrm>
+          <a:prstGeom prst="rect">
+            <a:avLst/>
+          </a:prstGeom>
+        </p:spPr>
+        <p:txBody>
+          <a:bodyPr lIns="0" rIns="0" tIns="0" bIns="0"/>
+          <a:p>
+            <a:endParaRPr/>
+          </a:p>
+        </p:txBody>
+      </p:sp>
+    </p:spTree>
+  </p:cSld>
+</p:sldLayout>
+</file>
+
+<file path=ppt/slideLayouts/slideLayout22.xml><?xml version="1.0" encoding="utf-8"?>
+<p:sldLayout xmlns:a="http://schemas.openxmlformats.org/drawingml/2006/main" xmlns:p="http://schemas.openxmlformats.org/presentationml/2006/main" xmlns:r="http://schemas.openxmlformats.org/officeDocument/2006/relationships" type="objOverTx" preserve="1">
+  <p:cSld name="Title, Content over Content">
+    <p:spTree>
+      <p:nvGrpSpPr>
+        <p:cNvPr id="1" name=""/>
+        <p:cNvGrpSpPr/>
+        <p:nvPr/>
+      </p:nvGrpSpPr>
+      <p:grpSpPr>
+        <a:xfrm>
+          <a:off x="0" y="0"/>
+          <a:ext cx="0" cy="0"/>
+          <a:chOff x="0" y="0"/>
+          <a:chExt cx="0" cy="0"/>
+        </a:xfrm>
+      </p:grpSpPr>
+      <p:sp>
+        <p:nvSpPr>
+          <p:cNvPr id="59" name="PlaceHolder 1"/>
+          <p:cNvSpPr>
+            <a:spLocks noGrp="1"/>
+          </p:cNvSpPr>
+          <p:nvPr>
+            <p:ph type="title"/>
+          </p:nvPr>
+        </p:nvSpPr>
+        <p:spPr>
+          <a:xfrm>
+            <a:off x="504000" y="301320"/>
+            <a:ext cx="9071280" cy="1262520"/>
+          </a:xfrm>
+          <a:prstGeom prst="rect">
+            <a:avLst/>
+          </a:prstGeom>
+        </p:spPr>
+        <p:txBody>
+          <a:bodyPr lIns="0" rIns="0" tIns="0" bIns="0" anchor="ctr"/>
+          <a:p>
+            <a:pPr algn="ctr"/>
+            <a:endParaRPr/>
+          </a:p>
+        </p:txBody>
+      </p:sp>
+      <p:sp>
+        <p:nvSpPr>
+          <p:cNvPr id="60" name="PlaceHolder 2"/>
+          <p:cNvSpPr>
+            <a:spLocks noGrp="1"/>
+          </p:cNvSpPr>
+          <p:nvPr>
+            <p:ph type="body"/>
+          </p:nvPr>
+        </p:nvSpPr>
+        <p:spPr>
+          <a:xfrm>
+            <a:off x="504000" y="1769040"/>
+            <a:ext cx="4426560" cy="2090880"/>
+          </a:xfrm>
+          <a:prstGeom prst="rect">
+            <a:avLst/>
+          </a:prstGeom>
+        </p:spPr>
+        <p:txBody>
+          <a:bodyPr lIns="0" rIns="0" tIns="0" bIns="0"/>
+          <a:p>
+            <a:endParaRPr/>
+          </a:p>
+        </p:txBody>
+      </p:sp>
+      <p:sp>
+        <p:nvSpPr>
+          <p:cNvPr id="61" name="PlaceHolder 3"/>
+          <p:cNvSpPr>
+            <a:spLocks noGrp="1"/>
+          </p:cNvSpPr>
+          <p:nvPr>
+            <p:ph type="body"/>
+          </p:nvPr>
+        </p:nvSpPr>
+        <p:spPr>
+          <a:xfrm>
+            <a:off x="504000" y="4059000"/>
+            <a:ext cx="4426560" cy="2090880"/>
+          </a:xfrm>
+          <a:prstGeom prst="rect">
+            <a:avLst/>
+          </a:prstGeom>
+        </p:spPr>
+        <p:txBody>
+          <a:bodyPr lIns="0" rIns="0" tIns="0" bIns="0"/>
+          <a:p>
+            <a:endParaRPr/>
+          </a:p>
+        </p:txBody>
+      </p:sp>
+    </p:spTree>
+  </p:cSld>
+</p:sldLayout>
+</file>
+
+<file path=ppt/slideLayouts/slideLayout23.xml><?xml version="1.0" encoding="utf-8"?>
+<p:sldLayout xmlns:a="http://schemas.openxmlformats.org/drawingml/2006/main" xmlns:p="http://schemas.openxmlformats.org/presentationml/2006/main" xmlns:r="http://schemas.openxmlformats.org/officeDocument/2006/relationships" type="fourObj" preserve="1">
+  <p:cSld name="Title, 4 Content">
+    <p:spTree>
+      <p:nvGrpSpPr>
+        <p:cNvPr id="1" name=""/>
+        <p:cNvGrpSpPr/>
+        <p:nvPr/>
+      </p:nvGrpSpPr>
+      <p:grpSpPr>
+        <a:xfrm>
+          <a:off x="0" y="0"/>
+          <a:ext cx="0" cy="0"/>
+          <a:chOff x="0" y="0"/>
+          <a:chExt cx="0" cy="0"/>
+        </a:xfrm>
+      </p:grpSpPr>
+      <p:sp>
+        <p:nvSpPr>
+          <p:cNvPr id="62" name="PlaceHolder 1"/>
+          <p:cNvSpPr>
+            <a:spLocks noGrp="1"/>
+          </p:cNvSpPr>
+          <p:nvPr>
+            <p:ph type="title"/>
+          </p:nvPr>
+        </p:nvSpPr>
+        <p:spPr>
+          <a:xfrm>
+            <a:off x="504000" y="301320"/>
+            <a:ext cx="9071280" cy="1262520"/>
+          </a:xfrm>
+          <a:prstGeom prst="rect">
+            <a:avLst/>
+          </a:prstGeom>
+        </p:spPr>
+        <p:txBody>
+          <a:bodyPr lIns="0" rIns="0" tIns="0" bIns="0" anchor="ctr"/>
+          <a:p>
+            <a:pPr algn="ctr"/>
+            <a:endParaRPr/>
+          </a:p>
+        </p:txBody>
+      </p:sp>
+      <p:sp>
+        <p:nvSpPr>
+          <p:cNvPr id="63" name="PlaceHolder 2"/>
+          <p:cNvSpPr>
+            <a:spLocks noGrp="1"/>
+          </p:cNvSpPr>
+          <p:nvPr>
+            <p:ph type="body"/>
+          </p:nvPr>
+        </p:nvSpPr>
+        <p:spPr>
+          <a:xfrm>
+            <a:off x="504000" y="1769040"/>
+            <a:ext cx="2160000" cy="2090880"/>
+          </a:xfrm>
+          <a:prstGeom prst="rect">
+            <a:avLst/>
+          </a:prstGeom>
+        </p:spPr>
+        <p:txBody>
+          <a:bodyPr lIns="0" rIns="0" tIns="0" bIns="0"/>
+          <a:p>
+            <a:endParaRPr/>
+          </a:p>
+        </p:txBody>
+      </p:sp>
+      <p:sp>
+        <p:nvSpPr>
+          <p:cNvPr id="64" name="PlaceHolder 3"/>
+          <p:cNvSpPr>
+            <a:spLocks noGrp="1"/>
+          </p:cNvSpPr>
+          <p:nvPr>
+            <p:ph type="body"/>
+          </p:nvPr>
+        </p:nvSpPr>
+        <p:spPr>
+          <a:xfrm>
+            <a:off x="2772360" y="1769040"/>
+            <a:ext cx="2160000" cy="2090880"/>
+          </a:xfrm>
+          <a:prstGeom prst="rect">
+            <a:avLst/>
+          </a:prstGeom>
+        </p:spPr>
+        <p:txBody>
+          <a:bodyPr lIns="0" rIns="0" tIns="0" bIns="0"/>
+          <a:p>
+            <a:endParaRPr/>
+          </a:p>
+        </p:txBody>
+      </p:sp>
+      <p:sp>
+        <p:nvSpPr>
+          <p:cNvPr id="65" name="PlaceHolder 4"/>
+          <p:cNvSpPr>
+            <a:spLocks noGrp="1"/>
+          </p:cNvSpPr>
+          <p:nvPr>
+            <p:ph type="body"/>
+          </p:nvPr>
+        </p:nvSpPr>
+        <p:spPr>
+          <a:xfrm>
+            <a:off x="2772360" y="4059000"/>
+            <a:ext cx="2160000" cy="2090880"/>
+          </a:xfrm>
+          <a:prstGeom prst="rect">
+            <a:avLst/>
+          </a:prstGeom>
+        </p:spPr>
+        <p:txBody>
+          <a:bodyPr lIns="0" rIns="0" tIns="0" bIns="0"/>
+          <a:p>
+            <a:endParaRPr/>
+          </a:p>
+        </p:txBody>
+      </p:sp>
+      <p:sp>
+        <p:nvSpPr>
+          <p:cNvPr id="66" name="PlaceHolder 5"/>
+          <p:cNvSpPr>
+            <a:spLocks noGrp="1"/>
+          </p:cNvSpPr>
+          <p:nvPr>
+            <p:ph type="body"/>
+          </p:nvPr>
+        </p:nvSpPr>
+        <p:spPr>
+          <a:xfrm>
+            <a:off x="504000" y="4059000"/>
+            <a:ext cx="2160000" cy="2090880"/>
+          </a:xfrm>
+          <a:prstGeom prst="rect">
+            <a:avLst/>
+          </a:prstGeom>
+        </p:spPr>
+        <p:txBody>
+          <a:bodyPr lIns="0" rIns="0" tIns="0" bIns="0"/>
+          <a:p>
+            <a:endParaRPr/>
+          </a:p>
+        </p:txBody>
+      </p:sp>
+    </p:spTree>
+  </p:cSld>
+</p:sldLayout>
+</file>
+
+<file path=ppt/slideLayouts/slideLayout24.xml><?xml version="1.0" encoding="utf-8"?>
+<p:sldLayout xmlns:a="http://schemas.openxmlformats.org/drawingml/2006/main" xmlns:p="http://schemas.openxmlformats.org/presentationml/2006/main" xmlns:r="http://schemas.openxmlformats.org/officeDocument/2006/relationships" type="blank" preserve="1">
+  <p:cSld name="Title, 6 Content">
+    <p:spTree>
+      <p:nvGrpSpPr>
+        <p:cNvPr id="1" name=""/>
+        <p:cNvGrpSpPr/>
+        <p:nvPr/>
+      </p:nvGrpSpPr>
+      <p:grpSpPr>
+        <a:xfrm>
+          <a:off x="0" y="0"/>
+          <a:ext cx="0" cy="0"/>
+          <a:chOff x="0" y="0"/>
+          <a:chExt cx="0" cy="0"/>
+        </a:xfrm>
+      </p:grpSpPr>
+      <p:sp>
+        <p:nvSpPr>
+          <p:cNvPr id="67" name="PlaceHolder 1"/>
+          <p:cNvSpPr>
+            <a:spLocks noGrp="1"/>
+          </p:cNvSpPr>
+          <p:nvPr>
+            <p:ph type="title"/>
+          </p:nvPr>
+        </p:nvSpPr>
+        <p:spPr>
+          <a:xfrm>
+            <a:off x="504000" y="301320"/>
+            <a:ext cx="9071280" cy="1262520"/>
+          </a:xfrm>
+          <a:prstGeom prst="rect">
+            <a:avLst/>
+          </a:prstGeom>
+        </p:spPr>
+        <p:txBody>
+          <a:bodyPr lIns="0" rIns="0" tIns="0" bIns="0" anchor="ctr"/>
+          <a:p>
+            <a:pPr algn="ctr"/>
+            <a:endParaRPr/>
+          </a:p>
+        </p:txBody>
+      </p:sp>
+      <p:sp>
+        <p:nvSpPr>
+          <p:cNvPr id="68" name="PlaceHolder 2"/>
+          <p:cNvSpPr>
+            <a:spLocks noGrp="1"/>
+          </p:cNvSpPr>
+          <p:nvPr>
+            <p:ph type="body"/>
+          </p:nvPr>
+        </p:nvSpPr>
+        <p:spPr>
+          <a:xfrm>
+            <a:off x="504000" y="1769040"/>
+            <a:ext cx="4426560" cy="4384080"/>
+          </a:xfrm>
+          <a:prstGeom prst="rect">
+            <a:avLst/>
+          </a:prstGeom>
+        </p:spPr>
+        <p:txBody>
+          <a:bodyPr lIns="0" rIns="0" tIns="0" bIns="0"/>
+          <a:p>
+            <a:endParaRPr/>
+          </a:p>
+        </p:txBody>
+      </p:sp>
+      <p:sp>
+        <p:nvSpPr>
+          <p:cNvPr id="69" name="PlaceHolder 3"/>
+          <p:cNvSpPr>
+            <a:spLocks noGrp="1"/>
+          </p:cNvSpPr>
+          <p:nvPr>
+            <p:ph type="body"/>
+          </p:nvPr>
+        </p:nvSpPr>
+        <p:spPr>
+          <a:xfrm>
+            <a:off x="504000" y="1769040"/>
+            <a:ext cx="4426560" cy="4384080"/>
+          </a:xfrm>
+          <a:prstGeom prst="rect">
+            <a:avLst/>
+          </a:prstGeom>
+        </p:spPr>
+        <p:txBody>
+          <a:bodyPr lIns="0" rIns="0" tIns="0" bIns="0"/>
+          <a:p>
+            <a:endParaRPr/>
+          </a:p>
+        </p:txBody>
+      </p:sp>
+      <p:pic>
+        <p:nvPicPr>
+          <p:cNvPr id="70" name="" descr=""/>
+          <p:cNvPicPr/>
+          <p:nvPr/>
+        </p:nvPicPr>
+        <p:blipFill>
+          <a:blip r:embed="rId2"/>
+          <a:stretch>
+            <a:fillRect/>
+          </a:stretch>
+        </p:blipFill>
+        <p:spPr>
+          <a:xfrm>
+            <a:off x="504000" y="2195280"/>
+            <a:ext cx="4426560" cy="3531600"/>
+          </a:xfrm>
+          <a:prstGeom prst="rect">
+            <a:avLst/>
+          </a:prstGeom>
+          <a:ln>
+            <a:noFill/>
+          </a:ln>
+        </p:spPr>
+      </p:pic>
+      <p:pic>
+        <p:nvPicPr>
+          <p:cNvPr id="71" name="" descr=""/>
+          <p:cNvPicPr/>
+          <p:nvPr/>
+        </p:nvPicPr>
+        <p:blipFill>
+          <a:blip r:embed="rId3"/>
+          <a:stretch>
+            <a:fillRect/>
+          </a:stretch>
+        </p:blipFill>
+        <p:spPr>
+          <a:xfrm>
+            <a:off x="504000" y="2195280"/>
+            <a:ext cx="4426560" cy="3531600"/>
+          </a:xfrm>
+          <a:prstGeom prst="rect">
+            <a:avLst/>
+          </a:prstGeom>
+          <a:ln>
+            <a:noFill/>
+          </a:ln>
+        </p:spPr>
+      </p:pic>
+    </p:spTree>
+  </p:cSld>
+</p:sldLayout>
+</file>
+
+<file path=ppt/slideLayouts/slideLayout25.xml><?xml version="1.0" encoding="utf-8"?>
+<p:sldLayout xmlns:a="http://schemas.openxmlformats.org/drawingml/2006/main" xmlns:p="http://schemas.openxmlformats.org/presentationml/2006/main" xmlns:r="http://schemas.openxmlformats.org/officeDocument/2006/relationships" type="blank" preserve="1">
+  <p:cSld name="Blank Slide">
+    <p:spTree>
+      <p:nvGrpSpPr>
+        <p:cNvPr id="1" name=""/>
+        <p:cNvGrpSpPr/>
+        <p:nvPr/>
+      </p:nvGrpSpPr>
+      <p:grpSpPr>
+        <a:xfrm>
+          <a:off x="0" y="0"/>
+          <a:ext cx="0" cy="0"/>
+          <a:chOff x="0" y="0"/>
+          <a:chExt cx="0" cy="0"/>
+        </a:xfrm>
+      </p:grpSpPr>
+    </p:spTree>
+  </p:cSld>
+</p:sldLayout>
+</file>
+
+<file path=ppt/slideLayouts/slideLayout26.xml><?xml version="1.0" encoding="utf-8"?>
+<p:sldLayout xmlns:a="http://schemas.openxmlformats.org/drawingml/2006/main" xmlns:p="http://schemas.openxmlformats.org/presentationml/2006/main" xmlns:r="http://schemas.openxmlformats.org/officeDocument/2006/relationships" type="tx" preserve="1">
+  <p:cSld name="Title Slide">
+    <p:spTree>
+      <p:nvGrpSpPr>
+        <p:cNvPr id="1" name=""/>
+        <p:cNvGrpSpPr/>
+        <p:nvPr/>
+      </p:nvGrpSpPr>
+      <p:grpSpPr>
+        <a:xfrm>
+          <a:off x="0" y="0"/>
+          <a:ext cx="0" cy="0"/>
+          <a:chOff x="0" y="0"/>
+          <a:chExt cx="0" cy="0"/>
+        </a:xfrm>
+      </p:grpSpPr>
+      <p:sp>
+        <p:nvSpPr>
+          <p:cNvPr id="75" name="PlaceHolder 1"/>
+          <p:cNvSpPr>
+            <a:spLocks noGrp="1"/>
+          </p:cNvSpPr>
+          <p:nvPr>
+            <p:ph type="title"/>
+          </p:nvPr>
+        </p:nvSpPr>
+        <p:spPr>
+          <a:xfrm>
+            <a:off x="504000" y="301320"/>
+            <a:ext cx="9071280" cy="1262520"/>
+          </a:xfrm>
+          <a:prstGeom prst="rect">
+            <a:avLst/>
+          </a:prstGeom>
+        </p:spPr>
+        <p:txBody>
+          <a:bodyPr lIns="0" rIns="0" tIns="0" bIns="0" anchor="ctr"/>
+          <a:p>
+            <a:pPr algn="ctr"/>
+            <a:endParaRPr/>
+          </a:p>
+        </p:txBody>
+      </p:sp>
+      <p:sp>
+        <p:nvSpPr>
+          <p:cNvPr id="76" name="PlaceHolder 2"/>
+          <p:cNvSpPr>
+            <a:spLocks noGrp="1"/>
+          </p:cNvSpPr>
+          <p:nvPr>
+            <p:ph type="subTitle"/>
+          </p:nvPr>
+        </p:nvSpPr>
+        <p:spPr>
+          <a:xfrm>
+            <a:off x="504000" y="1769040"/>
+            <a:ext cx="4426560" cy="4384440"/>
+          </a:xfrm>
+          <a:prstGeom prst="rect">
+            <a:avLst/>
+          </a:prstGeom>
+        </p:spPr>
+        <p:txBody>
+          <a:bodyPr lIns="0" rIns="0" tIns="0" bIns="0" anchor="ctr"/>
+          <a:p>
+            <a:pPr algn="ctr"/>
+            <a:endParaRPr/>
+          </a:p>
+        </p:txBody>
+      </p:sp>
+    </p:spTree>
+  </p:cSld>
+</p:sldLayout>
+</file>
+
+<file path=ppt/slideLayouts/slideLayout27.xml><?xml version="1.0" encoding="utf-8"?>
+<p:sldLayout xmlns:a="http://schemas.openxmlformats.org/drawingml/2006/main" xmlns:p="http://schemas.openxmlformats.org/presentationml/2006/main" xmlns:r="http://schemas.openxmlformats.org/officeDocument/2006/relationships" type="obj" preserve="1">
+  <p:cSld name="Title, Content">
+    <p:spTree>
+      <p:nvGrpSpPr>
+        <p:cNvPr id="1" name=""/>
+        <p:cNvGrpSpPr/>
+        <p:nvPr/>
+      </p:nvGrpSpPr>
+      <p:grpSpPr>
+        <a:xfrm>
+          <a:off x="0" y="0"/>
+          <a:ext cx="0" cy="0"/>
+          <a:chOff x="0" y="0"/>
+          <a:chExt cx="0" cy="0"/>
+        </a:xfrm>
+      </p:grpSpPr>
+      <p:sp>
+        <p:nvSpPr>
+          <p:cNvPr id="77" name="PlaceHolder 1"/>
+          <p:cNvSpPr>
+            <a:spLocks noGrp="1"/>
+          </p:cNvSpPr>
+          <p:nvPr>
+            <p:ph type="title"/>
+          </p:nvPr>
+        </p:nvSpPr>
+        <p:spPr>
+          <a:xfrm>
+            <a:off x="504000" y="301320"/>
+            <a:ext cx="9071280" cy="1262520"/>
+          </a:xfrm>
+          <a:prstGeom prst="rect">
+            <a:avLst/>
+          </a:prstGeom>
+        </p:spPr>
+        <p:txBody>
+          <a:bodyPr lIns="0" rIns="0" tIns="0" bIns="0" anchor="ctr"/>
+          <a:p>
+            <a:pPr algn="ctr"/>
+            <a:endParaRPr/>
+          </a:p>
+        </p:txBody>
+      </p:sp>
+      <p:sp>
+        <p:nvSpPr>
+          <p:cNvPr id="78" name="PlaceHolder 2"/>
+          <p:cNvSpPr>
+            <a:spLocks noGrp="1"/>
+          </p:cNvSpPr>
+          <p:nvPr>
+            <p:ph type="body"/>
+          </p:nvPr>
+        </p:nvSpPr>
+        <p:spPr>
+          <a:xfrm>
+            <a:off x="504000" y="1769040"/>
+            <a:ext cx="4426560" cy="4384080"/>
+          </a:xfrm>
+          <a:prstGeom prst="rect">
+            <a:avLst/>
+          </a:prstGeom>
+        </p:spPr>
+        <p:txBody>
+          <a:bodyPr lIns="0" rIns="0" tIns="0" bIns="0"/>
+          <a:p>
+            <a:endParaRPr/>
+          </a:p>
+        </p:txBody>
+      </p:sp>
+    </p:spTree>
+  </p:cSld>
+</p:sldLayout>
+</file>
+
+<file path=ppt/slideLayouts/slideLayout28.xml><?xml version="1.0" encoding="utf-8"?>
+<p:sldLayout xmlns:a="http://schemas.openxmlformats.org/drawingml/2006/main" xmlns:p="http://schemas.openxmlformats.org/presentationml/2006/main" xmlns:r="http://schemas.openxmlformats.org/officeDocument/2006/relationships" type="twoObj" preserve="1">
+  <p:cSld name="Title, 2 Content">
+    <p:spTree>
+      <p:nvGrpSpPr>
+        <p:cNvPr id="1" name=""/>
+        <p:cNvGrpSpPr/>
+        <p:nvPr/>
+      </p:nvGrpSpPr>
+      <p:grpSpPr>
+        <a:xfrm>
+          <a:off x="0" y="0"/>
+          <a:ext cx="0" cy="0"/>
+          <a:chOff x="0" y="0"/>
+          <a:chExt cx="0" cy="0"/>
+        </a:xfrm>
+      </p:grpSpPr>
+      <p:sp>
+        <p:nvSpPr>
+          <p:cNvPr id="79" name="PlaceHolder 1"/>
+          <p:cNvSpPr>
+            <a:spLocks noGrp="1"/>
+          </p:cNvSpPr>
+          <p:nvPr>
+            <p:ph type="title"/>
+          </p:nvPr>
+        </p:nvSpPr>
+        <p:spPr>
+          <a:xfrm>
+            <a:off x="504000" y="301320"/>
+            <a:ext cx="9071280" cy="1262520"/>
+          </a:xfrm>
+          <a:prstGeom prst="rect">
+            <a:avLst/>
+          </a:prstGeom>
+        </p:spPr>
+        <p:txBody>
+          <a:bodyPr lIns="0" rIns="0" tIns="0" bIns="0" anchor="ctr"/>
+          <a:p>
+            <a:pPr algn="ctr"/>
+            <a:endParaRPr/>
+          </a:p>
+        </p:txBody>
+      </p:sp>
+      <p:sp>
+        <p:nvSpPr>
+          <p:cNvPr id="80" name="PlaceHolder 2"/>
+          <p:cNvSpPr>
+            <a:spLocks noGrp="1"/>
+          </p:cNvSpPr>
+          <p:nvPr>
+            <p:ph type="body"/>
+          </p:nvPr>
+        </p:nvSpPr>
+        <p:spPr>
+          <a:xfrm>
+            <a:off x="504000" y="1769040"/>
+            <a:ext cx="2160000" cy="4384080"/>
+          </a:xfrm>
+          <a:prstGeom prst="rect">
+            <a:avLst/>
+          </a:prstGeom>
+        </p:spPr>
+        <p:txBody>
+          <a:bodyPr lIns="0" rIns="0" tIns="0" bIns="0"/>
+          <a:p>
+            <a:endParaRPr/>
+          </a:p>
+        </p:txBody>
+      </p:sp>
+      <p:sp>
+        <p:nvSpPr>
+          <p:cNvPr id="81" name="PlaceHolder 3"/>
+          <p:cNvSpPr>
+            <a:spLocks noGrp="1"/>
+          </p:cNvSpPr>
+          <p:nvPr>
+            <p:ph type="body"/>
+          </p:nvPr>
+        </p:nvSpPr>
+        <p:spPr>
+          <a:xfrm>
+            <a:off x="2772360" y="1769040"/>
+            <a:ext cx="2160000" cy="4384080"/>
+          </a:xfrm>
+          <a:prstGeom prst="rect">
+            <a:avLst/>
+          </a:prstGeom>
+        </p:spPr>
+        <p:txBody>
+          <a:bodyPr lIns="0" rIns="0" tIns="0" bIns="0"/>
+          <a:p>
+            <a:endParaRPr/>
+          </a:p>
+        </p:txBody>
+      </p:sp>
+    </p:spTree>
+  </p:cSld>
+</p:sldLayout>
+</file>
+
+<file path=ppt/slideLayouts/slideLayout29.xml><?xml version="1.0" encoding="utf-8"?>
+<p:sldLayout xmlns:a="http://schemas.openxmlformats.org/drawingml/2006/main" xmlns:p="http://schemas.openxmlformats.org/presentationml/2006/main" xmlns:r="http://schemas.openxmlformats.org/officeDocument/2006/relationships" type="titleOnly" preserve="1">
+  <p:cSld name="Title Only">
+    <p:spTree>
+      <p:nvGrpSpPr>
+        <p:cNvPr id="1" name=""/>
+        <p:cNvGrpSpPr/>
+        <p:nvPr/>
+      </p:nvGrpSpPr>
+      <p:grpSpPr>
+        <a:xfrm>
+          <a:off x="0" y="0"/>
+          <a:ext cx="0" cy="0"/>
+          <a:chOff x="0" y="0"/>
+          <a:chExt cx="0" cy="0"/>
+        </a:xfrm>
+      </p:grpSpPr>
+      <p:sp>
+        <p:nvSpPr>
+          <p:cNvPr id="82" name="PlaceHolder 1"/>
+          <p:cNvSpPr>
+            <a:spLocks noGrp="1"/>
+          </p:cNvSpPr>
+          <p:nvPr>
+            <p:ph type="title"/>
+          </p:nvPr>
+        </p:nvSpPr>
+        <p:spPr>
+          <a:xfrm>
+            <a:off x="504000" y="301320"/>
+            <a:ext cx="9071280" cy="1262520"/>
           </a:xfrm>
           <a:prstGeom prst="rect">
             <a:avLst/>
@@ -540,7 +2590,7 @@
       </p:grpSpPr>
       <p:sp>
         <p:nvSpPr>
-          <p:cNvPr id="7" name="PlaceHolder 1"/>
+          <p:cNvPr id="4" name="PlaceHolder 1"/>
           <p:cNvSpPr>
             <a:spLocks noGrp="1"/>
           </p:cNvSpPr>
@@ -551,7 +2601,7 @@
         <p:spPr>
           <a:xfrm>
             <a:off x="504000" y="301320"/>
-            <a:ext cx="9071640" cy="1262520"/>
+            <a:ext cx="9071280" cy="1262520"/>
           </a:xfrm>
           <a:prstGeom prst="rect">
             <a:avLst/>
@@ -567,7 +2617,7 @@
       </p:sp>
       <p:sp>
         <p:nvSpPr>
-          <p:cNvPr id="8" name="PlaceHolder 2"/>
+          <p:cNvPr id="5" name="PlaceHolder 2"/>
           <p:cNvSpPr>
             <a:spLocks noGrp="1"/>
           </p:cNvSpPr>
@@ -578,19 +2628,854 @@
         <p:spPr>
           <a:xfrm>
             <a:off x="504000" y="1769040"/>
-            <a:ext cx="9071640" cy="4384440"/>
-          </a:xfrm>
-          <a:prstGeom prst="rect">
-            <a:avLst/>
-          </a:prstGeom>
-        </p:spPr>
-        <p:txBody>
-          <a:bodyPr lIns="0" rIns="0" tIns="0" bIns="0"/>
-          <a:p>
-            <a:endParaRPr/>
-          </a:p>
-        </p:txBody>
-      </p:sp>
+            <a:ext cx="4426560" cy="4384080"/>
+          </a:xfrm>
+          <a:prstGeom prst="rect">
+            <a:avLst/>
+          </a:prstGeom>
+        </p:spPr>
+        <p:txBody>
+          <a:bodyPr lIns="0" rIns="0" tIns="0" bIns="0"/>
+          <a:p>
+            <a:endParaRPr/>
+          </a:p>
+        </p:txBody>
+      </p:sp>
+    </p:spTree>
+  </p:cSld>
+</p:sldLayout>
+</file>
+
+<file path=ppt/slideLayouts/slideLayout30.xml><?xml version="1.0" encoding="utf-8"?>
+<p:sldLayout xmlns:a="http://schemas.openxmlformats.org/drawingml/2006/main" xmlns:p="http://schemas.openxmlformats.org/presentationml/2006/main" xmlns:r="http://schemas.openxmlformats.org/officeDocument/2006/relationships" type="objOnly" preserve="1">
+  <p:cSld name="Centered Text">
+    <p:spTree>
+      <p:nvGrpSpPr>
+        <p:cNvPr id="1" name=""/>
+        <p:cNvGrpSpPr/>
+        <p:nvPr/>
+      </p:nvGrpSpPr>
+      <p:grpSpPr>
+        <a:xfrm>
+          <a:off x="0" y="0"/>
+          <a:ext cx="0" cy="0"/>
+          <a:chOff x="0" y="0"/>
+          <a:chExt cx="0" cy="0"/>
+        </a:xfrm>
+      </p:grpSpPr>
+      <p:sp>
+        <p:nvSpPr>
+          <p:cNvPr id="83" name="PlaceHolder 1"/>
+          <p:cNvSpPr>
+            <a:spLocks noGrp="1"/>
+          </p:cNvSpPr>
+          <p:nvPr>
+            <p:ph type="subTitle"/>
+          </p:nvPr>
+        </p:nvSpPr>
+        <p:spPr>
+          <a:xfrm>
+            <a:off x="504000" y="301320"/>
+            <a:ext cx="9071280" cy="5852160"/>
+          </a:xfrm>
+          <a:prstGeom prst="rect">
+            <a:avLst/>
+          </a:prstGeom>
+        </p:spPr>
+        <p:txBody>
+          <a:bodyPr lIns="0" rIns="0" tIns="0" bIns="0" anchor="ctr"/>
+          <a:p>
+            <a:pPr algn="ctr"/>
+            <a:endParaRPr/>
+          </a:p>
+        </p:txBody>
+      </p:sp>
+    </p:spTree>
+  </p:cSld>
+</p:sldLayout>
+</file>
+
+<file path=ppt/slideLayouts/slideLayout31.xml><?xml version="1.0" encoding="utf-8"?>
+<p:sldLayout xmlns:a="http://schemas.openxmlformats.org/drawingml/2006/main" xmlns:p="http://schemas.openxmlformats.org/presentationml/2006/main" xmlns:r="http://schemas.openxmlformats.org/officeDocument/2006/relationships" type="twoObjAndObj" preserve="1">
+  <p:cSld name="Title, 2 Content and Content">
+    <p:spTree>
+      <p:nvGrpSpPr>
+        <p:cNvPr id="1" name=""/>
+        <p:cNvGrpSpPr/>
+        <p:nvPr/>
+      </p:nvGrpSpPr>
+      <p:grpSpPr>
+        <a:xfrm>
+          <a:off x="0" y="0"/>
+          <a:ext cx="0" cy="0"/>
+          <a:chOff x="0" y="0"/>
+          <a:chExt cx="0" cy="0"/>
+        </a:xfrm>
+      </p:grpSpPr>
+      <p:sp>
+        <p:nvSpPr>
+          <p:cNvPr id="84" name="PlaceHolder 1"/>
+          <p:cNvSpPr>
+            <a:spLocks noGrp="1"/>
+          </p:cNvSpPr>
+          <p:nvPr>
+            <p:ph type="title"/>
+          </p:nvPr>
+        </p:nvSpPr>
+        <p:spPr>
+          <a:xfrm>
+            <a:off x="504000" y="301320"/>
+            <a:ext cx="9071280" cy="1262520"/>
+          </a:xfrm>
+          <a:prstGeom prst="rect">
+            <a:avLst/>
+          </a:prstGeom>
+        </p:spPr>
+        <p:txBody>
+          <a:bodyPr lIns="0" rIns="0" tIns="0" bIns="0" anchor="ctr"/>
+          <a:p>
+            <a:pPr algn="ctr"/>
+            <a:endParaRPr/>
+          </a:p>
+        </p:txBody>
+      </p:sp>
+      <p:sp>
+        <p:nvSpPr>
+          <p:cNvPr id="85" name="PlaceHolder 2"/>
+          <p:cNvSpPr>
+            <a:spLocks noGrp="1"/>
+          </p:cNvSpPr>
+          <p:nvPr>
+            <p:ph type="body"/>
+          </p:nvPr>
+        </p:nvSpPr>
+        <p:spPr>
+          <a:xfrm>
+            <a:off x="504000" y="1769040"/>
+            <a:ext cx="2160000" cy="2090880"/>
+          </a:xfrm>
+          <a:prstGeom prst="rect">
+            <a:avLst/>
+          </a:prstGeom>
+        </p:spPr>
+        <p:txBody>
+          <a:bodyPr lIns="0" rIns="0" tIns="0" bIns="0"/>
+          <a:p>
+            <a:endParaRPr/>
+          </a:p>
+        </p:txBody>
+      </p:sp>
+      <p:sp>
+        <p:nvSpPr>
+          <p:cNvPr id="86" name="PlaceHolder 3"/>
+          <p:cNvSpPr>
+            <a:spLocks noGrp="1"/>
+          </p:cNvSpPr>
+          <p:nvPr>
+            <p:ph type="body"/>
+          </p:nvPr>
+        </p:nvSpPr>
+        <p:spPr>
+          <a:xfrm>
+            <a:off x="504000" y="4059000"/>
+            <a:ext cx="2160000" cy="2090880"/>
+          </a:xfrm>
+          <a:prstGeom prst="rect">
+            <a:avLst/>
+          </a:prstGeom>
+        </p:spPr>
+        <p:txBody>
+          <a:bodyPr lIns="0" rIns="0" tIns="0" bIns="0"/>
+          <a:p>
+            <a:endParaRPr/>
+          </a:p>
+        </p:txBody>
+      </p:sp>
+      <p:sp>
+        <p:nvSpPr>
+          <p:cNvPr id="87" name="PlaceHolder 4"/>
+          <p:cNvSpPr>
+            <a:spLocks noGrp="1"/>
+          </p:cNvSpPr>
+          <p:nvPr>
+            <p:ph type="body"/>
+          </p:nvPr>
+        </p:nvSpPr>
+        <p:spPr>
+          <a:xfrm>
+            <a:off x="2772360" y="1769040"/>
+            <a:ext cx="2160000" cy="4384080"/>
+          </a:xfrm>
+          <a:prstGeom prst="rect">
+            <a:avLst/>
+          </a:prstGeom>
+        </p:spPr>
+        <p:txBody>
+          <a:bodyPr lIns="0" rIns="0" tIns="0" bIns="0"/>
+          <a:p>
+            <a:endParaRPr/>
+          </a:p>
+        </p:txBody>
+      </p:sp>
+    </p:spTree>
+  </p:cSld>
+</p:sldLayout>
+</file>
+
+<file path=ppt/slideLayouts/slideLayout32.xml><?xml version="1.0" encoding="utf-8"?>
+<p:sldLayout xmlns:a="http://schemas.openxmlformats.org/drawingml/2006/main" xmlns:p="http://schemas.openxmlformats.org/presentationml/2006/main" xmlns:r="http://schemas.openxmlformats.org/officeDocument/2006/relationships" type="objAndTwoObj" preserve="1">
+  <p:cSld name="Title Content and 2 Content">
+    <p:spTree>
+      <p:nvGrpSpPr>
+        <p:cNvPr id="1" name=""/>
+        <p:cNvGrpSpPr/>
+        <p:nvPr/>
+      </p:nvGrpSpPr>
+      <p:grpSpPr>
+        <a:xfrm>
+          <a:off x="0" y="0"/>
+          <a:ext cx="0" cy="0"/>
+          <a:chOff x="0" y="0"/>
+          <a:chExt cx="0" cy="0"/>
+        </a:xfrm>
+      </p:grpSpPr>
+      <p:sp>
+        <p:nvSpPr>
+          <p:cNvPr id="88" name="PlaceHolder 1"/>
+          <p:cNvSpPr>
+            <a:spLocks noGrp="1"/>
+          </p:cNvSpPr>
+          <p:nvPr>
+            <p:ph type="title"/>
+          </p:nvPr>
+        </p:nvSpPr>
+        <p:spPr>
+          <a:xfrm>
+            <a:off x="504000" y="301320"/>
+            <a:ext cx="9071280" cy="1262520"/>
+          </a:xfrm>
+          <a:prstGeom prst="rect">
+            <a:avLst/>
+          </a:prstGeom>
+        </p:spPr>
+        <p:txBody>
+          <a:bodyPr lIns="0" rIns="0" tIns="0" bIns="0" anchor="ctr"/>
+          <a:p>
+            <a:pPr algn="ctr"/>
+            <a:endParaRPr/>
+          </a:p>
+        </p:txBody>
+      </p:sp>
+      <p:sp>
+        <p:nvSpPr>
+          <p:cNvPr id="89" name="PlaceHolder 2"/>
+          <p:cNvSpPr>
+            <a:spLocks noGrp="1"/>
+          </p:cNvSpPr>
+          <p:nvPr>
+            <p:ph type="body"/>
+          </p:nvPr>
+        </p:nvSpPr>
+        <p:spPr>
+          <a:xfrm>
+            <a:off x="504000" y="1769040"/>
+            <a:ext cx="2160000" cy="4384080"/>
+          </a:xfrm>
+          <a:prstGeom prst="rect">
+            <a:avLst/>
+          </a:prstGeom>
+        </p:spPr>
+        <p:txBody>
+          <a:bodyPr lIns="0" rIns="0" tIns="0" bIns="0"/>
+          <a:p>
+            <a:endParaRPr/>
+          </a:p>
+        </p:txBody>
+      </p:sp>
+      <p:sp>
+        <p:nvSpPr>
+          <p:cNvPr id="90" name="PlaceHolder 3"/>
+          <p:cNvSpPr>
+            <a:spLocks noGrp="1"/>
+          </p:cNvSpPr>
+          <p:nvPr>
+            <p:ph type="body"/>
+          </p:nvPr>
+        </p:nvSpPr>
+        <p:spPr>
+          <a:xfrm>
+            <a:off x="2772360" y="1769040"/>
+            <a:ext cx="2160000" cy="2090880"/>
+          </a:xfrm>
+          <a:prstGeom prst="rect">
+            <a:avLst/>
+          </a:prstGeom>
+        </p:spPr>
+        <p:txBody>
+          <a:bodyPr lIns="0" rIns="0" tIns="0" bIns="0"/>
+          <a:p>
+            <a:endParaRPr/>
+          </a:p>
+        </p:txBody>
+      </p:sp>
+      <p:sp>
+        <p:nvSpPr>
+          <p:cNvPr id="91" name="PlaceHolder 4"/>
+          <p:cNvSpPr>
+            <a:spLocks noGrp="1"/>
+          </p:cNvSpPr>
+          <p:nvPr>
+            <p:ph type="body"/>
+          </p:nvPr>
+        </p:nvSpPr>
+        <p:spPr>
+          <a:xfrm>
+            <a:off x="2772360" y="4059000"/>
+            <a:ext cx="2160000" cy="2090880"/>
+          </a:xfrm>
+          <a:prstGeom prst="rect">
+            <a:avLst/>
+          </a:prstGeom>
+        </p:spPr>
+        <p:txBody>
+          <a:bodyPr lIns="0" rIns="0" tIns="0" bIns="0"/>
+          <a:p>
+            <a:endParaRPr/>
+          </a:p>
+        </p:txBody>
+      </p:sp>
+    </p:spTree>
+  </p:cSld>
+</p:sldLayout>
+</file>
+
+<file path=ppt/slideLayouts/slideLayout33.xml><?xml version="1.0" encoding="utf-8"?>
+<p:sldLayout xmlns:a="http://schemas.openxmlformats.org/drawingml/2006/main" xmlns:p="http://schemas.openxmlformats.org/presentationml/2006/main" xmlns:r="http://schemas.openxmlformats.org/officeDocument/2006/relationships" type="twoObjOverTx" preserve="1">
+  <p:cSld name="Title, 2 Content over Content">
+    <p:spTree>
+      <p:nvGrpSpPr>
+        <p:cNvPr id="1" name=""/>
+        <p:cNvGrpSpPr/>
+        <p:nvPr/>
+      </p:nvGrpSpPr>
+      <p:grpSpPr>
+        <a:xfrm>
+          <a:off x="0" y="0"/>
+          <a:ext cx="0" cy="0"/>
+          <a:chOff x="0" y="0"/>
+          <a:chExt cx="0" cy="0"/>
+        </a:xfrm>
+      </p:grpSpPr>
+      <p:sp>
+        <p:nvSpPr>
+          <p:cNvPr id="92" name="PlaceHolder 1"/>
+          <p:cNvSpPr>
+            <a:spLocks noGrp="1"/>
+          </p:cNvSpPr>
+          <p:nvPr>
+            <p:ph type="title"/>
+          </p:nvPr>
+        </p:nvSpPr>
+        <p:spPr>
+          <a:xfrm>
+            <a:off x="504000" y="301320"/>
+            <a:ext cx="9071280" cy="1262520"/>
+          </a:xfrm>
+          <a:prstGeom prst="rect">
+            <a:avLst/>
+          </a:prstGeom>
+        </p:spPr>
+        <p:txBody>
+          <a:bodyPr lIns="0" rIns="0" tIns="0" bIns="0" anchor="ctr"/>
+          <a:p>
+            <a:pPr algn="ctr"/>
+            <a:endParaRPr/>
+          </a:p>
+        </p:txBody>
+      </p:sp>
+      <p:sp>
+        <p:nvSpPr>
+          <p:cNvPr id="93" name="PlaceHolder 2"/>
+          <p:cNvSpPr>
+            <a:spLocks noGrp="1"/>
+          </p:cNvSpPr>
+          <p:nvPr>
+            <p:ph type="body"/>
+          </p:nvPr>
+        </p:nvSpPr>
+        <p:spPr>
+          <a:xfrm>
+            <a:off x="504000" y="1769040"/>
+            <a:ext cx="2160000" cy="2090880"/>
+          </a:xfrm>
+          <a:prstGeom prst="rect">
+            <a:avLst/>
+          </a:prstGeom>
+        </p:spPr>
+        <p:txBody>
+          <a:bodyPr lIns="0" rIns="0" tIns="0" bIns="0"/>
+          <a:p>
+            <a:endParaRPr/>
+          </a:p>
+        </p:txBody>
+      </p:sp>
+      <p:sp>
+        <p:nvSpPr>
+          <p:cNvPr id="94" name="PlaceHolder 3"/>
+          <p:cNvSpPr>
+            <a:spLocks noGrp="1"/>
+          </p:cNvSpPr>
+          <p:nvPr>
+            <p:ph type="body"/>
+          </p:nvPr>
+        </p:nvSpPr>
+        <p:spPr>
+          <a:xfrm>
+            <a:off x="2772360" y="1769040"/>
+            <a:ext cx="2160000" cy="2090880"/>
+          </a:xfrm>
+          <a:prstGeom prst="rect">
+            <a:avLst/>
+          </a:prstGeom>
+        </p:spPr>
+        <p:txBody>
+          <a:bodyPr lIns="0" rIns="0" tIns="0" bIns="0"/>
+          <a:p>
+            <a:endParaRPr/>
+          </a:p>
+        </p:txBody>
+      </p:sp>
+      <p:sp>
+        <p:nvSpPr>
+          <p:cNvPr id="95" name="PlaceHolder 4"/>
+          <p:cNvSpPr>
+            <a:spLocks noGrp="1"/>
+          </p:cNvSpPr>
+          <p:nvPr>
+            <p:ph type="body"/>
+          </p:nvPr>
+        </p:nvSpPr>
+        <p:spPr>
+          <a:xfrm>
+            <a:off x="504000" y="4059000"/>
+            <a:ext cx="4426560" cy="2090880"/>
+          </a:xfrm>
+          <a:prstGeom prst="rect">
+            <a:avLst/>
+          </a:prstGeom>
+        </p:spPr>
+        <p:txBody>
+          <a:bodyPr lIns="0" rIns="0" tIns="0" bIns="0"/>
+          <a:p>
+            <a:endParaRPr/>
+          </a:p>
+        </p:txBody>
+      </p:sp>
+    </p:spTree>
+  </p:cSld>
+</p:sldLayout>
+</file>
+
+<file path=ppt/slideLayouts/slideLayout34.xml><?xml version="1.0" encoding="utf-8"?>
+<p:sldLayout xmlns:a="http://schemas.openxmlformats.org/drawingml/2006/main" xmlns:p="http://schemas.openxmlformats.org/presentationml/2006/main" xmlns:r="http://schemas.openxmlformats.org/officeDocument/2006/relationships" type="objOverTx" preserve="1">
+  <p:cSld name="Title, Content over Content">
+    <p:spTree>
+      <p:nvGrpSpPr>
+        <p:cNvPr id="1" name=""/>
+        <p:cNvGrpSpPr/>
+        <p:nvPr/>
+      </p:nvGrpSpPr>
+      <p:grpSpPr>
+        <a:xfrm>
+          <a:off x="0" y="0"/>
+          <a:ext cx="0" cy="0"/>
+          <a:chOff x="0" y="0"/>
+          <a:chExt cx="0" cy="0"/>
+        </a:xfrm>
+      </p:grpSpPr>
+      <p:sp>
+        <p:nvSpPr>
+          <p:cNvPr id="96" name="PlaceHolder 1"/>
+          <p:cNvSpPr>
+            <a:spLocks noGrp="1"/>
+          </p:cNvSpPr>
+          <p:nvPr>
+            <p:ph type="title"/>
+          </p:nvPr>
+        </p:nvSpPr>
+        <p:spPr>
+          <a:xfrm>
+            <a:off x="504000" y="301320"/>
+            <a:ext cx="9071280" cy="1262520"/>
+          </a:xfrm>
+          <a:prstGeom prst="rect">
+            <a:avLst/>
+          </a:prstGeom>
+        </p:spPr>
+        <p:txBody>
+          <a:bodyPr lIns="0" rIns="0" tIns="0" bIns="0" anchor="ctr"/>
+          <a:p>
+            <a:pPr algn="ctr"/>
+            <a:endParaRPr/>
+          </a:p>
+        </p:txBody>
+      </p:sp>
+      <p:sp>
+        <p:nvSpPr>
+          <p:cNvPr id="97" name="PlaceHolder 2"/>
+          <p:cNvSpPr>
+            <a:spLocks noGrp="1"/>
+          </p:cNvSpPr>
+          <p:nvPr>
+            <p:ph type="body"/>
+          </p:nvPr>
+        </p:nvSpPr>
+        <p:spPr>
+          <a:xfrm>
+            <a:off x="504000" y="1769040"/>
+            <a:ext cx="4426560" cy="2090880"/>
+          </a:xfrm>
+          <a:prstGeom prst="rect">
+            <a:avLst/>
+          </a:prstGeom>
+        </p:spPr>
+        <p:txBody>
+          <a:bodyPr lIns="0" rIns="0" tIns="0" bIns="0"/>
+          <a:p>
+            <a:endParaRPr/>
+          </a:p>
+        </p:txBody>
+      </p:sp>
+      <p:sp>
+        <p:nvSpPr>
+          <p:cNvPr id="98" name="PlaceHolder 3"/>
+          <p:cNvSpPr>
+            <a:spLocks noGrp="1"/>
+          </p:cNvSpPr>
+          <p:nvPr>
+            <p:ph type="body"/>
+          </p:nvPr>
+        </p:nvSpPr>
+        <p:spPr>
+          <a:xfrm>
+            <a:off x="504000" y="4059000"/>
+            <a:ext cx="4426560" cy="2090880"/>
+          </a:xfrm>
+          <a:prstGeom prst="rect">
+            <a:avLst/>
+          </a:prstGeom>
+        </p:spPr>
+        <p:txBody>
+          <a:bodyPr lIns="0" rIns="0" tIns="0" bIns="0"/>
+          <a:p>
+            <a:endParaRPr/>
+          </a:p>
+        </p:txBody>
+      </p:sp>
+    </p:spTree>
+  </p:cSld>
+</p:sldLayout>
+</file>
+
+<file path=ppt/slideLayouts/slideLayout35.xml><?xml version="1.0" encoding="utf-8"?>
+<p:sldLayout xmlns:a="http://schemas.openxmlformats.org/drawingml/2006/main" xmlns:p="http://schemas.openxmlformats.org/presentationml/2006/main" xmlns:r="http://schemas.openxmlformats.org/officeDocument/2006/relationships" type="fourObj" preserve="1">
+  <p:cSld name="Title, 4 Content">
+    <p:spTree>
+      <p:nvGrpSpPr>
+        <p:cNvPr id="1" name=""/>
+        <p:cNvGrpSpPr/>
+        <p:nvPr/>
+      </p:nvGrpSpPr>
+      <p:grpSpPr>
+        <a:xfrm>
+          <a:off x="0" y="0"/>
+          <a:ext cx="0" cy="0"/>
+          <a:chOff x="0" y="0"/>
+          <a:chExt cx="0" cy="0"/>
+        </a:xfrm>
+      </p:grpSpPr>
+      <p:sp>
+        <p:nvSpPr>
+          <p:cNvPr id="99" name="PlaceHolder 1"/>
+          <p:cNvSpPr>
+            <a:spLocks noGrp="1"/>
+          </p:cNvSpPr>
+          <p:nvPr>
+            <p:ph type="title"/>
+          </p:nvPr>
+        </p:nvSpPr>
+        <p:spPr>
+          <a:xfrm>
+            <a:off x="504000" y="301320"/>
+            <a:ext cx="9071280" cy="1262520"/>
+          </a:xfrm>
+          <a:prstGeom prst="rect">
+            <a:avLst/>
+          </a:prstGeom>
+        </p:spPr>
+        <p:txBody>
+          <a:bodyPr lIns="0" rIns="0" tIns="0" bIns="0" anchor="ctr"/>
+          <a:p>
+            <a:pPr algn="ctr"/>
+            <a:endParaRPr/>
+          </a:p>
+        </p:txBody>
+      </p:sp>
+      <p:sp>
+        <p:nvSpPr>
+          <p:cNvPr id="100" name="PlaceHolder 2"/>
+          <p:cNvSpPr>
+            <a:spLocks noGrp="1"/>
+          </p:cNvSpPr>
+          <p:nvPr>
+            <p:ph type="body"/>
+          </p:nvPr>
+        </p:nvSpPr>
+        <p:spPr>
+          <a:xfrm>
+            <a:off x="504000" y="1769040"/>
+            <a:ext cx="2160000" cy="2090880"/>
+          </a:xfrm>
+          <a:prstGeom prst="rect">
+            <a:avLst/>
+          </a:prstGeom>
+        </p:spPr>
+        <p:txBody>
+          <a:bodyPr lIns="0" rIns="0" tIns="0" bIns="0"/>
+          <a:p>
+            <a:endParaRPr/>
+          </a:p>
+        </p:txBody>
+      </p:sp>
+      <p:sp>
+        <p:nvSpPr>
+          <p:cNvPr id="101" name="PlaceHolder 3"/>
+          <p:cNvSpPr>
+            <a:spLocks noGrp="1"/>
+          </p:cNvSpPr>
+          <p:nvPr>
+            <p:ph type="body"/>
+          </p:nvPr>
+        </p:nvSpPr>
+        <p:spPr>
+          <a:xfrm>
+            <a:off x="2772360" y="1769040"/>
+            <a:ext cx="2160000" cy="2090880"/>
+          </a:xfrm>
+          <a:prstGeom prst="rect">
+            <a:avLst/>
+          </a:prstGeom>
+        </p:spPr>
+        <p:txBody>
+          <a:bodyPr lIns="0" rIns="0" tIns="0" bIns="0"/>
+          <a:p>
+            <a:endParaRPr/>
+          </a:p>
+        </p:txBody>
+      </p:sp>
+      <p:sp>
+        <p:nvSpPr>
+          <p:cNvPr id="102" name="PlaceHolder 4"/>
+          <p:cNvSpPr>
+            <a:spLocks noGrp="1"/>
+          </p:cNvSpPr>
+          <p:nvPr>
+            <p:ph type="body"/>
+          </p:nvPr>
+        </p:nvSpPr>
+        <p:spPr>
+          <a:xfrm>
+            <a:off x="2772360" y="4059000"/>
+            <a:ext cx="2160000" cy="2090880"/>
+          </a:xfrm>
+          <a:prstGeom prst="rect">
+            <a:avLst/>
+          </a:prstGeom>
+        </p:spPr>
+        <p:txBody>
+          <a:bodyPr lIns="0" rIns="0" tIns="0" bIns="0"/>
+          <a:p>
+            <a:endParaRPr/>
+          </a:p>
+        </p:txBody>
+      </p:sp>
+      <p:sp>
+        <p:nvSpPr>
+          <p:cNvPr id="103" name="PlaceHolder 5"/>
+          <p:cNvSpPr>
+            <a:spLocks noGrp="1"/>
+          </p:cNvSpPr>
+          <p:nvPr>
+            <p:ph type="body"/>
+          </p:nvPr>
+        </p:nvSpPr>
+        <p:spPr>
+          <a:xfrm>
+            <a:off x="504000" y="4059000"/>
+            <a:ext cx="2160000" cy="2090880"/>
+          </a:xfrm>
+          <a:prstGeom prst="rect">
+            <a:avLst/>
+          </a:prstGeom>
+        </p:spPr>
+        <p:txBody>
+          <a:bodyPr lIns="0" rIns="0" tIns="0" bIns="0"/>
+          <a:p>
+            <a:endParaRPr/>
+          </a:p>
+        </p:txBody>
+      </p:sp>
+    </p:spTree>
+  </p:cSld>
+</p:sldLayout>
+</file>
+
+<file path=ppt/slideLayouts/slideLayout36.xml><?xml version="1.0" encoding="utf-8"?>
+<p:sldLayout xmlns:a="http://schemas.openxmlformats.org/drawingml/2006/main" xmlns:p="http://schemas.openxmlformats.org/presentationml/2006/main" xmlns:r="http://schemas.openxmlformats.org/officeDocument/2006/relationships" type="blank" preserve="1">
+  <p:cSld name="Title, 6 Content">
+    <p:spTree>
+      <p:nvGrpSpPr>
+        <p:cNvPr id="1" name=""/>
+        <p:cNvGrpSpPr/>
+        <p:nvPr/>
+      </p:nvGrpSpPr>
+      <p:grpSpPr>
+        <a:xfrm>
+          <a:off x="0" y="0"/>
+          <a:ext cx="0" cy="0"/>
+          <a:chOff x="0" y="0"/>
+          <a:chExt cx="0" cy="0"/>
+        </a:xfrm>
+      </p:grpSpPr>
+      <p:sp>
+        <p:nvSpPr>
+          <p:cNvPr id="104" name="PlaceHolder 1"/>
+          <p:cNvSpPr>
+            <a:spLocks noGrp="1"/>
+          </p:cNvSpPr>
+          <p:nvPr>
+            <p:ph type="title"/>
+          </p:nvPr>
+        </p:nvSpPr>
+        <p:spPr>
+          <a:xfrm>
+            <a:off x="504000" y="301320"/>
+            <a:ext cx="9071280" cy="1262520"/>
+          </a:xfrm>
+          <a:prstGeom prst="rect">
+            <a:avLst/>
+          </a:prstGeom>
+        </p:spPr>
+        <p:txBody>
+          <a:bodyPr lIns="0" rIns="0" tIns="0" bIns="0" anchor="ctr"/>
+          <a:p>
+            <a:pPr algn="ctr"/>
+            <a:endParaRPr/>
+          </a:p>
+        </p:txBody>
+      </p:sp>
+      <p:sp>
+        <p:nvSpPr>
+          <p:cNvPr id="105" name="PlaceHolder 2"/>
+          <p:cNvSpPr>
+            <a:spLocks noGrp="1"/>
+          </p:cNvSpPr>
+          <p:nvPr>
+            <p:ph type="body"/>
+          </p:nvPr>
+        </p:nvSpPr>
+        <p:spPr>
+          <a:xfrm>
+            <a:off x="504000" y="1769040"/>
+            <a:ext cx="4426560" cy="4384080"/>
+          </a:xfrm>
+          <a:prstGeom prst="rect">
+            <a:avLst/>
+          </a:prstGeom>
+        </p:spPr>
+        <p:txBody>
+          <a:bodyPr lIns="0" rIns="0" tIns="0" bIns="0"/>
+          <a:p>
+            <a:endParaRPr/>
+          </a:p>
+        </p:txBody>
+      </p:sp>
+      <p:sp>
+        <p:nvSpPr>
+          <p:cNvPr id="106" name="PlaceHolder 3"/>
+          <p:cNvSpPr>
+            <a:spLocks noGrp="1"/>
+          </p:cNvSpPr>
+          <p:nvPr>
+            <p:ph type="body"/>
+          </p:nvPr>
+        </p:nvSpPr>
+        <p:spPr>
+          <a:xfrm>
+            <a:off x="504000" y="1769040"/>
+            <a:ext cx="4426560" cy="4384080"/>
+          </a:xfrm>
+          <a:prstGeom prst="rect">
+            <a:avLst/>
+          </a:prstGeom>
+        </p:spPr>
+        <p:txBody>
+          <a:bodyPr lIns="0" rIns="0" tIns="0" bIns="0"/>
+          <a:p>
+            <a:endParaRPr/>
+          </a:p>
+        </p:txBody>
+      </p:sp>
+      <p:pic>
+        <p:nvPicPr>
+          <p:cNvPr id="107" name="" descr=""/>
+          <p:cNvPicPr/>
+          <p:nvPr/>
+        </p:nvPicPr>
+        <p:blipFill>
+          <a:blip r:embed="rId2"/>
+          <a:stretch>
+            <a:fillRect/>
+          </a:stretch>
+        </p:blipFill>
+        <p:spPr>
+          <a:xfrm>
+            <a:off x="504000" y="2195280"/>
+            <a:ext cx="4426560" cy="3531600"/>
+          </a:xfrm>
+          <a:prstGeom prst="rect">
+            <a:avLst/>
+          </a:prstGeom>
+          <a:ln>
+            <a:noFill/>
+          </a:ln>
+        </p:spPr>
+      </p:pic>
+      <p:pic>
+        <p:nvPicPr>
+          <p:cNvPr id="108" name="" descr=""/>
+          <p:cNvPicPr/>
+          <p:nvPr/>
+        </p:nvPicPr>
+        <p:blipFill>
+          <a:blip r:embed="rId3"/>
+          <a:stretch>
+            <a:fillRect/>
+          </a:stretch>
+        </p:blipFill>
+        <p:spPr>
+          <a:xfrm>
+            <a:off x="504000" y="2195280"/>
+            <a:ext cx="4426560" cy="3531600"/>
+          </a:xfrm>
+          <a:prstGeom prst="rect">
+            <a:avLst/>
+          </a:prstGeom>
+          <a:ln>
+            <a:noFill/>
+          </a:ln>
+        </p:spPr>
+      </p:pic>
     </p:spTree>
   </p:cSld>
 </p:sldLayout>
@@ -615,7 +3500,7 @@
       </p:grpSpPr>
       <p:sp>
         <p:nvSpPr>
-          <p:cNvPr id="9" name="PlaceHolder 1"/>
+          <p:cNvPr id="6" name="PlaceHolder 1"/>
           <p:cNvSpPr>
             <a:spLocks noGrp="1"/>
           </p:cNvSpPr>
@@ -626,7 +3511,7 @@
         <p:spPr>
           <a:xfrm>
             <a:off x="504000" y="301320"/>
-            <a:ext cx="9071640" cy="1262520"/>
+            <a:ext cx="9071280" cy="1262520"/>
           </a:xfrm>
           <a:prstGeom prst="rect">
             <a:avLst/>
@@ -642,7 +3527,7 @@
       </p:sp>
       <p:sp>
         <p:nvSpPr>
-          <p:cNvPr id="10" name="PlaceHolder 2"/>
+          <p:cNvPr id="7" name="PlaceHolder 2"/>
           <p:cNvSpPr>
             <a:spLocks noGrp="1"/>
           </p:cNvSpPr>
@@ -653,22 +3538,22 @@
         <p:spPr>
           <a:xfrm>
             <a:off x="504000" y="1769040"/>
-            <a:ext cx="4426920" cy="4384440"/>
-          </a:xfrm>
-          <a:prstGeom prst="rect">
-            <a:avLst/>
-          </a:prstGeom>
-        </p:spPr>
-        <p:txBody>
-          <a:bodyPr lIns="0" rIns="0" tIns="0" bIns="0"/>
-          <a:p>
-            <a:endParaRPr/>
-          </a:p>
-        </p:txBody>
-      </p:sp>
-      <p:sp>
-        <p:nvSpPr>
-          <p:cNvPr id="11" name="PlaceHolder 3"/>
+            <a:ext cx="2160000" cy="4384080"/>
+          </a:xfrm>
+          <a:prstGeom prst="rect">
+            <a:avLst/>
+          </a:prstGeom>
+        </p:spPr>
+        <p:txBody>
+          <a:bodyPr lIns="0" rIns="0" tIns="0" bIns="0"/>
+          <a:p>
+            <a:endParaRPr/>
+          </a:p>
+        </p:txBody>
+      </p:sp>
+      <p:sp>
+        <p:nvSpPr>
+          <p:cNvPr id="8" name="PlaceHolder 3"/>
           <p:cNvSpPr>
             <a:spLocks noGrp="1"/>
           </p:cNvSpPr>
@@ -678,8 +3563,8 @@
         </p:nvSpPr>
         <p:spPr>
           <a:xfrm>
-            <a:off x="5152680" y="1769040"/>
-            <a:ext cx="4426920" cy="4384440"/>
+            <a:off x="2772360" y="1769040"/>
+            <a:ext cx="2160000" cy="4384080"/>
           </a:xfrm>
           <a:prstGeom prst="rect">
             <a:avLst/>
@@ -716,7 +3601,7 @@
       </p:grpSpPr>
       <p:sp>
         <p:nvSpPr>
-          <p:cNvPr id="12" name="PlaceHolder 1"/>
+          <p:cNvPr id="9" name="PlaceHolder 1"/>
           <p:cNvSpPr>
             <a:spLocks noGrp="1"/>
           </p:cNvSpPr>
@@ -727,7 +3612,7 @@
         <p:spPr>
           <a:xfrm>
             <a:off x="504000" y="301320"/>
-            <a:ext cx="9071640" cy="1262520"/>
+            <a:ext cx="9071280" cy="1262520"/>
           </a:xfrm>
           <a:prstGeom prst="rect">
             <a:avLst/>
@@ -765,7 +3650,7 @@
       </p:grpSpPr>
       <p:sp>
         <p:nvSpPr>
-          <p:cNvPr id="13" name="PlaceHolder 1"/>
+          <p:cNvPr id="10" name="PlaceHolder 1"/>
           <p:cNvSpPr>
             <a:spLocks noGrp="1"/>
           </p:cNvSpPr>
@@ -776,7 +3661,7 @@
         <p:spPr>
           <a:xfrm>
             <a:off x="504000" y="301320"/>
-            <a:ext cx="9071640" cy="5852160"/>
+            <a:ext cx="9071280" cy="5852160"/>
           </a:xfrm>
           <a:prstGeom prst="rect">
             <a:avLst/>
@@ -814,7 +3699,7 @@
       </p:grpSpPr>
       <p:sp>
         <p:nvSpPr>
-          <p:cNvPr id="14" name="PlaceHolder 1"/>
+          <p:cNvPr id="11" name="PlaceHolder 1"/>
           <p:cNvSpPr>
             <a:spLocks noGrp="1"/>
           </p:cNvSpPr>
@@ -825,7 +3710,7 @@
         <p:spPr>
           <a:xfrm>
             <a:off x="504000" y="301320"/>
-            <a:ext cx="9071640" cy="1262520"/>
+            <a:ext cx="9071280" cy="1262520"/>
           </a:xfrm>
           <a:prstGeom prst="rect">
             <a:avLst/>
@@ -841,7 +3726,7 @@
       </p:sp>
       <p:sp>
         <p:nvSpPr>
-          <p:cNvPr id="15" name="PlaceHolder 2"/>
+          <p:cNvPr id="12" name="PlaceHolder 2"/>
           <p:cNvSpPr>
             <a:spLocks noGrp="1"/>
           </p:cNvSpPr>
@@ -852,22 +3737,22 @@
         <p:spPr>
           <a:xfrm>
             <a:off x="504000" y="1769040"/>
-            <a:ext cx="4426920" cy="2091240"/>
-          </a:xfrm>
-          <a:prstGeom prst="rect">
-            <a:avLst/>
-          </a:prstGeom>
-        </p:spPr>
-        <p:txBody>
-          <a:bodyPr lIns="0" rIns="0" tIns="0" bIns="0"/>
-          <a:p>
-            <a:endParaRPr/>
-          </a:p>
-        </p:txBody>
-      </p:sp>
-      <p:sp>
-        <p:nvSpPr>
-          <p:cNvPr id="16" name="PlaceHolder 3"/>
+            <a:ext cx="2160000" cy="2090880"/>
+          </a:xfrm>
+          <a:prstGeom prst="rect">
+            <a:avLst/>
+          </a:prstGeom>
+        </p:spPr>
+        <p:txBody>
+          <a:bodyPr lIns="0" rIns="0" tIns="0" bIns="0"/>
+          <a:p>
+            <a:endParaRPr/>
+          </a:p>
+        </p:txBody>
+      </p:sp>
+      <p:sp>
+        <p:nvSpPr>
+          <p:cNvPr id="13" name="PlaceHolder 3"/>
           <p:cNvSpPr>
             <a:spLocks noGrp="1"/>
           </p:cNvSpPr>
@@ -877,23 +3762,23 @@
         </p:nvSpPr>
         <p:spPr>
           <a:xfrm>
-            <a:off x="504000" y="4059360"/>
-            <a:ext cx="4426920" cy="2091240"/>
-          </a:xfrm>
-          <a:prstGeom prst="rect">
-            <a:avLst/>
-          </a:prstGeom>
-        </p:spPr>
-        <p:txBody>
-          <a:bodyPr lIns="0" rIns="0" tIns="0" bIns="0"/>
-          <a:p>
-            <a:endParaRPr/>
-          </a:p>
-        </p:txBody>
-      </p:sp>
-      <p:sp>
-        <p:nvSpPr>
-          <p:cNvPr id="17" name="PlaceHolder 4"/>
+            <a:off x="504000" y="4059000"/>
+            <a:ext cx="2160000" cy="2090880"/>
+          </a:xfrm>
+          <a:prstGeom prst="rect">
+            <a:avLst/>
+          </a:prstGeom>
+        </p:spPr>
+        <p:txBody>
+          <a:bodyPr lIns="0" rIns="0" tIns="0" bIns="0"/>
+          <a:p>
+            <a:endParaRPr/>
+          </a:p>
+        </p:txBody>
+      </p:sp>
+      <p:sp>
+        <p:nvSpPr>
+          <p:cNvPr id="14" name="PlaceHolder 4"/>
           <p:cNvSpPr>
             <a:spLocks noGrp="1"/>
           </p:cNvSpPr>
@@ -903,8 +3788,8 @@
         </p:nvSpPr>
         <p:spPr>
           <a:xfrm>
-            <a:off x="5152680" y="1769040"/>
-            <a:ext cx="4426920" cy="4384440"/>
+            <a:off x="2772360" y="1769040"/>
+            <a:ext cx="2160000" cy="4384080"/>
           </a:xfrm>
           <a:prstGeom prst="rect">
             <a:avLst/>
@@ -941,7 +3826,7 @@
       </p:grpSpPr>
       <p:sp>
         <p:nvSpPr>
-          <p:cNvPr id="18" name="PlaceHolder 1"/>
+          <p:cNvPr id="15" name="PlaceHolder 1"/>
           <p:cNvSpPr>
             <a:spLocks noGrp="1"/>
           </p:cNvSpPr>
@@ -952,7 +3837,7 @@
         <p:spPr>
           <a:xfrm>
             <a:off x="504000" y="301320"/>
-            <a:ext cx="9071640" cy="1262520"/>
+            <a:ext cx="9071280" cy="1262520"/>
           </a:xfrm>
           <a:prstGeom prst="rect">
             <a:avLst/>
@@ -968,7 +3853,7 @@
       </p:sp>
       <p:sp>
         <p:nvSpPr>
-          <p:cNvPr id="19" name="PlaceHolder 2"/>
+          <p:cNvPr id="16" name="PlaceHolder 2"/>
           <p:cNvSpPr>
             <a:spLocks noGrp="1"/>
           </p:cNvSpPr>
@@ -979,22 +3864,22 @@
         <p:spPr>
           <a:xfrm>
             <a:off x="504000" y="1769040"/>
-            <a:ext cx="4426920" cy="4384440"/>
-          </a:xfrm>
-          <a:prstGeom prst="rect">
-            <a:avLst/>
-          </a:prstGeom>
-        </p:spPr>
-        <p:txBody>
-          <a:bodyPr lIns="0" rIns="0" tIns="0" bIns="0"/>
-          <a:p>
-            <a:endParaRPr/>
-          </a:p>
-        </p:txBody>
-      </p:sp>
-      <p:sp>
-        <p:nvSpPr>
-          <p:cNvPr id="20" name="PlaceHolder 3"/>
+            <a:ext cx="2160000" cy="4384080"/>
+          </a:xfrm>
+          <a:prstGeom prst="rect">
+            <a:avLst/>
+          </a:prstGeom>
+        </p:spPr>
+        <p:txBody>
+          <a:bodyPr lIns="0" rIns="0" tIns="0" bIns="0"/>
+          <a:p>
+            <a:endParaRPr/>
+          </a:p>
+        </p:txBody>
+      </p:sp>
+      <p:sp>
+        <p:nvSpPr>
+          <p:cNvPr id="17" name="PlaceHolder 3"/>
           <p:cNvSpPr>
             <a:spLocks noGrp="1"/>
           </p:cNvSpPr>
@@ -1004,23 +3889,23 @@
         </p:nvSpPr>
         <p:spPr>
           <a:xfrm>
-            <a:off x="5152680" y="1769040"/>
-            <a:ext cx="4426920" cy="2091240"/>
-          </a:xfrm>
-          <a:prstGeom prst="rect">
-            <a:avLst/>
-          </a:prstGeom>
-        </p:spPr>
-        <p:txBody>
-          <a:bodyPr lIns="0" rIns="0" tIns="0" bIns="0"/>
-          <a:p>
-            <a:endParaRPr/>
-          </a:p>
-        </p:txBody>
-      </p:sp>
-      <p:sp>
-        <p:nvSpPr>
-          <p:cNvPr id="21" name="PlaceHolder 4"/>
+            <a:off x="2772360" y="1769040"/>
+            <a:ext cx="2160000" cy="2090880"/>
+          </a:xfrm>
+          <a:prstGeom prst="rect">
+            <a:avLst/>
+          </a:prstGeom>
+        </p:spPr>
+        <p:txBody>
+          <a:bodyPr lIns="0" rIns="0" tIns="0" bIns="0"/>
+          <a:p>
+            <a:endParaRPr/>
+          </a:p>
+        </p:txBody>
+      </p:sp>
+      <p:sp>
+        <p:nvSpPr>
+          <p:cNvPr id="18" name="PlaceHolder 4"/>
           <p:cNvSpPr>
             <a:spLocks noGrp="1"/>
           </p:cNvSpPr>
@@ -1030,8 +3915,8 @@
         </p:nvSpPr>
         <p:spPr>
           <a:xfrm>
-            <a:off x="5152680" y="4059360"/>
-            <a:ext cx="4426920" cy="2091240"/>
+            <a:off x="2772360" y="4059000"/>
+            <a:ext cx="2160000" cy="2090880"/>
           </a:xfrm>
           <a:prstGeom prst="rect">
             <a:avLst/>
@@ -1068,7 +3953,7 @@
       </p:grpSpPr>
       <p:sp>
         <p:nvSpPr>
-          <p:cNvPr id="22" name="PlaceHolder 1"/>
+          <p:cNvPr id="19" name="PlaceHolder 1"/>
           <p:cNvSpPr>
             <a:spLocks noGrp="1"/>
           </p:cNvSpPr>
@@ -1079,7 +3964,7 @@
         <p:spPr>
           <a:xfrm>
             <a:off x="504000" y="301320"/>
-            <a:ext cx="9071640" cy="1262520"/>
+            <a:ext cx="9071280" cy="1262520"/>
           </a:xfrm>
           <a:prstGeom prst="rect">
             <a:avLst/>
@@ -1095,7 +3980,7 @@
       </p:sp>
       <p:sp>
         <p:nvSpPr>
-          <p:cNvPr id="23" name="PlaceHolder 2"/>
+          <p:cNvPr id="20" name="PlaceHolder 2"/>
           <p:cNvSpPr>
             <a:spLocks noGrp="1"/>
           </p:cNvSpPr>
@@ -1106,22 +3991,22 @@
         <p:spPr>
           <a:xfrm>
             <a:off x="504000" y="1769040"/>
-            <a:ext cx="4426920" cy="2091240"/>
-          </a:xfrm>
-          <a:prstGeom prst="rect">
-            <a:avLst/>
-          </a:prstGeom>
-        </p:spPr>
-        <p:txBody>
-          <a:bodyPr lIns="0" rIns="0" tIns="0" bIns="0"/>
-          <a:p>
-            <a:endParaRPr/>
-          </a:p>
-        </p:txBody>
-      </p:sp>
-      <p:sp>
-        <p:nvSpPr>
-          <p:cNvPr id="24" name="PlaceHolder 3"/>
+            <a:ext cx="2160000" cy="2090880"/>
+          </a:xfrm>
+          <a:prstGeom prst="rect">
+            <a:avLst/>
+          </a:prstGeom>
+        </p:spPr>
+        <p:txBody>
+          <a:bodyPr lIns="0" rIns="0" tIns="0" bIns="0"/>
+          <a:p>
+            <a:endParaRPr/>
+          </a:p>
+        </p:txBody>
+      </p:sp>
+      <p:sp>
+        <p:nvSpPr>
+          <p:cNvPr id="21" name="PlaceHolder 3"/>
           <p:cNvSpPr>
             <a:spLocks noGrp="1"/>
           </p:cNvSpPr>
@@ -1131,23 +4016,23 @@
         </p:nvSpPr>
         <p:spPr>
           <a:xfrm>
-            <a:off x="5152680" y="1769040"/>
-            <a:ext cx="4426920" cy="2091240"/>
-          </a:xfrm>
-          <a:prstGeom prst="rect">
-            <a:avLst/>
-          </a:prstGeom>
-        </p:spPr>
-        <p:txBody>
-          <a:bodyPr lIns="0" rIns="0" tIns="0" bIns="0"/>
-          <a:p>
-            <a:endParaRPr/>
-          </a:p>
-        </p:txBody>
-      </p:sp>
-      <p:sp>
-        <p:nvSpPr>
-          <p:cNvPr id="25" name="PlaceHolder 4"/>
+            <a:off x="2772360" y="1769040"/>
+            <a:ext cx="2160000" cy="2090880"/>
+          </a:xfrm>
+          <a:prstGeom prst="rect">
+            <a:avLst/>
+          </a:prstGeom>
+        </p:spPr>
+        <p:txBody>
+          <a:bodyPr lIns="0" rIns="0" tIns="0" bIns="0"/>
+          <a:p>
+            <a:endParaRPr/>
+          </a:p>
+        </p:txBody>
+      </p:sp>
+      <p:sp>
+        <p:nvSpPr>
+          <p:cNvPr id="22" name="PlaceHolder 4"/>
           <p:cNvSpPr>
             <a:spLocks noGrp="1"/>
           </p:cNvSpPr>
@@ -1157,8 +4042,8 @@
         </p:nvSpPr>
         <p:spPr>
           <a:xfrm>
-            <a:off x="504000" y="4059360"/>
-            <a:ext cx="9071640" cy="2091240"/>
+            <a:off x="504000" y="4059000"/>
+            <a:ext cx="4426560" cy="2090880"/>
           </a:xfrm>
           <a:prstGeom prst="rect">
             <a:avLst/>
@@ -1206,7 +4091,7 @@
         <p:spPr>
           <a:xfrm>
             <a:off x="504000" y="301320"/>
-            <a:ext cx="9071640" cy="1262160"/>
+            <a:ext cx="9072000" cy="1261800"/>
           </a:xfrm>
           <a:prstGeom prst="rect">
             <a:avLst/>
@@ -1238,8 +4123,8 @@
         </p:nvSpPr>
         <p:spPr>
           <a:xfrm>
-            <a:off x="504000" y="1769040"/>
-            <a:ext cx="9071640" cy="4384440"/>
+            <a:off x="504000" y="1768680"/>
+            <a:ext cx="9072000" cy="4384080"/>
           </a:xfrm>
           <a:prstGeom prst="rect">
             <a:avLst/>
@@ -1343,104 +4228,6 @@
               </a:rPr>
               <a:t>Seventh Outline Level</a:t>
             </a:r>
-            <a:endParaRPr/>
-          </a:p>
-        </p:txBody>
-      </p:sp>
-      <p:sp>
-        <p:nvSpPr>
-          <p:cNvPr id="2" name="PlaceHolder 3"/>
-          <p:cNvSpPr>
-            <a:spLocks noGrp="1"/>
-          </p:cNvSpPr>
-          <p:nvPr>
-            <p:ph type="dt"/>
-          </p:nvPr>
-        </p:nvSpPr>
-        <p:spPr>
-          <a:xfrm>
-            <a:off x="504000" y="6887160"/>
-            <a:ext cx="2348280" cy="521280"/>
-          </a:xfrm>
-          <a:prstGeom prst="rect">
-            <a:avLst/>
-          </a:prstGeom>
-        </p:spPr>
-        <p:txBody>
-          <a:bodyPr lIns="0" rIns="0" tIns="0" bIns="0"/>
-          <a:p>
-            <a:r>
-              <a:rPr lang="en-US" sz="1400">
-                <a:latin typeface="Times New Roman"/>
-              </a:rPr>
-              <a:t>&lt;date/time&gt;</a:t>
-            </a:r>
-            <a:endParaRPr/>
-          </a:p>
-        </p:txBody>
-      </p:sp>
-      <p:sp>
-        <p:nvSpPr>
-          <p:cNvPr id="3" name="PlaceHolder 4"/>
-          <p:cNvSpPr>
-            <a:spLocks noGrp="1"/>
-          </p:cNvSpPr>
-          <p:nvPr>
-            <p:ph type="ftr"/>
-          </p:nvPr>
-        </p:nvSpPr>
-        <p:spPr>
-          <a:xfrm>
-            <a:off x="3447360" y="6887160"/>
-            <a:ext cx="3195000" cy="521280"/>
-          </a:xfrm>
-          <a:prstGeom prst="rect">
-            <a:avLst/>
-          </a:prstGeom>
-        </p:spPr>
-        <p:txBody>
-          <a:bodyPr lIns="0" rIns="0" tIns="0" bIns="0"/>
-          <a:p>
-            <a:pPr algn="ctr"/>
-            <a:r>
-              <a:rPr lang="en-US" sz="1400">
-                <a:latin typeface="Times New Roman"/>
-              </a:rPr>
-              <a:t>&lt;footer&gt;</a:t>
-            </a:r>
-            <a:endParaRPr/>
-          </a:p>
-        </p:txBody>
-      </p:sp>
-      <p:sp>
-        <p:nvSpPr>
-          <p:cNvPr id="4" name="PlaceHolder 5"/>
-          <p:cNvSpPr>
-            <a:spLocks noGrp="1"/>
-          </p:cNvSpPr>
-          <p:nvPr>
-            <p:ph type="sldNum"/>
-          </p:nvPr>
-        </p:nvSpPr>
-        <p:spPr>
-          <a:xfrm>
-            <a:off x="7227360" y="6887160"/>
-            <a:ext cx="2348280" cy="521280"/>
-          </a:xfrm>
-          <a:prstGeom prst="rect">
-            <a:avLst/>
-          </a:prstGeom>
-        </p:spPr>
-        <p:txBody>
-          <a:bodyPr lIns="0" rIns="0" tIns="0" bIns="0"/>
-          <a:p>
-            <a:pPr algn="r"/>
-            <a:fld id="{4B7BCB50-2D58-446B-9431-7ECC76F0EB19}" type="slidenum">
-              <a:rPr lang="en-US" sz="1400">
-                <a:latin typeface="Times New Roman"/>
-              </a:rPr>
-              <a:t>&lt;number&gt;</a:t>
-            </a:fld>
             <a:endParaRPr/>
           </a:p>
         </p:txBody>
@@ -1461,6 +4248,507 @@
     <p:sldLayoutId id="2147483658" r:id="rId11"/>
     <p:sldLayoutId id="2147483659" r:id="rId12"/>
     <p:sldLayoutId id="2147483660" r:id="rId13"/>
+  </p:sldLayoutIdLst>
+</p:sldMaster>
+</file>
+
+<file path=ppt/slideMasters/slideMaster2.xml><?xml version="1.0" encoding="utf-8"?>
+<p:sldMaster xmlns:a="http://schemas.openxmlformats.org/drawingml/2006/main" xmlns:p="http://schemas.openxmlformats.org/presentationml/2006/main" xmlns:r="http://schemas.openxmlformats.org/officeDocument/2006/relationships">
+  <p:cSld>
+    <p:spTree>
+      <p:nvGrpSpPr>
+        <p:cNvPr id="1" name=""/>
+        <p:cNvGrpSpPr/>
+        <p:nvPr/>
+      </p:nvGrpSpPr>
+      <p:grpSpPr>
+        <a:xfrm>
+          <a:off x="0" y="0"/>
+          <a:ext cx="0" cy="0"/>
+          <a:chOff x="0" y="0"/>
+          <a:chExt cx="0" cy="0"/>
+        </a:xfrm>
+      </p:grpSpPr>
+      <p:sp>
+        <p:nvSpPr>
+          <p:cNvPr id="36" name="PlaceHolder 1"/>
+          <p:cNvSpPr>
+            <a:spLocks noGrp="1"/>
+          </p:cNvSpPr>
+          <p:nvPr>
+            <p:ph type="title"/>
+          </p:nvPr>
+        </p:nvSpPr>
+        <p:spPr>
+          <a:xfrm>
+            <a:off x="504000" y="301320"/>
+            <a:ext cx="9071280" cy="1262160"/>
+          </a:xfrm>
+          <a:prstGeom prst="rect">
+            <a:avLst/>
+          </a:prstGeom>
+        </p:spPr>
+        <p:txBody>
+          <a:bodyPr lIns="0" rIns="0" tIns="0" bIns="0" anchor="ctr"/>
+          <a:p>
+            <a:r>
+              <a:rPr lang="en-US">
+                <a:latin typeface="Arial"/>
+              </a:rPr>
+              <a:t>Click to edit the title text format</a:t>
+            </a:r>
+            <a:endParaRPr/>
+          </a:p>
+        </p:txBody>
+      </p:sp>
+      <p:sp>
+        <p:nvSpPr>
+          <p:cNvPr id="37" name="PlaceHolder 2"/>
+          <p:cNvSpPr>
+            <a:spLocks noGrp="1"/>
+          </p:cNvSpPr>
+          <p:nvPr>
+            <p:ph type="body"/>
+          </p:nvPr>
+        </p:nvSpPr>
+        <p:spPr>
+          <a:xfrm>
+            <a:off x="504000" y="1769040"/>
+            <a:ext cx="9071280" cy="4384080"/>
+          </a:xfrm>
+          <a:prstGeom prst="rect">
+            <a:avLst/>
+          </a:prstGeom>
+        </p:spPr>
+        <p:txBody>
+          <a:bodyPr lIns="0" rIns="0" tIns="0" bIns="0"/>
+          <a:p>
+            <a:pPr>
+              <a:buSzPct val="45000"/>
+              <a:buFont typeface="StarSymbol"/>
+              <a:buChar char=""/>
+            </a:pPr>
+            <a:r>
+              <a:rPr lang="en-US">
+                <a:latin typeface="Arial"/>
+              </a:rPr>
+              <a:t>Click to edit the outline text format</a:t>
+            </a:r>
+            <a:endParaRPr/>
+          </a:p>
+          <a:p>
+            <a:pPr lvl="1">
+              <a:buSzPct val="75000"/>
+              <a:buFont typeface="StarSymbol"/>
+              <a:buChar char=""/>
+            </a:pPr>
+            <a:r>
+              <a:rPr lang="en-US">
+                <a:latin typeface="Arial"/>
+              </a:rPr>
+              <a:t>Second Outline Level</a:t>
+            </a:r>
+            <a:endParaRPr/>
+          </a:p>
+          <a:p>
+            <a:pPr lvl="2">
+              <a:buSzPct val="45000"/>
+              <a:buFont typeface="StarSymbol"/>
+              <a:buChar char=""/>
+            </a:pPr>
+            <a:r>
+              <a:rPr lang="en-US">
+                <a:latin typeface="Arial"/>
+              </a:rPr>
+              <a:t>Third Outline Level</a:t>
+            </a:r>
+            <a:endParaRPr/>
+          </a:p>
+          <a:p>
+            <a:pPr lvl="3">
+              <a:buSzPct val="75000"/>
+              <a:buFont typeface="StarSymbol"/>
+              <a:buChar char=""/>
+            </a:pPr>
+            <a:r>
+              <a:rPr lang="en-US">
+                <a:latin typeface="Arial"/>
+              </a:rPr>
+              <a:t>Fourth Outline Level</a:t>
+            </a:r>
+            <a:endParaRPr/>
+          </a:p>
+          <a:p>
+            <a:pPr lvl="4">
+              <a:buSzPct val="45000"/>
+              <a:buFont typeface="StarSymbol"/>
+              <a:buChar char=""/>
+            </a:pPr>
+            <a:r>
+              <a:rPr lang="en-US">
+                <a:latin typeface="Arial"/>
+              </a:rPr>
+              <a:t>Fifth Outline Level</a:t>
+            </a:r>
+            <a:endParaRPr/>
+          </a:p>
+          <a:p>
+            <a:pPr lvl="5">
+              <a:buSzPct val="45000"/>
+              <a:buFont typeface="StarSymbol"/>
+              <a:buChar char=""/>
+            </a:pPr>
+            <a:r>
+              <a:rPr lang="en-US">
+                <a:latin typeface="Arial"/>
+              </a:rPr>
+              <a:t>Sixth Outline Level</a:t>
+            </a:r>
+            <a:endParaRPr/>
+          </a:p>
+          <a:p>
+            <a:pPr lvl="6">
+              <a:buSzPct val="45000"/>
+              <a:buFont typeface="StarSymbol"/>
+              <a:buChar char=""/>
+            </a:pPr>
+            <a:r>
+              <a:rPr lang="en-US">
+                <a:latin typeface="Arial"/>
+              </a:rPr>
+              <a:t>Seventh Outline Level</a:t>
+            </a:r>
+            <a:endParaRPr/>
+          </a:p>
+        </p:txBody>
+      </p:sp>
+    </p:spTree>
+  </p:cSld>
+  <p:clrMap bg1="lt1" bg2="lt2" tx1="dk1" tx2="dk2" accent1="accent1" accent2="accent2" accent3="accent3" accent4="accent4" accent5="accent5" accent6="accent6" hlink="hlink" folHlink="folHlink"/>
+  <p:sldLayoutIdLst>
+    <p:sldLayoutId id="2147483662" r:id="rId2"/>
+    <p:sldLayoutId id="2147483663" r:id="rId3"/>
+    <p:sldLayoutId id="2147483664" r:id="rId4"/>
+    <p:sldLayoutId id="2147483665" r:id="rId5"/>
+    <p:sldLayoutId id="2147483666" r:id="rId6"/>
+    <p:sldLayoutId id="2147483667" r:id="rId7"/>
+    <p:sldLayoutId id="2147483668" r:id="rId8"/>
+    <p:sldLayoutId id="2147483669" r:id="rId9"/>
+    <p:sldLayoutId id="2147483670" r:id="rId10"/>
+    <p:sldLayoutId id="2147483671" r:id="rId11"/>
+    <p:sldLayoutId id="2147483672" r:id="rId12"/>
+    <p:sldLayoutId id="2147483673" r:id="rId13"/>
+  </p:sldLayoutIdLst>
+</p:sldMaster>
+</file>
+
+<file path=ppt/slideMasters/slideMaster3.xml><?xml version="1.0" encoding="utf-8"?>
+<p:sldMaster xmlns:a="http://schemas.openxmlformats.org/drawingml/2006/main" xmlns:p="http://schemas.openxmlformats.org/presentationml/2006/main" xmlns:r="http://schemas.openxmlformats.org/officeDocument/2006/relationships">
+  <p:cSld>
+    <p:spTree>
+      <p:nvGrpSpPr>
+        <p:cNvPr id="1" name=""/>
+        <p:cNvGrpSpPr/>
+        <p:nvPr/>
+      </p:nvGrpSpPr>
+      <p:grpSpPr>
+        <a:xfrm>
+          <a:off x="0" y="0"/>
+          <a:ext cx="0" cy="0"/>
+          <a:chOff x="0" y="0"/>
+          <a:chExt cx="0" cy="0"/>
+        </a:xfrm>
+      </p:grpSpPr>
+      <p:sp>
+        <p:nvSpPr>
+          <p:cNvPr id="72" name="PlaceHolder 1"/>
+          <p:cNvSpPr>
+            <a:spLocks noGrp="1"/>
+          </p:cNvSpPr>
+          <p:nvPr>
+            <p:ph type="title"/>
+          </p:nvPr>
+        </p:nvSpPr>
+        <p:spPr>
+          <a:xfrm>
+            <a:off x="504000" y="301320"/>
+            <a:ext cx="9071280" cy="1262160"/>
+          </a:xfrm>
+          <a:prstGeom prst="rect">
+            <a:avLst/>
+          </a:prstGeom>
+        </p:spPr>
+        <p:txBody>
+          <a:bodyPr lIns="0" rIns="0" tIns="0" bIns="0" anchor="ctr"/>
+          <a:p>
+            <a:r>
+              <a:rPr lang="en-US">
+                <a:latin typeface="Arial"/>
+              </a:rPr>
+              <a:t>Click to edit the title text format</a:t>
+            </a:r>
+            <a:endParaRPr/>
+          </a:p>
+        </p:txBody>
+      </p:sp>
+      <p:sp>
+        <p:nvSpPr>
+          <p:cNvPr id="73" name="PlaceHolder 2"/>
+          <p:cNvSpPr>
+            <a:spLocks noGrp="1"/>
+          </p:cNvSpPr>
+          <p:nvPr>
+            <p:ph type="body"/>
+          </p:nvPr>
+        </p:nvSpPr>
+        <p:spPr>
+          <a:xfrm>
+            <a:off x="504000" y="1769040"/>
+            <a:ext cx="4426560" cy="4384080"/>
+          </a:xfrm>
+          <a:prstGeom prst="rect">
+            <a:avLst/>
+          </a:prstGeom>
+        </p:spPr>
+        <p:txBody>
+          <a:bodyPr lIns="0" rIns="0" tIns="0" bIns="0"/>
+          <a:p>
+            <a:pPr>
+              <a:buSzPct val="45000"/>
+              <a:buFont typeface="StarSymbol"/>
+              <a:buChar char=""/>
+            </a:pPr>
+            <a:r>
+              <a:rPr lang="en-US">
+                <a:latin typeface="Arial"/>
+              </a:rPr>
+              <a:t>Click to edit the outline text format</a:t>
+            </a:r>
+            <a:endParaRPr/>
+          </a:p>
+          <a:p>
+            <a:pPr lvl="1">
+              <a:buSzPct val="75000"/>
+              <a:buFont typeface="StarSymbol"/>
+              <a:buChar char=""/>
+            </a:pPr>
+            <a:r>
+              <a:rPr lang="en-US">
+                <a:latin typeface="Arial"/>
+              </a:rPr>
+              <a:t>Second Outline Level</a:t>
+            </a:r>
+            <a:endParaRPr/>
+          </a:p>
+          <a:p>
+            <a:pPr lvl="2">
+              <a:buSzPct val="45000"/>
+              <a:buFont typeface="StarSymbol"/>
+              <a:buChar char=""/>
+            </a:pPr>
+            <a:r>
+              <a:rPr lang="en-US">
+                <a:latin typeface="Arial"/>
+              </a:rPr>
+              <a:t>Third Outline Level</a:t>
+            </a:r>
+            <a:endParaRPr/>
+          </a:p>
+          <a:p>
+            <a:pPr lvl="3">
+              <a:buSzPct val="75000"/>
+              <a:buFont typeface="StarSymbol"/>
+              <a:buChar char=""/>
+            </a:pPr>
+            <a:r>
+              <a:rPr lang="en-US">
+                <a:latin typeface="Arial"/>
+              </a:rPr>
+              <a:t>Fourth Outline Level</a:t>
+            </a:r>
+            <a:endParaRPr/>
+          </a:p>
+          <a:p>
+            <a:pPr lvl="4">
+              <a:buSzPct val="45000"/>
+              <a:buFont typeface="StarSymbol"/>
+              <a:buChar char=""/>
+            </a:pPr>
+            <a:r>
+              <a:rPr lang="en-US">
+                <a:latin typeface="Arial"/>
+              </a:rPr>
+              <a:t>Fifth Outline Level</a:t>
+            </a:r>
+            <a:endParaRPr/>
+          </a:p>
+          <a:p>
+            <a:pPr lvl="5">
+              <a:buSzPct val="45000"/>
+              <a:buFont typeface="StarSymbol"/>
+              <a:buChar char=""/>
+            </a:pPr>
+            <a:r>
+              <a:rPr lang="en-US">
+                <a:latin typeface="Arial"/>
+              </a:rPr>
+              <a:t>Sixth Outline Level</a:t>
+            </a:r>
+            <a:endParaRPr/>
+          </a:p>
+          <a:p>
+            <a:pPr lvl="6">
+              <a:buSzPct val="45000"/>
+              <a:buFont typeface="StarSymbol"/>
+              <a:buChar char=""/>
+            </a:pPr>
+            <a:r>
+              <a:rPr lang="en-US">
+                <a:latin typeface="Arial"/>
+              </a:rPr>
+              <a:t>Seventh Outline Level</a:t>
+            </a:r>
+            <a:endParaRPr/>
+          </a:p>
+        </p:txBody>
+      </p:sp>
+      <p:sp>
+        <p:nvSpPr>
+          <p:cNvPr id="74" name="PlaceHolder 3"/>
+          <p:cNvSpPr>
+            <a:spLocks noGrp="1"/>
+          </p:cNvSpPr>
+          <p:nvPr>
+            <p:ph type="body"/>
+          </p:nvPr>
+        </p:nvSpPr>
+        <p:spPr>
+          <a:xfrm>
+            <a:off x="5152680" y="1769040"/>
+            <a:ext cx="4426560" cy="4384080"/>
+          </a:xfrm>
+          <a:prstGeom prst="rect">
+            <a:avLst/>
+          </a:prstGeom>
+        </p:spPr>
+        <p:txBody>
+          <a:bodyPr lIns="0" rIns="0" tIns="0" bIns="0"/>
+          <a:p>
+            <a:pPr>
+              <a:buSzPct val="45000"/>
+              <a:buFont typeface="StarSymbol"/>
+              <a:buChar char=""/>
+            </a:pPr>
+            <a:r>
+              <a:rPr lang="en-US">
+                <a:latin typeface="Arial"/>
+              </a:rPr>
+              <a:t>Click to edit the outline text format</a:t>
+            </a:r>
+            <a:endParaRPr/>
+          </a:p>
+          <a:p>
+            <a:pPr lvl="1">
+              <a:buSzPct val="75000"/>
+              <a:buFont typeface="StarSymbol"/>
+              <a:buChar char=""/>
+            </a:pPr>
+            <a:r>
+              <a:rPr lang="en-US">
+                <a:latin typeface="Arial"/>
+              </a:rPr>
+              <a:t>Second Outline Level</a:t>
+            </a:r>
+            <a:endParaRPr/>
+          </a:p>
+          <a:p>
+            <a:pPr lvl="2">
+              <a:buSzPct val="45000"/>
+              <a:buFont typeface="StarSymbol"/>
+              <a:buChar char=""/>
+            </a:pPr>
+            <a:r>
+              <a:rPr lang="en-US">
+                <a:latin typeface="Arial"/>
+              </a:rPr>
+              <a:t>Third Outline Level</a:t>
+            </a:r>
+            <a:endParaRPr/>
+          </a:p>
+          <a:p>
+            <a:pPr lvl="3">
+              <a:buSzPct val="75000"/>
+              <a:buFont typeface="StarSymbol"/>
+              <a:buChar char=""/>
+            </a:pPr>
+            <a:r>
+              <a:rPr lang="en-US">
+                <a:latin typeface="Arial"/>
+              </a:rPr>
+              <a:t>Fourth Outline Level</a:t>
+            </a:r>
+            <a:endParaRPr/>
+          </a:p>
+          <a:p>
+            <a:pPr lvl="4">
+              <a:buSzPct val="45000"/>
+              <a:buFont typeface="StarSymbol"/>
+              <a:buChar char=""/>
+            </a:pPr>
+            <a:r>
+              <a:rPr lang="en-US">
+                <a:latin typeface="Arial"/>
+              </a:rPr>
+              <a:t>Fifth Outline Level</a:t>
+            </a:r>
+            <a:endParaRPr/>
+          </a:p>
+          <a:p>
+            <a:pPr lvl="5">
+              <a:buSzPct val="45000"/>
+              <a:buFont typeface="StarSymbol"/>
+              <a:buChar char=""/>
+            </a:pPr>
+            <a:r>
+              <a:rPr lang="en-US">
+                <a:latin typeface="Arial"/>
+              </a:rPr>
+              <a:t>Sixth Outline Level</a:t>
+            </a:r>
+            <a:endParaRPr/>
+          </a:p>
+          <a:p>
+            <a:pPr lvl="6">
+              <a:buSzPct val="45000"/>
+              <a:buFont typeface="StarSymbol"/>
+              <a:buChar char=""/>
+            </a:pPr>
+            <a:r>
+              <a:rPr lang="en-US">
+                <a:latin typeface="Arial"/>
+              </a:rPr>
+              <a:t>Seventh Outline Level</a:t>
+            </a:r>
+            <a:endParaRPr/>
+          </a:p>
+        </p:txBody>
+      </p:sp>
+    </p:spTree>
+  </p:cSld>
+  <p:clrMap bg1="lt1" bg2="lt2" tx1="dk1" tx2="dk2" accent1="accent1" accent2="accent2" accent3="accent3" accent4="accent4" accent5="accent5" accent6="accent6" hlink="hlink" folHlink="folHlink"/>
+  <p:sldLayoutIdLst>
+    <p:sldLayoutId id="2147483675" r:id="rId2"/>
+    <p:sldLayoutId id="2147483676" r:id="rId3"/>
+    <p:sldLayoutId id="2147483677" r:id="rId4"/>
+    <p:sldLayoutId id="2147483678" r:id="rId5"/>
+    <p:sldLayoutId id="2147483679" r:id="rId6"/>
+    <p:sldLayoutId id="2147483680" r:id="rId7"/>
+    <p:sldLayoutId id="2147483681" r:id="rId8"/>
+    <p:sldLayoutId id="2147483682" r:id="rId9"/>
+    <p:sldLayoutId id="2147483683" r:id="rId10"/>
+    <p:sldLayoutId id="2147483684" r:id="rId11"/>
+    <p:sldLayoutId id="2147483685" r:id="rId12"/>
+    <p:sldLayoutId id="2147483686" r:id="rId13"/>
   </p:sldLayoutIdLst>
 </p:sldMaster>
 </file>
@@ -1484,23 +4772,31 @@
       </p:grpSpPr>
       <p:sp>
         <p:nvSpPr>
-          <p:cNvPr id="39" name="TextShape 1"/>
-          <p:cNvSpPr txBox="1"/>
+          <p:cNvPr id="109" name="CustomShape 1"/>
+          <p:cNvSpPr/>
           <p:nvPr/>
         </p:nvSpPr>
         <p:spPr>
           <a:xfrm>
             <a:off x="504000" y="914760"/>
-            <a:ext cx="9071640" cy="5851800"/>
-          </a:xfrm>
-          <a:prstGeom prst="rect">
-            <a:avLst/>
-          </a:prstGeom>
+            <a:ext cx="9071280" cy="5851440"/>
+          </a:xfrm>
+          <a:prstGeom prst="rect">
+            <a:avLst/>
+          </a:prstGeom>
+          <a:noFill/>
+          <a:ln>
+            <a:noFill/>
+          </a:ln>
         </p:spPr>
         <p:txBody>
           <a:bodyPr lIns="0" rIns="0" tIns="0" bIns="0" anchor="ctr"/>
           <a:p>
-            <a:pPr algn="ctr"/>
+            <a:pPr algn="ctr">
+              <a:lnSpc>
+                <a:spcPct val="100000"/>
+              </a:lnSpc>
+            </a:pPr>
             <a:r>
               <a:rPr lang="en-US" sz="3200">
                 <a:latin typeface="Arial"/>
@@ -1510,11 +4806,19 @@
             <a:endParaRPr/>
           </a:p>
           <a:p>
-            <a:pPr algn="ctr"/>
-            <a:endParaRPr/>
-          </a:p>
-          <a:p>
-            <a:pPr algn="ctr"/>
+            <a:pPr algn="ctr">
+              <a:lnSpc>
+                <a:spcPct val="100000"/>
+              </a:lnSpc>
+            </a:pPr>
+            <a:endParaRPr/>
+          </a:p>
+          <a:p>
+            <a:pPr algn="ctr">
+              <a:lnSpc>
+                <a:spcPct val="100000"/>
+              </a:lnSpc>
+            </a:pPr>
             <a:r>
               <a:rPr lang="en-US" sz="2400">
                 <a:latin typeface="Arial"/>
@@ -1524,7 +4828,11 @@
             <a:endParaRPr/>
           </a:p>
           <a:p>
-            <a:pPr algn="ctr"/>
+            <a:pPr algn="ctr">
+              <a:lnSpc>
+                <a:spcPct val="100000"/>
+              </a:lnSpc>
+            </a:pPr>
             <a:r>
               <a:rPr lang="en-US" sz="2400">
                 <a:latin typeface="Arial"/>
@@ -1534,7 +4842,11 @@
             <a:endParaRPr/>
           </a:p>
           <a:p>
-            <a:pPr algn="ctr"/>
+            <a:pPr algn="ctr">
+              <a:lnSpc>
+                <a:spcPct val="100000"/>
+              </a:lnSpc>
+            </a:pPr>
             <a:r>
               <a:rPr lang="en-US" sz="2400">
                 <a:latin typeface="Arial"/>
@@ -1596,23 +4908,31 @@
       </p:grpSpPr>
       <p:sp>
         <p:nvSpPr>
-          <p:cNvPr id="40" name="TextShape 1"/>
-          <p:cNvSpPr txBox="1"/>
+          <p:cNvPr id="110" name="CustomShape 1"/>
+          <p:cNvSpPr/>
           <p:nvPr/>
         </p:nvSpPr>
         <p:spPr>
           <a:xfrm>
             <a:off x="504000" y="301320"/>
-            <a:ext cx="9071640" cy="1262160"/>
-          </a:xfrm>
-          <a:prstGeom prst="rect">
-            <a:avLst/>
-          </a:prstGeom>
+            <a:ext cx="9071280" cy="1261800"/>
+          </a:xfrm>
+          <a:prstGeom prst="rect">
+            <a:avLst/>
+          </a:prstGeom>
+          <a:noFill/>
+          <a:ln>
+            <a:noFill/>
+          </a:ln>
         </p:spPr>
         <p:txBody>
           <a:bodyPr lIns="0" rIns="0" tIns="0" bIns="0" anchor="ctr"/>
           <a:p>
-            <a:pPr algn="ctr"/>
+            <a:pPr algn="ctr">
+              <a:lnSpc>
+                <a:spcPct val="100000"/>
+              </a:lnSpc>
+            </a:pPr>
             <a:r>
               <a:rPr lang="en-US" sz="4400">
                 <a:latin typeface="Arial"/>
@@ -1625,26 +4945,33 @@
       </p:sp>
       <p:sp>
         <p:nvSpPr>
-          <p:cNvPr id="41" name="TextShape 2"/>
-          <p:cNvSpPr txBox="1"/>
+          <p:cNvPr id="111" name="CustomShape 2"/>
+          <p:cNvSpPr/>
           <p:nvPr/>
         </p:nvSpPr>
         <p:spPr>
           <a:xfrm>
             <a:off x="504000" y="1769040"/>
-            <a:ext cx="9071640" cy="4384440"/>
-          </a:xfrm>
-          <a:prstGeom prst="rect">
-            <a:avLst/>
-          </a:prstGeom>
+            <a:ext cx="9071280" cy="4384080"/>
+          </a:xfrm>
+          <a:prstGeom prst="rect">
+            <a:avLst/>
+          </a:prstGeom>
+          <a:noFill/>
+          <a:ln>
+            <a:noFill/>
+          </a:ln>
         </p:spPr>
         <p:txBody>
           <a:bodyPr lIns="0" rIns="0" tIns="0" bIns="0"/>
           <a:p>
             <a:pPr>
+              <a:lnSpc>
+                <a:spcPct val="100000"/>
+              </a:lnSpc>
               <a:buSzPct val="45000"/>
               <a:buFont typeface="StarSymbol"/>
-              <a:buChar char=""/>
+              <a:buChar char="l"/>
             </a:pPr>
             <a:r>
               <a:rPr lang="en-US" sz="3200">
@@ -1656,9 +4983,12 @@
           </a:p>
           <a:p>
             <a:pPr>
+              <a:lnSpc>
+                <a:spcPct val="100000"/>
+              </a:lnSpc>
               <a:buSzPct val="45000"/>
               <a:buFont typeface="StarSymbol"/>
-              <a:buChar char=""/>
+              <a:buChar char="l"/>
             </a:pPr>
             <a:r>
               <a:rPr lang="en-US" sz="3200">
@@ -1670,9 +5000,12 @@
           </a:p>
           <a:p>
             <a:pPr lvl="1">
+              <a:lnSpc>
+                <a:spcPct val="100000"/>
+              </a:lnSpc>
               <a:buSzPct val="75000"/>
               <a:buFont typeface="StarSymbol"/>
-              <a:buChar char=""/>
+              <a:buChar char="l"/>
             </a:pPr>
             <a:r>
               <a:rPr lang="en-US" sz="2800">
@@ -1684,9 +5017,12 @@
           </a:p>
           <a:p>
             <a:pPr lvl="1">
+              <a:lnSpc>
+                <a:spcPct val="100000"/>
+              </a:lnSpc>
               <a:buSzPct val="75000"/>
               <a:buFont typeface="StarSymbol"/>
-              <a:buChar char=""/>
+              <a:buChar char="l"/>
             </a:pPr>
             <a:r>
               <a:rPr lang="en-US" sz="2800">
@@ -1749,23 +5085,31 @@
       </p:grpSpPr>
       <p:sp>
         <p:nvSpPr>
-          <p:cNvPr id="42" name="TextShape 1"/>
-          <p:cNvSpPr txBox="1"/>
+          <p:cNvPr id="112" name="CustomShape 1"/>
+          <p:cNvSpPr/>
           <p:nvPr/>
         </p:nvSpPr>
         <p:spPr>
           <a:xfrm>
             <a:off x="504000" y="301320"/>
-            <a:ext cx="9071640" cy="1262160"/>
-          </a:xfrm>
-          <a:prstGeom prst="rect">
-            <a:avLst/>
-          </a:prstGeom>
+            <a:ext cx="9071280" cy="1261800"/>
+          </a:xfrm>
+          <a:prstGeom prst="rect">
+            <a:avLst/>
+          </a:prstGeom>
+          <a:noFill/>
+          <a:ln>
+            <a:noFill/>
+          </a:ln>
         </p:spPr>
         <p:txBody>
           <a:bodyPr lIns="0" rIns="0" tIns="0" bIns="0" anchor="ctr"/>
           <a:p>
-            <a:pPr algn="ctr"/>
+            <a:pPr algn="ctr">
+              <a:lnSpc>
+                <a:spcPct val="100000"/>
+              </a:lnSpc>
+            </a:pPr>
             <a:r>
               <a:rPr lang="en-US" sz="4400">
                 <a:latin typeface="Arial"/>
@@ -1778,26 +5122,33 @@
       </p:sp>
       <p:sp>
         <p:nvSpPr>
-          <p:cNvPr id="43" name="TextShape 2"/>
-          <p:cNvSpPr txBox="1"/>
+          <p:cNvPr id="113" name="CustomShape 2"/>
+          <p:cNvSpPr/>
           <p:nvPr/>
         </p:nvSpPr>
         <p:spPr>
           <a:xfrm>
             <a:off x="504000" y="1769040"/>
-            <a:ext cx="4426920" cy="4384440"/>
-          </a:xfrm>
-          <a:prstGeom prst="rect">
-            <a:avLst/>
-          </a:prstGeom>
+            <a:ext cx="4426560" cy="4384080"/>
+          </a:xfrm>
+          <a:prstGeom prst="rect">
+            <a:avLst/>
+          </a:prstGeom>
+          <a:noFill/>
+          <a:ln>
+            <a:noFill/>
+          </a:ln>
         </p:spPr>
         <p:txBody>
           <a:bodyPr lIns="0" rIns="0" tIns="0" bIns="0"/>
           <a:p>
             <a:pPr>
+              <a:lnSpc>
+                <a:spcPct val="100000"/>
+              </a:lnSpc>
               <a:buSzPct val="45000"/>
               <a:buFont typeface="StarSymbol"/>
-              <a:buChar char=""/>
+              <a:buChar char="l"/>
             </a:pPr>
             <a:r>
               <a:rPr lang="en-US" sz="3200">
@@ -1809,9 +5160,12 @@
           </a:p>
           <a:p>
             <a:pPr>
+              <a:lnSpc>
+                <a:spcPct val="100000"/>
+              </a:lnSpc>
               <a:buSzPct val="45000"/>
               <a:buFont typeface="StarSymbol"/>
-              <a:buChar char=""/>
+              <a:buChar char="l"/>
             </a:pPr>
             <a:r>
               <a:rPr lang="en-US" sz="3200">
@@ -1823,9 +5177,12 @@
           </a:p>
           <a:p>
             <a:pPr>
+              <a:lnSpc>
+                <a:spcPct val="100000"/>
+              </a:lnSpc>
               <a:buSzPct val="45000"/>
               <a:buFont typeface="StarSymbol"/>
-              <a:buChar char=""/>
+              <a:buChar char="l"/>
             </a:pPr>
             <a:r>
               <a:rPr lang="en-US" sz="3200">
@@ -1839,7 +5196,7 @@
       </p:sp>
       <p:pic>
         <p:nvPicPr>
-          <p:cNvPr id="44" name="" descr=""/>
+          <p:cNvPr id="114" name="" descr=""/>
           <p:cNvPicPr/>
           <p:nvPr/>
         </p:nvPicPr>
@@ -1852,7 +5209,7 @@
         <p:spPr>
           <a:xfrm>
             <a:off x="5017680" y="1554480"/>
-            <a:ext cx="4674960" cy="4663440"/>
+            <a:ext cx="4674600" cy="4663080"/>
           </a:xfrm>
           <a:prstGeom prst="rect">
             <a:avLst/>
@@ -1913,23 +5270,31 @@
       </p:grpSpPr>
       <p:sp>
         <p:nvSpPr>
-          <p:cNvPr id="45" name="TextShape 1"/>
-          <p:cNvSpPr txBox="1"/>
+          <p:cNvPr id="115" name="CustomShape 1"/>
+          <p:cNvSpPr/>
           <p:nvPr/>
         </p:nvSpPr>
         <p:spPr>
           <a:xfrm>
             <a:off x="504000" y="301320"/>
-            <a:ext cx="9071640" cy="1262160"/>
-          </a:xfrm>
-          <a:prstGeom prst="rect">
-            <a:avLst/>
-          </a:prstGeom>
+            <a:ext cx="9071280" cy="1261800"/>
+          </a:xfrm>
+          <a:prstGeom prst="rect">
+            <a:avLst/>
+          </a:prstGeom>
+          <a:noFill/>
+          <a:ln>
+            <a:noFill/>
+          </a:ln>
         </p:spPr>
         <p:txBody>
           <a:bodyPr lIns="0" rIns="0" tIns="0" bIns="0" anchor="ctr"/>
           <a:p>
-            <a:pPr algn="ctr"/>
+            <a:pPr algn="ctr">
+              <a:lnSpc>
+                <a:spcPct val="100000"/>
+              </a:lnSpc>
+            </a:pPr>
             <a:r>
               <a:rPr lang="en-US" sz="4400">
                 <a:latin typeface="Arial"/>
@@ -1942,26 +5307,33 @@
       </p:sp>
       <p:sp>
         <p:nvSpPr>
-          <p:cNvPr id="46" name="TextShape 2"/>
-          <p:cNvSpPr txBox="1"/>
+          <p:cNvPr id="116" name="CustomShape 2"/>
+          <p:cNvSpPr/>
           <p:nvPr/>
         </p:nvSpPr>
         <p:spPr>
           <a:xfrm>
             <a:off x="504000" y="1769040"/>
-            <a:ext cx="9071640" cy="4384440"/>
-          </a:xfrm>
-          <a:prstGeom prst="rect">
-            <a:avLst/>
-          </a:prstGeom>
+            <a:ext cx="9071280" cy="4384080"/>
+          </a:xfrm>
+          <a:prstGeom prst="rect">
+            <a:avLst/>
+          </a:prstGeom>
+          <a:noFill/>
+          <a:ln>
+            <a:noFill/>
+          </a:ln>
         </p:spPr>
         <p:txBody>
           <a:bodyPr lIns="0" rIns="0" tIns="0" bIns="0"/>
           <a:p>
             <a:pPr>
+              <a:lnSpc>
+                <a:spcPct val="100000"/>
+              </a:lnSpc>
               <a:buSzPct val="45000"/>
               <a:buFont typeface="StarSymbol"/>
-              <a:buChar char=""/>
+              <a:buChar char="l"/>
             </a:pPr>
             <a:r>
               <a:rPr lang="en-US" sz="3200">
@@ -1985,9 +5357,12 @@
           </a:p>
           <a:p>
             <a:pPr lvl="1">
+              <a:lnSpc>
+                <a:spcPct val="100000"/>
+              </a:lnSpc>
               <a:buSzPct val="75000"/>
               <a:buFont typeface="StarSymbol"/>
-              <a:buChar char=""/>
+              <a:buChar char="l"/>
             </a:pPr>
             <a:r>
               <a:rPr lang="en-US" sz="2800">
@@ -1999,9 +5374,12 @@
           </a:p>
           <a:p>
             <a:pPr lvl="1">
+              <a:lnSpc>
+                <a:spcPct val="100000"/>
+              </a:lnSpc>
               <a:buSzPct val="75000"/>
               <a:buFont typeface="StarSymbol"/>
-              <a:buChar char=""/>
+              <a:buChar char="l"/>
             </a:pPr>
             <a:r>
               <a:rPr lang="en-US" sz="2800">
@@ -2013,9 +5391,12 @@
           </a:p>
           <a:p>
             <a:pPr lvl="1">
+              <a:lnSpc>
+                <a:spcPct val="100000"/>
+              </a:lnSpc>
               <a:buSzPct val="75000"/>
               <a:buFont typeface="StarSymbol"/>
-              <a:buChar char=""/>
+              <a:buChar char="l"/>
             </a:pPr>
             <a:r>
               <a:rPr lang="en-US" sz="2800">
@@ -2027,9 +5408,12 @@
           </a:p>
           <a:p>
             <a:pPr lvl="1">
+              <a:lnSpc>
+                <a:spcPct val="100000"/>
+              </a:lnSpc>
               <a:buSzPct val="75000"/>
               <a:buFont typeface="StarSymbol"/>
-              <a:buChar char=""/>
+              <a:buChar char="l"/>
             </a:pPr>
             <a:r>
               <a:rPr lang="en-US" sz="2800">
@@ -2041,9 +5425,12 @@
           </a:p>
           <a:p>
             <a:pPr>
+              <a:lnSpc>
+                <a:spcPct val="100000"/>
+              </a:lnSpc>
               <a:buSzPct val="45000"/>
               <a:buFont typeface="StarSymbol"/>
-              <a:buChar char=""/>
+              <a:buChar char="l"/>
             </a:pPr>
             <a:r>
               <a:rPr lang="en-US" sz="3200">
@@ -2106,23 +5493,31 @@
       </p:grpSpPr>
       <p:sp>
         <p:nvSpPr>
-          <p:cNvPr id="47" name="TextShape 1"/>
-          <p:cNvSpPr txBox="1"/>
+          <p:cNvPr id="117" name="CustomShape 1"/>
+          <p:cNvSpPr/>
           <p:nvPr/>
         </p:nvSpPr>
         <p:spPr>
           <a:xfrm>
             <a:off x="504000" y="301320"/>
-            <a:ext cx="9071640" cy="1262160"/>
-          </a:xfrm>
-          <a:prstGeom prst="rect">
-            <a:avLst/>
-          </a:prstGeom>
+            <a:ext cx="9071280" cy="1261800"/>
+          </a:xfrm>
+          <a:prstGeom prst="rect">
+            <a:avLst/>
+          </a:prstGeom>
+          <a:noFill/>
+          <a:ln>
+            <a:noFill/>
+          </a:ln>
         </p:spPr>
         <p:txBody>
           <a:bodyPr lIns="0" rIns="0" tIns="0" bIns="0" anchor="ctr"/>
           <a:p>
-            <a:pPr algn="ctr"/>
+            <a:pPr algn="ctr">
+              <a:lnSpc>
+                <a:spcPct val="100000"/>
+              </a:lnSpc>
+            </a:pPr>
             <a:r>
               <a:rPr lang="en-US" sz="4400">
                 <a:latin typeface="Arial"/>
@@ -2135,26 +5530,33 @@
       </p:sp>
       <p:sp>
         <p:nvSpPr>
-          <p:cNvPr id="48" name="TextShape 2"/>
-          <p:cNvSpPr txBox="1"/>
+          <p:cNvPr id="118" name="CustomShape 2"/>
+          <p:cNvSpPr/>
           <p:nvPr/>
         </p:nvSpPr>
         <p:spPr>
           <a:xfrm>
             <a:off x="504000" y="1769040"/>
-            <a:ext cx="9071640" cy="4384440"/>
-          </a:xfrm>
-          <a:prstGeom prst="rect">
-            <a:avLst/>
-          </a:prstGeom>
+            <a:ext cx="9071280" cy="4384080"/>
+          </a:xfrm>
+          <a:prstGeom prst="rect">
+            <a:avLst/>
+          </a:prstGeom>
+          <a:noFill/>
+          <a:ln>
+            <a:noFill/>
+          </a:ln>
         </p:spPr>
         <p:txBody>
           <a:bodyPr lIns="0" rIns="0" tIns="0" bIns="0"/>
           <a:p>
             <a:pPr>
+              <a:lnSpc>
+                <a:spcPct val="100000"/>
+              </a:lnSpc>
               <a:buSzPct val="45000"/>
               <a:buFont typeface="StarSymbol"/>
-              <a:buChar char=""/>
+              <a:buChar char="l"/>
             </a:pPr>
             <a:r>
               <a:rPr lang="en-US" sz="3200">
@@ -2166,9 +5568,12 @@
           </a:p>
           <a:p>
             <a:pPr>
+              <a:lnSpc>
+                <a:spcPct val="100000"/>
+              </a:lnSpc>
               <a:buSzPct val="45000"/>
               <a:buFont typeface="StarSymbol"/>
-              <a:buChar char=""/>
+              <a:buChar char="l"/>
             </a:pPr>
             <a:r>
               <a:rPr lang="en-US" sz="3200">
@@ -2231,23 +5636,31 @@
       </p:grpSpPr>
       <p:sp>
         <p:nvSpPr>
-          <p:cNvPr id="49" name="TextShape 1"/>
-          <p:cNvSpPr txBox="1"/>
+          <p:cNvPr id="119" name="CustomShape 1"/>
+          <p:cNvSpPr/>
           <p:nvPr/>
         </p:nvSpPr>
         <p:spPr>
           <a:xfrm>
             <a:off x="504000" y="301320"/>
-            <a:ext cx="9071640" cy="1262160"/>
-          </a:xfrm>
-          <a:prstGeom prst="rect">
-            <a:avLst/>
-          </a:prstGeom>
+            <a:ext cx="9071280" cy="1261800"/>
+          </a:xfrm>
+          <a:prstGeom prst="rect">
+            <a:avLst/>
+          </a:prstGeom>
+          <a:noFill/>
+          <a:ln>
+            <a:noFill/>
+          </a:ln>
         </p:spPr>
         <p:txBody>
           <a:bodyPr lIns="0" rIns="0" tIns="0" bIns="0" anchor="ctr"/>
           <a:p>
-            <a:pPr algn="ctr"/>
+            <a:pPr algn="ctr">
+              <a:lnSpc>
+                <a:spcPct val="100000"/>
+              </a:lnSpc>
+            </a:pPr>
             <a:r>
               <a:rPr lang="en-US" sz="4400">
                 <a:latin typeface="Arial"/>
@@ -2309,23 +5722,31 @@
       </p:grpSpPr>
       <p:sp>
         <p:nvSpPr>
-          <p:cNvPr id="50" name="TextShape 1"/>
-          <p:cNvSpPr txBox="1"/>
+          <p:cNvPr id="120" name="CustomShape 1"/>
+          <p:cNvSpPr/>
           <p:nvPr/>
         </p:nvSpPr>
         <p:spPr>
           <a:xfrm>
             <a:off x="504000" y="301320"/>
-            <a:ext cx="9071640" cy="1262160"/>
-          </a:xfrm>
-          <a:prstGeom prst="rect">
-            <a:avLst/>
-          </a:prstGeom>
+            <a:ext cx="9071280" cy="1261800"/>
+          </a:xfrm>
+          <a:prstGeom prst="rect">
+            <a:avLst/>
+          </a:prstGeom>
+          <a:noFill/>
+          <a:ln>
+            <a:noFill/>
+          </a:ln>
         </p:spPr>
         <p:txBody>
           <a:bodyPr lIns="0" rIns="0" tIns="0" bIns="0" anchor="ctr"/>
           <a:p>
-            <a:pPr algn="ctr"/>
+            <a:pPr algn="ctr">
+              <a:lnSpc>
+                <a:spcPct val="100000"/>
+              </a:lnSpc>
+            </a:pPr>
             <a:r>
               <a:rPr lang="en-US" sz="4400">
                 <a:latin typeface="Arial"/>
@@ -2338,26 +5759,33 @@
       </p:sp>
       <p:sp>
         <p:nvSpPr>
-          <p:cNvPr id="51" name="TextShape 2"/>
-          <p:cNvSpPr txBox="1"/>
+          <p:cNvPr id="121" name="CustomShape 2"/>
+          <p:cNvSpPr/>
           <p:nvPr/>
         </p:nvSpPr>
         <p:spPr>
           <a:xfrm>
             <a:off x="504000" y="1769040"/>
-            <a:ext cx="4426920" cy="4384440"/>
-          </a:xfrm>
-          <a:prstGeom prst="rect">
-            <a:avLst/>
-          </a:prstGeom>
+            <a:ext cx="4426560" cy="4384080"/>
+          </a:xfrm>
+          <a:prstGeom prst="rect">
+            <a:avLst/>
+          </a:prstGeom>
+          <a:noFill/>
+          <a:ln>
+            <a:noFill/>
+          </a:ln>
         </p:spPr>
         <p:txBody>
           <a:bodyPr lIns="0" rIns="0" tIns="0" bIns="0"/>
           <a:p>
             <a:pPr>
+              <a:lnSpc>
+                <a:spcPct val="100000"/>
+              </a:lnSpc>
               <a:buSzPct val="45000"/>
               <a:buFont typeface="StarSymbol"/>
-              <a:buChar char=""/>
+              <a:buChar char="l"/>
             </a:pPr>
             <a:r>
               <a:rPr lang="en-US" sz="3200">
@@ -2369,9 +5797,12 @@
           </a:p>
           <a:p>
             <a:pPr>
+              <a:lnSpc>
+                <a:spcPct val="100000"/>
+              </a:lnSpc>
               <a:buSzPct val="45000"/>
               <a:buFont typeface="StarSymbol"/>
-              <a:buChar char=""/>
+              <a:buChar char="l"/>
             </a:pPr>
             <a:r>
               <a:rPr lang="en-US" sz="3200">
@@ -2383,6 +5814,38 @@
           </a:p>
         </p:txBody>
       </p:sp>
+      <p:graphicFrame>
+        <p:nvGraphicFramePr>
+          <p:cNvPr id="122" name=""/>
+          <p:cNvGraphicFramePr/>
+          <p:nvPr/>
+        </p:nvGraphicFramePr>
+        <p:xfrm>
+          <a:off x="4480560" y="1377360"/>
+          <a:ext cx="5029200" cy="2828880"/>
+        </p:xfrm>
+        <a:graphic>
+          <a:graphicData uri="http://schemas.openxmlformats.org/drawingml/2006/chart">
+            <c:chart xmlns:c="http://schemas.openxmlformats.org/drawingml/2006/chart" xmlns:r="http://schemas.openxmlformats.org/officeDocument/2006/relationships" r:id="rId1"/>
+          </a:graphicData>
+        </a:graphic>
+      </p:graphicFrame>
+      <p:graphicFrame>
+        <p:nvGraphicFramePr>
+          <p:cNvPr id="123" name=""/>
+          <p:cNvGraphicFramePr/>
+          <p:nvPr/>
+        </p:nvGraphicFramePr>
+        <p:xfrm>
+          <a:off x="4737600" y="4206240"/>
+          <a:ext cx="4589280" cy="2581200"/>
+        </p:xfrm>
+        <a:graphic>
+          <a:graphicData uri="http://schemas.openxmlformats.org/drawingml/2006/chart">
+            <c:chart xmlns:c="http://schemas.openxmlformats.org/drawingml/2006/chart" xmlns:r="http://schemas.openxmlformats.org/officeDocument/2006/relationships" r:id="rId2"/>
+          </a:graphicData>
+        </a:graphic>
+      </p:graphicFrame>
     </p:spTree>
   </p:cSld>
   <p:timing>
@@ -2636,4 +6099,450 @@
     </a:fmtScheme>
   </a:themeElements>
 </a:theme>
+</file>
+
+<file path=ppt/theme/theme2.xml><?xml version="1.0" encoding="utf-8"?>
+<a:theme xmlns:a="http://schemas.openxmlformats.org/drawingml/2006/main" name="Office Theme">
+  <a:themeElements>
+    <a:clrScheme name="Office">
+      <a:dk1>
+        <a:sysClr val="windowText" lastClr="000000"/>
+      </a:dk1>
+      <a:lt1>
+        <a:sysClr val="window" lastClr="FFFFFF"/>
+      </a:lt1>
+      <a:dk2>
+        <a:srgbClr val="1F497D"/>
+      </a:dk2>
+      <a:lt2>
+        <a:srgbClr val="EEECE1"/>
+      </a:lt2>
+      <a:accent1>
+        <a:srgbClr val="4F81BD"/>
+      </a:accent1>
+      <a:accent2>
+        <a:srgbClr val="C0504D"/>
+      </a:accent2>
+      <a:accent3>
+        <a:srgbClr val="9BBB59"/>
+      </a:accent3>
+      <a:accent4>
+        <a:srgbClr val="8064A2"/>
+      </a:accent4>
+      <a:accent5>
+        <a:srgbClr val="4BACC6"/>
+      </a:accent5>
+      <a:accent6>
+        <a:srgbClr val="F79646"/>
+      </a:accent6>
+      <a:hlink>
+        <a:srgbClr val="0000FF"/>
+      </a:hlink>
+      <a:folHlink>
+        <a:srgbClr val="800080"/>
+      </a:folHlink>
+    </a:clrScheme>
+    <a:fontScheme name="Office">
+      <a:majorFont>
+        <a:latin typeface="Arial"/>
+        <a:ea typeface="DejaVu Sans"/>
+        <a:cs typeface="DejaVu Sans"/>
+      </a:majorFont>
+      <a:minorFont>
+        <a:latin typeface="Arial"/>
+        <a:ea typeface="DejaVu Sans"/>
+        <a:cs typeface="DejaVu Sans"/>
+      </a:minorFont>
+    </a:fontScheme>
+    <a:fmtScheme name="Office">
+      <a:fillStyleLst>
+        <a:solidFill>
+          <a:schemeClr val="phClr"/>
+        </a:solidFill>
+        <a:gradFill rotWithShape="1">
+          <a:gsLst>
+            <a:gs pos="0">
+              <a:schemeClr val="phClr">
+                <a:tint val="50000"/>
+                <a:satMod val="300000"/>
+              </a:schemeClr>
+            </a:gs>
+            <a:gs pos="35000">
+              <a:schemeClr val="phClr">
+                <a:tint val="37000"/>
+                <a:satMod val="300000"/>
+              </a:schemeClr>
+            </a:gs>
+            <a:gs pos="100000">
+              <a:schemeClr val="phClr">
+                <a:tint val="15000"/>
+                <a:satMod val="350000"/>
+              </a:schemeClr>
+            </a:gs>
+          </a:gsLst>
+          <a:lin ang="16200000" scaled="1"/>
+        </a:gradFill>
+        <a:gradFill rotWithShape="1">
+          <a:gsLst>
+            <a:gs pos="0">
+              <a:schemeClr val="phClr">
+                <a:shade val="51000"/>
+                <a:satMod val="130000"/>
+              </a:schemeClr>
+            </a:gs>
+            <a:gs pos="80000">
+              <a:schemeClr val="phClr">
+                <a:shade val="93000"/>
+                <a:satMod val="130000"/>
+              </a:schemeClr>
+            </a:gs>
+            <a:gs pos="100000">
+              <a:schemeClr val="phClr">
+                <a:shade val="94000"/>
+                <a:satMod val="135000"/>
+              </a:schemeClr>
+            </a:gs>
+          </a:gsLst>
+          <a:lin ang="16200000" scaled="0"/>
+        </a:gradFill>
+      </a:fillStyleLst>
+      <a:lnStyleLst>
+        <a:ln w="9525" cap="flat" cmpd="sng" algn="ctr">
+          <a:solidFill>
+            <a:schemeClr val="phClr">
+              <a:shade val="95000"/>
+              <a:satMod val="105000"/>
+            </a:schemeClr>
+          </a:solidFill>
+          <a:prstDash val="solid"/>
+        </a:ln>
+        <a:ln w="25400" cap="flat" cmpd="sng" algn="ctr">
+          <a:solidFill>
+            <a:schemeClr val="phClr"/>
+          </a:solidFill>
+          <a:prstDash val="solid"/>
+        </a:ln>
+        <a:ln w="38100" cap="flat" cmpd="sng" algn="ctr">
+          <a:solidFill>
+            <a:schemeClr val="phClr"/>
+          </a:solidFill>
+          <a:prstDash val="solid"/>
+        </a:ln>
+      </a:lnStyleLst>
+      <a:effectStyleLst>
+        <a:effectStyle>
+          <a:effectLst>
+            <a:outerShdw blurRad="40000" dist="20000" dir="5400000" rotWithShape="0">
+              <a:srgbClr val="000000">
+                <a:alpha val="38000"/>
+              </a:srgbClr>
+            </a:outerShdw>
+          </a:effectLst>
+        </a:effectStyle>
+        <a:effectStyle>
+          <a:effectLst>
+            <a:outerShdw blurRad="40000" dist="23000" dir="5400000" rotWithShape="0">
+              <a:srgbClr val="000000">
+                <a:alpha val="35000"/>
+              </a:srgbClr>
+            </a:outerShdw>
+          </a:effectLst>
+        </a:effectStyle>
+        <a:effectStyle>
+          <a:effectLst>
+            <a:outerShdw blurRad="40000" dist="23000" dir="5400000" rotWithShape="0">
+              <a:srgbClr val="000000">
+                <a:alpha val="35000"/>
+              </a:srgbClr>
+            </a:outerShdw>
+          </a:effectLst>
+          <a:scene3d>
+            <a:camera prst="orthographicFront">
+              <a:rot lat="0" lon="0" rev="0"/>
+            </a:camera>
+            <a:lightRig rig="threePt" dir="t">
+              <a:rot lat="0" lon="0" rev="1200000"/>
+            </a:lightRig>
+          </a:scene3d>
+          <a:sp3d>
+            <a:bevelT w="63500" h="25400"/>
+          </a:sp3d>
+        </a:effectStyle>
+      </a:effectStyleLst>
+      <a:bgFillStyleLst>
+        <a:solidFill>
+          <a:schemeClr val="phClr"/>
+        </a:solidFill>
+        <a:gradFill rotWithShape="1">
+          <a:gsLst>
+            <a:gs pos="0">
+              <a:schemeClr val="phClr">
+                <a:tint val="40000"/>
+                <a:satMod val="350000"/>
+              </a:schemeClr>
+            </a:gs>
+            <a:gs pos="40000">
+              <a:schemeClr val="phClr">
+                <a:tint val="45000"/>
+                <a:shade val="99000"/>
+                <a:satMod val="350000"/>
+              </a:schemeClr>
+            </a:gs>
+            <a:gs pos="100000">
+              <a:schemeClr val="phClr">
+                <a:shade val="20000"/>
+                <a:satMod val="255000"/>
+              </a:schemeClr>
+            </a:gs>
+          </a:gsLst>
+          <a:path path="circle">
+            <a:fillToRect l="50000" t="-80000" r="50000" b="180000"/>
+          </a:path>
+        </a:gradFill>
+        <a:gradFill rotWithShape="1">
+          <a:gsLst>
+            <a:gs pos="0">
+              <a:schemeClr val="phClr">
+                <a:tint val="80000"/>
+                <a:satMod val="300000"/>
+              </a:schemeClr>
+            </a:gs>
+            <a:gs pos="100000">
+              <a:schemeClr val="phClr">
+                <a:shade val="30000"/>
+                <a:satMod val="200000"/>
+              </a:schemeClr>
+            </a:gs>
+          </a:gsLst>
+          <a:path path="circle">
+            <a:fillToRect l="50000" t="50000" r="50000" b="50000"/>
+          </a:path>
+        </a:gradFill>
+      </a:bgFillStyleLst>
+    </a:fmtScheme>
+  </a:themeElements>
+</a:theme>
+</file>
+
+<file path=ppt/theme/theme3.xml><?xml version="1.0" encoding="utf-8"?>
+<a:theme xmlns:a="http://schemas.openxmlformats.org/drawingml/2006/main" name="Office Theme">
+  <a:themeElements>
+    <a:clrScheme name="Office">
+      <a:dk1>
+        <a:sysClr val="windowText" lastClr="000000"/>
+      </a:dk1>
+      <a:lt1>
+        <a:sysClr val="window" lastClr="FFFFFF"/>
+      </a:lt1>
+      <a:dk2>
+        <a:srgbClr val="1F497D"/>
+      </a:dk2>
+      <a:lt2>
+        <a:srgbClr val="EEECE1"/>
+      </a:lt2>
+      <a:accent1>
+        <a:srgbClr val="4F81BD"/>
+      </a:accent1>
+      <a:accent2>
+        <a:srgbClr val="C0504D"/>
+      </a:accent2>
+      <a:accent3>
+        <a:srgbClr val="9BBB59"/>
+      </a:accent3>
+      <a:accent4>
+        <a:srgbClr val="8064A2"/>
+      </a:accent4>
+      <a:accent5>
+        <a:srgbClr val="4BACC6"/>
+      </a:accent5>
+      <a:accent6>
+        <a:srgbClr val="F79646"/>
+      </a:accent6>
+      <a:hlink>
+        <a:srgbClr val="0000FF"/>
+      </a:hlink>
+      <a:folHlink>
+        <a:srgbClr val="800080"/>
+      </a:folHlink>
+    </a:clrScheme>
+    <a:fontScheme name="Office">
+      <a:majorFont>
+        <a:latin typeface="Arial"/>
+        <a:ea typeface="DejaVu Sans"/>
+        <a:cs typeface="DejaVu Sans"/>
+      </a:majorFont>
+      <a:minorFont>
+        <a:latin typeface="Arial"/>
+        <a:ea typeface="DejaVu Sans"/>
+        <a:cs typeface="DejaVu Sans"/>
+      </a:minorFont>
+    </a:fontScheme>
+    <a:fmtScheme name="Office">
+      <a:fillStyleLst>
+        <a:solidFill>
+          <a:schemeClr val="phClr"/>
+        </a:solidFill>
+        <a:gradFill rotWithShape="1">
+          <a:gsLst>
+            <a:gs pos="0">
+              <a:schemeClr val="phClr">
+                <a:tint val="50000"/>
+                <a:satMod val="300000"/>
+              </a:schemeClr>
+            </a:gs>
+            <a:gs pos="35000">
+              <a:schemeClr val="phClr">
+                <a:tint val="37000"/>
+                <a:satMod val="300000"/>
+              </a:schemeClr>
+            </a:gs>
+            <a:gs pos="100000">
+              <a:schemeClr val="phClr">
+                <a:tint val="15000"/>
+                <a:satMod val="350000"/>
+              </a:schemeClr>
+            </a:gs>
+          </a:gsLst>
+          <a:lin ang="16200000" scaled="1"/>
+        </a:gradFill>
+        <a:gradFill rotWithShape="1">
+          <a:gsLst>
+            <a:gs pos="0">
+              <a:schemeClr val="phClr">
+                <a:shade val="51000"/>
+                <a:satMod val="130000"/>
+              </a:schemeClr>
+            </a:gs>
+            <a:gs pos="80000">
+              <a:schemeClr val="phClr">
+                <a:shade val="93000"/>
+                <a:satMod val="130000"/>
+              </a:schemeClr>
+            </a:gs>
+            <a:gs pos="100000">
+              <a:schemeClr val="phClr">
+                <a:shade val="94000"/>
+                <a:satMod val="135000"/>
+              </a:schemeClr>
+            </a:gs>
+          </a:gsLst>
+          <a:lin ang="16200000" scaled="0"/>
+        </a:gradFill>
+      </a:fillStyleLst>
+      <a:lnStyleLst>
+        <a:ln w="9525" cap="flat" cmpd="sng" algn="ctr">
+          <a:solidFill>
+            <a:schemeClr val="phClr">
+              <a:shade val="95000"/>
+              <a:satMod val="105000"/>
+            </a:schemeClr>
+          </a:solidFill>
+          <a:prstDash val="solid"/>
+        </a:ln>
+        <a:ln w="25400" cap="flat" cmpd="sng" algn="ctr">
+          <a:solidFill>
+            <a:schemeClr val="phClr"/>
+          </a:solidFill>
+          <a:prstDash val="solid"/>
+        </a:ln>
+        <a:ln w="38100" cap="flat" cmpd="sng" algn="ctr">
+          <a:solidFill>
+            <a:schemeClr val="phClr"/>
+          </a:solidFill>
+          <a:prstDash val="solid"/>
+        </a:ln>
+      </a:lnStyleLst>
+      <a:effectStyleLst>
+        <a:effectStyle>
+          <a:effectLst>
+            <a:outerShdw blurRad="40000" dist="20000" dir="5400000" rotWithShape="0">
+              <a:srgbClr val="000000">
+                <a:alpha val="38000"/>
+              </a:srgbClr>
+            </a:outerShdw>
+          </a:effectLst>
+        </a:effectStyle>
+        <a:effectStyle>
+          <a:effectLst>
+            <a:outerShdw blurRad="40000" dist="23000" dir="5400000" rotWithShape="0">
+              <a:srgbClr val="000000">
+                <a:alpha val="35000"/>
+              </a:srgbClr>
+            </a:outerShdw>
+          </a:effectLst>
+        </a:effectStyle>
+        <a:effectStyle>
+          <a:effectLst>
+            <a:outerShdw blurRad="40000" dist="23000" dir="5400000" rotWithShape="0">
+              <a:srgbClr val="000000">
+                <a:alpha val="35000"/>
+              </a:srgbClr>
+            </a:outerShdw>
+          </a:effectLst>
+          <a:scene3d>
+            <a:camera prst="orthographicFront">
+              <a:rot lat="0" lon="0" rev="0"/>
+            </a:camera>
+            <a:lightRig rig="threePt" dir="t">
+              <a:rot lat="0" lon="0" rev="1200000"/>
+            </a:lightRig>
+          </a:scene3d>
+          <a:sp3d>
+            <a:bevelT w="63500" h="25400"/>
+          </a:sp3d>
+        </a:effectStyle>
+      </a:effectStyleLst>
+      <a:bgFillStyleLst>
+        <a:solidFill>
+          <a:schemeClr val="phClr"/>
+        </a:solidFill>
+        <a:gradFill rotWithShape="1">
+          <a:gsLst>
+            <a:gs pos="0">
+              <a:schemeClr val="phClr">
+                <a:tint val="40000"/>
+                <a:satMod val="350000"/>
+              </a:schemeClr>
+            </a:gs>
+            <a:gs pos="40000">
+              <a:schemeClr val="phClr">
+                <a:tint val="45000"/>
+                <a:shade val="99000"/>
+                <a:satMod val="350000"/>
+              </a:schemeClr>
+            </a:gs>
+            <a:gs pos="100000">
+              <a:schemeClr val="phClr">
+                <a:shade val="20000"/>
+                <a:satMod val="255000"/>
+              </a:schemeClr>
+            </a:gs>
+          </a:gsLst>
+          <a:path path="circle">
+            <a:fillToRect l="50000" t="-80000" r="50000" b="180000"/>
+          </a:path>
+        </a:gradFill>
+        <a:gradFill rotWithShape="1">
+          <a:gsLst>
+            <a:gs pos="0">
+              <a:schemeClr val="phClr">
+                <a:tint val="80000"/>
+                <a:satMod val="300000"/>
+              </a:schemeClr>
+            </a:gs>
+            <a:gs pos="100000">
+              <a:schemeClr val="phClr">
+                <a:shade val="30000"/>
+                <a:satMod val="200000"/>
+              </a:schemeClr>
+            </a:gs>
+          </a:gsLst>
+          <a:path path="circle">
+            <a:fillToRect l="50000" t="50000" r="50000" b="50000"/>
+          </a:path>
+        </a:gradFill>
+      </a:bgFillStyleLst>
+    </a:fmtScheme>
+  </a:themeElements>
+</a:theme>
 </file>
--- a/docs/final_presentation.pptx
+++ b/docs/final_presentation.pptx
@@ -14,13 +14,18 @@
     <p:sldId id="260" r:id="rId9"/>
     <p:sldId id="261" r:id="rId10"/>
     <p:sldId id="262" r:id="rId11"/>
+    <p:sldId id="263" r:id="rId12"/>
+    <p:sldId id="264" r:id="rId13"/>
+    <p:sldId id="265" r:id="rId14"/>
+    <p:sldId id="266" r:id="rId15"/>
+    <p:sldId id="267" r:id="rId16"/>
   </p:sldIdLst>
   <p:sldSz cx="10080625" cy="7559675"/>
   <p:notesSz cx="7772400" cy="10058400"/>
 </p:presentation>
 </file>
 
-<file path=ppt/charts/chart1.xml><?xml version="1.0" encoding="utf-8"?>
+<file path=ppt/charts/chart10.xml><?xml version="1.0" encoding="utf-8"?>
 <c:chartSpace xmlns:c="http://schemas.openxmlformats.org/drawingml/2006/chart" xmlns:a="http://schemas.openxmlformats.org/drawingml/2006/main" xmlns:r="http://schemas.openxmlformats.org/officeDocument/2006/relationships">
   <c:lang val="en-US"/>
   <c:chart>
@@ -37,7 +42,7 @@
               <a:rPr sz="1300">
                 <a:latin typeface="Arial"/>
               </a:rPr>
-              <a:t>Euler-Maruyama Error as a Function of Number of Steps</a:t>
+              <a:t>Time to Solve Price as Function of Branching Factor</a:t>
             </a:r>
           </a:p>
         </c:rich>
@@ -58,7 +63,7 @@
               <c:strCache>
                 <c:ptCount val="1"/>
                 <c:pt idx="0">
-                  <c:v>Error</c:v>
+                  <c:v>Seconds per Price</c:v>
                 </c:pt>
               </c:strCache>
             </c:strRef>
@@ -81,7 +86,7 @@
             <c:strRef>
               <c:f>categories</c:f>
               <c:strCache>
-                <c:ptCount val="11"/>
+                <c:ptCount val="5"/>
                 <c:pt idx="0">
                   <c:v>1</c:v>
                 </c:pt>
@@ -97,30 +102,236 @@
                 <c:pt idx="4">
                   <c:v>5</c:v>
                 </c:pt>
-                <c:pt idx="5">
-                  <c:v>6</c:v>
-                </c:pt>
-                <c:pt idx="6">
-                  <c:v>7</c:v>
-                </c:pt>
-                <c:pt idx="7">
-                  <c:v>8</c:v>
-                </c:pt>
-                <c:pt idx="8">
-                  <c:v>9</c:v>
-                </c:pt>
-                <c:pt idx="9">
-                  <c:v>10</c:v>
-                </c:pt>
-                <c:pt idx="10">
-                  <c:v>11</c:v>
-                </c:pt>
               </c:strCache>
             </c:strRef>
           </c:cat>
           <c:xVal>
             <c:numRef>
               <c:f>0</c:f>
+              <c:numCache>
+                <c:formatCode>General</c:formatCode>
+                <c:ptCount val="5"/>
+                <c:pt idx="0">
+                  <c:v>2</c:v>
+                </c:pt>
+                <c:pt idx="1">
+                  <c:v>4</c:v>
+                </c:pt>
+                <c:pt idx="2">
+                  <c:v>6</c:v>
+                </c:pt>
+                <c:pt idx="3">
+                  <c:v>8</c:v>
+                </c:pt>
+                <c:pt idx="4">
+                  <c:v>10</c:v>
+                </c:pt>
+              </c:numCache>
+            </c:numRef>
+          </c:xVal>
+          <c:yVal>
+            <c:numRef>
+              <c:f>1</c:f>
+              <c:numCache>
+                <c:formatCode>General</c:formatCode>
+                <c:ptCount val="5"/>
+                <c:pt idx="0">
+                  <c:v>86.036395</c:v>
+                </c:pt>
+                <c:pt idx="1">
+                  <c:v>67.039308</c:v>
+                </c:pt>
+                <c:pt idx="2">
+                  <c:v>50.8351224</c:v>
+                </c:pt>
+                <c:pt idx="3">
+                  <c:v>52.2144568</c:v>
+                </c:pt>
+                <c:pt idx="4">
+                  <c:v>54.80986</c:v>
+                </c:pt>
+              </c:numCache>
+            </c:numRef>
+          </c:yVal>
+        </c:ser>
+        <c:axId val="86213532"/>
+        <c:axId val="1573696"/>
+      </c:scatterChart>
+      <c:valAx>
+        <c:axId val="86213532"/>
+        <c:scaling>
+          <c:orientation val="minMax"/>
+        </c:scaling>
+        <c:delete val="0"/>
+        <c:axPos val="b"/>
+        <c:title>
+          <c:tx>
+            <c:rich>
+              <a:bodyPr/>
+              <a:lstStyle/>
+              <a:p>
+                <a:pPr>
+                  <a:defRPr/>
+                </a:pPr>
+                <a:r>
+                  <a:rPr sz="900">
+                    <a:latin typeface="Arial"/>
+                  </a:rPr>
+                  <a:t>Branching Factor</a:t>
+                </a:r>
+              </a:p>
+            </c:rich>
+          </c:tx>
+          <c:layout/>
+        </c:title>
+        <c:majorTickMark val="out"/>
+        <c:minorTickMark val="none"/>
+        <c:tickLblPos val="nextTo"/>
+        <c:spPr>
+          <a:ln>
+            <a:solidFill>
+              <a:srgbClr val="b3b3b3"/>
+            </a:solidFill>
+          </a:ln>
+        </c:spPr>
+        <c:crossAx val="1573696"/>
+        <c:crossesAt val="0"/>
+      </c:valAx>
+      <c:valAx>
+        <c:axId val="1573696"/>
+        <c:scaling>
+          <c:orientation val="minMax"/>
+        </c:scaling>
+        <c:delete val="0"/>
+        <c:axPos val="l"/>
+        <c:majorGridlines>
+          <c:spPr>
+            <a:ln>
+              <a:solidFill>
+                <a:srgbClr val="b3b3b3"/>
+              </a:solidFill>
+            </a:ln>
+          </c:spPr>
+        </c:majorGridlines>
+        <c:title>
+          <c:tx>
+            <c:rich>
+              <a:bodyPr/>
+              <a:lstStyle/>
+              <a:p>
+                <a:pPr>
+                  <a:defRPr/>
+                </a:pPr>
+                <a:r>
+                  <a:rPr sz="900">
+                    <a:latin typeface="Arial"/>
+                  </a:rPr>
+                  <a:t>Seconds</a:t>
+                </a:r>
+              </a:p>
+            </c:rich>
+          </c:tx>
+          <c:layout/>
+        </c:title>
+        <c:majorTickMark val="out"/>
+        <c:minorTickMark val="none"/>
+        <c:tickLblPos val="nextTo"/>
+        <c:spPr>
+          <a:ln>
+            <a:solidFill>
+              <a:srgbClr val="b3b3b3"/>
+            </a:solidFill>
+          </a:ln>
+        </c:spPr>
+        <c:crossAx val="86213532"/>
+        <c:crossesAt val="0"/>
+      </c:valAx>
+      <c:spPr>
+        <a:noFill/>
+        <a:ln>
+          <a:solidFill>
+            <a:srgbClr val="b3b3b3"/>
+          </a:solidFill>
+        </a:ln>
+      </c:spPr>
+    </c:plotArea>
+    <c:plotVisOnly val="1"/>
+  </c:chart>
+  <c:spPr>
+    <a:solidFill>
+      <a:srgbClr val="ffffff"/>
+    </a:solidFill>
+    <a:ln>
+      <a:noFill/>
+    </a:ln>
+  </c:spPr>
+</c:chartSpace>
+</file>
+
+<file path=ppt/charts/chart8.xml><?xml version="1.0" encoding="utf-8"?>
+<c:chartSpace xmlns:c="http://schemas.openxmlformats.org/drawingml/2006/chart" xmlns:a="http://schemas.openxmlformats.org/drawingml/2006/main" xmlns:r="http://schemas.openxmlformats.org/officeDocument/2006/relationships">
+  <c:lang val="en-US"/>
+  <c:chart>
+    <c:title>
+      <c:tx>
+        <c:rich>
+          <a:bodyPr/>
+          <a:lstStyle/>
+          <a:p>
+            <a:pPr>
+              <a:defRPr/>
+            </a:pPr>
+            <a:r>
+              <a:rPr b="1" sz="1300">
+                <a:solidFill>
+                  <a:srgbClr val="000000"/>
+                </a:solidFill>
+                <a:latin typeface="Arial"/>
+                <a:ea typeface="DejaVu Sans"/>
+              </a:rPr>
+              <a:t>Euler-Maruyama Error as a Function of Number of Steps</a:t>
+            </a:r>
+          </a:p>
+        </c:rich>
+      </c:tx>
+      <c:layout/>
+    </c:title>
+    <c:plotArea>
+      <c:layout/>
+      <c:scatterChart>
+        <c:scatterStyle val="lineMarker"/>
+        <c:varyColors val="0"/>
+        <c:ser>
+          <c:idx val="0"/>
+          <c:order val="0"/>
+          <c:tx>
+            <c:strRef>
+              <c:f>label 0</c:f>
+              <c:strCache>
+                <c:ptCount val="1"/>
+                <c:pt idx="0">
+                  <c:v>Error</c:v>
+                </c:pt>
+              </c:strCache>
+            </c:strRef>
+          </c:tx>
+          <c:spPr>
+            <a:solidFill>
+              <a:srgbClr val="004586"/>
+            </a:solidFill>
+            <a:ln w="28800">
+              <a:solidFill>
+                <a:srgbClr val="004586"/>
+              </a:solidFill>
+              <a:round/>
+            </a:ln>
+          </c:spPr>
+          <c:marker>
+            <c:size val="6"/>
+          </c:marker>
+          <c:xVal>
+            <c:numRef>
+              <c:f>1</c:f>
               <c:numCache>
                 <c:formatCode>General</c:formatCode>
                 <c:ptCount val="11"/>
@@ -162,7 +373,7 @@
           </c:xVal>
           <c:yVal>
             <c:numRef>
-              <c:f>1</c:f>
+              <c:f>0</c:f>
               <c:numCache>
                 <c:formatCode>General</c:formatCode>
                 <c:ptCount val="11"/>
@@ -203,11 +414,11 @@
             </c:numRef>
           </c:yVal>
         </c:ser>
-        <c:axId val="14857366"/>
-        <c:axId val="47800666"/>
+        <c:axId val="6954346"/>
+        <c:axId val="48049949"/>
       </c:scatterChart>
       <c:valAx>
-        <c:axId val="14857366"/>
+        <c:axId val="6954346"/>
         <c:scaling>
           <c:orientation val="minMax"/>
           <c:logBase val="10"/>
@@ -224,8 +435,12 @@
                   <a:defRPr/>
                 </a:pPr>
                 <a:r>
-                  <a:rPr sz="900">
+                  <a:rPr b="1" sz="900">
+                    <a:solidFill>
+                      <a:srgbClr val="000000"/>
+                    </a:solidFill>
                     <a:latin typeface="Arial"/>
+                    <a:ea typeface="DejaVu Sans"/>
                   </a:rPr>
                   <a:t>Steps per Path</a:t>
                 </a:r>
@@ -238,17 +453,18 @@
         <c:minorTickMark val="none"/>
         <c:tickLblPos val="nextTo"/>
         <c:spPr>
-          <a:ln>
+          <a:ln w="9360">
             <a:solidFill>
               <a:srgbClr val="b3b3b3"/>
             </a:solidFill>
+            <a:round/>
           </a:ln>
         </c:spPr>
-        <c:crossAx val="47800666"/>
+        <c:crossAx val="48049949"/>
         <c:crossesAt val="0"/>
       </c:valAx>
       <c:valAx>
-        <c:axId val="47800666"/>
+        <c:axId val="48049949"/>
         <c:scaling>
           <c:orientation val="minMax"/>
         </c:scaling>
@@ -264,8 +480,12 @@
                   <a:defRPr/>
                 </a:pPr>
                 <a:r>
-                  <a:rPr sz="900">
+                  <a:rPr b="1" sz="900">
+                    <a:solidFill>
+                      <a:srgbClr val="000000"/>
+                    </a:solidFill>
                     <a:latin typeface="Arial"/>
+                    <a:ea typeface="DejaVu Sans"/>
                   </a:rPr>
                   <a:t>Error Size</a:t>
                 </a:r>
@@ -278,13 +498,14 @@
         <c:minorTickMark val="none"/>
         <c:tickLblPos val="nextTo"/>
         <c:spPr>
-          <a:ln>
+          <a:ln w="9360">
             <a:solidFill>
               <a:srgbClr val="b3b3b3"/>
             </a:solidFill>
+            <a:round/>
           </a:ln>
         </c:spPr>
-        <c:crossAx val="14857366"/>
+        <c:crossAx val="6954346"/>
         <c:crossesAt val="0"/>
       </c:valAx>
       <c:spPr>
@@ -309,7 +530,7 @@
 </c:chartSpace>
 </file>
 
-<file path=ppt/charts/chart2.xml><?xml version="1.0" encoding="utf-8"?>
+<file path=ppt/charts/chart9.xml><?xml version="1.0" encoding="utf-8"?>
 <c:chartSpace xmlns:c="http://schemas.openxmlformats.org/drawingml/2006/chart" xmlns:a="http://schemas.openxmlformats.org/drawingml/2006/main" xmlns:r="http://schemas.openxmlformats.org/officeDocument/2006/relationships">
   <c:lang val="en-US"/>
   <c:chart>
@@ -323,8 +544,12 @@
               <a:defRPr/>
             </a:pPr>
             <a:r>
-              <a:rPr sz="1300">
-                <a:latin typeface="Arial"/>
+              <a:rPr b="1" sz="1300">
+                <a:solidFill>
+                  <a:srgbClr val="000000"/>
+                </a:solidFill>
+                <a:latin typeface="Arial"/>
+                <a:ea typeface="DejaVu Sans"/>
               </a:rPr>
               <a:t>Time for Option Solving as a Function of Number of Steps</a:t>
             </a:r>
@@ -343,7 +568,7 @@
           <c:order val="0"/>
           <c:tx>
             <c:strRef>
-              <c:f>label 1</c:f>
+              <c:f>label 0</c:f>
               <c:strCache>
                 <c:ptCount val="1"/>
                 <c:pt idx="0">
@@ -354,53 +579,18 @@
           </c:tx>
           <c:spPr>
             <a:solidFill>
-              <a:srgbClr val="004586"/>
+              <a:srgbClr val="99ccff"/>
             </a:solidFill>
             <a:ln w="28800">
               <a:noFill/>
             </a:ln>
           </c:spPr>
           <c:marker>
-            <c:size val="7"/>
+            <c:size val="6"/>
           </c:marker>
-          <c:cat>
-            <c:strRef>
-              <c:f>categories</c:f>
-              <c:strCache>
-                <c:ptCount val="9"/>
-                <c:pt idx="0">
-                  <c:v>1</c:v>
-                </c:pt>
-                <c:pt idx="1">
-                  <c:v>2</c:v>
-                </c:pt>
-                <c:pt idx="2">
-                  <c:v>3</c:v>
-                </c:pt>
-                <c:pt idx="3">
-                  <c:v>4</c:v>
-                </c:pt>
-                <c:pt idx="4">
-                  <c:v>5</c:v>
-                </c:pt>
-                <c:pt idx="5">
-                  <c:v>6</c:v>
-                </c:pt>
-                <c:pt idx="6">
-                  <c:v>7</c:v>
-                </c:pt>
-                <c:pt idx="7">
-                  <c:v>8</c:v>
-                </c:pt>
-                <c:pt idx="8">
-                  <c:v>9</c:v>
-                </c:pt>
-              </c:strCache>
-            </c:strRef>
-          </c:cat>
           <c:xVal>
             <c:numRef>
-              <c:f>0</c:f>
+              <c:f>1</c:f>
               <c:numCache>
                 <c:formatCode>General</c:formatCode>
                 <c:ptCount val="9"/>
@@ -436,7 +626,7 @@
           </c:xVal>
           <c:yVal>
             <c:numRef>
-              <c:f>1</c:f>
+              <c:f>0</c:f>
               <c:numCache>
                 <c:formatCode>General</c:formatCode>
                 <c:ptCount val="9"/>
@@ -471,11 +661,11 @@
             </c:numRef>
           </c:yVal>
         </c:ser>
-        <c:axId val="64446461"/>
-        <c:axId val="25322164"/>
+        <c:axId val="98912415"/>
+        <c:axId val="81230954"/>
       </c:scatterChart>
       <c:valAx>
-        <c:axId val="64446461"/>
+        <c:axId val="98912415"/>
         <c:scaling>
           <c:orientation val="minMax"/>
           <c:logBase val="10"/>
@@ -492,8 +682,12 @@
                   <a:defRPr/>
                 </a:pPr>
                 <a:r>
-                  <a:rPr sz="900">
+                  <a:rPr b="1" sz="900">
+                    <a:solidFill>
+                      <a:srgbClr val="000000"/>
+                    </a:solidFill>
                     <a:latin typeface="Arial"/>
+                    <a:ea typeface="DejaVu Sans"/>
                   </a:rPr>
                   <a:t>Number of Steps per Path</a:t>
                 </a:r>
@@ -506,17 +700,18 @@
         <c:minorTickMark val="none"/>
         <c:tickLblPos val="nextTo"/>
         <c:spPr>
-          <a:ln>
+          <a:ln w="9360">
             <a:solidFill>
               <a:srgbClr val="b3b3b3"/>
             </a:solidFill>
+            <a:round/>
           </a:ln>
         </c:spPr>
-        <c:crossAx val="25322164"/>
+        <c:crossAx val="81230954"/>
         <c:crossesAt val="0"/>
       </c:valAx>
       <c:valAx>
-        <c:axId val="25322164"/>
+        <c:axId val="81230954"/>
         <c:scaling>
           <c:orientation val="minMax"/>
           <c:logBase val="10"/>
@@ -525,10 +720,11 @@
         <c:axPos val="l"/>
         <c:majorGridlines>
           <c:spPr>
-            <a:ln>
+            <a:ln w="9360">
               <a:solidFill>
                 <a:srgbClr val="b3b3b3"/>
               </a:solidFill>
+              <a:round/>
             </a:ln>
           </c:spPr>
         </c:majorGridlines>
@@ -542,8 +738,12 @@
                   <a:defRPr/>
                 </a:pPr>
                 <a:r>
-                  <a:rPr sz="900">
+                  <a:rPr b="1" sz="900">
+                    <a:solidFill>
+                      <a:srgbClr val="000000"/>
+                    </a:solidFill>
                     <a:latin typeface="Arial"/>
+                    <a:ea typeface="DejaVu Sans"/>
                   </a:rPr>
                   <a:t>Seconds to Price Option</a:t>
                 </a:r>
@@ -556,13 +756,14 @@
         <c:minorTickMark val="none"/>
         <c:tickLblPos val="nextTo"/>
         <c:spPr>
-          <a:ln>
+          <a:ln w="9360">
             <a:solidFill>
               <a:srgbClr val="b3b3b3"/>
             </a:solidFill>
+            <a:round/>
           </a:ln>
         </c:spPr>
-        <c:crossAx val="64446461"/>
+        <c:crossAx val="98912415"/>
         <c:crossesAt val="0"/>
       </c:valAx>
       <c:spPr>
@@ -639,7 +840,7 @@
         <p:spPr>
           <a:xfrm>
             <a:off x="504000" y="301320"/>
-            <a:ext cx="9071280" cy="1262520"/>
+            <a:ext cx="9070920" cy="1262520"/>
           </a:xfrm>
           <a:prstGeom prst="rect">
             <a:avLst/>
@@ -666,7 +867,7 @@
         <p:spPr>
           <a:xfrm>
             <a:off x="504000" y="1769040"/>
-            <a:ext cx="4426560" cy="2090880"/>
+            <a:ext cx="2159640" cy="2090880"/>
           </a:xfrm>
           <a:prstGeom prst="rect">
             <a:avLst/>
@@ -692,7 +893,7 @@
         <p:spPr>
           <a:xfrm>
             <a:off x="504000" y="4059000"/>
-            <a:ext cx="4426560" cy="2090880"/>
+            <a:ext cx="2159640" cy="2090880"/>
           </a:xfrm>
           <a:prstGeom prst="rect">
             <a:avLst/>
@@ -740,7 +941,7 @@
         <p:spPr>
           <a:xfrm>
             <a:off x="504000" y="301320"/>
-            <a:ext cx="9071280" cy="1262520"/>
+            <a:ext cx="9070920" cy="1262520"/>
           </a:xfrm>
           <a:prstGeom prst="rect">
             <a:avLst/>
@@ -767,7 +968,7 @@
         <p:spPr>
           <a:xfrm>
             <a:off x="504000" y="1769040"/>
-            <a:ext cx="2160000" cy="2090880"/>
+            <a:ext cx="1053720" cy="2090880"/>
           </a:xfrm>
           <a:prstGeom prst="rect">
             <a:avLst/>
@@ -792,8 +993,8 @@
         </p:nvSpPr>
         <p:spPr>
           <a:xfrm>
-            <a:off x="2772360" y="1769040"/>
-            <a:ext cx="2160000" cy="2090880"/>
+            <a:off x="1610640" y="1769040"/>
+            <a:ext cx="1053720" cy="2090880"/>
           </a:xfrm>
           <a:prstGeom prst="rect">
             <a:avLst/>
@@ -818,8 +1019,8 @@
         </p:nvSpPr>
         <p:spPr>
           <a:xfrm>
-            <a:off x="2772360" y="4059000"/>
-            <a:ext cx="2160000" cy="2090880"/>
+            <a:off x="1610640" y="4059000"/>
+            <a:ext cx="1053720" cy="2090880"/>
           </a:xfrm>
           <a:prstGeom prst="rect">
             <a:avLst/>
@@ -845,7 +1046,7 @@
         <p:spPr>
           <a:xfrm>
             <a:off x="504000" y="4059000"/>
-            <a:ext cx="2160000" cy="2090880"/>
+            <a:ext cx="1053720" cy="2090880"/>
           </a:xfrm>
           <a:prstGeom prst="rect">
             <a:avLst/>
@@ -893,7 +1094,7 @@
         <p:spPr>
           <a:xfrm>
             <a:off x="504000" y="301320"/>
-            <a:ext cx="9071280" cy="1262520"/>
+            <a:ext cx="9070920" cy="1262520"/>
           </a:xfrm>
           <a:prstGeom prst="rect">
             <a:avLst/>
@@ -920,7 +1121,7 @@
         <p:spPr>
           <a:xfrm>
             <a:off x="504000" y="1769040"/>
-            <a:ext cx="4426560" cy="4384080"/>
+            <a:ext cx="2159640" cy="4383720"/>
           </a:xfrm>
           <a:prstGeom prst="rect">
             <a:avLst/>
@@ -946,7 +1147,7 @@
         <p:spPr>
           <a:xfrm>
             <a:off x="504000" y="1769040"/>
-            <a:ext cx="4426560" cy="4384080"/>
+            <a:ext cx="2159640" cy="4383720"/>
           </a:xfrm>
           <a:prstGeom prst="rect">
             <a:avLst/>
@@ -973,8 +1174,8 @@
         </p:blipFill>
         <p:spPr>
           <a:xfrm>
-            <a:off x="504000" y="2195280"/>
-            <a:ext cx="4426560" cy="3531600"/>
+            <a:off x="503640" y="3099240"/>
+            <a:ext cx="2159640" cy="1722960"/>
           </a:xfrm>
           <a:prstGeom prst="rect">
             <a:avLst/>
@@ -998,8 +1199,8 @@
         </p:blipFill>
         <p:spPr>
           <a:xfrm>
-            <a:off x="504000" y="2195280"/>
-            <a:ext cx="4426560" cy="3531600"/>
+            <a:off x="503640" y="3099240"/>
+            <a:ext cx="2159640" cy="1722960"/>
           </a:xfrm>
           <a:prstGeom prst="rect">
             <a:avLst/>
@@ -1066,7 +1267,7 @@
         <p:spPr>
           <a:xfrm>
             <a:off x="504000" y="301320"/>
-            <a:ext cx="9071280" cy="1262520"/>
+            <a:ext cx="9070920" cy="1262520"/>
           </a:xfrm>
           <a:prstGeom prst="rect">
             <a:avLst/>
@@ -1093,7 +1294,7 @@
         <p:spPr>
           <a:xfrm>
             <a:off x="504000" y="1769040"/>
-            <a:ext cx="4426560" cy="4384440"/>
+            <a:ext cx="2159640" cy="4384080"/>
           </a:xfrm>
           <a:prstGeom prst="rect">
             <a:avLst/>
@@ -1142,7 +1343,7 @@
         <p:spPr>
           <a:xfrm>
             <a:off x="504000" y="301320"/>
-            <a:ext cx="9071280" cy="1262520"/>
+            <a:ext cx="9070920" cy="1262520"/>
           </a:xfrm>
           <a:prstGeom prst="rect">
             <a:avLst/>
@@ -1169,7 +1370,7 @@
         <p:spPr>
           <a:xfrm>
             <a:off x="504000" y="1769040"/>
-            <a:ext cx="4426560" cy="4384080"/>
+            <a:ext cx="2159640" cy="4383720"/>
           </a:xfrm>
           <a:prstGeom prst="rect">
             <a:avLst/>
@@ -1217,7 +1418,7 @@
         <p:spPr>
           <a:xfrm>
             <a:off x="504000" y="301320"/>
-            <a:ext cx="9071280" cy="1262520"/>
+            <a:ext cx="9070920" cy="1262520"/>
           </a:xfrm>
           <a:prstGeom prst="rect">
             <a:avLst/>
@@ -1244,7 +1445,7 @@
         <p:spPr>
           <a:xfrm>
             <a:off x="504000" y="1769040"/>
-            <a:ext cx="2160000" cy="4384080"/>
+            <a:ext cx="1053720" cy="4383720"/>
           </a:xfrm>
           <a:prstGeom prst="rect">
             <a:avLst/>
@@ -1269,8 +1470,8 @@
         </p:nvSpPr>
         <p:spPr>
           <a:xfrm>
-            <a:off x="2772360" y="1769040"/>
-            <a:ext cx="2160000" cy="4384080"/>
+            <a:off x="1610640" y="1769040"/>
+            <a:ext cx="1053720" cy="4383720"/>
           </a:xfrm>
           <a:prstGeom prst="rect">
             <a:avLst/>
@@ -1318,7 +1519,7 @@
         <p:spPr>
           <a:xfrm>
             <a:off x="504000" y="301320"/>
-            <a:ext cx="9071280" cy="1262520"/>
+            <a:ext cx="9070920" cy="1262520"/>
           </a:xfrm>
           <a:prstGeom prst="rect">
             <a:avLst/>
@@ -1367,7 +1568,7 @@
         <p:spPr>
           <a:xfrm>
             <a:off x="504000" y="301320"/>
-            <a:ext cx="9071280" cy="5852160"/>
+            <a:ext cx="9070920" cy="5852160"/>
           </a:xfrm>
           <a:prstGeom prst="rect">
             <a:avLst/>
@@ -1416,7 +1617,7 @@
         <p:spPr>
           <a:xfrm>
             <a:off x="504000" y="301320"/>
-            <a:ext cx="9071280" cy="1262520"/>
+            <a:ext cx="9070920" cy="1262520"/>
           </a:xfrm>
           <a:prstGeom prst="rect">
             <a:avLst/>
@@ -1443,7 +1644,7 @@
         <p:spPr>
           <a:xfrm>
             <a:off x="504000" y="1769040"/>
-            <a:ext cx="2160000" cy="2090880"/>
+            <a:ext cx="1053720" cy="2090880"/>
           </a:xfrm>
           <a:prstGeom prst="rect">
             <a:avLst/>
@@ -1469,7 +1670,7 @@
         <p:spPr>
           <a:xfrm>
             <a:off x="504000" y="4059000"/>
-            <a:ext cx="2160000" cy="2090880"/>
+            <a:ext cx="1053720" cy="2090880"/>
           </a:xfrm>
           <a:prstGeom prst="rect">
             <a:avLst/>
@@ -1494,8 +1695,8 @@
         </p:nvSpPr>
         <p:spPr>
           <a:xfrm>
-            <a:off x="2772360" y="1769040"/>
-            <a:ext cx="2160000" cy="4384080"/>
+            <a:off x="1610640" y="1769040"/>
+            <a:ext cx="1053720" cy="4383720"/>
           </a:xfrm>
           <a:prstGeom prst="rect">
             <a:avLst/>
@@ -1543,7 +1744,7 @@
         <p:spPr>
           <a:xfrm>
             <a:off x="504000" y="301320"/>
-            <a:ext cx="9071280" cy="1262520"/>
+            <a:ext cx="9070920" cy="1262520"/>
           </a:xfrm>
           <a:prstGeom prst="rect">
             <a:avLst/>
@@ -1570,7 +1771,7 @@
         <p:spPr>
           <a:xfrm>
             <a:off x="504000" y="1769040"/>
-            <a:ext cx="4426560" cy="4384440"/>
+            <a:ext cx="2159640" cy="4384080"/>
           </a:xfrm>
           <a:prstGeom prst="rect">
             <a:avLst/>
@@ -1619,7 +1820,7 @@
         <p:spPr>
           <a:xfrm>
             <a:off x="504000" y="301320"/>
-            <a:ext cx="9071280" cy="1262520"/>
+            <a:ext cx="9070920" cy="1262520"/>
           </a:xfrm>
           <a:prstGeom prst="rect">
             <a:avLst/>
@@ -1646,7 +1847,7 @@
         <p:spPr>
           <a:xfrm>
             <a:off x="504000" y="1769040"/>
-            <a:ext cx="2160000" cy="4384080"/>
+            <a:ext cx="1053720" cy="4383720"/>
           </a:xfrm>
           <a:prstGeom prst="rect">
             <a:avLst/>
@@ -1671,8 +1872,8 @@
         </p:nvSpPr>
         <p:spPr>
           <a:xfrm>
-            <a:off x="2772360" y="1769040"/>
-            <a:ext cx="2160000" cy="2090880"/>
+            <a:off x="1610640" y="1769040"/>
+            <a:ext cx="1053720" cy="2090880"/>
           </a:xfrm>
           <a:prstGeom prst="rect">
             <a:avLst/>
@@ -1697,8 +1898,8 @@
         </p:nvSpPr>
         <p:spPr>
           <a:xfrm>
-            <a:off x="2772360" y="4059000"/>
-            <a:ext cx="2160000" cy="2090880"/>
+            <a:off x="1610640" y="4059000"/>
+            <a:ext cx="1053720" cy="2090880"/>
           </a:xfrm>
           <a:prstGeom prst="rect">
             <a:avLst/>
@@ -1746,7 +1947,7 @@
         <p:spPr>
           <a:xfrm>
             <a:off x="504000" y="301320"/>
-            <a:ext cx="9071280" cy="1262520"/>
+            <a:ext cx="9070920" cy="1262520"/>
           </a:xfrm>
           <a:prstGeom prst="rect">
             <a:avLst/>
@@ -1773,7 +1974,7 @@
         <p:spPr>
           <a:xfrm>
             <a:off x="504000" y="1769040"/>
-            <a:ext cx="2160000" cy="2090880"/>
+            <a:ext cx="1053720" cy="2090880"/>
           </a:xfrm>
           <a:prstGeom prst="rect">
             <a:avLst/>
@@ -1798,8 +1999,8 @@
         </p:nvSpPr>
         <p:spPr>
           <a:xfrm>
-            <a:off x="2772360" y="1769040"/>
-            <a:ext cx="2160000" cy="2090880"/>
+            <a:off x="1610640" y="1769040"/>
+            <a:ext cx="1053720" cy="2090880"/>
           </a:xfrm>
           <a:prstGeom prst="rect">
             <a:avLst/>
@@ -1825,7 +2026,7 @@
         <p:spPr>
           <a:xfrm>
             <a:off x="504000" y="4059000"/>
-            <a:ext cx="4426560" cy="2090880"/>
+            <a:ext cx="2159640" cy="2090880"/>
           </a:xfrm>
           <a:prstGeom prst="rect">
             <a:avLst/>
@@ -1873,7 +2074,7 @@
         <p:spPr>
           <a:xfrm>
             <a:off x="504000" y="301320"/>
-            <a:ext cx="9071280" cy="1262520"/>
+            <a:ext cx="9070920" cy="1262520"/>
           </a:xfrm>
           <a:prstGeom prst="rect">
             <a:avLst/>
@@ -1900,7 +2101,7 @@
         <p:spPr>
           <a:xfrm>
             <a:off x="504000" y="1769040"/>
-            <a:ext cx="4426560" cy="2090880"/>
+            <a:ext cx="2159640" cy="2090880"/>
           </a:xfrm>
           <a:prstGeom prst="rect">
             <a:avLst/>
@@ -1926,7 +2127,7 @@
         <p:spPr>
           <a:xfrm>
             <a:off x="504000" y="4059000"/>
-            <a:ext cx="4426560" cy="2090880"/>
+            <a:ext cx="2159640" cy="2090880"/>
           </a:xfrm>
           <a:prstGeom prst="rect">
             <a:avLst/>
@@ -1974,7 +2175,7 @@
         <p:spPr>
           <a:xfrm>
             <a:off x="504000" y="301320"/>
-            <a:ext cx="9071280" cy="1262520"/>
+            <a:ext cx="9070920" cy="1262520"/>
           </a:xfrm>
           <a:prstGeom prst="rect">
             <a:avLst/>
@@ -2001,7 +2202,7 @@
         <p:spPr>
           <a:xfrm>
             <a:off x="504000" y="1769040"/>
-            <a:ext cx="2160000" cy="2090880"/>
+            <a:ext cx="1053720" cy="2090880"/>
           </a:xfrm>
           <a:prstGeom prst="rect">
             <a:avLst/>
@@ -2026,8 +2227,8 @@
         </p:nvSpPr>
         <p:spPr>
           <a:xfrm>
-            <a:off x="2772360" y="1769040"/>
-            <a:ext cx="2160000" cy="2090880"/>
+            <a:off x="1610640" y="1769040"/>
+            <a:ext cx="1053720" cy="2090880"/>
           </a:xfrm>
           <a:prstGeom prst="rect">
             <a:avLst/>
@@ -2052,8 +2253,8 @@
         </p:nvSpPr>
         <p:spPr>
           <a:xfrm>
-            <a:off x="2772360" y="4059000"/>
-            <a:ext cx="2160000" cy="2090880"/>
+            <a:off x="1610640" y="4059000"/>
+            <a:ext cx="1053720" cy="2090880"/>
           </a:xfrm>
           <a:prstGeom prst="rect">
             <a:avLst/>
@@ -2079,7 +2280,7 @@
         <p:spPr>
           <a:xfrm>
             <a:off x="504000" y="4059000"/>
-            <a:ext cx="2160000" cy="2090880"/>
+            <a:ext cx="1053720" cy="2090880"/>
           </a:xfrm>
           <a:prstGeom prst="rect">
             <a:avLst/>
@@ -2127,7 +2328,7 @@
         <p:spPr>
           <a:xfrm>
             <a:off x="504000" y="301320"/>
-            <a:ext cx="9071280" cy="1262520"/>
+            <a:ext cx="9070920" cy="1262520"/>
           </a:xfrm>
           <a:prstGeom prst="rect">
             <a:avLst/>
@@ -2154,7 +2355,7 @@
         <p:spPr>
           <a:xfrm>
             <a:off x="504000" y="1769040"/>
-            <a:ext cx="4426560" cy="4384080"/>
+            <a:ext cx="2159640" cy="4383720"/>
           </a:xfrm>
           <a:prstGeom prst="rect">
             <a:avLst/>
@@ -2180,7 +2381,7 @@
         <p:spPr>
           <a:xfrm>
             <a:off x="504000" y="1769040"/>
-            <a:ext cx="4426560" cy="4384080"/>
+            <a:ext cx="2159640" cy="4383720"/>
           </a:xfrm>
           <a:prstGeom prst="rect">
             <a:avLst/>
@@ -2207,8 +2408,8 @@
         </p:blipFill>
         <p:spPr>
           <a:xfrm>
-            <a:off x="504000" y="2195280"/>
-            <a:ext cx="4426560" cy="3531600"/>
+            <a:off x="503640" y="3099240"/>
+            <a:ext cx="2159640" cy="1722960"/>
           </a:xfrm>
           <a:prstGeom prst="rect">
             <a:avLst/>
@@ -2232,8 +2433,8 @@
         </p:blipFill>
         <p:spPr>
           <a:xfrm>
-            <a:off x="504000" y="2195280"/>
-            <a:ext cx="4426560" cy="3531600"/>
+            <a:off x="503640" y="3099240"/>
+            <a:ext cx="2159640" cy="1722960"/>
           </a:xfrm>
           <a:prstGeom prst="rect">
             <a:avLst/>
@@ -2300,7 +2501,7 @@
         <p:spPr>
           <a:xfrm>
             <a:off x="504000" y="301320"/>
-            <a:ext cx="9071280" cy="1262520"/>
+            <a:ext cx="9070920" cy="1262520"/>
           </a:xfrm>
           <a:prstGeom prst="rect">
             <a:avLst/>
@@ -2327,7 +2528,7 @@
         <p:spPr>
           <a:xfrm>
             <a:off x="504000" y="1769040"/>
-            <a:ext cx="4426560" cy="4384440"/>
+            <a:ext cx="2159640" cy="4384080"/>
           </a:xfrm>
           <a:prstGeom prst="rect">
             <a:avLst/>
@@ -2376,7 +2577,7 @@
         <p:spPr>
           <a:xfrm>
             <a:off x="504000" y="301320"/>
-            <a:ext cx="9071280" cy="1262520"/>
+            <a:ext cx="9070920" cy="1262520"/>
           </a:xfrm>
           <a:prstGeom prst="rect">
             <a:avLst/>
@@ -2403,7 +2604,7 @@
         <p:spPr>
           <a:xfrm>
             <a:off x="504000" y="1769040"/>
-            <a:ext cx="4426560" cy="4384080"/>
+            <a:ext cx="2159640" cy="4383720"/>
           </a:xfrm>
           <a:prstGeom prst="rect">
             <a:avLst/>
@@ -2451,7 +2652,7 @@
         <p:spPr>
           <a:xfrm>
             <a:off x="504000" y="301320"/>
-            <a:ext cx="9071280" cy="1262520"/>
+            <a:ext cx="9070920" cy="1262520"/>
           </a:xfrm>
           <a:prstGeom prst="rect">
             <a:avLst/>
@@ -2478,7 +2679,7 @@
         <p:spPr>
           <a:xfrm>
             <a:off x="504000" y="1769040"/>
-            <a:ext cx="2160000" cy="4384080"/>
+            <a:ext cx="1053720" cy="4383720"/>
           </a:xfrm>
           <a:prstGeom prst="rect">
             <a:avLst/>
@@ -2503,8 +2704,8 @@
         </p:nvSpPr>
         <p:spPr>
           <a:xfrm>
-            <a:off x="2772360" y="1769040"/>
-            <a:ext cx="2160000" cy="4384080"/>
+            <a:off x="1610640" y="1769040"/>
+            <a:ext cx="1053720" cy="4383720"/>
           </a:xfrm>
           <a:prstGeom prst="rect">
             <a:avLst/>
@@ -2552,7 +2753,7 @@
         <p:spPr>
           <a:xfrm>
             <a:off x="504000" y="301320"/>
-            <a:ext cx="9071280" cy="1262520"/>
+            <a:ext cx="9070920" cy="1262520"/>
           </a:xfrm>
           <a:prstGeom prst="rect">
             <a:avLst/>
@@ -2601,7 +2802,7 @@
         <p:spPr>
           <a:xfrm>
             <a:off x="504000" y="301320"/>
-            <a:ext cx="9071280" cy="1262520"/>
+            <a:ext cx="9070920" cy="1262520"/>
           </a:xfrm>
           <a:prstGeom prst="rect">
             <a:avLst/>
@@ -2628,7 +2829,7 @@
         <p:spPr>
           <a:xfrm>
             <a:off x="504000" y="1769040"/>
-            <a:ext cx="4426560" cy="4384080"/>
+            <a:ext cx="2159640" cy="4383720"/>
           </a:xfrm>
           <a:prstGeom prst="rect">
             <a:avLst/>
@@ -2676,7 +2877,7 @@
         <p:spPr>
           <a:xfrm>
             <a:off x="504000" y="301320"/>
-            <a:ext cx="9071280" cy="5852160"/>
+            <a:ext cx="9070920" cy="5852160"/>
           </a:xfrm>
           <a:prstGeom prst="rect">
             <a:avLst/>
@@ -2725,7 +2926,7 @@
         <p:spPr>
           <a:xfrm>
             <a:off x="504000" y="301320"/>
-            <a:ext cx="9071280" cy="1262520"/>
+            <a:ext cx="9070920" cy="1262520"/>
           </a:xfrm>
           <a:prstGeom prst="rect">
             <a:avLst/>
@@ -2752,7 +2953,7 @@
         <p:spPr>
           <a:xfrm>
             <a:off x="504000" y="1769040"/>
-            <a:ext cx="2160000" cy="2090880"/>
+            <a:ext cx="1053720" cy="2090880"/>
           </a:xfrm>
           <a:prstGeom prst="rect">
             <a:avLst/>
@@ -2778,7 +2979,7 @@
         <p:spPr>
           <a:xfrm>
             <a:off x="504000" y="4059000"/>
-            <a:ext cx="2160000" cy="2090880"/>
+            <a:ext cx="1053720" cy="2090880"/>
           </a:xfrm>
           <a:prstGeom prst="rect">
             <a:avLst/>
@@ -2803,8 +3004,8 @@
         </p:nvSpPr>
         <p:spPr>
           <a:xfrm>
-            <a:off x="2772360" y="1769040"/>
-            <a:ext cx="2160000" cy="4384080"/>
+            <a:off x="1610640" y="1769040"/>
+            <a:ext cx="1053720" cy="4383720"/>
           </a:xfrm>
           <a:prstGeom prst="rect">
             <a:avLst/>
@@ -2852,7 +3053,7 @@
         <p:spPr>
           <a:xfrm>
             <a:off x="504000" y="301320"/>
-            <a:ext cx="9071280" cy="1262520"/>
+            <a:ext cx="9070920" cy="1262520"/>
           </a:xfrm>
           <a:prstGeom prst="rect">
             <a:avLst/>
@@ -2879,7 +3080,7 @@
         <p:spPr>
           <a:xfrm>
             <a:off x="504000" y="1769040"/>
-            <a:ext cx="2160000" cy="4384080"/>
+            <a:ext cx="1053720" cy="4383720"/>
           </a:xfrm>
           <a:prstGeom prst="rect">
             <a:avLst/>
@@ -2904,8 +3105,8 @@
         </p:nvSpPr>
         <p:spPr>
           <a:xfrm>
-            <a:off x="2772360" y="1769040"/>
-            <a:ext cx="2160000" cy="2090880"/>
+            <a:off x="1610640" y="1769040"/>
+            <a:ext cx="1053720" cy="2090880"/>
           </a:xfrm>
           <a:prstGeom prst="rect">
             <a:avLst/>
@@ -2930,8 +3131,8 @@
         </p:nvSpPr>
         <p:spPr>
           <a:xfrm>
-            <a:off x="2772360" y="4059000"/>
-            <a:ext cx="2160000" cy="2090880"/>
+            <a:off x="1610640" y="4059000"/>
+            <a:ext cx="1053720" cy="2090880"/>
           </a:xfrm>
           <a:prstGeom prst="rect">
             <a:avLst/>
@@ -2979,7 +3180,7 @@
         <p:spPr>
           <a:xfrm>
             <a:off x="504000" y="301320"/>
-            <a:ext cx="9071280" cy="1262520"/>
+            <a:ext cx="9070920" cy="1262520"/>
           </a:xfrm>
           <a:prstGeom prst="rect">
             <a:avLst/>
@@ -3006,7 +3207,7 @@
         <p:spPr>
           <a:xfrm>
             <a:off x="504000" y="1769040"/>
-            <a:ext cx="2160000" cy="2090880"/>
+            <a:ext cx="1053720" cy="2090880"/>
           </a:xfrm>
           <a:prstGeom prst="rect">
             <a:avLst/>
@@ -3031,8 +3232,8 @@
         </p:nvSpPr>
         <p:spPr>
           <a:xfrm>
-            <a:off x="2772360" y="1769040"/>
-            <a:ext cx="2160000" cy="2090880"/>
+            <a:off x="1610640" y="1769040"/>
+            <a:ext cx="1053720" cy="2090880"/>
           </a:xfrm>
           <a:prstGeom prst="rect">
             <a:avLst/>
@@ -3058,7 +3259,7 @@
         <p:spPr>
           <a:xfrm>
             <a:off x="504000" y="4059000"/>
-            <a:ext cx="4426560" cy="2090880"/>
+            <a:ext cx="2159640" cy="2090880"/>
           </a:xfrm>
           <a:prstGeom prst="rect">
             <a:avLst/>
@@ -3106,7 +3307,7 @@
         <p:spPr>
           <a:xfrm>
             <a:off x="504000" y="301320"/>
-            <a:ext cx="9071280" cy="1262520"/>
+            <a:ext cx="9070920" cy="1262520"/>
           </a:xfrm>
           <a:prstGeom prst="rect">
             <a:avLst/>
@@ -3133,7 +3334,7 @@
         <p:spPr>
           <a:xfrm>
             <a:off x="504000" y="1769040"/>
-            <a:ext cx="4426560" cy="2090880"/>
+            <a:ext cx="2159640" cy="2090880"/>
           </a:xfrm>
           <a:prstGeom prst="rect">
             <a:avLst/>
@@ -3159,7 +3360,7 @@
         <p:spPr>
           <a:xfrm>
             <a:off x="504000" y="4059000"/>
-            <a:ext cx="4426560" cy="2090880"/>
+            <a:ext cx="2159640" cy="2090880"/>
           </a:xfrm>
           <a:prstGeom prst="rect">
             <a:avLst/>
@@ -3207,7 +3408,7 @@
         <p:spPr>
           <a:xfrm>
             <a:off x="504000" y="301320"/>
-            <a:ext cx="9071280" cy="1262520"/>
+            <a:ext cx="9070920" cy="1262520"/>
           </a:xfrm>
           <a:prstGeom prst="rect">
             <a:avLst/>
@@ -3234,7 +3435,7 @@
         <p:spPr>
           <a:xfrm>
             <a:off x="504000" y="1769040"/>
-            <a:ext cx="2160000" cy="2090880"/>
+            <a:ext cx="1053720" cy="2090880"/>
           </a:xfrm>
           <a:prstGeom prst="rect">
             <a:avLst/>
@@ -3259,8 +3460,8 @@
         </p:nvSpPr>
         <p:spPr>
           <a:xfrm>
-            <a:off x="2772360" y="1769040"/>
-            <a:ext cx="2160000" cy="2090880"/>
+            <a:off x="1610640" y="1769040"/>
+            <a:ext cx="1053720" cy="2090880"/>
           </a:xfrm>
           <a:prstGeom prst="rect">
             <a:avLst/>
@@ -3285,8 +3486,8 @@
         </p:nvSpPr>
         <p:spPr>
           <a:xfrm>
-            <a:off x="2772360" y="4059000"/>
-            <a:ext cx="2160000" cy="2090880"/>
+            <a:off x="1610640" y="4059000"/>
+            <a:ext cx="1053720" cy="2090880"/>
           </a:xfrm>
           <a:prstGeom prst="rect">
             <a:avLst/>
@@ -3312,7 +3513,7 @@
         <p:spPr>
           <a:xfrm>
             <a:off x="504000" y="4059000"/>
-            <a:ext cx="2160000" cy="2090880"/>
+            <a:ext cx="1053720" cy="2090880"/>
           </a:xfrm>
           <a:prstGeom prst="rect">
             <a:avLst/>
@@ -3360,7 +3561,7 @@
         <p:spPr>
           <a:xfrm>
             <a:off x="504000" y="301320"/>
-            <a:ext cx="9071280" cy="1262520"/>
+            <a:ext cx="9070920" cy="1262520"/>
           </a:xfrm>
           <a:prstGeom prst="rect">
             <a:avLst/>
@@ -3387,7 +3588,7 @@
         <p:spPr>
           <a:xfrm>
             <a:off x="504000" y="1769040"/>
-            <a:ext cx="4426560" cy="4384080"/>
+            <a:ext cx="2159640" cy="4383720"/>
           </a:xfrm>
           <a:prstGeom prst="rect">
             <a:avLst/>
@@ -3413,7 +3614,7 @@
         <p:spPr>
           <a:xfrm>
             <a:off x="504000" y="1769040"/>
-            <a:ext cx="4426560" cy="4384080"/>
+            <a:ext cx="2159640" cy="4383720"/>
           </a:xfrm>
           <a:prstGeom prst="rect">
             <a:avLst/>
@@ -3440,8 +3641,8 @@
         </p:blipFill>
         <p:spPr>
           <a:xfrm>
-            <a:off x="504000" y="2195280"/>
-            <a:ext cx="4426560" cy="3531600"/>
+            <a:off x="503640" y="3099240"/>
+            <a:ext cx="2159640" cy="1722960"/>
           </a:xfrm>
           <a:prstGeom prst="rect">
             <a:avLst/>
@@ -3465,8 +3666,8 @@
         </p:blipFill>
         <p:spPr>
           <a:xfrm>
-            <a:off x="504000" y="2195280"/>
-            <a:ext cx="4426560" cy="3531600"/>
+            <a:off x="503640" y="3099240"/>
+            <a:ext cx="2159640" cy="1722960"/>
           </a:xfrm>
           <a:prstGeom prst="rect">
             <a:avLst/>
@@ -3511,7 +3712,7 @@
         <p:spPr>
           <a:xfrm>
             <a:off x="504000" y="301320"/>
-            <a:ext cx="9071280" cy="1262520"/>
+            <a:ext cx="9070920" cy="1262520"/>
           </a:xfrm>
           <a:prstGeom prst="rect">
             <a:avLst/>
@@ -3538,7 +3739,7 @@
         <p:spPr>
           <a:xfrm>
             <a:off x="504000" y="1769040"/>
-            <a:ext cx="2160000" cy="4384080"/>
+            <a:ext cx="1053720" cy="4383720"/>
           </a:xfrm>
           <a:prstGeom prst="rect">
             <a:avLst/>
@@ -3563,8 +3764,8 @@
         </p:nvSpPr>
         <p:spPr>
           <a:xfrm>
-            <a:off x="2772360" y="1769040"/>
-            <a:ext cx="2160000" cy="4384080"/>
+            <a:off x="1610640" y="1769040"/>
+            <a:ext cx="1053720" cy="4383720"/>
           </a:xfrm>
           <a:prstGeom prst="rect">
             <a:avLst/>
@@ -3612,7 +3813,7 @@
         <p:spPr>
           <a:xfrm>
             <a:off x="504000" y="301320"/>
-            <a:ext cx="9071280" cy="1262520"/>
+            <a:ext cx="9070920" cy="1262520"/>
           </a:xfrm>
           <a:prstGeom prst="rect">
             <a:avLst/>
@@ -3661,7 +3862,7 @@
         <p:spPr>
           <a:xfrm>
             <a:off x="504000" y="301320"/>
-            <a:ext cx="9071280" cy="5852160"/>
+            <a:ext cx="9070920" cy="5852160"/>
           </a:xfrm>
           <a:prstGeom prst="rect">
             <a:avLst/>
@@ -3710,7 +3911,7 @@
         <p:spPr>
           <a:xfrm>
             <a:off x="504000" y="301320"/>
-            <a:ext cx="9071280" cy="1262520"/>
+            <a:ext cx="9070920" cy="1262520"/>
           </a:xfrm>
           <a:prstGeom prst="rect">
             <a:avLst/>
@@ -3737,7 +3938,7 @@
         <p:spPr>
           <a:xfrm>
             <a:off x="504000" y="1769040"/>
-            <a:ext cx="2160000" cy="2090880"/>
+            <a:ext cx="1053720" cy="2090880"/>
           </a:xfrm>
           <a:prstGeom prst="rect">
             <a:avLst/>
@@ -3763,7 +3964,7 @@
         <p:spPr>
           <a:xfrm>
             <a:off x="504000" y="4059000"/>
-            <a:ext cx="2160000" cy="2090880"/>
+            <a:ext cx="1053720" cy="2090880"/>
           </a:xfrm>
           <a:prstGeom prst="rect">
             <a:avLst/>
@@ -3788,8 +3989,8 @@
         </p:nvSpPr>
         <p:spPr>
           <a:xfrm>
-            <a:off x="2772360" y="1769040"/>
-            <a:ext cx="2160000" cy="4384080"/>
+            <a:off x="1610640" y="1769040"/>
+            <a:ext cx="1053720" cy="4383720"/>
           </a:xfrm>
           <a:prstGeom prst="rect">
             <a:avLst/>
@@ -3837,7 +4038,7 @@
         <p:spPr>
           <a:xfrm>
             <a:off x="504000" y="301320"/>
-            <a:ext cx="9071280" cy="1262520"/>
+            <a:ext cx="9070920" cy="1262520"/>
           </a:xfrm>
           <a:prstGeom prst="rect">
             <a:avLst/>
@@ -3864,7 +4065,7 @@
         <p:spPr>
           <a:xfrm>
             <a:off x="504000" y="1769040"/>
-            <a:ext cx="2160000" cy="4384080"/>
+            <a:ext cx="1053720" cy="4383720"/>
           </a:xfrm>
           <a:prstGeom prst="rect">
             <a:avLst/>
@@ -3889,8 +4090,8 @@
         </p:nvSpPr>
         <p:spPr>
           <a:xfrm>
-            <a:off x="2772360" y="1769040"/>
-            <a:ext cx="2160000" cy="2090880"/>
+            <a:off x="1610640" y="1769040"/>
+            <a:ext cx="1053720" cy="2090880"/>
           </a:xfrm>
           <a:prstGeom prst="rect">
             <a:avLst/>
@@ -3915,8 +4116,8 @@
         </p:nvSpPr>
         <p:spPr>
           <a:xfrm>
-            <a:off x="2772360" y="4059000"/>
-            <a:ext cx="2160000" cy="2090880"/>
+            <a:off x="1610640" y="4059000"/>
+            <a:ext cx="1053720" cy="2090880"/>
           </a:xfrm>
           <a:prstGeom prst="rect">
             <a:avLst/>
@@ -3964,7 +4165,7 @@
         <p:spPr>
           <a:xfrm>
             <a:off x="504000" y="301320"/>
-            <a:ext cx="9071280" cy="1262520"/>
+            <a:ext cx="9070920" cy="1262520"/>
           </a:xfrm>
           <a:prstGeom prst="rect">
             <a:avLst/>
@@ -3991,7 +4192,7 @@
         <p:spPr>
           <a:xfrm>
             <a:off x="504000" y="1769040"/>
-            <a:ext cx="2160000" cy="2090880"/>
+            <a:ext cx="1053720" cy="2090880"/>
           </a:xfrm>
           <a:prstGeom prst="rect">
             <a:avLst/>
@@ -4016,8 +4217,8 @@
         </p:nvSpPr>
         <p:spPr>
           <a:xfrm>
-            <a:off x="2772360" y="1769040"/>
-            <a:ext cx="2160000" cy="2090880"/>
+            <a:off x="1610640" y="1769040"/>
+            <a:ext cx="1053720" cy="2090880"/>
           </a:xfrm>
           <a:prstGeom prst="rect">
             <a:avLst/>
@@ -4043,7 +4244,7 @@
         <p:spPr>
           <a:xfrm>
             <a:off x="504000" y="4059000"/>
-            <a:ext cx="4426560" cy="2090880"/>
+            <a:ext cx="2159640" cy="2090880"/>
           </a:xfrm>
           <a:prstGeom prst="rect">
             <a:avLst/>
@@ -4282,7 +4483,7 @@
         <p:spPr>
           <a:xfrm>
             <a:off x="504000" y="301320"/>
-            <a:ext cx="9071280" cy="1262160"/>
+            <a:ext cx="9072000" cy="1261800"/>
           </a:xfrm>
           <a:prstGeom prst="rect">
             <a:avLst/>
@@ -4291,8 +4492,9 @@
         <p:txBody>
           <a:bodyPr lIns="0" rIns="0" tIns="0" bIns="0" anchor="ctr"/>
           <a:p>
-            <a:r>
-              <a:rPr lang="en-US">
+            <a:pPr algn="ctr"/>
+            <a:r>
+              <a:rPr lang="en-US" sz="4400">
                 <a:latin typeface="Arial"/>
               </a:rPr>
               <a:t>Click to edit the title text format</a:t>
@@ -4313,8 +4515,8 @@
         </p:nvSpPr>
         <p:spPr>
           <a:xfrm>
-            <a:off x="504000" y="1769040"/>
-            <a:ext cx="9071280" cy="4384080"/>
+            <a:off x="504000" y="1768680"/>
+            <a:ext cx="9072000" cy="4384080"/>
           </a:xfrm>
           <a:prstGeom prst="rect">
             <a:avLst/>
@@ -4329,7 +4531,7 @@
               <a:buChar char=""/>
             </a:pPr>
             <a:r>
-              <a:rPr lang="en-US">
+              <a:rPr lang="en-US" sz="3200">
                 <a:latin typeface="Arial"/>
               </a:rPr>
               <a:t>Click to edit the outline text format</a:t>
@@ -4343,7 +4545,7 @@
               <a:buChar char=""/>
             </a:pPr>
             <a:r>
-              <a:rPr lang="en-US">
+              <a:rPr lang="en-US" sz="2800">
                 <a:latin typeface="Arial"/>
               </a:rPr>
               <a:t>Second Outline Level</a:t>
@@ -4357,7 +4559,7 @@
               <a:buChar char=""/>
             </a:pPr>
             <a:r>
-              <a:rPr lang="en-US">
+              <a:rPr lang="en-US" sz="2400">
                 <a:latin typeface="Arial"/>
               </a:rPr>
               <a:t>Third Outline Level</a:t>
@@ -4371,7 +4573,7 @@
               <a:buChar char=""/>
             </a:pPr>
             <a:r>
-              <a:rPr lang="en-US">
+              <a:rPr lang="en-US" sz="2000">
                 <a:latin typeface="Arial"/>
               </a:rPr>
               <a:t>Fourth Outline Level</a:t>
@@ -4385,7 +4587,7 @@
               <a:buChar char=""/>
             </a:pPr>
             <a:r>
-              <a:rPr lang="en-US">
+              <a:rPr lang="en-US" sz="2000">
                 <a:latin typeface="Arial"/>
               </a:rPr>
               <a:t>Fifth Outline Level</a:t>
@@ -4399,7 +4601,7 @@
               <a:buChar char=""/>
             </a:pPr>
             <a:r>
-              <a:rPr lang="en-US">
+              <a:rPr lang="en-US" sz="2000">
                 <a:latin typeface="Arial"/>
               </a:rPr>
               <a:t>Sixth Outline Level</a:t>
@@ -4413,7 +4615,7 @@
               <a:buChar char=""/>
             </a:pPr>
             <a:r>
-              <a:rPr lang="en-US">
+              <a:rPr lang="en-US" sz="2000">
                 <a:latin typeface="Arial"/>
               </a:rPr>
               <a:t>Seventh Outline Level</a:t>
@@ -4472,7 +4674,7 @@
         <p:spPr>
           <a:xfrm>
             <a:off x="504000" y="301320"/>
-            <a:ext cx="9071280" cy="1262160"/>
+            <a:ext cx="9070920" cy="1262160"/>
           </a:xfrm>
           <a:prstGeom prst="rect">
             <a:avLst/>
@@ -4504,7 +4706,7 @@
         <p:spPr>
           <a:xfrm>
             <a:off x="504000" y="1769040"/>
-            <a:ext cx="4426560" cy="4384080"/>
+            <a:ext cx="2159640" cy="4383720"/>
           </a:xfrm>
           <a:prstGeom prst="rect">
             <a:avLst/>
@@ -4624,8 +4826,8 @@
         </p:nvSpPr>
         <p:spPr>
           <a:xfrm>
-            <a:off x="5152680" y="1769040"/>
-            <a:ext cx="4426560" cy="4384080"/>
+            <a:off x="2772360" y="1769040"/>
+            <a:ext cx="2159640" cy="4383720"/>
           </a:xfrm>
           <a:prstGeom prst="rect">
             <a:avLst/>
@@ -4779,7 +4981,7 @@
         <p:spPr>
           <a:xfrm>
             <a:off x="504000" y="914760"/>
-            <a:ext cx="9071280" cy="5851440"/>
+            <a:ext cx="9070920" cy="5851080"/>
           </a:xfrm>
           <a:prstGeom prst="rect">
             <a:avLst/>
@@ -4866,6 +5068,404 @@
           <p:childTnLst>
             <p:seq>
               <p:cTn id="2" nodeType="mainSeq"/>
+              <p:prevCondLst>
+                <p:cond delay="0" evt="onPrev">
+                  <p:tgtEl>
+                    <p:sldTgt/>
+                  </p:tgtEl>
+                </p:cond>
+              </p:prevCondLst>
+              <p:nextCondLst>
+                <p:cond delay="0" evt="onNext">
+                  <p:tgtEl>
+                    <p:sldTgt/>
+                  </p:tgtEl>
+                </p:cond>
+              </p:nextCondLst>
+            </p:seq>
+          </p:childTnLst>
+        </p:cTn>
+      </p:par>
+    </p:tnLst>
+  </p:timing>
+</p:sld>
+</file>
+
+<file path=ppt/slides/slide10.xml><?xml version="1.0" encoding="utf-8"?>
+<p:sld xmlns:a="http://schemas.openxmlformats.org/drawingml/2006/main" xmlns:p="http://schemas.openxmlformats.org/presentationml/2006/main" xmlns:r="http://schemas.openxmlformats.org/officeDocument/2006/relationships">
+  <p:cSld>
+    <p:spTree>
+      <p:nvGrpSpPr>
+        <p:cNvPr id="1" name=""/>
+        <p:cNvGrpSpPr/>
+        <p:nvPr/>
+      </p:nvGrpSpPr>
+      <p:grpSpPr>
+        <a:xfrm>
+          <a:off x="0" y="0"/>
+          <a:ext cx="0" cy="0"/>
+          <a:chOff x="0" y="0"/>
+          <a:chExt cx="0" cy="0"/>
+        </a:xfrm>
+      </p:grpSpPr>
+      <p:sp>
+        <p:nvSpPr>
+          <p:cNvPr id="129" name="TextShape 1"/>
+          <p:cNvSpPr txBox="1"/>
+          <p:nvPr/>
+        </p:nvSpPr>
+        <p:spPr>
+          <a:xfrm>
+            <a:off x="504000" y="301320"/>
+            <a:ext cx="9070920" cy="1262160"/>
+          </a:xfrm>
+          <a:prstGeom prst="rect">
+            <a:avLst/>
+          </a:prstGeom>
+        </p:spPr>
+        <p:txBody>
+          <a:bodyPr lIns="0" rIns="0" tIns="0" bIns="0" anchor="ctr"/>
+          <a:p>
+            <a:pPr algn="ctr"/>
+            <a:r>
+              <a:rPr lang="en-US" sz="4400">
+                <a:latin typeface="Arial"/>
+              </a:rPr>
+              <a:t>The Basic Algorithm</a:t>
+            </a:r>
+            <a:endParaRPr/>
+          </a:p>
+        </p:txBody>
+      </p:sp>
+      <p:sp>
+        <p:nvSpPr>
+          <p:cNvPr id="130" name="TextShape 2"/>
+          <p:cNvSpPr txBox="1"/>
+          <p:nvPr/>
+        </p:nvSpPr>
+        <p:spPr>
+          <a:xfrm>
+            <a:off x="504000" y="1769040"/>
+            <a:ext cx="8914320" cy="4906080"/>
+          </a:xfrm>
+          <a:prstGeom prst="rect">
+            <a:avLst/>
+          </a:prstGeom>
+        </p:spPr>
+        <p:txBody>
+          <a:bodyPr lIns="0" rIns="0" tIns="0" bIns="0"/>
+          <a:p>
+            <a:pPr>
+              <a:buSzPct val="45000"/>
+              <a:buFont typeface="StarSymbol"/>
+              <a:buChar char=""/>
+            </a:pPr>
+            <a:r>
+              <a:rPr lang="en-US" sz="3200">
+                <a:latin typeface="Arial"/>
+              </a:rPr>
+              <a:t>Create initial samples of paths</a:t>
+            </a:r>
+            <a:endParaRPr/>
+          </a:p>
+          <a:p>
+            <a:pPr>
+              <a:buSzPct val="45000"/>
+              <a:buFont typeface="StarSymbol"/>
+              <a:buChar char=""/>
+            </a:pPr>
+            <a:r>
+              <a:rPr lang="en-US" sz="3200">
+                <a:latin typeface="Arial"/>
+              </a:rPr>
+              <a:t>Create more paths until you're at the “ideal number” of paths per layer</a:t>
+            </a:r>
+            <a:endParaRPr/>
+          </a:p>
+          <a:p>
+            <a:pPr>
+              <a:buSzPct val="45000"/>
+              <a:buFont typeface="StarSymbol"/>
+              <a:buChar char=""/>
+            </a:pPr>
+            <a:r>
+              <a:rPr lang="en-US" sz="3200">
+                <a:latin typeface="Arial"/>
+              </a:rPr>
+              <a:t>Check your error</a:t>
+            </a:r>
+            <a:endParaRPr/>
+          </a:p>
+          <a:p>
+            <a:pPr lvl="1">
+              <a:buSzPct val="75000"/>
+              <a:buFont typeface="StarSymbol"/>
+              <a:buChar char=""/>
+            </a:pPr>
+            <a:r>
+              <a:rPr lang="en-US" sz="2800">
+                <a:latin typeface="Arial"/>
+              </a:rPr>
+              <a:t>Strategy 1: See how large the penultimate layer is in comparison to the highest layer</a:t>
+            </a:r>
+            <a:endParaRPr/>
+          </a:p>
+          <a:p>
+            <a:pPr lvl="1">
+              <a:buSzPct val="75000"/>
+              <a:buFont typeface="StarSymbol"/>
+              <a:buChar char=""/>
+            </a:pPr>
+            <a:r>
+              <a:rPr lang="en-US" sz="2800">
+                <a:latin typeface="Arial"/>
+              </a:rPr>
+              <a:t>Strategy 2: Figure out the decay rate of the means of the layers, the growth rate of the costs, and extrapolate</a:t>
+            </a:r>
+            <a:endParaRPr/>
+          </a:p>
+          <a:p>
+            <a:pPr>
+              <a:buSzPct val="45000"/>
+              <a:buFont typeface="StarSymbol"/>
+              <a:buChar char=""/>
+            </a:pPr>
+            <a:r>
+              <a:rPr lang="en-US" sz="3200">
+                <a:latin typeface="Arial"/>
+              </a:rPr>
+              <a:t>If error's too high, add another layer</a:t>
+            </a:r>
+            <a:endParaRPr/>
+          </a:p>
+        </p:txBody>
+      </p:sp>
+    </p:spTree>
+  </p:cSld>
+</p:sld>
+</file>
+
+<file path=ppt/slides/slide11.xml><?xml version="1.0" encoding="utf-8"?>
+<p:sld xmlns:a="http://schemas.openxmlformats.org/drawingml/2006/main" xmlns:p="http://schemas.openxmlformats.org/presentationml/2006/main" xmlns:r="http://schemas.openxmlformats.org/officeDocument/2006/relationships">
+  <p:cSld>
+    <p:spTree>
+      <p:nvGrpSpPr>
+        <p:cNvPr id="1" name=""/>
+        <p:cNvGrpSpPr/>
+        <p:nvPr/>
+      </p:nvGrpSpPr>
+      <p:grpSpPr>
+        <a:xfrm>
+          <a:off x="0" y="0"/>
+          <a:ext cx="0" cy="0"/>
+          <a:chOff x="0" y="0"/>
+          <a:chExt cx="0" cy="0"/>
+        </a:xfrm>
+      </p:grpSpPr>
+      <p:sp>
+        <p:nvSpPr>
+          <p:cNvPr id="131" name="TextShape 1"/>
+          <p:cNvSpPr txBox="1"/>
+          <p:nvPr/>
+        </p:nvSpPr>
+        <p:spPr>
+          <a:xfrm>
+            <a:off x="504000" y="301320"/>
+            <a:ext cx="9070920" cy="1262160"/>
+          </a:xfrm>
+          <a:prstGeom prst="rect">
+            <a:avLst/>
+          </a:prstGeom>
+        </p:spPr>
+        <p:txBody>
+          <a:bodyPr lIns="0" rIns="0" tIns="0" bIns="0" anchor="ctr"/>
+          <a:p>
+            <a:pPr algn="ctr"/>
+            <a:r>
+              <a:rPr lang="en-US" sz="4400">
+                <a:latin typeface="Arial"/>
+              </a:rPr>
+              <a:t>Does this work?</a:t>
+            </a:r>
+            <a:endParaRPr/>
+          </a:p>
+        </p:txBody>
+      </p:sp>
+      <p:pic>
+        <p:nvPicPr>
+          <p:cNvPr id="132" name="" descr=""/>
+          <p:cNvPicPr/>
+          <p:nvPr/>
+        </p:nvPicPr>
+        <p:blipFill>
+          <a:blip r:embed="rId1"/>
+          <a:stretch>
+            <a:fillRect/>
+          </a:stretch>
+        </p:blipFill>
+        <p:spPr>
+          <a:xfrm>
+            <a:off x="2045160" y="1523880"/>
+            <a:ext cx="6095520" cy="4571640"/>
+          </a:xfrm>
+          <a:prstGeom prst="rect">
+            <a:avLst/>
+          </a:prstGeom>
+          <a:ln>
+            <a:noFill/>
+          </a:ln>
+        </p:spPr>
+      </p:pic>
+    </p:spTree>
+  </p:cSld>
+  <p:timing>
+    <p:tnLst>
+      <p:par>
+        <p:cTn id="19" dur="indefinite" restart="never" nodeType="tmRoot">
+          <p:childTnLst>
+            <p:seq>
+              <p:cTn id="20" nodeType="mainSeq"/>
+              <p:prevCondLst>
+                <p:cond delay="0" evt="onPrev">
+                  <p:tgtEl>
+                    <p:sldTgt/>
+                  </p:tgtEl>
+                </p:cond>
+              </p:prevCondLst>
+              <p:nextCondLst>
+                <p:cond delay="0" evt="onNext">
+                  <p:tgtEl>
+                    <p:sldTgt/>
+                  </p:tgtEl>
+                </p:cond>
+              </p:nextCondLst>
+            </p:seq>
+          </p:childTnLst>
+        </p:cTn>
+      </p:par>
+    </p:tnLst>
+  </p:timing>
+</p:sld>
+</file>
+
+<file path=ppt/slides/slide12.xml><?xml version="1.0" encoding="utf-8"?>
+<p:sld xmlns:a="http://schemas.openxmlformats.org/drawingml/2006/main" xmlns:p="http://schemas.openxmlformats.org/presentationml/2006/main" xmlns:r="http://schemas.openxmlformats.org/officeDocument/2006/relationships">
+  <p:cSld>
+    <p:spTree>
+      <p:nvGrpSpPr>
+        <p:cNvPr id="1" name=""/>
+        <p:cNvGrpSpPr/>
+        <p:nvPr/>
+      </p:nvGrpSpPr>
+      <p:grpSpPr>
+        <a:xfrm>
+          <a:off x="0" y="0"/>
+          <a:ext cx="0" cy="0"/>
+          <a:chOff x="0" y="0"/>
+          <a:chExt cx="0" cy="0"/>
+        </a:xfrm>
+      </p:grpSpPr>
+      <p:sp>
+        <p:nvSpPr>
+          <p:cNvPr id="133" name="TextShape 1"/>
+          <p:cNvSpPr txBox="1"/>
+          <p:nvPr/>
+        </p:nvSpPr>
+        <p:spPr>
+          <a:xfrm>
+            <a:off x="504000" y="301320"/>
+            <a:ext cx="9070920" cy="1262160"/>
+          </a:xfrm>
+          <a:prstGeom prst="rect">
+            <a:avLst/>
+          </a:prstGeom>
+        </p:spPr>
+        <p:txBody>
+          <a:bodyPr lIns="0" rIns="0" tIns="0" bIns="0" anchor="ctr"/>
+          <a:p>
+            <a:pPr algn="ctr"/>
+            <a:r>
+              <a:rPr lang="en-US" sz="4400">
+                <a:latin typeface="Arial"/>
+              </a:rPr>
+              <a:t>Is This Faster</a:t>
+            </a:r>
+            <a:endParaRPr/>
+          </a:p>
+        </p:txBody>
+      </p:sp>
+      <p:sp>
+        <p:nvSpPr>
+          <p:cNvPr id="134" name="TextShape 2"/>
+          <p:cNvSpPr txBox="1"/>
+          <p:nvPr/>
+        </p:nvSpPr>
+        <p:spPr>
+          <a:xfrm>
+            <a:off x="504000" y="1769040"/>
+            <a:ext cx="8914320" cy="4383720"/>
+          </a:xfrm>
+          <a:prstGeom prst="rect">
+            <a:avLst/>
+          </a:prstGeom>
+        </p:spPr>
+        <p:txBody>
+          <a:bodyPr lIns="0" rIns="0" tIns="0" bIns="0"/>
+          <a:p>
+            <a:pPr>
+              <a:buSzPct val="45000"/>
+              <a:buFont typeface="StarSymbol"/>
+              <a:buChar char=""/>
+            </a:pPr>
+            <a:r>
+              <a:rPr lang="en-US" sz="3200">
+                <a:latin typeface="Arial"/>
+              </a:rPr>
+              <a:t>Not unequivocally so</a:t>
+            </a:r>
+            <a:endParaRPr/>
+          </a:p>
+          <a:p>
+            <a:pPr>
+              <a:buSzPct val="45000"/>
+              <a:buFont typeface="StarSymbol"/>
+              <a:buChar char=""/>
+            </a:pPr>
+            <a:r>
+              <a:rPr lang="en-US" sz="3200">
+                <a:latin typeface="Arial"/>
+              </a:rPr>
+              <a:t>Plug 'n' chug is not a good strategy</a:t>
+            </a:r>
+            <a:endParaRPr/>
+          </a:p>
+        </p:txBody>
+      </p:sp>
+      <p:graphicFrame>
+        <p:nvGraphicFramePr>
+          <p:cNvPr id="135" name=""/>
+          <p:cNvGraphicFramePr/>
+          <p:nvPr/>
+        </p:nvGraphicFramePr>
+        <p:xfrm>
+          <a:off x="2212920" y="3474720"/>
+          <a:ext cx="5759640" cy="3239640"/>
+        </p:xfrm>
+        <a:graphic>
+          <a:graphicData uri="http://schemas.openxmlformats.org/drawingml/2006/chart">
+            <c:chart xmlns:c="http://schemas.openxmlformats.org/drawingml/2006/chart" xmlns:r="http://schemas.openxmlformats.org/officeDocument/2006/relationships" r:id="rId1"/>
+          </a:graphicData>
+        </a:graphic>
+      </p:graphicFrame>
+    </p:spTree>
+  </p:cSld>
+  <p:timing>
+    <p:tnLst>
+      <p:par>
+        <p:cTn id="21" dur="indefinite" restart="never" nodeType="tmRoot">
+          <p:childTnLst>
+            <p:seq>
+              <p:cTn id="22" nodeType="mainSeq"/>
               <p:prevCondLst>
                 <p:cond delay="0" evt="onPrev">
                   <p:tgtEl>
@@ -4915,7 +5515,7 @@
         <p:spPr>
           <a:xfrm>
             <a:off x="504000" y="301320"/>
-            <a:ext cx="9071280" cy="1261800"/>
+            <a:ext cx="9070920" cy="1261440"/>
           </a:xfrm>
           <a:prstGeom prst="rect">
             <a:avLst/>
@@ -4952,7 +5552,7 @@
         <p:spPr>
           <a:xfrm>
             <a:off x="504000" y="1769040"/>
-            <a:ext cx="9071280" cy="4384080"/>
+            <a:ext cx="9070920" cy="4383720"/>
           </a:xfrm>
           <a:prstGeom prst="rect">
             <a:avLst/>
@@ -5092,7 +5692,7 @@
         <p:spPr>
           <a:xfrm>
             <a:off x="504000" y="301320"/>
-            <a:ext cx="9071280" cy="1261800"/>
+            <a:ext cx="9070920" cy="1261440"/>
           </a:xfrm>
           <a:prstGeom prst="rect">
             <a:avLst/>
@@ -5129,7 +5729,7 @@
         <p:spPr>
           <a:xfrm>
             <a:off x="504000" y="1769040"/>
-            <a:ext cx="4426560" cy="4384080"/>
+            <a:ext cx="4426200" cy="4383720"/>
           </a:xfrm>
           <a:prstGeom prst="rect">
             <a:avLst/>
@@ -5209,7 +5809,7 @@
         <p:spPr>
           <a:xfrm>
             <a:off x="5017680" y="1554480"/>
-            <a:ext cx="4674600" cy="4663080"/>
+            <a:ext cx="4674240" cy="4662720"/>
           </a:xfrm>
           <a:prstGeom prst="rect">
             <a:avLst/>
@@ -5277,7 +5877,7 @@
         <p:spPr>
           <a:xfrm>
             <a:off x="504000" y="301320"/>
-            <a:ext cx="9071280" cy="1261800"/>
+            <a:ext cx="9070920" cy="1261440"/>
           </a:xfrm>
           <a:prstGeom prst="rect">
             <a:avLst/>
@@ -5314,7 +5914,7 @@
         <p:spPr>
           <a:xfrm>
             <a:off x="504000" y="1769040"/>
-            <a:ext cx="9071280" cy="4384080"/>
+            <a:ext cx="9070920" cy="4383720"/>
           </a:xfrm>
           <a:prstGeom prst="rect">
             <a:avLst/>
@@ -5500,7 +6100,7 @@
         <p:spPr>
           <a:xfrm>
             <a:off x="504000" y="301320"/>
-            <a:ext cx="9071280" cy="1261800"/>
+            <a:ext cx="9070920" cy="1261440"/>
           </a:xfrm>
           <a:prstGeom prst="rect">
             <a:avLst/>
@@ -5537,7 +6137,7 @@
         <p:spPr>
           <a:xfrm>
             <a:off x="504000" y="1769040"/>
-            <a:ext cx="9071280" cy="4384080"/>
+            <a:ext cx="9070920" cy="4383720"/>
           </a:xfrm>
           <a:prstGeom prst="rect">
             <a:avLst/>
@@ -5643,7 +6243,7 @@
         <p:spPr>
           <a:xfrm>
             <a:off x="504000" y="301320"/>
-            <a:ext cx="9071280" cy="1261800"/>
+            <a:ext cx="9070920" cy="1261440"/>
           </a:xfrm>
           <a:prstGeom prst="rect">
             <a:avLst/>
@@ -5665,7 +6265,68 @@
               <a:rPr lang="en-US" sz="4400">
                 <a:latin typeface="Arial"/>
               </a:rPr>
-              <a:t>Heston Model</a:t>
+              <a:t>Complicating Factors</a:t>
+            </a:r>
+            <a:endParaRPr/>
+          </a:p>
+        </p:txBody>
+      </p:sp>
+      <p:sp>
+        <p:nvSpPr>
+          <p:cNvPr id="120" name="TextShape 2"/>
+          <p:cNvSpPr txBox="1"/>
+          <p:nvPr/>
+        </p:nvSpPr>
+        <p:spPr>
+          <a:xfrm>
+            <a:off x="504000" y="1768680"/>
+            <a:ext cx="9072000" cy="4384080"/>
+          </a:xfrm>
+          <a:prstGeom prst="rect">
+            <a:avLst/>
+          </a:prstGeom>
+        </p:spPr>
+        <p:txBody>
+          <a:bodyPr lIns="0" rIns="0" tIns="0" bIns="0"/>
+          <a:p>
+            <a:pPr>
+              <a:buSzPct val="45000"/>
+              <a:buFont typeface="StarSymbol"/>
+              <a:buChar char=""/>
+            </a:pPr>
+            <a:r>
+              <a:rPr lang="en-US" sz="3200">
+                <a:latin typeface="Arial"/>
+              </a:rPr>
+              <a:t>Different means of measuring volatility</a:t>
+            </a:r>
+            <a:endParaRPr/>
+          </a:p>
+          <a:p>
+            <a:pPr>
+              <a:buSzPct val="45000"/>
+              <a:buFont typeface="StarSymbol"/>
+              <a:buChar char=""/>
+            </a:pPr>
+            <a:r>
+              <a:rPr lang="en-US" sz="3200">
+                <a:latin typeface="Arial"/>
+              </a:rPr>
+              <a:t>Correlation of motion</a:t>
+            </a:r>
+            <a:endParaRPr/>
+          </a:p>
+          <a:p>
+            <a:pPr>
+              <a:buSzPct val="45000"/>
+              <a:buFont typeface="StarSymbol"/>
+              <a:buChar char=""/>
+            </a:pPr>
+            <a:r>
+              <a:rPr lang="en-US" sz="3200">
+                <a:latin typeface="Arial"/>
+              </a:rPr>
+              <a:t>Multiple underlying assets</a:t>
             </a:r>
             <a:endParaRPr/>
           </a:p>
@@ -5722,14 +6383,14 @@
       </p:grpSpPr>
       <p:sp>
         <p:nvSpPr>
-          <p:cNvPr id="120" name="CustomShape 1"/>
+          <p:cNvPr id="121" name="CustomShape 1"/>
           <p:cNvSpPr/>
           <p:nvPr/>
         </p:nvSpPr>
         <p:spPr>
           <a:xfrm>
             <a:off x="504000" y="301320"/>
-            <a:ext cx="9071280" cy="1261800"/>
+            <a:ext cx="9070920" cy="1261440"/>
           </a:xfrm>
           <a:prstGeom prst="rect">
             <a:avLst/>
@@ -5759,14 +6420,14 @@
       </p:sp>
       <p:sp>
         <p:nvSpPr>
-          <p:cNvPr id="121" name="CustomShape 2"/>
+          <p:cNvPr id="122" name="CustomShape 2"/>
           <p:cNvSpPr/>
           <p:nvPr/>
         </p:nvSpPr>
         <p:spPr>
           <a:xfrm>
             <a:off x="504000" y="1769040"/>
-            <a:ext cx="4426560" cy="4384080"/>
+            <a:ext cx="4426200" cy="4383720"/>
           </a:xfrm>
           <a:prstGeom prst="rect">
             <a:avLst/>
@@ -5816,13 +6477,13 @@
       </p:sp>
       <p:graphicFrame>
         <p:nvGraphicFramePr>
-          <p:cNvPr id="122" name=""/>
+          <p:cNvPr id="123" name=""/>
           <p:cNvGraphicFramePr/>
           <p:nvPr/>
         </p:nvGraphicFramePr>
         <p:xfrm>
           <a:off x="4480560" y="1377360"/>
-          <a:ext cx="5029200" cy="2828880"/>
+          <a:ext cx="5028840" cy="2828520"/>
         </p:xfrm>
         <a:graphic>
           <a:graphicData uri="http://schemas.openxmlformats.org/drawingml/2006/chart">
@@ -5832,13 +6493,13 @@
       </p:graphicFrame>
       <p:graphicFrame>
         <p:nvGraphicFramePr>
-          <p:cNvPr id="123" name=""/>
+          <p:cNvPr id="124" name=""/>
           <p:cNvGraphicFramePr/>
           <p:nvPr/>
         </p:nvGraphicFramePr>
         <p:xfrm>
           <a:off x="4737600" y="4206240"/>
-          <a:ext cx="4589280" cy="2581200"/>
+          <a:ext cx="4588920" cy="2580840"/>
         </p:xfrm>
         <a:graphic>
           <a:graphicData uri="http://schemas.openxmlformats.org/drawingml/2006/chart">
@@ -5855,6 +6516,312 @@
           <p:childTnLst>
             <p:seq>
               <p:cTn id="14" nodeType="mainSeq"/>
+              <p:prevCondLst>
+                <p:cond delay="0" evt="onPrev">
+                  <p:tgtEl>
+                    <p:sldTgt/>
+                  </p:tgtEl>
+                </p:cond>
+              </p:prevCondLst>
+              <p:nextCondLst>
+                <p:cond delay="0" evt="onNext">
+                  <p:tgtEl>
+                    <p:sldTgt/>
+                  </p:tgtEl>
+                </p:cond>
+              </p:nextCondLst>
+            </p:seq>
+          </p:childTnLst>
+        </p:cTn>
+      </p:par>
+    </p:tnLst>
+  </p:timing>
+</p:sld>
+</file>
+
+<file path=ppt/slides/slide8.xml><?xml version="1.0" encoding="utf-8"?>
+<p:sld xmlns:a="http://schemas.openxmlformats.org/drawingml/2006/main" xmlns:p="http://schemas.openxmlformats.org/presentationml/2006/main" xmlns:r="http://schemas.openxmlformats.org/officeDocument/2006/relationships">
+  <p:cSld>
+    <p:spTree>
+      <p:nvGrpSpPr>
+        <p:cNvPr id="1" name=""/>
+        <p:cNvGrpSpPr/>
+        <p:nvPr/>
+      </p:nvGrpSpPr>
+      <p:grpSpPr>
+        <a:xfrm>
+          <a:off x="0" y="0"/>
+          <a:ext cx="0" cy="0"/>
+          <a:chOff x="0" y="0"/>
+          <a:chExt cx="0" cy="0"/>
+        </a:xfrm>
+      </p:grpSpPr>
+      <p:sp>
+        <p:nvSpPr>
+          <p:cNvPr id="125" name="TextShape 1"/>
+          <p:cNvSpPr txBox="1"/>
+          <p:nvPr/>
+        </p:nvSpPr>
+        <p:spPr>
+          <a:xfrm>
+            <a:off x="504000" y="301320"/>
+            <a:ext cx="9070920" cy="1262160"/>
+          </a:xfrm>
+          <a:prstGeom prst="rect">
+            <a:avLst/>
+          </a:prstGeom>
+        </p:spPr>
+        <p:txBody>
+          <a:bodyPr lIns="0" rIns="0" tIns="0" bIns="0" anchor="ctr"/>
+          <a:p>
+            <a:pPr algn="ctr"/>
+            <a:r>
+              <a:rPr lang="en-US" sz="4400">
+                <a:latin typeface="Arial"/>
+              </a:rPr>
+              <a:t>New Strategy</a:t>
+            </a:r>
+            <a:endParaRPr/>
+          </a:p>
+        </p:txBody>
+      </p:sp>
+      <p:sp>
+        <p:nvSpPr>
+          <p:cNvPr id="126" name="TextShape 2"/>
+          <p:cNvSpPr txBox="1"/>
+          <p:nvPr/>
+        </p:nvSpPr>
+        <p:spPr>
+          <a:xfrm>
+            <a:off x="504000" y="1769040"/>
+            <a:ext cx="9097200" cy="4383720"/>
+          </a:xfrm>
+          <a:prstGeom prst="rect">
+            <a:avLst/>
+          </a:prstGeom>
+        </p:spPr>
+        <p:txBody>
+          <a:bodyPr lIns="0" rIns="0" tIns="0" bIns="0"/>
+          <a:p>
+            <a:pPr>
+              <a:buSzPct val="45000"/>
+              <a:buFont typeface="StarSymbol"/>
+              <a:buChar char=""/>
+            </a:pPr>
+            <a:r>
+              <a:rPr lang="en-US" sz="3200">
+                <a:latin typeface="Arial"/>
+              </a:rPr>
+              <a:t>High granularity of Euler-Maruyama path means lower error, greater time to run.</a:t>
+            </a:r>
+            <a:endParaRPr/>
+          </a:p>
+          <a:p>
+            <a:pPr>
+              <a:buSzPct val="45000"/>
+              <a:buFont typeface="StarSymbol"/>
+              <a:buChar char=""/>
+            </a:pPr>
+            <a:r>
+              <a:rPr lang="en-US" sz="3200">
+                <a:latin typeface="Arial"/>
+              </a:rPr>
+              <a:t>Predictor-corrector strategy</a:t>
+            </a:r>
+            <a:endParaRPr/>
+          </a:p>
+          <a:p>
+            <a:pPr lvl="1">
+              <a:buSzPct val="75000"/>
+              <a:buFont typeface="StarSymbol"/>
+              <a:buChar char=""/>
+            </a:pPr>
+            <a:r>
+              <a:rPr lang="en-US" sz="2800">
+                <a:latin typeface="Arial"/>
+              </a:rPr>
+              <a:t>Use the cheap stuff to get into the right ballpark</a:t>
+            </a:r>
+            <a:endParaRPr/>
+          </a:p>
+          <a:p>
+            <a:pPr lvl="1">
+              <a:buSzPct val="75000"/>
+              <a:buFont typeface="StarSymbol"/>
+              <a:buChar char=""/>
+            </a:pPr>
+            <a:r>
+              <a:rPr lang="en-US" sz="2800">
+                <a:latin typeface="Arial"/>
+              </a:rPr>
+              <a:t>Use the expensive stuff to refine the estimate</a:t>
+            </a:r>
+            <a:endParaRPr/>
+          </a:p>
+          <a:p>
+            <a:pPr>
+              <a:buSzPct val="45000"/>
+              <a:buFont typeface="StarSymbol"/>
+              <a:buChar char=""/>
+            </a:pPr>
+            <a:r>
+              <a:rPr lang="en-US" sz="3200">
+                <a:latin typeface="Arial"/>
+              </a:rPr>
+              <a:t>Naive MC with number of steps per path as 1 is as cheap as you can get</a:t>
+            </a:r>
+            <a:endParaRPr/>
+          </a:p>
+        </p:txBody>
+      </p:sp>
+    </p:spTree>
+  </p:cSld>
+  <p:timing>
+    <p:tnLst>
+      <p:par>
+        <p:cTn id="15" dur="indefinite" restart="never" nodeType="tmRoot">
+          <p:childTnLst>
+            <p:seq>
+              <p:cTn id="16" nodeType="mainSeq"/>
+              <p:prevCondLst>
+                <p:cond delay="0" evt="onPrev">
+                  <p:tgtEl>
+                    <p:sldTgt/>
+                  </p:tgtEl>
+                </p:cond>
+              </p:prevCondLst>
+              <p:nextCondLst>
+                <p:cond delay="0" evt="onNext">
+                  <p:tgtEl>
+                    <p:sldTgt/>
+                  </p:tgtEl>
+                </p:cond>
+              </p:nextCondLst>
+            </p:seq>
+          </p:childTnLst>
+        </p:cTn>
+      </p:par>
+    </p:tnLst>
+  </p:timing>
+</p:sld>
+</file>
+
+<file path=ppt/slides/slide9.xml><?xml version="1.0" encoding="utf-8"?>
+<p:sld xmlns:a="http://schemas.openxmlformats.org/drawingml/2006/main" xmlns:p="http://schemas.openxmlformats.org/presentationml/2006/main" xmlns:r="http://schemas.openxmlformats.org/officeDocument/2006/relationships">
+  <p:cSld>
+    <p:spTree>
+      <p:nvGrpSpPr>
+        <p:cNvPr id="1" name=""/>
+        <p:cNvGrpSpPr/>
+        <p:nvPr/>
+      </p:nvGrpSpPr>
+      <p:grpSpPr>
+        <a:xfrm>
+          <a:off x="0" y="0"/>
+          <a:ext cx="0" cy="0"/>
+          <a:chOff x="0" y="0"/>
+          <a:chExt cx="0" cy="0"/>
+        </a:xfrm>
+      </p:grpSpPr>
+      <p:sp>
+        <p:nvSpPr>
+          <p:cNvPr id="127" name="TextShape 1"/>
+          <p:cNvSpPr txBox="1"/>
+          <p:nvPr/>
+        </p:nvSpPr>
+        <p:spPr>
+          <a:xfrm>
+            <a:off x="504000" y="301320"/>
+            <a:ext cx="9070920" cy="1262160"/>
+          </a:xfrm>
+          <a:prstGeom prst="rect">
+            <a:avLst/>
+          </a:prstGeom>
+        </p:spPr>
+        <p:txBody>
+          <a:bodyPr lIns="0" rIns="0" tIns="0" bIns="0" anchor="ctr"/>
+          <a:p>
+            <a:pPr algn="ctr"/>
+            <a:r>
+              <a:rPr lang="en-US" sz="4400">
+                <a:latin typeface="Arial"/>
+              </a:rPr>
+              <a:t>Layering</a:t>
+            </a:r>
+            <a:endParaRPr/>
+          </a:p>
+        </p:txBody>
+      </p:sp>
+      <p:sp>
+        <p:nvSpPr>
+          <p:cNvPr id="128" name="TextShape 2"/>
+          <p:cNvSpPr txBox="1"/>
+          <p:nvPr/>
+        </p:nvSpPr>
+        <p:spPr>
+          <a:xfrm>
+            <a:off x="504000" y="1769040"/>
+            <a:ext cx="9097200" cy="4383720"/>
+          </a:xfrm>
+          <a:prstGeom prst="rect">
+            <a:avLst/>
+          </a:prstGeom>
+        </p:spPr>
+        <p:txBody>
+          <a:bodyPr lIns="0" rIns="0" tIns="0" bIns="0"/>
+          <a:p>
+            <a:pPr>
+              <a:buSzPct val="45000"/>
+              <a:buFont typeface="StarSymbol"/>
+              <a:buChar char=""/>
+            </a:pPr>
+            <a:r>
+              <a:rPr lang="en-US" sz="3200">
+                <a:latin typeface="Arial"/>
+              </a:rPr>
+              <a:t>Using finer-grained naïve MC by itself is inefficient</a:t>
+            </a:r>
+            <a:endParaRPr/>
+          </a:p>
+          <a:p>
+            <a:pPr>
+              <a:buSzPct val="45000"/>
+              <a:buFont typeface="StarSymbol"/>
+              <a:buChar char=""/>
+            </a:pPr>
+            <a:r>
+              <a:rPr lang="en-US" sz="3200">
+                <a:latin typeface="Arial"/>
+              </a:rPr>
+              <a:t>Better off using the difference between a fine-grained run and a coarse-grained run</a:t>
+            </a:r>
+            <a:endParaRPr/>
+          </a:p>
+          <a:p>
+            <a:pPr>
+              <a:buSzPct val="45000"/>
+              <a:buFont typeface="StarSymbol"/>
+              <a:buChar char=""/>
+            </a:pPr>
+            <a:r>
+              <a:rPr lang="en-US" sz="3200">
+                <a:latin typeface="Arial"/>
+              </a:rPr>
+              <a:t>Each coarse-grained run uses the same random numbers as the fine-grained run, just summing them</a:t>
+            </a:r>
+            <a:endParaRPr/>
+          </a:p>
+        </p:txBody>
+      </p:sp>
+    </p:spTree>
+  </p:cSld>
+  <p:timing>
+    <p:tnLst>
+      <p:par>
+        <p:cTn id="17" dur="indefinite" restart="never" nodeType="tmRoot">
+          <p:childTnLst>
+            <p:seq>
+              <p:cTn id="18" nodeType="mainSeq"/>
               <p:prevCondLst>
                 <p:cond delay="0" evt="onPrev">
                   <p:tgtEl>

--- a/docs/final_presentation.pptx
+++ b/docs/final_presentation.pptx
@@ -5,270 +5,30 @@
     <p:sldMasterId id="2147483648" r:id="rId2"/>
     <p:sldMasterId id="2147483661" r:id="rId3"/>
     <p:sldMasterId id="2147483674" r:id="rId4"/>
+    <p:sldMasterId id="2147483687" r:id="rId5"/>
+    <p:sldMasterId id="2147483700" r:id="rId6"/>
   </p:sldMasterIdLst>
   <p:sldIdLst>
-    <p:sldId id="256" r:id="rId5"/>
-    <p:sldId id="257" r:id="rId6"/>
-    <p:sldId id="258" r:id="rId7"/>
-    <p:sldId id="259" r:id="rId8"/>
-    <p:sldId id="260" r:id="rId9"/>
-    <p:sldId id="261" r:id="rId10"/>
-    <p:sldId id="262" r:id="rId11"/>
-    <p:sldId id="263" r:id="rId12"/>
-    <p:sldId id="264" r:id="rId13"/>
-    <p:sldId id="265" r:id="rId14"/>
-    <p:sldId id="266" r:id="rId15"/>
-    <p:sldId id="267" r:id="rId16"/>
+    <p:sldId id="256" r:id="rId7"/>
+    <p:sldId id="257" r:id="rId8"/>
+    <p:sldId id="258" r:id="rId9"/>
+    <p:sldId id="259" r:id="rId10"/>
+    <p:sldId id="260" r:id="rId11"/>
+    <p:sldId id="261" r:id="rId12"/>
+    <p:sldId id="262" r:id="rId13"/>
+    <p:sldId id="263" r:id="rId14"/>
+    <p:sldId id="264" r:id="rId15"/>
+    <p:sldId id="265" r:id="rId16"/>
+    <p:sldId id="266" r:id="rId17"/>
+    <p:sldId id="267" r:id="rId18"/>
+    <p:sldId id="268" r:id="rId19"/>
   </p:sldIdLst>
   <p:sldSz cx="10080625" cy="7559675"/>
   <p:notesSz cx="7772400" cy="10058400"/>
 </p:presentation>
 </file>
 
-<file path=ppt/charts/chart10.xml><?xml version="1.0" encoding="utf-8"?>
-<c:chartSpace xmlns:c="http://schemas.openxmlformats.org/drawingml/2006/chart" xmlns:a="http://schemas.openxmlformats.org/drawingml/2006/main" xmlns:r="http://schemas.openxmlformats.org/officeDocument/2006/relationships">
-  <c:lang val="en-US"/>
-  <c:chart>
-    <c:title>
-      <c:tx>
-        <c:rich>
-          <a:bodyPr/>
-          <a:lstStyle/>
-          <a:p>
-            <a:pPr>
-              <a:defRPr/>
-            </a:pPr>
-            <a:r>
-              <a:rPr sz="1300">
-                <a:latin typeface="Arial"/>
-              </a:rPr>
-              <a:t>Time to Solve Price as Function of Branching Factor</a:t>
-            </a:r>
-          </a:p>
-        </c:rich>
-      </c:tx>
-      <c:layout/>
-    </c:title>
-    <c:plotArea>
-      <c:layout/>
-      <c:scatterChart>
-        <c:scatterStyle val="lineMarker"/>
-        <c:varyColors val="0"/>
-        <c:ser>
-          <c:idx val="0"/>
-          <c:order val="0"/>
-          <c:tx>
-            <c:strRef>
-              <c:f>label 1</c:f>
-              <c:strCache>
-                <c:ptCount val="1"/>
-                <c:pt idx="0">
-                  <c:v>Seconds per Price</c:v>
-                </c:pt>
-              </c:strCache>
-            </c:strRef>
-          </c:tx>
-          <c:spPr>
-            <a:solidFill>
-              <a:srgbClr val="004586"/>
-            </a:solidFill>
-            <a:ln w="28800">
-              <a:solidFill>
-                <a:srgbClr val="004586"/>
-              </a:solidFill>
-              <a:round/>
-            </a:ln>
-          </c:spPr>
-          <c:marker>
-            <c:size val="7"/>
-          </c:marker>
-          <c:cat>
-            <c:strRef>
-              <c:f>categories</c:f>
-              <c:strCache>
-                <c:ptCount val="5"/>
-                <c:pt idx="0">
-                  <c:v>1</c:v>
-                </c:pt>
-                <c:pt idx="1">
-                  <c:v>2</c:v>
-                </c:pt>
-                <c:pt idx="2">
-                  <c:v>3</c:v>
-                </c:pt>
-                <c:pt idx="3">
-                  <c:v>4</c:v>
-                </c:pt>
-                <c:pt idx="4">
-                  <c:v>5</c:v>
-                </c:pt>
-              </c:strCache>
-            </c:strRef>
-          </c:cat>
-          <c:xVal>
-            <c:numRef>
-              <c:f>0</c:f>
-              <c:numCache>
-                <c:formatCode>General</c:formatCode>
-                <c:ptCount val="5"/>
-                <c:pt idx="0">
-                  <c:v>2</c:v>
-                </c:pt>
-                <c:pt idx="1">
-                  <c:v>4</c:v>
-                </c:pt>
-                <c:pt idx="2">
-                  <c:v>6</c:v>
-                </c:pt>
-                <c:pt idx="3">
-                  <c:v>8</c:v>
-                </c:pt>
-                <c:pt idx="4">
-                  <c:v>10</c:v>
-                </c:pt>
-              </c:numCache>
-            </c:numRef>
-          </c:xVal>
-          <c:yVal>
-            <c:numRef>
-              <c:f>1</c:f>
-              <c:numCache>
-                <c:formatCode>General</c:formatCode>
-                <c:ptCount val="5"/>
-                <c:pt idx="0">
-                  <c:v>86.036395</c:v>
-                </c:pt>
-                <c:pt idx="1">
-                  <c:v>67.039308</c:v>
-                </c:pt>
-                <c:pt idx="2">
-                  <c:v>50.8351224</c:v>
-                </c:pt>
-                <c:pt idx="3">
-                  <c:v>52.2144568</c:v>
-                </c:pt>
-                <c:pt idx="4">
-                  <c:v>54.80986</c:v>
-                </c:pt>
-              </c:numCache>
-            </c:numRef>
-          </c:yVal>
-        </c:ser>
-        <c:axId val="86213532"/>
-        <c:axId val="1573696"/>
-      </c:scatterChart>
-      <c:valAx>
-        <c:axId val="86213532"/>
-        <c:scaling>
-          <c:orientation val="minMax"/>
-        </c:scaling>
-        <c:delete val="0"/>
-        <c:axPos val="b"/>
-        <c:title>
-          <c:tx>
-            <c:rich>
-              <a:bodyPr/>
-              <a:lstStyle/>
-              <a:p>
-                <a:pPr>
-                  <a:defRPr/>
-                </a:pPr>
-                <a:r>
-                  <a:rPr sz="900">
-                    <a:latin typeface="Arial"/>
-                  </a:rPr>
-                  <a:t>Branching Factor</a:t>
-                </a:r>
-              </a:p>
-            </c:rich>
-          </c:tx>
-          <c:layout/>
-        </c:title>
-        <c:majorTickMark val="out"/>
-        <c:minorTickMark val="none"/>
-        <c:tickLblPos val="nextTo"/>
-        <c:spPr>
-          <a:ln>
-            <a:solidFill>
-              <a:srgbClr val="b3b3b3"/>
-            </a:solidFill>
-          </a:ln>
-        </c:spPr>
-        <c:crossAx val="1573696"/>
-        <c:crossesAt val="0"/>
-      </c:valAx>
-      <c:valAx>
-        <c:axId val="1573696"/>
-        <c:scaling>
-          <c:orientation val="minMax"/>
-        </c:scaling>
-        <c:delete val="0"/>
-        <c:axPos val="l"/>
-        <c:majorGridlines>
-          <c:spPr>
-            <a:ln>
-              <a:solidFill>
-                <a:srgbClr val="b3b3b3"/>
-              </a:solidFill>
-            </a:ln>
-          </c:spPr>
-        </c:majorGridlines>
-        <c:title>
-          <c:tx>
-            <c:rich>
-              <a:bodyPr/>
-              <a:lstStyle/>
-              <a:p>
-                <a:pPr>
-                  <a:defRPr/>
-                </a:pPr>
-                <a:r>
-                  <a:rPr sz="900">
-                    <a:latin typeface="Arial"/>
-                  </a:rPr>
-                  <a:t>Seconds</a:t>
-                </a:r>
-              </a:p>
-            </c:rich>
-          </c:tx>
-          <c:layout/>
-        </c:title>
-        <c:majorTickMark val="out"/>
-        <c:minorTickMark val="none"/>
-        <c:tickLblPos val="nextTo"/>
-        <c:spPr>
-          <a:ln>
-            <a:solidFill>
-              <a:srgbClr val="b3b3b3"/>
-            </a:solidFill>
-          </a:ln>
-        </c:spPr>
-        <c:crossAx val="86213532"/>
-        <c:crossesAt val="0"/>
-      </c:valAx>
-      <c:spPr>
-        <a:noFill/>
-        <a:ln>
-          <a:solidFill>
-            <a:srgbClr val="b3b3b3"/>
-          </a:solidFill>
-        </a:ln>
-      </c:spPr>
-    </c:plotArea>
-    <c:plotVisOnly val="1"/>
-  </c:chart>
-  <c:spPr>
-    <a:solidFill>
-      <a:srgbClr val="ffffff"/>
-    </a:solidFill>
-    <a:ln>
-      <a:noFill/>
-    </a:ln>
-  </c:spPr>
-</c:chartSpace>
-</file>
-
-<file path=ppt/charts/chart8.xml><?xml version="1.0" encoding="utf-8"?>
+<file path=ppt/charts/chart11.xml><?xml version="1.0" encoding="utf-8"?>
 <c:chartSpace xmlns:c="http://schemas.openxmlformats.org/drawingml/2006/chart" xmlns:a="http://schemas.openxmlformats.org/drawingml/2006/main" xmlns:r="http://schemas.openxmlformats.org/officeDocument/2006/relationships">
   <c:lang val="en-US"/>
   <c:chart>
@@ -327,7 +87,7 @@
             </a:ln>
           </c:spPr>
           <c:marker>
-            <c:size val="6"/>
+            <c:size val="5"/>
           </c:marker>
           <c:xVal>
             <c:numRef>
@@ -414,11 +174,11 @@
             </c:numRef>
           </c:yVal>
         </c:ser>
-        <c:axId val="6954346"/>
-        <c:axId val="48049949"/>
+        <c:axId val="20575653"/>
+        <c:axId val="43563840"/>
       </c:scatterChart>
       <c:valAx>
-        <c:axId val="6954346"/>
+        <c:axId val="20575653"/>
         <c:scaling>
           <c:orientation val="minMax"/>
           <c:logBase val="10"/>
@@ -460,11 +220,11 @@
             <a:round/>
           </a:ln>
         </c:spPr>
-        <c:crossAx val="48049949"/>
+        <c:crossAx val="43563840"/>
         <c:crossesAt val="0"/>
       </c:valAx>
       <c:valAx>
-        <c:axId val="48049949"/>
+        <c:axId val="43563840"/>
         <c:scaling>
           <c:orientation val="minMax"/>
         </c:scaling>
@@ -505,7 +265,7 @@
             <a:round/>
           </a:ln>
         </c:spPr>
-        <c:crossAx val="6954346"/>
+        <c:crossAx val="20575653"/>
         <c:crossesAt val="0"/>
       </c:valAx>
       <c:spPr>
@@ -530,7 +290,7 @@
 </c:chartSpace>
 </file>
 
-<file path=ppt/charts/chart9.xml><?xml version="1.0" encoding="utf-8"?>
+<file path=ppt/charts/chart12.xml><?xml version="1.0" encoding="utf-8"?>
 <c:chartSpace xmlns:c="http://schemas.openxmlformats.org/drawingml/2006/chart" xmlns:a="http://schemas.openxmlformats.org/drawingml/2006/main" xmlns:r="http://schemas.openxmlformats.org/officeDocument/2006/relationships">
   <c:lang val="en-US"/>
   <c:chart>
@@ -586,7 +346,7 @@
             </a:ln>
           </c:spPr>
           <c:marker>
-            <c:size val="6"/>
+            <c:size val="5"/>
           </c:marker>
           <c:xVal>
             <c:numRef>
@@ -661,11 +421,11 @@
             </c:numRef>
           </c:yVal>
         </c:ser>
-        <c:axId val="98912415"/>
-        <c:axId val="81230954"/>
+        <c:axId val="14268697"/>
+        <c:axId val="79895660"/>
       </c:scatterChart>
       <c:valAx>
-        <c:axId val="98912415"/>
+        <c:axId val="14268697"/>
         <c:scaling>
           <c:orientation val="minMax"/>
           <c:logBase val="10"/>
@@ -707,11 +467,11 @@
             <a:round/>
           </a:ln>
         </c:spPr>
-        <c:crossAx val="81230954"/>
+        <c:crossAx val="79895660"/>
         <c:crossesAt val="0"/>
       </c:valAx>
       <c:valAx>
-        <c:axId val="81230954"/>
+        <c:axId val="79895660"/>
         <c:scaling>
           <c:orientation val="minMax"/>
           <c:logBase val="10"/>
@@ -763,7 +523,242 @@
             <a:round/>
           </a:ln>
         </c:spPr>
-        <c:crossAx val="98912415"/>
+        <c:crossAx val="14268697"/>
+        <c:crossesAt val="0"/>
+      </c:valAx>
+      <c:spPr>
+        <a:noFill/>
+        <a:ln>
+          <a:solidFill>
+            <a:srgbClr val="b3b3b3"/>
+          </a:solidFill>
+        </a:ln>
+      </c:spPr>
+    </c:plotArea>
+    <c:plotVisOnly val="1"/>
+  </c:chart>
+  <c:spPr>
+    <a:solidFill>
+      <a:srgbClr val="ffffff"/>
+    </a:solidFill>
+    <a:ln>
+      <a:noFill/>
+    </a:ln>
+  </c:spPr>
+</c:chartSpace>
+</file>
+
+<file path=ppt/charts/chart13.xml><?xml version="1.0" encoding="utf-8"?>
+<c:chartSpace xmlns:c="http://schemas.openxmlformats.org/drawingml/2006/chart" xmlns:a="http://schemas.openxmlformats.org/drawingml/2006/main" xmlns:r="http://schemas.openxmlformats.org/officeDocument/2006/relationships">
+  <c:lang val="en-US"/>
+  <c:chart>
+    <c:title>
+      <c:tx>
+        <c:rich>
+          <a:bodyPr/>
+          <a:lstStyle/>
+          <a:p>
+            <a:pPr>
+              <a:defRPr/>
+            </a:pPr>
+            <a:r>
+              <a:rPr b="1" sz="1300">
+                <a:solidFill>
+                  <a:srgbClr val="000000"/>
+                </a:solidFill>
+                <a:latin typeface="Arial"/>
+                <a:ea typeface="DejaVu Sans"/>
+              </a:rPr>
+              <a:t>Time to Solve Price as Function of Branching Factor</a:t>
+            </a:r>
+          </a:p>
+        </c:rich>
+      </c:tx>
+      <c:layout/>
+    </c:title>
+    <c:plotArea>
+      <c:layout/>
+      <c:scatterChart>
+        <c:scatterStyle val="lineMarker"/>
+        <c:varyColors val="0"/>
+        <c:ser>
+          <c:idx val="0"/>
+          <c:order val="0"/>
+          <c:tx>
+            <c:strRef>
+              <c:f>label 0</c:f>
+              <c:strCache>
+                <c:ptCount val="1"/>
+                <c:pt idx="0">
+                  <c:v>Seconds per Price</c:v>
+                </c:pt>
+              </c:strCache>
+            </c:strRef>
+          </c:tx>
+          <c:spPr>
+            <a:solidFill>
+              <a:srgbClr val="004586"/>
+            </a:solidFill>
+            <a:ln w="28800">
+              <a:solidFill>
+                <a:srgbClr val="004586"/>
+              </a:solidFill>
+              <a:round/>
+            </a:ln>
+          </c:spPr>
+          <c:marker>
+            <c:size val="6"/>
+          </c:marker>
+          <c:xVal>
+            <c:numRef>
+              <c:f>1</c:f>
+              <c:numCache>
+                <c:formatCode>General</c:formatCode>
+                <c:ptCount val="5"/>
+                <c:pt idx="0">
+                  <c:v>2</c:v>
+                </c:pt>
+                <c:pt idx="1">
+                  <c:v>4</c:v>
+                </c:pt>
+                <c:pt idx="2">
+                  <c:v>6</c:v>
+                </c:pt>
+                <c:pt idx="3">
+                  <c:v>8</c:v>
+                </c:pt>
+                <c:pt idx="4">
+                  <c:v>10</c:v>
+                </c:pt>
+              </c:numCache>
+            </c:numRef>
+          </c:xVal>
+          <c:yVal>
+            <c:numRef>
+              <c:f>0</c:f>
+              <c:numCache>
+                <c:formatCode>General</c:formatCode>
+                <c:ptCount val="5"/>
+                <c:pt idx="0">
+                  <c:v>86.036395</c:v>
+                </c:pt>
+                <c:pt idx="1">
+                  <c:v>67.039308</c:v>
+                </c:pt>
+                <c:pt idx="2">
+                  <c:v>50.8351224</c:v>
+                </c:pt>
+                <c:pt idx="3">
+                  <c:v>52.2144568</c:v>
+                </c:pt>
+                <c:pt idx="4">
+                  <c:v>54.80986</c:v>
+                </c:pt>
+              </c:numCache>
+            </c:numRef>
+          </c:yVal>
+        </c:ser>
+        <c:axId val="40229249"/>
+        <c:axId val="29126063"/>
+      </c:scatterChart>
+      <c:valAx>
+        <c:axId val="40229249"/>
+        <c:scaling>
+          <c:orientation val="minMax"/>
+        </c:scaling>
+        <c:delete val="0"/>
+        <c:axPos val="b"/>
+        <c:title>
+          <c:tx>
+            <c:rich>
+              <a:bodyPr/>
+              <a:lstStyle/>
+              <a:p>
+                <a:pPr>
+                  <a:defRPr/>
+                </a:pPr>
+                <a:r>
+                  <a:rPr b="1" sz="900">
+                    <a:solidFill>
+                      <a:srgbClr val="000000"/>
+                    </a:solidFill>
+                    <a:latin typeface="Arial"/>
+                    <a:ea typeface="DejaVu Sans"/>
+                  </a:rPr>
+                  <a:t>Branching Factor</a:t>
+                </a:r>
+              </a:p>
+            </c:rich>
+          </c:tx>
+          <c:layout/>
+        </c:title>
+        <c:majorTickMark val="out"/>
+        <c:minorTickMark val="none"/>
+        <c:tickLblPos val="nextTo"/>
+        <c:spPr>
+          <a:ln w="9360">
+            <a:solidFill>
+              <a:srgbClr val="b3b3b3"/>
+            </a:solidFill>
+            <a:round/>
+          </a:ln>
+        </c:spPr>
+        <c:crossAx val="29126063"/>
+        <c:crossesAt val="0"/>
+      </c:valAx>
+      <c:valAx>
+        <c:axId val="29126063"/>
+        <c:scaling>
+          <c:orientation val="minMax"/>
+        </c:scaling>
+        <c:delete val="0"/>
+        <c:axPos val="l"/>
+        <c:majorGridlines>
+          <c:spPr>
+            <a:ln w="9360">
+              <a:solidFill>
+                <a:srgbClr val="b3b3b3"/>
+              </a:solidFill>
+              <a:round/>
+            </a:ln>
+          </c:spPr>
+        </c:majorGridlines>
+        <c:title>
+          <c:tx>
+            <c:rich>
+              <a:bodyPr/>
+              <a:lstStyle/>
+              <a:p>
+                <a:pPr>
+                  <a:defRPr/>
+                </a:pPr>
+                <a:r>
+                  <a:rPr b="1" sz="900">
+                    <a:solidFill>
+                      <a:srgbClr val="000000"/>
+                    </a:solidFill>
+                    <a:latin typeface="Arial"/>
+                    <a:ea typeface="DejaVu Sans"/>
+                  </a:rPr>
+                  <a:t>Seconds</a:t>
+                </a:r>
+              </a:p>
+            </c:rich>
+          </c:tx>
+          <c:layout/>
+        </c:title>
+        <c:majorTickMark val="out"/>
+        <c:minorTickMark val="none"/>
+        <c:tickLblPos val="nextTo"/>
+        <c:spPr>
+          <a:ln w="9360">
+            <a:solidFill>
+              <a:srgbClr val="b3b3b3"/>
+            </a:solidFill>
+            <a:round/>
+          </a:ln>
+        </c:spPr>
+        <c:crossAx val="40229249"/>
         <c:crossesAt val="0"/>
       </c:valAx>
       <c:spPr>
@@ -840,7 +835,7 @@
         <p:spPr>
           <a:xfrm>
             <a:off x="504000" y="301320"/>
-            <a:ext cx="9070920" cy="1262520"/>
+            <a:ext cx="9070560" cy="1262520"/>
           </a:xfrm>
           <a:prstGeom prst="rect">
             <a:avLst/>
@@ -867,7 +862,7 @@
         <p:spPr>
           <a:xfrm>
             <a:off x="504000" y="1769040"/>
-            <a:ext cx="2159640" cy="2090880"/>
+            <a:ext cx="2159280" cy="2090520"/>
           </a:xfrm>
           <a:prstGeom prst="rect">
             <a:avLst/>
@@ -892,8 +887,8 @@
         </p:nvSpPr>
         <p:spPr>
           <a:xfrm>
-            <a:off x="504000" y="4059000"/>
-            <a:ext cx="2159640" cy="2090880"/>
+            <a:off x="504000" y="4058640"/>
+            <a:ext cx="2159280" cy="2090520"/>
           </a:xfrm>
           <a:prstGeom prst="rect">
             <a:avLst/>
@@ -941,7 +936,7 @@
         <p:spPr>
           <a:xfrm>
             <a:off x="504000" y="301320"/>
-            <a:ext cx="9070920" cy="1262520"/>
+            <a:ext cx="9070560" cy="1262520"/>
           </a:xfrm>
           <a:prstGeom prst="rect">
             <a:avLst/>
@@ -968,7 +963,7 @@
         <p:spPr>
           <a:xfrm>
             <a:off x="504000" y="1769040"/>
-            <a:ext cx="1053720" cy="2090880"/>
+            <a:ext cx="1053720" cy="2090520"/>
           </a:xfrm>
           <a:prstGeom prst="rect">
             <a:avLst/>
@@ -994,7 +989,7 @@
         <p:spPr>
           <a:xfrm>
             <a:off x="1610640" y="1769040"/>
-            <a:ext cx="1053720" cy="2090880"/>
+            <a:ext cx="1053720" cy="2090520"/>
           </a:xfrm>
           <a:prstGeom prst="rect">
             <a:avLst/>
@@ -1019,8 +1014,8 @@
         </p:nvSpPr>
         <p:spPr>
           <a:xfrm>
-            <a:off x="1610640" y="4059000"/>
-            <a:ext cx="1053720" cy="2090880"/>
+            <a:off x="1610640" y="4058640"/>
+            <a:ext cx="1053720" cy="2090520"/>
           </a:xfrm>
           <a:prstGeom prst="rect">
             <a:avLst/>
@@ -1045,8 +1040,8 @@
         </p:nvSpPr>
         <p:spPr>
           <a:xfrm>
-            <a:off x="504000" y="4059000"/>
-            <a:ext cx="1053720" cy="2090880"/>
+            <a:off x="504000" y="4058640"/>
+            <a:ext cx="1053720" cy="2090520"/>
           </a:xfrm>
           <a:prstGeom prst="rect">
             <a:avLst/>
@@ -1094,7 +1089,7 @@
         <p:spPr>
           <a:xfrm>
             <a:off x="504000" y="301320"/>
-            <a:ext cx="9070920" cy="1262520"/>
+            <a:ext cx="9070560" cy="1262520"/>
           </a:xfrm>
           <a:prstGeom prst="rect">
             <a:avLst/>
@@ -1121,7 +1116,7 @@
         <p:spPr>
           <a:xfrm>
             <a:off x="504000" y="1769040"/>
-            <a:ext cx="2159640" cy="4383720"/>
+            <a:ext cx="2159280" cy="4383360"/>
           </a:xfrm>
           <a:prstGeom prst="rect">
             <a:avLst/>
@@ -1147,7 +1142,7 @@
         <p:spPr>
           <a:xfrm>
             <a:off x="504000" y="1769040"/>
-            <a:ext cx="2159640" cy="4383720"/>
+            <a:ext cx="2159280" cy="4383360"/>
           </a:xfrm>
           <a:prstGeom prst="rect">
             <a:avLst/>
@@ -1174,8 +1169,8 @@
         </p:blipFill>
         <p:spPr>
           <a:xfrm>
-            <a:off x="503640" y="3099240"/>
-            <a:ext cx="2159640" cy="1722960"/>
+            <a:off x="504000" y="3099240"/>
+            <a:ext cx="2159280" cy="1722600"/>
           </a:xfrm>
           <a:prstGeom prst="rect">
             <a:avLst/>
@@ -1199,8 +1194,8 @@
         </p:blipFill>
         <p:spPr>
           <a:xfrm>
-            <a:off x="503640" y="3099240"/>
-            <a:ext cx="2159640" cy="1722960"/>
+            <a:off x="504000" y="3099240"/>
+            <a:ext cx="2159280" cy="1722600"/>
           </a:xfrm>
           <a:prstGeom prst="rect">
             <a:avLst/>
@@ -1267,7 +1262,7 @@
         <p:spPr>
           <a:xfrm>
             <a:off x="504000" y="301320"/>
-            <a:ext cx="9070920" cy="1262520"/>
+            <a:ext cx="9070560" cy="1262520"/>
           </a:xfrm>
           <a:prstGeom prst="rect">
             <a:avLst/>
@@ -1294,7 +1289,7 @@
         <p:spPr>
           <a:xfrm>
             <a:off x="504000" y="1769040"/>
-            <a:ext cx="2159640" cy="4384080"/>
+            <a:ext cx="2159280" cy="4383720"/>
           </a:xfrm>
           <a:prstGeom prst="rect">
             <a:avLst/>
@@ -1343,7 +1338,7 @@
         <p:spPr>
           <a:xfrm>
             <a:off x="504000" y="301320"/>
-            <a:ext cx="9070920" cy="1262520"/>
+            <a:ext cx="9070560" cy="1262520"/>
           </a:xfrm>
           <a:prstGeom prst="rect">
             <a:avLst/>
@@ -1370,7 +1365,7 @@
         <p:spPr>
           <a:xfrm>
             <a:off x="504000" y="1769040"/>
-            <a:ext cx="2159640" cy="4383720"/>
+            <a:ext cx="2159280" cy="4383360"/>
           </a:xfrm>
           <a:prstGeom prst="rect">
             <a:avLst/>
@@ -1418,7 +1413,7 @@
         <p:spPr>
           <a:xfrm>
             <a:off x="504000" y="301320"/>
-            <a:ext cx="9070920" cy="1262520"/>
+            <a:ext cx="9070560" cy="1262520"/>
           </a:xfrm>
           <a:prstGeom prst="rect">
             <a:avLst/>
@@ -1445,7 +1440,7 @@
         <p:spPr>
           <a:xfrm>
             <a:off x="504000" y="1769040"/>
-            <a:ext cx="1053720" cy="4383720"/>
+            <a:ext cx="1053720" cy="4383360"/>
           </a:xfrm>
           <a:prstGeom prst="rect">
             <a:avLst/>
@@ -1471,7 +1466,7 @@
         <p:spPr>
           <a:xfrm>
             <a:off x="1610640" y="1769040"/>
-            <a:ext cx="1053720" cy="4383720"/>
+            <a:ext cx="1053720" cy="4383360"/>
           </a:xfrm>
           <a:prstGeom prst="rect">
             <a:avLst/>
@@ -1519,7 +1514,7 @@
         <p:spPr>
           <a:xfrm>
             <a:off x="504000" y="301320"/>
-            <a:ext cx="9070920" cy="1262520"/>
+            <a:ext cx="9070560" cy="1262520"/>
           </a:xfrm>
           <a:prstGeom prst="rect">
             <a:avLst/>
@@ -1568,7 +1563,7 @@
         <p:spPr>
           <a:xfrm>
             <a:off x="504000" y="301320"/>
-            <a:ext cx="9070920" cy="5852160"/>
+            <a:ext cx="9070560" cy="5852160"/>
           </a:xfrm>
           <a:prstGeom prst="rect">
             <a:avLst/>
@@ -1617,7 +1612,7 @@
         <p:spPr>
           <a:xfrm>
             <a:off x="504000" y="301320"/>
-            <a:ext cx="9070920" cy="1262520"/>
+            <a:ext cx="9070560" cy="1262520"/>
           </a:xfrm>
           <a:prstGeom prst="rect">
             <a:avLst/>
@@ -1644,7 +1639,7 @@
         <p:spPr>
           <a:xfrm>
             <a:off x="504000" y="1769040"/>
-            <a:ext cx="1053720" cy="2090880"/>
+            <a:ext cx="1053720" cy="2090520"/>
           </a:xfrm>
           <a:prstGeom prst="rect">
             <a:avLst/>
@@ -1669,8 +1664,8 @@
         </p:nvSpPr>
         <p:spPr>
           <a:xfrm>
-            <a:off x="504000" y="4059000"/>
-            <a:ext cx="1053720" cy="2090880"/>
+            <a:off x="504000" y="4058640"/>
+            <a:ext cx="1053720" cy="2090520"/>
           </a:xfrm>
           <a:prstGeom prst="rect">
             <a:avLst/>
@@ -1696,7 +1691,7 @@
         <p:spPr>
           <a:xfrm>
             <a:off x="1610640" y="1769040"/>
-            <a:ext cx="1053720" cy="4383720"/>
+            <a:ext cx="1053720" cy="4383360"/>
           </a:xfrm>
           <a:prstGeom prst="rect">
             <a:avLst/>
@@ -1744,7 +1739,7 @@
         <p:spPr>
           <a:xfrm>
             <a:off x="504000" y="301320"/>
-            <a:ext cx="9070920" cy="1262520"/>
+            <a:ext cx="9070560" cy="1262520"/>
           </a:xfrm>
           <a:prstGeom prst="rect">
             <a:avLst/>
@@ -1771,7 +1766,7 @@
         <p:spPr>
           <a:xfrm>
             <a:off x="504000" y="1769040"/>
-            <a:ext cx="2159640" cy="4384080"/>
+            <a:ext cx="2159280" cy="4383720"/>
           </a:xfrm>
           <a:prstGeom prst="rect">
             <a:avLst/>
@@ -1820,7 +1815,7 @@
         <p:spPr>
           <a:xfrm>
             <a:off x="504000" y="301320"/>
-            <a:ext cx="9070920" cy="1262520"/>
+            <a:ext cx="9070560" cy="1262520"/>
           </a:xfrm>
           <a:prstGeom prst="rect">
             <a:avLst/>
@@ -1847,7 +1842,7 @@
         <p:spPr>
           <a:xfrm>
             <a:off x="504000" y="1769040"/>
-            <a:ext cx="1053720" cy="4383720"/>
+            <a:ext cx="1053720" cy="4383360"/>
           </a:xfrm>
           <a:prstGeom prst="rect">
             <a:avLst/>
@@ -1873,7 +1868,7 @@
         <p:spPr>
           <a:xfrm>
             <a:off x="1610640" y="1769040"/>
-            <a:ext cx="1053720" cy="2090880"/>
+            <a:ext cx="1053720" cy="2090520"/>
           </a:xfrm>
           <a:prstGeom prst="rect">
             <a:avLst/>
@@ -1898,8 +1893,8 @@
         </p:nvSpPr>
         <p:spPr>
           <a:xfrm>
-            <a:off x="1610640" y="4059000"/>
-            <a:ext cx="1053720" cy="2090880"/>
+            <a:off x="1610640" y="4058640"/>
+            <a:ext cx="1053720" cy="2090520"/>
           </a:xfrm>
           <a:prstGeom prst="rect">
             <a:avLst/>
@@ -1947,7 +1942,7 @@
         <p:spPr>
           <a:xfrm>
             <a:off x="504000" y="301320"/>
-            <a:ext cx="9070920" cy="1262520"/>
+            <a:ext cx="9070560" cy="1262520"/>
           </a:xfrm>
           <a:prstGeom prst="rect">
             <a:avLst/>
@@ -1974,7 +1969,7 @@
         <p:spPr>
           <a:xfrm>
             <a:off x="504000" y="1769040"/>
-            <a:ext cx="1053720" cy="2090880"/>
+            <a:ext cx="1053720" cy="2090520"/>
           </a:xfrm>
           <a:prstGeom prst="rect">
             <a:avLst/>
@@ -2000,7 +1995,7 @@
         <p:spPr>
           <a:xfrm>
             <a:off x="1610640" y="1769040"/>
-            <a:ext cx="1053720" cy="2090880"/>
+            <a:ext cx="1053720" cy="2090520"/>
           </a:xfrm>
           <a:prstGeom prst="rect">
             <a:avLst/>
@@ -2025,8 +2020,8 @@
         </p:nvSpPr>
         <p:spPr>
           <a:xfrm>
-            <a:off x="504000" y="4059000"/>
-            <a:ext cx="2159640" cy="2090880"/>
+            <a:off x="504000" y="4058640"/>
+            <a:ext cx="2159280" cy="2090520"/>
           </a:xfrm>
           <a:prstGeom prst="rect">
             <a:avLst/>
@@ -2074,7 +2069,7 @@
         <p:spPr>
           <a:xfrm>
             <a:off x="504000" y="301320"/>
-            <a:ext cx="9070920" cy="1262520"/>
+            <a:ext cx="9070560" cy="1262520"/>
           </a:xfrm>
           <a:prstGeom prst="rect">
             <a:avLst/>
@@ -2101,7 +2096,7 @@
         <p:spPr>
           <a:xfrm>
             <a:off x="504000" y="1769040"/>
-            <a:ext cx="2159640" cy="2090880"/>
+            <a:ext cx="2159280" cy="2090520"/>
           </a:xfrm>
           <a:prstGeom prst="rect">
             <a:avLst/>
@@ -2126,8 +2121,8 @@
         </p:nvSpPr>
         <p:spPr>
           <a:xfrm>
-            <a:off x="504000" y="4059000"/>
-            <a:ext cx="2159640" cy="2090880"/>
+            <a:off x="504000" y="4058640"/>
+            <a:ext cx="2159280" cy="2090520"/>
           </a:xfrm>
           <a:prstGeom prst="rect">
             <a:avLst/>
@@ -2175,7 +2170,7 @@
         <p:spPr>
           <a:xfrm>
             <a:off x="504000" y="301320"/>
-            <a:ext cx="9070920" cy="1262520"/>
+            <a:ext cx="9070560" cy="1262520"/>
           </a:xfrm>
           <a:prstGeom prst="rect">
             <a:avLst/>
@@ -2202,7 +2197,7 @@
         <p:spPr>
           <a:xfrm>
             <a:off x="504000" y="1769040"/>
-            <a:ext cx="1053720" cy="2090880"/>
+            <a:ext cx="1053720" cy="2090520"/>
           </a:xfrm>
           <a:prstGeom prst="rect">
             <a:avLst/>
@@ -2228,7 +2223,7 @@
         <p:spPr>
           <a:xfrm>
             <a:off x="1610640" y="1769040"/>
-            <a:ext cx="1053720" cy="2090880"/>
+            <a:ext cx="1053720" cy="2090520"/>
           </a:xfrm>
           <a:prstGeom prst="rect">
             <a:avLst/>
@@ -2253,8 +2248,8 @@
         </p:nvSpPr>
         <p:spPr>
           <a:xfrm>
-            <a:off x="1610640" y="4059000"/>
-            <a:ext cx="1053720" cy="2090880"/>
+            <a:off x="1610640" y="4058640"/>
+            <a:ext cx="1053720" cy="2090520"/>
           </a:xfrm>
           <a:prstGeom prst="rect">
             <a:avLst/>
@@ -2279,8 +2274,8 @@
         </p:nvSpPr>
         <p:spPr>
           <a:xfrm>
-            <a:off x="504000" y="4059000"/>
-            <a:ext cx="1053720" cy="2090880"/>
+            <a:off x="504000" y="4058640"/>
+            <a:ext cx="1053720" cy="2090520"/>
           </a:xfrm>
           <a:prstGeom prst="rect">
             <a:avLst/>
@@ -2328,7 +2323,7 @@
         <p:spPr>
           <a:xfrm>
             <a:off x="504000" y="301320"/>
-            <a:ext cx="9070920" cy="1262520"/>
+            <a:ext cx="9070560" cy="1262520"/>
           </a:xfrm>
           <a:prstGeom prst="rect">
             <a:avLst/>
@@ -2355,7 +2350,7 @@
         <p:spPr>
           <a:xfrm>
             <a:off x="504000" y="1769040"/>
-            <a:ext cx="2159640" cy="4383720"/>
+            <a:ext cx="2159280" cy="4383360"/>
           </a:xfrm>
           <a:prstGeom prst="rect">
             <a:avLst/>
@@ -2381,7 +2376,7 @@
         <p:spPr>
           <a:xfrm>
             <a:off x="504000" y="1769040"/>
-            <a:ext cx="2159640" cy="4383720"/>
+            <a:ext cx="2159280" cy="4383360"/>
           </a:xfrm>
           <a:prstGeom prst="rect">
             <a:avLst/>
@@ -2408,8 +2403,8 @@
         </p:blipFill>
         <p:spPr>
           <a:xfrm>
-            <a:off x="503640" y="3099240"/>
-            <a:ext cx="2159640" cy="1722960"/>
+            <a:off x="504000" y="3099240"/>
+            <a:ext cx="2159280" cy="1722600"/>
           </a:xfrm>
           <a:prstGeom prst="rect">
             <a:avLst/>
@@ -2433,8 +2428,8 @@
         </p:blipFill>
         <p:spPr>
           <a:xfrm>
-            <a:off x="503640" y="3099240"/>
-            <a:ext cx="2159640" cy="1722960"/>
+            <a:off x="504000" y="3099240"/>
+            <a:ext cx="2159280" cy="1722600"/>
           </a:xfrm>
           <a:prstGeom prst="rect">
             <a:avLst/>
@@ -2501,7 +2496,7 @@
         <p:spPr>
           <a:xfrm>
             <a:off x="504000" y="301320"/>
-            <a:ext cx="9070920" cy="1262520"/>
+            <a:ext cx="9070560" cy="1262520"/>
           </a:xfrm>
           <a:prstGeom prst="rect">
             <a:avLst/>
@@ -2528,7 +2523,7 @@
         <p:spPr>
           <a:xfrm>
             <a:off x="504000" y="1769040"/>
-            <a:ext cx="2159640" cy="4384080"/>
+            <a:ext cx="2159280" cy="4383720"/>
           </a:xfrm>
           <a:prstGeom prst="rect">
             <a:avLst/>
@@ -2577,7 +2572,7 @@
         <p:spPr>
           <a:xfrm>
             <a:off x="504000" y="301320"/>
-            <a:ext cx="9070920" cy="1262520"/>
+            <a:ext cx="9070560" cy="1262520"/>
           </a:xfrm>
           <a:prstGeom prst="rect">
             <a:avLst/>
@@ -2604,7 +2599,7 @@
         <p:spPr>
           <a:xfrm>
             <a:off x="504000" y="1769040"/>
-            <a:ext cx="2159640" cy="4383720"/>
+            <a:ext cx="2159280" cy="4383360"/>
           </a:xfrm>
           <a:prstGeom prst="rect">
             <a:avLst/>
@@ -2652,7 +2647,7 @@
         <p:spPr>
           <a:xfrm>
             <a:off x="504000" y="301320"/>
-            <a:ext cx="9070920" cy="1262520"/>
+            <a:ext cx="9070560" cy="1262520"/>
           </a:xfrm>
           <a:prstGeom prst="rect">
             <a:avLst/>
@@ -2679,7 +2674,7 @@
         <p:spPr>
           <a:xfrm>
             <a:off x="504000" y="1769040"/>
-            <a:ext cx="1053720" cy="4383720"/>
+            <a:ext cx="1053720" cy="4383360"/>
           </a:xfrm>
           <a:prstGeom prst="rect">
             <a:avLst/>
@@ -2705,7 +2700,7 @@
         <p:spPr>
           <a:xfrm>
             <a:off x="1610640" y="1769040"/>
-            <a:ext cx="1053720" cy="4383720"/>
+            <a:ext cx="1053720" cy="4383360"/>
           </a:xfrm>
           <a:prstGeom prst="rect">
             <a:avLst/>
@@ -2753,7 +2748,7 @@
         <p:spPr>
           <a:xfrm>
             <a:off x="504000" y="301320"/>
-            <a:ext cx="9070920" cy="1262520"/>
+            <a:ext cx="9070560" cy="1262520"/>
           </a:xfrm>
           <a:prstGeom prst="rect">
             <a:avLst/>
@@ -2802,7 +2797,7 @@
         <p:spPr>
           <a:xfrm>
             <a:off x="504000" y="301320"/>
-            <a:ext cx="9070920" cy="1262520"/>
+            <a:ext cx="9070560" cy="1262520"/>
           </a:xfrm>
           <a:prstGeom prst="rect">
             <a:avLst/>
@@ -2829,7 +2824,7 @@
         <p:spPr>
           <a:xfrm>
             <a:off x="504000" y="1769040"/>
-            <a:ext cx="2159640" cy="4383720"/>
+            <a:ext cx="2159280" cy="4383360"/>
           </a:xfrm>
           <a:prstGeom prst="rect">
             <a:avLst/>
@@ -2877,7 +2872,7 @@
         <p:spPr>
           <a:xfrm>
             <a:off x="504000" y="301320"/>
-            <a:ext cx="9070920" cy="5852160"/>
+            <a:ext cx="9070560" cy="5852160"/>
           </a:xfrm>
           <a:prstGeom prst="rect">
             <a:avLst/>
@@ -2926,7 +2921,7 @@
         <p:spPr>
           <a:xfrm>
             <a:off x="504000" y="301320"/>
-            <a:ext cx="9070920" cy="1262520"/>
+            <a:ext cx="9070560" cy="1262520"/>
           </a:xfrm>
           <a:prstGeom prst="rect">
             <a:avLst/>
@@ -2953,7 +2948,7 @@
         <p:spPr>
           <a:xfrm>
             <a:off x="504000" y="1769040"/>
-            <a:ext cx="1053720" cy="2090880"/>
+            <a:ext cx="1053720" cy="2090520"/>
           </a:xfrm>
           <a:prstGeom prst="rect">
             <a:avLst/>
@@ -2978,8 +2973,8 @@
         </p:nvSpPr>
         <p:spPr>
           <a:xfrm>
-            <a:off x="504000" y="4059000"/>
-            <a:ext cx="1053720" cy="2090880"/>
+            <a:off x="504000" y="4058640"/>
+            <a:ext cx="1053720" cy="2090520"/>
           </a:xfrm>
           <a:prstGeom prst="rect">
             <a:avLst/>
@@ -3005,7 +3000,7 @@
         <p:spPr>
           <a:xfrm>
             <a:off x="1610640" y="1769040"/>
-            <a:ext cx="1053720" cy="4383720"/>
+            <a:ext cx="1053720" cy="4383360"/>
           </a:xfrm>
           <a:prstGeom prst="rect">
             <a:avLst/>
@@ -3053,7 +3048,7 @@
         <p:spPr>
           <a:xfrm>
             <a:off x="504000" y="301320"/>
-            <a:ext cx="9070920" cy="1262520"/>
+            <a:ext cx="9070560" cy="1262520"/>
           </a:xfrm>
           <a:prstGeom prst="rect">
             <a:avLst/>
@@ -3080,7 +3075,7 @@
         <p:spPr>
           <a:xfrm>
             <a:off x="504000" y="1769040"/>
-            <a:ext cx="1053720" cy="4383720"/>
+            <a:ext cx="1053720" cy="4383360"/>
           </a:xfrm>
           <a:prstGeom prst="rect">
             <a:avLst/>
@@ -3106,7 +3101,7 @@
         <p:spPr>
           <a:xfrm>
             <a:off x="1610640" y="1769040"/>
-            <a:ext cx="1053720" cy="2090880"/>
+            <a:ext cx="1053720" cy="2090520"/>
           </a:xfrm>
           <a:prstGeom prst="rect">
             <a:avLst/>
@@ -3131,8 +3126,8 @@
         </p:nvSpPr>
         <p:spPr>
           <a:xfrm>
-            <a:off x="1610640" y="4059000"/>
-            <a:ext cx="1053720" cy="2090880"/>
+            <a:off x="1610640" y="4058640"/>
+            <a:ext cx="1053720" cy="2090520"/>
           </a:xfrm>
           <a:prstGeom prst="rect">
             <a:avLst/>
@@ -3180,7 +3175,7 @@
         <p:spPr>
           <a:xfrm>
             <a:off x="504000" y="301320"/>
-            <a:ext cx="9070920" cy="1262520"/>
+            <a:ext cx="9070560" cy="1262520"/>
           </a:xfrm>
           <a:prstGeom prst="rect">
             <a:avLst/>
@@ -3207,7 +3202,7 @@
         <p:spPr>
           <a:xfrm>
             <a:off x="504000" y="1769040"/>
-            <a:ext cx="1053720" cy="2090880"/>
+            <a:ext cx="1053720" cy="2090520"/>
           </a:xfrm>
           <a:prstGeom prst="rect">
             <a:avLst/>
@@ -3233,7 +3228,7 @@
         <p:spPr>
           <a:xfrm>
             <a:off x="1610640" y="1769040"/>
-            <a:ext cx="1053720" cy="2090880"/>
+            <a:ext cx="1053720" cy="2090520"/>
           </a:xfrm>
           <a:prstGeom prst="rect">
             <a:avLst/>
@@ -3258,8 +3253,8 @@
         </p:nvSpPr>
         <p:spPr>
           <a:xfrm>
-            <a:off x="504000" y="4059000"/>
-            <a:ext cx="2159640" cy="2090880"/>
+            <a:off x="504000" y="4058640"/>
+            <a:ext cx="2159280" cy="2090520"/>
           </a:xfrm>
           <a:prstGeom prst="rect">
             <a:avLst/>
@@ -3307,7 +3302,7 @@
         <p:spPr>
           <a:xfrm>
             <a:off x="504000" y="301320"/>
-            <a:ext cx="9070920" cy="1262520"/>
+            <a:ext cx="9070560" cy="1262520"/>
           </a:xfrm>
           <a:prstGeom prst="rect">
             <a:avLst/>
@@ -3334,7 +3329,7 @@
         <p:spPr>
           <a:xfrm>
             <a:off x="504000" y="1769040"/>
-            <a:ext cx="2159640" cy="2090880"/>
+            <a:ext cx="2159280" cy="2090520"/>
           </a:xfrm>
           <a:prstGeom prst="rect">
             <a:avLst/>
@@ -3359,8 +3354,8 @@
         </p:nvSpPr>
         <p:spPr>
           <a:xfrm>
-            <a:off x="504000" y="4059000"/>
-            <a:ext cx="2159640" cy="2090880"/>
+            <a:off x="504000" y="4058640"/>
+            <a:ext cx="2159280" cy="2090520"/>
           </a:xfrm>
           <a:prstGeom prst="rect">
             <a:avLst/>
@@ -3408,7 +3403,7 @@
         <p:spPr>
           <a:xfrm>
             <a:off x="504000" y="301320"/>
-            <a:ext cx="9070920" cy="1262520"/>
+            <a:ext cx="9070560" cy="1262520"/>
           </a:xfrm>
           <a:prstGeom prst="rect">
             <a:avLst/>
@@ -3435,7 +3430,7 @@
         <p:spPr>
           <a:xfrm>
             <a:off x="504000" y="1769040"/>
-            <a:ext cx="1053720" cy="2090880"/>
+            <a:ext cx="1053720" cy="2090520"/>
           </a:xfrm>
           <a:prstGeom prst="rect">
             <a:avLst/>
@@ -3461,7 +3456,7 @@
         <p:spPr>
           <a:xfrm>
             <a:off x="1610640" y="1769040"/>
-            <a:ext cx="1053720" cy="2090880"/>
+            <a:ext cx="1053720" cy="2090520"/>
           </a:xfrm>
           <a:prstGeom prst="rect">
             <a:avLst/>
@@ -3486,8 +3481,8 @@
         </p:nvSpPr>
         <p:spPr>
           <a:xfrm>
-            <a:off x="1610640" y="4059000"/>
-            <a:ext cx="1053720" cy="2090880"/>
+            <a:off x="1610640" y="4058640"/>
+            <a:ext cx="1053720" cy="2090520"/>
           </a:xfrm>
           <a:prstGeom prst="rect">
             <a:avLst/>
@@ -3512,8 +3507,8 @@
         </p:nvSpPr>
         <p:spPr>
           <a:xfrm>
-            <a:off x="504000" y="4059000"/>
-            <a:ext cx="1053720" cy="2090880"/>
+            <a:off x="504000" y="4058640"/>
+            <a:ext cx="1053720" cy="2090520"/>
           </a:xfrm>
           <a:prstGeom prst="rect">
             <a:avLst/>
@@ -3561,7 +3556,7 @@
         <p:spPr>
           <a:xfrm>
             <a:off x="504000" y="301320"/>
-            <a:ext cx="9070920" cy="1262520"/>
+            <a:ext cx="9070560" cy="1262520"/>
           </a:xfrm>
           <a:prstGeom prst="rect">
             <a:avLst/>
@@ -3588,7 +3583,7 @@
         <p:spPr>
           <a:xfrm>
             <a:off x="504000" y="1769040"/>
-            <a:ext cx="2159640" cy="4383720"/>
+            <a:ext cx="2159280" cy="4383360"/>
           </a:xfrm>
           <a:prstGeom prst="rect">
             <a:avLst/>
@@ -3614,7 +3609,7 @@
         <p:spPr>
           <a:xfrm>
             <a:off x="504000" y="1769040"/>
-            <a:ext cx="2159640" cy="4383720"/>
+            <a:ext cx="2159280" cy="4383360"/>
           </a:xfrm>
           <a:prstGeom prst="rect">
             <a:avLst/>
@@ -3641,8 +3636,8 @@
         </p:blipFill>
         <p:spPr>
           <a:xfrm>
-            <a:off x="503640" y="3099240"/>
-            <a:ext cx="2159640" cy="1722960"/>
+            <a:off x="504000" y="3099240"/>
+            <a:ext cx="2159280" cy="1722600"/>
           </a:xfrm>
           <a:prstGeom prst="rect">
             <a:avLst/>
@@ -3666,8 +3661,8 @@
         </p:blipFill>
         <p:spPr>
           <a:xfrm>
-            <a:off x="503640" y="3099240"/>
-            <a:ext cx="2159640" cy="1722960"/>
+            <a:off x="504000" y="3099240"/>
+            <a:ext cx="2159280" cy="1722600"/>
           </a:xfrm>
           <a:prstGeom prst="rect">
             <a:avLst/>
@@ -3677,6 +3672,179 @@
           </a:ln>
         </p:spPr>
       </p:pic>
+    </p:spTree>
+  </p:cSld>
+</p:sldLayout>
+</file>
+
+<file path=ppt/slideLayouts/slideLayout37.xml><?xml version="1.0" encoding="utf-8"?>
+<p:sldLayout xmlns:a="http://schemas.openxmlformats.org/drawingml/2006/main" xmlns:p="http://schemas.openxmlformats.org/presentationml/2006/main" xmlns:r="http://schemas.openxmlformats.org/officeDocument/2006/relationships" type="blank" preserve="1">
+  <p:cSld name="Blank Slide">
+    <p:spTree>
+      <p:nvGrpSpPr>
+        <p:cNvPr id="1" name=""/>
+        <p:cNvGrpSpPr/>
+        <p:nvPr/>
+      </p:nvGrpSpPr>
+      <p:grpSpPr>
+        <a:xfrm>
+          <a:off x="0" y="0"/>
+          <a:ext cx="0" cy="0"/>
+          <a:chOff x="0" y="0"/>
+          <a:chExt cx="0" cy="0"/>
+        </a:xfrm>
+      </p:grpSpPr>
+    </p:spTree>
+  </p:cSld>
+</p:sldLayout>
+</file>
+
+<file path=ppt/slideLayouts/slideLayout38.xml><?xml version="1.0" encoding="utf-8"?>
+<p:sldLayout xmlns:a="http://schemas.openxmlformats.org/drawingml/2006/main" xmlns:p="http://schemas.openxmlformats.org/presentationml/2006/main" xmlns:r="http://schemas.openxmlformats.org/officeDocument/2006/relationships" type="tx" preserve="1">
+  <p:cSld name="Title Slide">
+    <p:spTree>
+      <p:nvGrpSpPr>
+        <p:cNvPr id="1" name=""/>
+        <p:cNvGrpSpPr/>
+        <p:nvPr/>
+      </p:nvGrpSpPr>
+      <p:grpSpPr>
+        <a:xfrm>
+          <a:off x="0" y="0"/>
+          <a:ext cx="0" cy="0"/>
+          <a:chOff x="0" y="0"/>
+          <a:chExt cx="0" cy="0"/>
+        </a:xfrm>
+      </p:grpSpPr>
+      <p:sp>
+        <p:nvSpPr>
+          <p:cNvPr id="111" name="PlaceHolder 1"/>
+          <p:cNvSpPr>
+            <a:spLocks noGrp="1"/>
+          </p:cNvSpPr>
+          <p:nvPr>
+            <p:ph type="title"/>
+          </p:nvPr>
+        </p:nvSpPr>
+        <p:spPr>
+          <a:xfrm>
+            <a:off x="504000" y="301320"/>
+            <a:ext cx="9070560" cy="1262520"/>
+          </a:xfrm>
+          <a:prstGeom prst="rect">
+            <a:avLst/>
+          </a:prstGeom>
+        </p:spPr>
+        <p:txBody>
+          <a:bodyPr lIns="0" rIns="0" tIns="0" bIns="0" anchor="ctr"/>
+          <a:p>
+            <a:pPr algn="ctr"/>
+            <a:endParaRPr/>
+          </a:p>
+        </p:txBody>
+      </p:sp>
+      <p:sp>
+        <p:nvSpPr>
+          <p:cNvPr id="112" name="PlaceHolder 2"/>
+          <p:cNvSpPr>
+            <a:spLocks noGrp="1"/>
+          </p:cNvSpPr>
+          <p:nvPr>
+            <p:ph type="subTitle"/>
+          </p:nvPr>
+        </p:nvSpPr>
+        <p:spPr>
+          <a:xfrm>
+            <a:off x="504000" y="1769040"/>
+            <a:ext cx="2159280" cy="4383720"/>
+          </a:xfrm>
+          <a:prstGeom prst="rect">
+            <a:avLst/>
+          </a:prstGeom>
+        </p:spPr>
+        <p:txBody>
+          <a:bodyPr lIns="0" rIns="0" tIns="0" bIns="0" anchor="ctr"/>
+          <a:p>
+            <a:pPr algn="ctr"/>
+            <a:endParaRPr/>
+          </a:p>
+        </p:txBody>
+      </p:sp>
+    </p:spTree>
+  </p:cSld>
+</p:sldLayout>
+</file>
+
+<file path=ppt/slideLayouts/slideLayout39.xml><?xml version="1.0" encoding="utf-8"?>
+<p:sldLayout xmlns:a="http://schemas.openxmlformats.org/drawingml/2006/main" xmlns:p="http://schemas.openxmlformats.org/presentationml/2006/main" xmlns:r="http://schemas.openxmlformats.org/officeDocument/2006/relationships" type="obj" preserve="1">
+  <p:cSld name="Title, Content">
+    <p:spTree>
+      <p:nvGrpSpPr>
+        <p:cNvPr id="1" name=""/>
+        <p:cNvGrpSpPr/>
+        <p:nvPr/>
+      </p:nvGrpSpPr>
+      <p:grpSpPr>
+        <a:xfrm>
+          <a:off x="0" y="0"/>
+          <a:ext cx="0" cy="0"/>
+          <a:chOff x="0" y="0"/>
+          <a:chExt cx="0" cy="0"/>
+        </a:xfrm>
+      </p:grpSpPr>
+      <p:sp>
+        <p:nvSpPr>
+          <p:cNvPr id="113" name="PlaceHolder 1"/>
+          <p:cNvSpPr>
+            <a:spLocks noGrp="1"/>
+          </p:cNvSpPr>
+          <p:nvPr>
+            <p:ph type="title"/>
+          </p:nvPr>
+        </p:nvSpPr>
+        <p:spPr>
+          <a:xfrm>
+            <a:off x="504000" y="301320"/>
+            <a:ext cx="9070560" cy="1262520"/>
+          </a:xfrm>
+          <a:prstGeom prst="rect">
+            <a:avLst/>
+          </a:prstGeom>
+        </p:spPr>
+        <p:txBody>
+          <a:bodyPr lIns="0" rIns="0" tIns="0" bIns="0" anchor="ctr"/>
+          <a:p>
+            <a:pPr algn="ctr"/>
+            <a:endParaRPr/>
+          </a:p>
+        </p:txBody>
+      </p:sp>
+      <p:sp>
+        <p:nvSpPr>
+          <p:cNvPr id="114" name="PlaceHolder 2"/>
+          <p:cNvSpPr>
+            <a:spLocks noGrp="1"/>
+          </p:cNvSpPr>
+          <p:nvPr>
+            <p:ph type="body"/>
+          </p:nvPr>
+        </p:nvSpPr>
+        <p:spPr>
+          <a:xfrm>
+            <a:off x="504000" y="1769040"/>
+            <a:ext cx="2159280" cy="4383360"/>
+          </a:xfrm>
+          <a:prstGeom prst="rect">
+            <a:avLst/>
+          </a:prstGeom>
+        </p:spPr>
+        <p:txBody>
+          <a:bodyPr lIns="0" rIns="0" tIns="0" bIns="0"/>
+          <a:p>
+            <a:endParaRPr/>
+          </a:p>
+        </p:txBody>
+      </p:sp>
     </p:spTree>
   </p:cSld>
 </p:sldLayout>
@@ -3712,7 +3880,7 @@
         <p:spPr>
           <a:xfrm>
             <a:off x="504000" y="301320"/>
-            <a:ext cx="9070920" cy="1262520"/>
+            <a:ext cx="9070560" cy="1262520"/>
           </a:xfrm>
           <a:prstGeom prst="rect">
             <a:avLst/>
@@ -3739,7 +3907,7 @@
         <p:spPr>
           <a:xfrm>
             <a:off x="504000" y="1769040"/>
-            <a:ext cx="1053720" cy="4383720"/>
+            <a:ext cx="1053720" cy="4383360"/>
           </a:xfrm>
           <a:prstGeom prst="rect">
             <a:avLst/>
@@ -3765,19 +3933,1026 @@
         <p:spPr>
           <a:xfrm>
             <a:off x="1610640" y="1769040"/>
-            <a:ext cx="1053720" cy="4383720"/>
-          </a:xfrm>
-          <a:prstGeom prst="rect">
-            <a:avLst/>
-          </a:prstGeom>
-        </p:spPr>
-        <p:txBody>
-          <a:bodyPr lIns="0" rIns="0" tIns="0" bIns="0"/>
-          <a:p>
-            <a:endParaRPr/>
-          </a:p>
-        </p:txBody>
-      </p:sp>
+            <a:ext cx="1053720" cy="4383360"/>
+          </a:xfrm>
+          <a:prstGeom prst="rect">
+            <a:avLst/>
+          </a:prstGeom>
+        </p:spPr>
+        <p:txBody>
+          <a:bodyPr lIns="0" rIns="0" tIns="0" bIns="0"/>
+          <a:p>
+            <a:endParaRPr/>
+          </a:p>
+        </p:txBody>
+      </p:sp>
+    </p:spTree>
+  </p:cSld>
+</p:sldLayout>
+</file>
+
+<file path=ppt/slideLayouts/slideLayout40.xml><?xml version="1.0" encoding="utf-8"?>
+<p:sldLayout xmlns:a="http://schemas.openxmlformats.org/drawingml/2006/main" xmlns:p="http://schemas.openxmlformats.org/presentationml/2006/main" xmlns:r="http://schemas.openxmlformats.org/officeDocument/2006/relationships" type="twoObj" preserve="1">
+  <p:cSld name="Title, 2 Content">
+    <p:spTree>
+      <p:nvGrpSpPr>
+        <p:cNvPr id="1" name=""/>
+        <p:cNvGrpSpPr/>
+        <p:nvPr/>
+      </p:nvGrpSpPr>
+      <p:grpSpPr>
+        <a:xfrm>
+          <a:off x="0" y="0"/>
+          <a:ext cx="0" cy="0"/>
+          <a:chOff x="0" y="0"/>
+          <a:chExt cx="0" cy="0"/>
+        </a:xfrm>
+      </p:grpSpPr>
+      <p:sp>
+        <p:nvSpPr>
+          <p:cNvPr id="115" name="PlaceHolder 1"/>
+          <p:cNvSpPr>
+            <a:spLocks noGrp="1"/>
+          </p:cNvSpPr>
+          <p:nvPr>
+            <p:ph type="title"/>
+          </p:nvPr>
+        </p:nvSpPr>
+        <p:spPr>
+          <a:xfrm>
+            <a:off x="504000" y="301320"/>
+            <a:ext cx="9070560" cy="1262520"/>
+          </a:xfrm>
+          <a:prstGeom prst="rect">
+            <a:avLst/>
+          </a:prstGeom>
+        </p:spPr>
+        <p:txBody>
+          <a:bodyPr lIns="0" rIns="0" tIns="0" bIns="0" anchor="ctr"/>
+          <a:p>
+            <a:pPr algn="ctr"/>
+            <a:endParaRPr/>
+          </a:p>
+        </p:txBody>
+      </p:sp>
+      <p:sp>
+        <p:nvSpPr>
+          <p:cNvPr id="116" name="PlaceHolder 2"/>
+          <p:cNvSpPr>
+            <a:spLocks noGrp="1"/>
+          </p:cNvSpPr>
+          <p:nvPr>
+            <p:ph type="body"/>
+          </p:nvPr>
+        </p:nvSpPr>
+        <p:spPr>
+          <a:xfrm>
+            <a:off x="504000" y="1769040"/>
+            <a:ext cx="1053720" cy="4383360"/>
+          </a:xfrm>
+          <a:prstGeom prst="rect">
+            <a:avLst/>
+          </a:prstGeom>
+        </p:spPr>
+        <p:txBody>
+          <a:bodyPr lIns="0" rIns="0" tIns="0" bIns="0"/>
+          <a:p>
+            <a:endParaRPr/>
+          </a:p>
+        </p:txBody>
+      </p:sp>
+      <p:sp>
+        <p:nvSpPr>
+          <p:cNvPr id="117" name="PlaceHolder 3"/>
+          <p:cNvSpPr>
+            <a:spLocks noGrp="1"/>
+          </p:cNvSpPr>
+          <p:nvPr>
+            <p:ph type="body"/>
+          </p:nvPr>
+        </p:nvSpPr>
+        <p:spPr>
+          <a:xfrm>
+            <a:off x="1610640" y="1769040"/>
+            <a:ext cx="1053720" cy="4383360"/>
+          </a:xfrm>
+          <a:prstGeom prst="rect">
+            <a:avLst/>
+          </a:prstGeom>
+        </p:spPr>
+        <p:txBody>
+          <a:bodyPr lIns="0" rIns="0" tIns="0" bIns="0"/>
+          <a:p>
+            <a:endParaRPr/>
+          </a:p>
+        </p:txBody>
+      </p:sp>
+    </p:spTree>
+  </p:cSld>
+</p:sldLayout>
+</file>
+
+<file path=ppt/slideLayouts/slideLayout41.xml><?xml version="1.0" encoding="utf-8"?>
+<p:sldLayout xmlns:a="http://schemas.openxmlformats.org/drawingml/2006/main" xmlns:p="http://schemas.openxmlformats.org/presentationml/2006/main" xmlns:r="http://schemas.openxmlformats.org/officeDocument/2006/relationships" type="titleOnly" preserve="1">
+  <p:cSld name="Title Only">
+    <p:spTree>
+      <p:nvGrpSpPr>
+        <p:cNvPr id="1" name=""/>
+        <p:cNvGrpSpPr/>
+        <p:nvPr/>
+      </p:nvGrpSpPr>
+      <p:grpSpPr>
+        <a:xfrm>
+          <a:off x="0" y="0"/>
+          <a:ext cx="0" cy="0"/>
+          <a:chOff x="0" y="0"/>
+          <a:chExt cx="0" cy="0"/>
+        </a:xfrm>
+      </p:grpSpPr>
+      <p:sp>
+        <p:nvSpPr>
+          <p:cNvPr id="118" name="PlaceHolder 1"/>
+          <p:cNvSpPr>
+            <a:spLocks noGrp="1"/>
+          </p:cNvSpPr>
+          <p:nvPr>
+            <p:ph type="title"/>
+          </p:nvPr>
+        </p:nvSpPr>
+        <p:spPr>
+          <a:xfrm>
+            <a:off x="504000" y="301320"/>
+            <a:ext cx="9070560" cy="1262520"/>
+          </a:xfrm>
+          <a:prstGeom prst="rect">
+            <a:avLst/>
+          </a:prstGeom>
+        </p:spPr>
+        <p:txBody>
+          <a:bodyPr lIns="0" rIns="0" tIns="0" bIns="0" anchor="ctr"/>
+          <a:p>
+            <a:pPr algn="ctr"/>
+            <a:endParaRPr/>
+          </a:p>
+        </p:txBody>
+      </p:sp>
+    </p:spTree>
+  </p:cSld>
+</p:sldLayout>
+</file>
+
+<file path=ppt/slideLayouts/slideLayout42.xml><?xml version="1.0" encoding="utf-8"?>
+<p:sldLayout xmlns:a="http://schemas.openxmlformats.org/drawingml/2006/main" xmlns:p="http://schemas.openxmlformats.org/presentationml/2006/main" xmlns:r="http://schemas.openxmlformats.org/officeDocument/2006/relationships" type="objOnly" preserve="1">
+  <p:cSld name="Centered Text">
+    <p:spTree>
+      <p:nvGrpSpPr>
+        <p:cNvPr id="1" name=""/>
+        <p:cNvGrpSpPr/>
+        <p:nvPr/>
+      </p:nvGrpSpPr>
+      <p:grpSpPr>
+        <a:xfrm>
+          <a:off x="0" y="0"/>
+          <a:ext cx="0" cy="0"/>
+          <a:chOff x="0" y="0"/>
+          <a:chExt cx="0" cy="0"/>
+        </a:xfrm>
+      </p:grpSpPr>
+      <p:sp>
+        <p:nvSpPr>
+          <p:cNvPr id="119" name="PlaceHolder 1"/>
+          <p:cNvSpPr>
+            <a:spLocks noGrp="1"/>
+          </p:cNvSpPr>
+          <p:nvPr>
+            <p:ph type="subTitle"/>
+          </p:nvPr>
+        </p:nvSpPr>
+        <p:spPr>
+          <a:xfrm>
+            <a:off x="504000" y="301320"/>
+            <a:ext cx="9070560" cy="5852160"/>
+          </a:xfrm>
+          <a:prstGeom prst="rect">
+            <a:avLst/>
+          </a:prstGeom>
+        </p:spPr>
+        <p:txBody>
+          <a:bodyPr lIns="0" rIns="0" tIns="0" bIns="0" anchor="ctr"/>
+          <a:p>
+            <a:pPr algn="ctr"/>
+            <a:endParaRPr/>
+          </a:p>
+        </p:txBody>
+      </p:sp>
+    </p:spTree>
+  </p:cSld>
+</p:sldLayout>
+</file>
+
+<file path=ppt/slideLayouts/slideLayout43.xml><?xml version="1.0" encoding="utf-8"?>
+<p:sldLayout xmlns:a="http://schemas.openxmlformats.org/drawingml/2006/main" xmlns:p="http://schemas.openxmlformats.org/presentationml/2006/main" xmlns:r="http://schemas.openxmlformats.org/officeDocument/2006/relationships" type="twoObjAndObj" preserve="1">
+  <p:cSld name="Title, 2 Content and Content">
+    <p:spTree>
+      <p:nvGrpSpPr>
+        <p:cNvPr id="1" name=""/>
+        <p:cNvGrpSpPr/>
+        <p:nvPr/>
+      </p:nvGrpSpPr>
+      <p:grpSpPr>
+        <a:xfrm>
+          <a:off x="0" y="0"/>
+          <a:ext cx="0" cy="0"/>
+          <a:chOff x="0" y="0"/>
+          <a:chExt cx="0" cy="0"/>
+        </a:xfrm>
+      </p:grpSpPr>
+      <p:sp>
+        <p:nvSpPr>
+          <p:cNvPr id="120" name="PlaceHolder 1"/>
+          <p:cNvSpPr>
+            <a:spLocks noGrp="1"/>
+          </p:cNvSpPr>
+          <p:nvPr>
+            <p:ph type="title"/>
+          </p:nvPr>
+        </p:nvSpPr>
+        <p:spPr>
+          <a:xfrm>
+            <a:off x="504000" y="301320"/>
+            <a:ext cx="9070560" cy="1262520"/>
+          </a:xfrm>
+          <a:prstGeom prst="rect">
+            <a:avLst/>
+          </a:prstGeom>
+        </p:spPr>
+        <p:txBody>
+          <a:bodyPr lIns="0" rIns="0" tIns="0" bIns="0" anchor="ctr"/>
+          <a:p>
+            <a:pPr algn="ctr"/>
+            <a:endParaRPr/>
+          </a:p>
+        </p:txBody>
+      </p:sp>
+      <p:sp>
+        <p:nvSpPr>
+          <p:cNvPr id="121" name="PlaceHolder 2"/>
+          <p:cNvSpPr>
+            <a:spLocks noGrp="1"/>
+          </p:cNvSpPr>
+          <p:nvPr>
+            <p:ph type="body"/>
+          </p:nvPr>
+        </p:nvSpPr>
+        <p:spPr>
+          <a:xfrm>
+            <a:off x="504000" y="1769040"/>
+            <a:ext cx="1053720" cy="2090520"/>
+          </a:xfrm>
+          <a:prstGeom prst="rect">
+            <a:avLst/>
+          </a:prstGeom>
+        </p:spPr>
+        <p:txBody>
+          <a:bodyPr lIns="0" rIns="0" tIns="0" bIns="0"/>
+          <a:p>
+            <a:endParaRPr/>
+          </a:p>
+        </p:txBody>
+      </p:sp>
+      <p:sp>
+        <p:nvSpPr>
+          <p:cNvPr id="122" name="PlaceHolder 3"/>
+          <p:cNvSpPr>
+            <a:spLocks noGrp="1"/>
+          </p:cNvSpPr>
+          <p:nvPr>
+            <p:ph type="body"/>
+          </p:nvPr>
+        </p:nvSpPr>
+        <p:spPr>
+          <a:xfrm>
+            <a:off x="504000" y="4058640"/>
+            <a:ext cx="1053720" cy="2090520"/>
+          </a:xfrm>
+          <a:prstGeom prst="rect">
+            <a:avLst/>
+          </a:prstGeom>
+        </p:spPr>
+        <p:txBody>
+          <a:bodyPr lIns="0" rIns="0" tIns="0" bIns="0"/>
+          <a:p>
+            <a:endParaRPr/>
+          </a:p>
+        </p:txBody>
+      </p:sp>
+      <p:sp>
+        <p:nvSpPr>
+          <p:cNvPr id="123" name="PlaceHolder 4"/>
+          <p:cNvSpPr>
+            <a:spLocks noGrp="1"/>
+          </p:cNvSpPr>
+          <p:nvPr>
+            <p:ph type="body"/>
+          </p:nvPr>
+        </p:nvSpPr>
+        <p:spPr>
+          <a:xfrm>
+            <a:off x="1610640" y="1769040"/>
+            <a:ext cx="1053720" cy="4383360"/>
+          </a:xfrm>
+          <a:prstGeom prst="rect">
+            <a:avLst/>
+          </a:prstGeom>
+        </p:spPr>
+        <p:txBody>
+          <a:bodyPr lIns="0" rIns="0" tIns="0" bIns="0"/>
+          <a:p>
+            <a:endParaRPr/>
+          </a:p>
+        </p:txBody>
+      </p:sp>
+    </p:spTree>
+  </p:cSld>
+</p:sldLayout>
+</file>
+
+<file path=ppt/slideLayouts/slideLayout44.xml><?xml version="1.0" encoding="utf-8"?>
+<p:sldLayout xmlns:a="http://schemas.openxmlformats.org/drawingml/2006/main" xmlns:p="http://schemas.openxmlformats.org/presentationml/2006/main" xmlns:r="http://schemas.openxmlformats.org/officeDocument/2006/relationships" type="objAndTwoObj" preserve="1">
+  <p:cSld name="Title Content and 2 Content">
+    <p:spTree>
+      <p:nvGrpSpPr>
+        <p:cNvPr id="1" name=""/>
+        <p:cNvGrpSpPr/>
+        <p:nvPr/>
+      </p:nvGrpSpPr>
+      <p:grpSpPr>
+        <a:xfrm>
+          <a:off x="0" y="0"/>
+          <a:ext cx="0" cy="0"/>
+          <a:chOff x="0" y="0"/>
+          <a:chExt cx="0" cy="0"/>
+        </a:xfrm>
+      </p:grpSpPr>
+      <p:sp>
+        <p:nvSpPr>
+          <p:cNvPr id="124" name="PlaceHolder 1"/>
+          <p:cNvSpPr>
+            <a:spLocks noGrp="1"/>
+          </p:cNvSpPr>
+          <p:nvPr>
+            <p:ph type="title"/>
+          </p:nvPr>
+        </p:nvSpPr>
+        <p:spPr>
+          <a:xfrm>
+            <a:off x="504000" y="301320"/>
+            <a:ext cx="9070560" cy="1262520"/>
+          </a:xfrm>
+          <a:prstGeom prst="rect">
+            <a:avLst/>
+          </a:prstGeom>
+        </p:spPr>
+        <p:txBody>
+          <a:bodyPr lIns="0" rIns="0" tIns="0" bIns="0" anchor="ctr"/>
+          <a:p>
+            <a:pPr algn="ctr"/>
+            <a:endParaRPr/>
+          </a:p>
+        </p:txBody>
+      </p:sp>
+      <p:sp>
+        <p:nvSpPr>
+          <p:cNvPr id="125" name="PlaceHolder 2"/>
+          <p:cNvSpPr>
+            <a:spLocks noGrp="1"/>
+          </p:cNvSpPr>
+          <p:nvPr>
+            <p:ph type="body"/>
+          </p:nvPr>
+        </p:nvSpPr>
+        <p:spPr>
+          <a:xfrm>
+            <a:off x="504000" y="1769040"/>
+            <a:ext cx="1053720" cy="4383360"/>
+          </a:xfrm>
+          <a:prstGeom prst="rect">
+            <a:avLst/>
+          </a:prstGeom>
+        </p:spPr>
+        <p:txBody>
+          <a:bodyPr lIns="0" rIns="0" tIns="0" bIns="0"/>
+          <a:p>
+            <a:endParaRPr/>
+          </a:p>
+        </p:txBody>
+      </p:sp>
+      <p:sp>
+        <p:nvSpPr>
+          <p:cNvPr id="126" name="PlaceHolder 3"/>
+          <p:cNvSpPr>
+            <a:spLocks noGrp="1"/>
+          </p:cNvSpPr>
+          <p:nvPr>
+            <p:ph type="body"/>
+          </p:nvPr>
+        </p:nvSpPr>
+        <p:spPr>
+          <a:xfrm>
+            <a:off x="1610640" y="1769040"/>
+            <a:ext cx="1053720" cy="2090520"/>
+          </a:xfrm>
+          <a:prstGeom prst="rect">
+            <a:avLst/>
+          </a:prstGeom>
+        </p:spPr>
+        <p:txBody>
+          <a:bodyPr lIns="0" rIns="0" tIns="0" bIns="0"/>
+          <a:p>
+            <a:endParaRPr/>
+          </a:p>
+        </p:txBody>
+      </p:sp>
+      <p:sp>
+        <p:nvSpPr>
+          <p:cNvPr id="127" name="PlaceHolder 4"/>
+          <p:cNvSpPr>
+            <a:spLocks noGrp="1"/>
+          </p:cNvSpPr>
+          <p:nvPr>
+            <p:ph type="body"/>
+          </p:nvPr>
+        </p:nvSpPr>
+        <p:spPr>
+          <a:xfrm>
+            <a:off x="1610640" y="4058640"/>
+            <a:ext cx="1053720" cy="2090520"/>
+          </a:xfrm>
+          <a:prstGeom prst="rect">
+            <a:avLst/>
+          </a:prstGeom>
+        </p:spPr>
+        <p:txBody>
+          <a:bodyPr lIns="0" rIns="0" tIns="0" bIns="0"/>
+          <a:p>
+            <a:endParaRPr/>
+          </a:p>
+        </p:txBody>
+      </p:sp>
+    </p:spTree>
+  </p:cSld>
+</p:sldLayout>
+</file>
+
+<file path=ppt/slideLayouts/slideLayout45.xml><?xml version="1.0" encoding="utf-8"?>
+<p:sldLayout xmlns:a="http://schemas.openxmlformats.org/drawingml/2006/main" xmlns:p="http://schemas.openxmlformats.org/presentationml/2006/main" xmlns:r="http://schemas.openxmlformats.org/officeDocument/2006/relationships" type="twoObjOverTx" preserve="1">
+  <p:cSld name="Title, 2 Content over Content">
+    <p:spTree>
+      <p:nvGrpSpPr>
+        <p:cNvPr id="1" name=""/>
+        <p:cNvGrpSpPr/>
+        <p:nvPr/>
+      </p:nvGrpSpPr>
+      <p:grpSpPr>
+        <a:xfrm>
+          <a:off x="0" y="0"/>
+          <a:ext cx="0" cy="0"/>
+          <a:chOff x="0" y="0"/>
+          <a:chExt cx="0" cy="0"/>
+        </a:xfrm>
+      </p:grpSpPr>
+      <p:sp>
+        <p:nvSpPr>
+          <p:cNvPr id="128" name="PlaceHolder 1"/>
+          <p:cNvSpPr>
+            <a:spLocks noGrp="1"/>
+          </p:cNvSpPr>
+          <p:nvPr>
+            <p:ph type="title"/>
+          </p:nvPr>
+        </p:nvSpPr>
+        <p:spPr>
+          <a:xfrm>
+            <a:off x="504000" y="301320"/>
+            <a:ext cx="9070560" cy="1262520"/>
+          </a:xfrm>
+          <a:prstGeom prst="rect">
+            <a:avLst/>
+          </a:prstGeom>
+        </p:spPr>
+        <p:txBody>
+          <a:bodyPr lIns="0" rIns="0" tIns="0" bIns="0" anchor="ctr"/>
+          <a:p>
+            <a:pPr algn="ctr"/>
+            <a:endParaRPr/>
+          </a:p>
+        </p:txBody>
+      </p:sp>
+      <p:sp>
+        <p:nvSpPr>
+          <p:cNvPr id="129" name="PlaceHolder 2"/>
+          <p:cNvSpPr>
+            <a:spLocks noGrp="1"/>
+          </p:cNvSpPr>
+          <p:nvPr>
+            <p:ph type="body"/>
+          </p:nvPr>
+        </p:nvSpPr>
+        <p:spPr>
+          <a:xfrm>
+            <a:off x="504000" y="1769040"/>
+            <a:ext cx="1053720" cy="2090520"/>
+          </a:xfrm>
+          <a:prstGeom prst="rect">
+            <a:avLst/>
+          </a:prstGeom>
+        </p:spPr>
+        <p:txBody>
+          <a:bodyPr lIns="0" rIns="0" tIns="0" bIns="0"/>
+          <a:p>
+            <a:endParaRPr/>
+          </a:p>
+        </p:txBody>
+      </p:sp>
+      <p:sp>
+        <p:nvSpPr>
+          <p:cNvPr id="130" name="PlaceHolder 3"/>
+          <p:cNvSpPr>
+            <a:spLocks noGrp="1"/>
+          </p:cNvSpPr>
+          <p:nvPr>
+            <p:ph type="body"/>
+          </p:nvPr>
+        </p:nvSpPr>
+        <p:spPr>
+          <a:xfrm>
+            <a:off x="1610640" y="1769040"/>
+            <a:ext cx="1053720" cy="2090520"/>
+          </a:xfrm>
+          <a:prstGeom prst="rect">
+            <a:avLst/>
+          </a:prstGeom>
+        </p:spPr>
+        <p:txBody>
+          <a:bodyPr lIns="0" rIns="0" tIns="0" bIns="0"/>
+          <a:p>
+            <a:endParaRPr/>
+          </a:p>
+        </p:txBody>
+      </p:sp>
+      <p:sp>
+        <p:nvSpPr>
+          <p:cNvPr id="131" name="PlaceHolder 4"/>
+          <p:cNvSpPr>
+            <a:spLocks noGrp="1"/>
+          </p:cNvSpPr>
+          <p:nvPr>
+            <p:ph type="body"/>
+          </p:nvPr>
+        </p:nvSpPr>
+        <p:spPr>
+          <a:xfrm>
+            <a:off x="504000" y="4058640"/>
+            <a:ext cx="2159280" cy="2090520"/>
+          </a:xfrm>
+          <a:prstGeom prst="rect">
+            <a:avLst/>
+          </a:prstGeom>
+        </p:spPr>
+        <p:txBody>
+          <a:bodyPr lIns="0" rIns="0" tIns="0" bIns="0"/>
+          <a:p>
+            <a:endParaRPr/>
+          </a:p>
+        </p:txBody>
+      </p:sp>
+    </p:spTree>
+  </p:cSld>
+</p:sldLayout>
+</file>
+
+<file path=ppt/slideLayouts/slideLayout46.xml><?xml version="1.0" encoding="utf-8"?>
+<p:sldLayout xmlns:a="http://schemas.openxmlformats.org/drawingml/2006/main" xmlns:p="http://schemas.openxmlformats.org/presentationml/2006/main" xmlns:r="http://schemas.openxmlformats.org/officeDocument/2006/relationships" type="objOverTx" preserve="1">
+  <p:cSld name="Title, Content over Content">
+    <p:spTree>
+      <p:nvGrpSpPr>
+        <p:cNvPr id="1" name=""/>
+        <p:cNvGrpSpPr/>
+        <p:nvPr/>
+      </p:nvGrpSpPr>
+      <p:grpSpPr>
+        <a:xfrm>
+          <a:off x="0" y="0"/>
+          <a:ext cx="0" cy="0"/>
+          <a:chOff x="0" y="0"/>
+          <a:chExt cx="0" cy="0"/>
+        </a:xfrm>
+      </p:grpSpPr>
+      <p:sp>
+        <p:nvSpPr>
+          <p:cNvPr id="132" name="PlaceHolder 1"/>
+          <p:cNvSpPr>
+            <a:spLocks noGrp="1"/>
+          </p:cNvSpPr>
+          <p:nvPr>
+            <p:ph type="title"/>
+          </p:nvPr>
+        </p:nvSpPr>
+        <p:spPr>
+          <a:xfrm>
+            <a:off x="504000" y="301320"/>
+            <a:ext cx="9070560" cy="1262520"/>
+          </a:xfrm>
+          <a:prstGeom prst="rect">
+            <a:avLst/>
+          </a:prstGeom>
+        </p:spPr>
+        <p:txBody>
+          <a:bodyPr lIns="0" rIns="0" tIns="0" bIns="0" anchor="ctr"/>
+          <a:p>
+            <a:pPr algn="ctr"/>
+            <a:endParaRPr/>
+          </a:p>
+        </p:txBody>
+      </p:sp>
+      <p:sp>
+        <p:nvSpPr>
+          <p:cNvPr id="133" name="PlaceHolder 2"/>
+          <p:cNvSpPr>
+            <a:spLocks noGrp="1"/>
+          </p:cNvSpPr>
+          <p:nvPr>
+            <p:ph type="body"/>
+          </p:nvPr>
+        </p:nvSpPr>
+        <p:spPr>
+          <a:xfrm>
+            <a:off x="504000" y="1769040"/>
+            <a:ext cx="2159280" cy="2090520"/>
+          </a:xfrm>
+          <a:prstGeom prst="rect">
+            <a:avLst/>
+          </a:prstGeom>
+        </p:spPr>
+        <p:txBody>
+          <a:bodyPr lIns="0" rIns="0" tIns="0" bIns="0"/>
+          <a:p>
+            <a:endParaRPr/>
+          </a:p>
+        </p:txBody>
+      </p:sp>
+      <p:sp>
+        <p:nvSpPr>
+          <p:cNvPr id="134" name="PlaceHolder 3"/>
+          <p:cNvSpPr>
+            <a:spLocks noGrp="1"/>
+          </p:cNvSpPr>
+          <p:nvPr>
+            <p:ph type="body"/>
+          </p:nvPr>
+        </p:nvSpPr>
+        <p:spPr>
+          <a:xfrm>
+            <a:off x="504000" y="4058640"/>
+            <a:ext cx="2159280" cy="2090520"/>
+          </a:xfrm>
+          <a:prstGeom prst="rect">
+            <a:avLst/>
+          </a:prstGeom>
+        </p:spPr>
+        <p:txBody>
+          <a:bodyPr lIns="0" rIns="0" tIns="0" bIns="0"/>
+          <a:p>
+            <a:endParaRPr/>
+          </a:p>
+        </p:txBody>
+      </p:sp>
+    </p:spTree>
+  </p:cSld>
+</p:sldLayout>
+</file>
+
+<file path=ppt/slideLayouts/slideLayout47.xml><?xml version="1.0" encoding="utf-8"?>
+<p:sldLayout xmlns:a="http://schemas.openxmlformats.org/drawingml/2006/main" xmlns:p="http://schemas.openxmlformats.org/presentationml/2006/main" xmlns:r="http://schemas.openxmlformats.org/officeDocument/2006/relationships" type="fourObj" preserve="1">
+  <p:cSld name="Title, 4 Content">
+    <p:spTree>
+      <p:nvGrpSpPr>
+        <p:cNvPr id="1" name=""/>
+        <p:cNvGrpSpPr/>
+        <p:nvPr/>
+      </p:nvGrpSpPr>
+      <p:grpSpPr>
+        <a:xfrm>
+          <a:off x="0" y="0"/>
+          <a:ext cx="0" cy="0"/>
+          <a:chOff x="0" y="0"/>
+          <a:chExt cx="0" cy="0"/>
+        </a:xfrm>
+      </p:grpSpPr>
+      <p:sp>
+        <p:nvSpPr>
+          <p:cNvPr id="135" name="PlaceHolder 1"/>
+          <p:cNvSpPr>
+            <a:spLocks noGrp="1"/>
+          </p:cNvSpPr>
+          <p:nvPr>
+            <p:ph type="title"/>
+          </p:nvPr>
+        </p:nvSpPr>
+        <p:spPr>
+          <a:xfrm>
+            <a:off x="504000" y="301320"/>
+            <a:ext cx="9070560" cy="1262520"/>
+          </a:xfrm>
+          <a:prstGeom prst="rect">
+            <a:avLst/>
+          </a:prstGeom>
+        </p:spPr>
+        <p:txBody>
+          <a:bodyPr lIns="0" rIns="0" tIns="0" bIns="0" anchor="ctr"/>
+          <a:p>
+            <a:pPr algn="ctr"/>
+            <a:endParaRPr/>
+          </a:p>
+        </p:txBody>
+      </p:sp>
+      <p:sp>
+        <p:nvSpPr>
+          <p:cNvPr id="136" name="PlaceHolder 2"/>
+          <p:cNvSpPr>
+            <a:spLocks noGrp="1"/>
+          </p:cNvSpPr>
+          <p:nvPr>
+            <p:ph type="body"/>
+          </p:nvPr>
+        </p:nvSpPr>
+        <p:spPr>
+          <a:xfrm>
+            <a:off x="504000" y="1769040"/>
+            <a:ext cx="1053720" cy="2090520"/>
+          </a:xfrm>
+          <a:prstGeom prst="rect">
+            <a:avLst/>
+          </a:prstGeom>
+        </p:spPr>
+        <p:txBody>
+          <a:bodyPr lIns="0" rIns="0" tIns="0" bIns="0"/>
+          <a:p>
+            <a:endParaRPr/>
+          </a:p>
+        </p:txBody>
+      </p:sp>
+      <p:sp>
+        <p:nvSpPr>
+          <p:cNvPr id="137" name="PlaceHolder 3"/>
+          <p:cNvSpPr>
+            <a:spLocks noGrp="1"/>
+          </p:cNvSpPr>
+          <p:nvPr>
+            <p:ph type="body"/>
+          </p:nvPr>
+        </p:nvSpPr>
+        <p:spPr>
+          <a:xfrm>
+            <a:off x="1610640" y="1769040"/>
+            <a:ext cx="1053720" cy="2090520"/>
+          </a:xfrm>
+          <a:prstGeom prst="rect">
+            <a:avLst/>
+          </a:prstGeom>
+        </p:spPr>
+        <p:txBody>
+          <a:bodyPr lIns="0" rIns="0" tIns="0" bIns="0"/>
+          <a:p>
+            <a:endParaRPr/>
+          </a:p>
+        </p:txBody>
+      </p:sp>
+      <p:sp>
+        <p:nvSpPr>
+          <p:cNvPr id="138" name="PlaceHolder 4"/>
+          <p:cNvSpPr>
+            <a:spLocks noGrp="1"/>
+          </p:cNvSpPr>
+          <p:nvPr>
+            <p:ph type="body"/>
+          </p:nvPr>
+        </p:nvSpPr>
+        <p:spPr>
+          <a:xfrm>
+            <a:off x="1610640" y="4058640"/>
+            <a:ext cx="1053720" cy="2090520"/>
+          </a:xfrm>
+          <a:prstGeom prst="rect">
+            <a:avLst/>
+          </a:prstGeom>
+        </p:spPr>
+        <p:txBody>
+          <a:bodyPr lIns="0" rIns="0" tIns="0" bIns="0"/>
+          <a:p>
+            <a:endParaRPr/>
+          </a:p>
+        </p:txBody>
+      </p:sp>
+      <p:sp>
+        <p:nvSpPr>
+          <p:cNvPr id="139" name="PlaceHolder 5"/>
+          <p:cNvSpPr>
+            <a:spLocks noGrp="1"/>
+          </p:cNvSpPr>
+          <p:nvPr>
+            <p:ph type="body"/>
+          </p:nvPr>
+        </p:nvSpPr>
+        <p:spPr>
+          <a:xfrm>
+            <a:off x="504000" y="4058640"/>
+            <a:ext cx="1053720" cy="2090520"/>
+          </a:xfrm>
+          <a:prstGeom prst="rect">
+            <a:avLst/>
+          </a:prstGeom>
+        </p:spPr>
+        <p:txBody>
+          <a:bodyPr lIns="0" rIns="0" tIns="0" bIns="0"/>
+          <a:p>
+            <a:endParaRPr/>
+          </a:p>
+        </p:txBody>
+      </p:sp>
+    </p:spTree>
+  </p:cSld>
+</p:sldLayout>
+</file>
+
+<file path=ppt/slideLayouts/slideLayout48.xml><?xml version="1.0" encoding="utf-8"?>
+<p:sldLayout xmlns:a="http://schemas.openxmlformats.org/drawingml/2006/main" xmlns:p="http://schemas.openxmlformats.org/presentationml/2006/main" xmlns:r="http://schemas.openxmlformats.org/officeDocument/2006/relationships" type="blank" preserve="1">
+  <p:cSld name="Title, 6 Content">
+    <p:spTree>
+      <p:nvGrpSpPr>
+        <p:cNvPr id="1" name=""/>
+        <p:cNvGrpSpPr/>
+        <p:nvPr/>
+      </p:nvGrpSpPr>
+      <p:grpSpPr>
+        <a:xfrm>
+          <a:off x="0" y="0"/>
+          <a:ext cx="0" cy="0"/>
+          <a:chOff x="0" y="0"/>
+          <a:chExt cx="0" cy="0"/>
+        </a:xfrm>
+      </p:grpSpPr>
+      <p:sp>
+        <p:nvSpPr>
+          <p:cNvPr id="140" name="PlaceHolder 1"/>
+          <p:cNvSpPr>
+            <a:spLocks noGrp="1"/>
+          </p:cNvSpPr>
+          <p:nvPr>
+            <p:ph type="title"/>
+          </p:nvPr>
+        </p:nvSpPr>
+        <p:spPr>
+          <a:xfrm>
+            <a:off x="504000" y="301320"/>
+            <a:ext cx="9070560" cy="1262520"/>
+          </a:xfrm>
+          <a:prstGeom prst="rect">
+            <a:avLst/>
+          </a:prstGeom>
+        </p:spPr>
+        <p:txBody>
+          <a:bodyPr lIns="0" rIns="0" tIns="0" bIns="0" anchor="ctr"/>
+          <a:p>
+            <a:pPr algn="ctr"/>
+            <a:endParaRPr/>
+          </a:p>
+        </p:txBody>
+      </p:sp>
+      <p:sp>
+        <p:nvSpPr>
+          <p:cNvPr id="141" name="PlaceHolder 2"/>
+          <p:cNvSpPr>
+            <a:spLocks noGrp="1"/>
+          </p:cNvSpPr>
+          <p:nvPr>
+            <p:ph type="body"/>
+          </p:nvPr>
+        </p:nvSpPr>
+        <p:spPr>
+          <a:xfrm>
+            <a:off x="504000" y="1769040"/>
+            <a:ext cx="2159280" cy="4383360"/>
+          </a:xfrm>
+          <a:prstGeom prst="rect">
+            <a:avLst/>
+          </a:prstGeom>
+        </p:spPr>
+        <p:txBody>
+          <a:bodyPr lIns="0" rIns="0" tIns="0" bIns="0"/>
+          <a:p>
+            <a:endParaRPr/>
+          </a:p>
+        </p:txBody>
+      </p:sp>
+      <p:sp>
+        <p:nvSpPr>
+          <p:cNvPr id="142" name="PlaceHolder 3"/>
+          <p:cNvSpPr>
+            <a:spLocks noGrp="1"/>
+          </p:cNvSpPr>
+          <p:nvPr>
+            <p:ph type="body"/>
+          </p:nvPr>
+        </p:nvSpPr>
+        <p:spPr>
+          <a:xfrm>
+            <a:off x="504000" y="1769040"/>
+            <a:ext cx="2159280" cy="4383360"/>
+          </a:xfrm>
+          <a:prstGeom prst="rect">
+            <a:avLst/>
+          </a:prstGeom>
+        </p:spPr>
+        <p:txBody>
+          <a:bodyPr lIns="0" rIns="0" tIns="0" bIns="0"/>
+          <a:p>
+            <a:endParaRPr/>
+          </a:p>
+        </p:txBody>
+      </p:sp>
+      <p:pic>
+        <p:nvPicPr>
+          <p:cNvPr id="143" name="" descr=""/>
+          <p:cNvPicPr/>
+          <p:nvPr/>
+        </p:nvPicPr>
+        <p:blipFill>
+          <a:blip r:embed="rId2"/>
+          <a:stretch>
+            <a:fillRect/>
+          </a:stretch>
+        </p:blipFill>
+        <p:spPr>
+          <a:xfrm>
+            <a:off x="504000" y="3099240"/>
+            <a:ext cx="2159280" cy="1722600"/>
+          </a:xfrm>
+          <a:prstGeom prst="rect">
+            <a:avLst/>
+          </a:prstGeom>
+          <a:ln>
+            <a:noFill/>
+          </a:ln>
+        </p:spPr>
+      </p:pic>
+      <p:pic>
+        <p:nvPicPr>
+          <p:cNvPr id="144" name="" descr=""/>
+          <p:cNvPicPr/>
+          <p:nvPr/>
+        </p:nvPicPr>
+        <p:blipFill>
+          <a:blip r:embed="rId3"/>
+          <a:stretch>
+            <a:fillRect/>
+          </a:stretch>
+        </p:blipFill>
+        <p:spPr>
+          <a:xfrm>
+            <a:off x="504000" y="3099240"/>
+            <a:ext cx="2159280" cy="1722600"/>
+          </a:xfrm>
+          <a:prstGeom prst="rect">
+            <a:avLst/>
+          </a:prstGeom>
+          <a:ln>
+            <a:noFill/>
+          </a:ln>
+        </p:spPr>
+      </p:pic>
+    </p:spTree>
+  </p:cSld>
+</p:sldLayout>
+</file>
+
+<file path=ppt/slideLayouts/slideLayout49.xml><?xml version="1.0" encoding="utf-8"?>
+<p:sldLayout xmlns:a="http://schemas.openxmlformats.org/drawingml/2006/main" xmlns:p="http://schemas.openxmlformats.org/presentationml/2006/main" xmlns:r="http://schemas.openxmlformats.org/officeDocument/2006/relationships" type="blank" preserve="1">
+  <p:cSld name="Blank Slide">
+    <p:spTree>
+      <p:nvGrpSpPr>
+        <p:cNvPr id="1" name=""/>
+        <p:cNvGrpSpPr/>
+        <p:nvPr/>
+      </p:nvGrpSpPr>
+      <p:grpSpPr>
+        <a:xfrm>
+          <a:off x="0" y="0"/>
+          <a:ext cx="0" cy="0"/>
+          <a:chOff x="0" y="0"/>
+          <a:chExt cx="0" cy="0"/>
+        </a:xfrm>
+      </p:grpSpPr>
     </p:spTree>
   </p:cSld>
 </p:sldLayout>
@@ -3813,7 +4988,7 @@
         <p:spPr>
           <a:xfrm>
             <a:off x="504000" y="301320"/>
-            <a:ext cx="9070920" cy="1262520"/>
+            <a:ext cx="9070560" cy="1262520"/>
           </a:xfrm>
           <a:prstGeom prst="rect">
             <a:avLst/>
@@ -3823,6 +4998,991 @@
           <a:bodyPr lIns="0" rIns="0" tIns="0" bIns="0" anchor="ctr"/>
           <a:p>
             <a:pPr algn="ctr"/>
+            <a:endParaRPr/>
+          </a:p>
+        </p:txBody>
+      </p:sp>
+    </p:spTree>
+  </p:cSld>
+</p:sldLayout>
+</file>
+
+<file path=ppt/slideLayouts/slideLayout50.xml><?xml version="1.0" encoding="utf-8"?>
+<p:sldLayout xmlns:a="http://schemas.openxmlformats.org/drawingml/2006/main" xmlns:p="http://schemas.openxmlformats.org/presentationml/2006/main" xmlns:r="http://schemas.openxmlformats.org/officeDocument/2006/relationships" type="tx" preserve="1">
+  <p:cSld name="Title Slide">
+    <p:spTree>
+      <p:nvGrpSpPr>
+        <p:cNvPr id="1" name=""/>
+        <p:cNvGrpSpPr/>
+        <p:nvPr/>
+      </p:nvGrpSpPr>
+      <p:grpSpPr>
+        <a:xfrm>
+          <a:off x="0" y="0"/>
+          <a:ext cx="0" cy="0"/>
+          <a:chOff x="0" y="0"/>
+          <a:chExt cx="0" cy="0"/>
+        </a:xfrm>
+      </p:grpSpPr>
+      <p:sp>
+        <p:nvSpPr>
+          <p:cNvPr id="147" name="PlaceHolder 1"/>
+          <p:cNvSpPr>
+            <a:spLocks noGrp="1"/>
+          </p:cNvSpPr>
+          <p:nvPr>
+            <p:ph type="title"/>
+          </p:nvPr>
+        </p:nvSpPr>
+        <p:spPr>
+          <a:xfrm>
+            <a:off x="504000" y="301320"/>
+            <a:ext cx="9070560" cy="1262520"/>
+          </a:xfrm>
+          <a:prstGeom prst="rect">
+            <a:avLst/>
+          </a:prstGeom>
+        </p:spPr>
+        <p:txBody>
+          <a:bodyPr lIns="0" rIns="0" tIns="0" bIns="0" anchor="ctr"/>
+          <a:p>
+            <a:pPr algn="ctr"/>
+            <a:endParaRPr/>
+          </a:p>
+        </p:txBody>
+      </p:sp>
+      <p:sp>
+        <p:nvSpPr>
+          <p:cNvPr id="148" name="PlaceHolder 2"/>
+          <p:cNvSpPr>
+            <a:spLocks noGrp="1"/>
+          </p:cNvSpPr>
+          <p:nvPr>
+            <p:ph type="subTitle"/>
+          </p:nvPr>
+        </p:nvSpPr>
+        <p:spPr>
+          <a:xfrm>
+            <a:off x="504000" y="1769040"/>
+            <a:ext cx="2159280" cy="4383720"/>
+          </a:xfrm>
+          <a:prstGeom prst="rect">
+            <a:avLst/>
+          </a:prstGeom>
+        </p:spPr>
+        <p:txBody>
+          <a:bodyPr lIns="0" rIns="0" tIns="0" bIns="0" anchor="ctr"/>
+          <a:p>
+            <a:pPr algn="ctr"/>
+            <a:endParaRPr/>
+          </a:p>
+        </p:txBody>
+      </p:sp>
+    </p:spTree>
+  </p:cSld>
+</p:sldLayout>
+</file>
+
+<file path=ppt/slideLayouts/slideLayout51.xml><?xml version="1.0" encoding="utf-8"?>
+<p:sldLayout xmlns:a="http://schemas.openxmlformats.org/drawingml/2006/main" xmlns:p="http://schemas.openxmlformats.org/presentationml/2006/main" xmlns:r="http://schemas.openxmlformats.org/officeDocument/2006/relationships" type="obj" preserve="1">
+  <p:cSld name="Title, Content">
+    <p:spTree>
+      <p:nvGrpSpPr>
+        <p:cNvPr id="1" name=""/>
+        <p:cNvGrpSpPr/>
+        <p:nvPr/>
+      </p:nvGrpSpPr>
+      <p:grpSpPr>
+        <a:xfrm>
+          <a:off x="0" y="0"/>
+          <a:ext cx="0" cy="0"/>
+          <a:chOff x="0" y="0"/>
+          <a:chExt cx="0" cy="0"/>
+        </a:xfrm>
+      </p:grpSpPr>
+      <p:sp>
+        <p:nvSpPr>
+          <p:cNvPr id="149" name="PlaceHolder 1"/>
+          <p:cNvSpPr>
+            <a:spLocks noGrp="1"/>
+          </p:cNvSpPr>
+          <p:nvPr>
+            <p:ph type="title"/>
+          </p:nvPr>
+        </p:nvSpPr>
+        <p:spPr>
+          <a:xfrm>
+            <a:off x="504000" y="301320"/>
+            <a:ext cx="9070560" cy="1262520"/>
+          </a:xfrm>
+          <a:prstGeom prst="rect">
+            <a:avLst/>
+          </a:prstGeom>
+        </p:spPr>
+        <p:txBody>
+          <a:bodyPr lIns="0" rIns="0" tIns="0" bIns="0" anchor="ctr"/>
+          <a:p>
+            <a:pPr algn="ctr"/>
+            <a:endParaRPr/>
+          </a:p>
+        </p:txBody>
+      </p:sp>
+      <p:sp>
+        <p:nvSpPr>
+          <p:cNvPr id="150" name="PlaceHolder 2"/>
+          <p:cNvSpPr>
+            <a:spLocks noGrp="1"/>
+          </p:cNvSpPr>
+          <p:nvPr>
+            <p:ph type="body"/>
+          </p:nvPr>
+        </p:nvSpPr>
+        <p:spPr>
+          <a:xfrm>
+            <a:off x="504000" y="1769040"/>
+            <a:ext cx="2159280" cy="4383360"/>
+          </a:xfrm>
+          <a:prstGeom prst="rect">
+            <a:avLst/>
+          </a:prstGeom>
+        </p:spPr>
+        <p:txBody>
+          <a:bodyPr lIns="0" rIns="0" tIns="0" bIns="0"/>
+          <a:p>
+            <a:endParaRPr/>
+          </a:p>
+        </p:txBody>
+      </p:sp>
+    </p:spTree>
+  </p:cSld>
+</p:sldLayout>
+</file>
+
+<file path=ppt/slideLayouts/slideLayout52.xml><?xml version="1.0" encoding="utf-8"?>
+<p:sldLayout xmlns:a="http://schemas.openxmlformats.org/drawingml/2006/main" xmlns:p="http://schemas.openxmlformats.org/presentationml/2006/main" xmlns:r="http://schemas.openxmlformats.org/officeDocument/2006/relationships" type="twoObj" preserve="1">
+  <p:cSld name="Title, 2 Content">
+    <p:spTree>
+      <p:nvGrpSpPr>
+        <p:cNvPr id="1" name=""/>
+        <p:cNvGrpSpPr/>
+        <p:nvPr/>
+      </p:nvGrpSpPr>
+      <p:grpSpPr>
+        <a:xfrm>
+          <a:off x="0" y="0"/>
+          <a:ext cx="0" cy="0"/>
+          <a:chOff x="0" y="0"/>
+          <a:chExt cx="0" cy="0"/>
+        </a:xfrm>
+      </p:grpSpPr>
+      <p:sp>
+        <p:nvSpPr>
+          <p:cNvPr id="151" name="PlaceHolder 1"/>
+          <p:cNvSpPr>
+            <a:spLocks noGrp="1"/>
+          </p:cNvSpPr>
+          <p:nvPr>
+            <p:ph type="title"/>
+          </p:nvPr>
+        </p:nvSpPr>
+        <p:spPr>
+          <a:xfrm>
+            <a:off x="504000" y="301320"/>
+            <a:ext cx="9070560" cy="1262520"/>
+          </a:xfrm>
+          <a:prstGeom prst="rect">
+            <a:avLst/>
+          </a:prstGeom>
+        </p:spPr>
+        <p:txBody>
+          <a:bodyPr lIns="0" rIns="0" tIns="0" bIns="0" anchor="ctr"/>
+          <a:p>
+            <a:pPr algn="ctr"/>
+            <a:endParaRPr/>
+          </a:p>
+        </p:txBody>
+      </p:sp>
+      <p:sp>
+        <p:nvSpPr>
+          <p:cNvPr id="152" name="PlaceHolder 2"/>
+          <p:cNvSpPr>
+            <a:spLocks noGrp="1"/>
+          </p:cNvSpPr>
+          <p:nvPr>
+            <p:ph type="body"/>
+          </p:nvPr>
+        </p:nvSpPr>
+        <p:spPr>
+          <a:xfrm>
+            <a:off x="504000" y="1769040"/>
+            <a:ext cx="1053720" cy="4383360"/>
+          </a:xfrm>
+          <a:prstGeom prst="rect">
+            <a:avLst/>
+          </a:prstGeom>
+        </p:spPr>
+        <p:txBody>
+          <a:bodyPr lIns="0" rIns="0" tIns="0" bIns="0"/>
+          <a:p>
+            <a:endParaRPr/>
+          </a:p>
+        </p:txBody>
+      </p:sp>
+      <p:sp>
+        <p:nvSpPr>
+          <p:cNvPr id="153" name="PlaceHolder 3"/>
+          <p:cNvSpPr>
+            <a:spLocks noGrp="1"/>
+          </p:cNvSpPr>
+          <p:nvPr>
+            <p:ph type="body"/>
+          </p:nvPr>
+        </p:nvSpPr>
+        <p:spPr>
+          <a:xfrm>
+            <a:off x="1610640" y="1769040"/>
+            <a:ext cx="1053720" cy="4383360"/>
+          </a:xfrm>
+          <a:prstGeom prst="rect">
+            <a:avLst/>
+          </a:prstGeom>
+        </p:spPr>
+        <p:txBody>
+          <a:bodyPr lIns="0" rIns="0" tIns="0" bIns="0"/>
+          <a:p>
+            <a:endParaRPr/>
+          </a:p>
+        </p:txBody>
+      </p:sp>
+    </p:spTree>
+  </p:cSld>
+</p:sldLayout>
+</file>
+
+<file path=ppt/slideLayouts/slideLayout53.xml><?xml version="1.0" encoding="utf-8"?>
+<p:sldLayout xmlns:a="http://schemas.openxmlformats.org/drawingml/2006/main" xmlns:p="http://schemas.openxmlformats.org/presentationml/2006/main" xmlns:r="http://schemas.openxmlformats.org/officeDocument/2006/relationships" type="titleOnly" preserve="1">
+  <p:cSld name="Title Only">
+    <p:spTree>
+      <p:nvGrpSpPr>
+        <p:cNvPr id="1" name=""/>
+        <p:cNvGrpSpPr/>
+        <p:nvPr/>
+      </p:nvGrpSpPr>
+      <p:grpSpPr>
+        <a:xfrm>
+          <a:off x="0" y="0"/>
+          <a:ext cx="0" cy="0"/>
+          <a:chOff x="0" y="0"/>
+          <a:chExt cx="0" cy="0"/>
+        </a:xfrm>
+      </p:grpSpPr>
+      <p:sp>
+        <p:nvSpPr>
+          <p:cNvPr id="154" name="PlaceHolder 1"/>
+          <p:cNvSpPr>
+            <a:spLocks noGrp="1"/>
+          </p:cNvSpPr>
+          <p:nvPr>
+            <p:ph type="title"/>
+          </p:nvPr>
+        </p:nvSpPr>
+        <p:spPr>
+          <a:xfrm>
+            <a:off x="504000" y="301320"/>
+            <a:ext cx="9070560" cy="1262520"/>
+          </a:xfrm>
+          <a:prstGeom prst="rect">
+            <a:avLst/>
+          </a:prstGeom>
+        </p:spPr>
+        <p:txBody>
+          <a:bodyPr lIns="0" rIns="0" tIns="0" bIns="0" anchor="ctr"/>
+          <a:p>
+            <a:pPr algn="ctr"/>
+            <a:endParaRPr/>
+          </a:p>
+        </p:txBody>
+      </p:sp>
+    </p:spTree>
+  </p:cSld>
+</p:sldLayout>
+</file>
+
+<file path=ppt/slideLayouts/slideLayout54.xml><?xml version="1.0" encoding="utf-8"?>
+<p:sldLayout xmlns:a="http://schemas.openxmlformats.org/drawingml/2006/main" xmlns:p="http://schemas.openxmlformats.org/presentationml/2006/main" xmlns:r="http://schemas.openxmlformats.org/officeDocument/2006/relationships" type="objOnly" preserve="1">
+  <p:cSld name="Centered Text">
+    <p:spTree>
+      <p:nvGrpSpPr>
+        <p:cNvPr id="1" name=""/>
+        <p:cNvGrpSpPr/>
+        <p:nvPr/>
+      </p:nvGrpSpPr>
+      <p:grpSpPr>
+        <a:xfrm>
+          <a:off x="0" y="0"/>
+          <a:ext cx="0" cy="0"/>
+          <a:chOff x="0" y="0"/>
+          <a:chExt cx="0" cy="0"/>
+        </a:xfrm>
+      </p:grpSpPr>
+      <p:sp>
+        <p:nvSpPr>
+          <p:cNvPr id="155" name="PlaceHolder 1"/>
+          <p:cNvSpPr>
+            <a:spLocks noGrp="1"/>
+          </p:cNvSpPr>
+          <p:nvPr>
+            <p:ph type="subTitle"/>
+          </p:nvPr>
+        </p:nvSpPr>
+        <p:spPr>
+          <a:xfrm>
+            <a:off x="504000" y="301320"/>
+            <a:ext cx="9070560" cy="5852160"/>
+          </a:xfrm>
+          <a:prstGeom prst="rect">
+            <a:avLst/>
+          </a:prstGeom>
+        </p:spPr>
+        <p:txBody>
+          <a:bodyPr lIns="0" rIns="0" tIns="0" bIns="0" anchor="ctr"/>
+          <a:p>
+            <a:pPr algn="ctr"/>
+            <a:endParaRPr/>
+          </a:p>
+        </p:txBody>
+      </p:sp>
+    </p:spTree>
+  </p:cSld>
+</p:sldLayout>
+</file>
+
+<file path=ppt/slideLayouts/slideLayout55.xml><?xml version="1.0" encoding="utf-8"?>
+<p:sldLayout xmlns:a="http://schemas.openxmlformats.org/drawingml/2006/main" xmlns:p="http://schemas.openxmlformats.org/presentationml/2006/main" xmlns:r="http://schemas.openxmlformats.org/officeDocument/2006/relationships" type="twoObjAndObj" preserve="1">
+  <p:cSld name="Title, 2 Content and Content">
+    <p:spTree>
+      <p:nvGrpSpPr>
+        <p:cNvPr id="1" name=""/>
+        <p:cNvGrpSpPr/>
+        <p:nvPr/>
+      </p:nvGrpSpPr>
+      <p:grpSpPr>
+        <a:xfrm>
+          <a:off x="0" y="0"/>
+          <a:ext cx="0" cy="0"/>
+          <a:chOff x="0" y="0"/>
+          <a:chExt cx="0" cy="0"/>
+        </a:xfrm>
+      </p:grpSpPr>
+      <p:sp>
+        <p:nvSpPr>
+          <p:cNvPr id="156" name="PlaceHolder 1"/>
+          <p:cNvSpPr>
+            <a:spLocks noGrp="1"/>
+          </p:cNvSpPr>
+          <p:nvPr>
+            <p:ph type="title"/>
+          </p:nvPr>
+        </p:nvSpPr>
+        <p:spPr>
+          <a:xfrm>
+            <a:off x="504000" y="301320"/>
+            <a:ext cx="9070560" cy="1262520"/>
+          </a:xfrm>
+          <a:prstGeom prst="rect">
+            <a:avLst/>
+          </a:prstGeom>
+        </p:spPr>
+        <p:txBody>
+          <a:bodyPr lIns="0" rIns="0" tIns="0" bIns="0" anchor="ctr"/>
+          <a:p>
+            <a:pPr algn="ctr"/>
+            <a:endParaRPr/>
+          </a:p>
+        </p:txBody>
+      </p:sp>
+      <p:sp>
+        <p:nvSpPr>
+          <p:cNvPr id="157" name="PlaceHolder 2"/>
+          <p:cNvSpPr>
+            <a:spLocks noGrp="1"/>
+          </p:cNvSpPr>
+          <p:nvPr>
+            <p:ph type="body"/>
+          </p:nvPr>
+        </p:nvSpPr>
+        <p:spPr>
+          <a:xfrm>
+            <a:off x="504000" y="1769040"/>
+            <a:ext cx="1053720" cy="2090520"/>
+          </a:xfrm>
+          <a:prstGeom prst="rect">
+            <a:avLst/>
+          </a:prstGeom>
+        </p:spPr>
+        <p:txBody>
+          <a:bodyPr lIns="0" rIns="0" tIns="0" bIns="0"/>
+          <a:p>
+            <a:endParaRPr/>
+          </a:p>
+        </p:txBody>
+      </p:sp>
+      <p:sp>
+        <p:nvSpPr>
+          <p:cNvPr id="158" name="PlaceHolder 3"/>
+          <p:cNvSpPr>
+            <a:spLocks noGrp="1"/>
+          </p:cNvSpPr>
+          <p:nvPr>
+            <p:ph type="body"/>
+          </p:nvPr>
+        </p:nvSpPr>
+        <p:spPr>
+          <a:xfrm>
+            <a:off x="504000" y="4058640"/>
+            <a:ext cx="1053720" cy="2090520"/>
+          </a:xfrm>
+          <a:prstGeom prst="rect">
+            <a:avLst/>
+          </a:prstGeom>
+        </p:spPr>
+        <p:txBody>
+          <a:bodyPr lIns="0" rIns="0" tIns="0" bIns="0"/>
+          <a:p>
+            <a:endParaRPr/>
+          </a:p>
+        </p:txBody>
+      </p:sp>
+      <p:sp>
+        <p:nvSpPr>
+          <p:cNvPr id="159" name="PlaceHolder 4"/>
+          <p:cNvSpPr>
+            <a:spLocks noGrp="1"/>
+          </p:cNvSpPr>
+          <p:nvPr>
+            <p:ph type="body"/>
+          </p:nvPr>
+        </p:nvSpPr>
+        <p:spPr>
+          <a:xfrm>
+            <a:off x="1610640" y="1769040"/>
+            <a:ext cx="1053720" cy="4383360"/>
+          </a:xfrm>
+          <a:prstGeom prst="rect">
+            <a:avLst/>
+          </a:prstGeom>
+        </p:spPr>
+        <p:txBody>
+          <a:bodyPr lIns="0" rIns="0" tIns="0" bIns="0"/>
+          <a:p>
+            <a:endParaRPr/>
+          </a:p>
+        </p:txBody>
+      </p:sp>
+    </p:spTree>
+  </p:cSld>
+</p:sldLayout>
+</file>
+
+<file path=ppt/slideLayouts/slideLayout56.xml><?xml version="1.0" encoding="utf-8"?>
+<p:sldLayout xmlns:a="http://schemas.openxmlformats.org/drawingml/2006/main" xmlns:p="http://schemas.openxmlformats.org/presentationml/2006/main" xmlns:r="http://schemas.openxmlformats.org/officeDocument/2006/relationships" type="objAndTwoObj" preserve="1">
+  <p:cSld name="Title Content and 2 Content">
+    <p:spTree>
+      <p:nvGrpSpPr>
+        <p:cNvPr id="1" name=""/>
+        <p:cNvGrpSpPr/>
+        <p:nvPr/>
+      </p:nvGrpSpPr>
+      <p:grpSpPr>
+        <a:xfrm>
+          <a:off x="0" y="0"/>
+          <a:ext cx="0" cy="0"/>
+          <a:chOff x="0" y="0"/>
+          <a:chExt cx="0" cy="0"/>
+        </a:xfrm>
+      </p:grpSpPr>
+      <p:sp>
+        <p:nvSpPr>
+          <p:cNvPr id="160" name="PlaceHolder 1"/>
+          <p:cNvSpPr>
+            <a:spLocks noGrp="1"/>
+          </p:cNvSpPr>
+          <p:nvPr>
+            <p:ph type="title"/>
+          </p:nvPr>
+        </p:nvSpPr>
+        <p:spPr>
+          <a:xfrm>
+            <a:off x="504000" y="301320"/>
+            <a:ext cx="9070560" cy="1262520"/>
+          </a:xfrm>
+          <a:prstGeom prst="rect">
+            <a:avLst/>
+          </a:prstGeom>
+        </p:spPr>
+        <p:txBody>
+          <a:bodyPr lIns="0" rIns="0" tIns="0" bIns="0" anchor="ctr"/>
+          <a:p>
+            <a:pPr algn="ctr"/>
+            <a:endParaRPr/>
+          </a:p>
+        </p:txBody>
+      </p:sp>
+      <p:sp>
+        <p:nvSpPr>
+          <p:cNvPr id="161" name="PlaceHolder 2"/>
+          <p:cNvSpPr>
+            <a:spLocks noGrp="1"/>
+          </p:cNvSpPr>
+          <p:nvPr>
+            <p:ph type="body"/>
+          </p:nvPr>
+        </p:nvSpPr>
+        <p:spPr>
+          <a:xfrm>
+            <a:off x="504000" y="1769040"/>
+            <a:ext cx="1053720" cy="4383360"/>
+          </a:xfrm>
+          <a:prstGeom prst="rect">
+            <a:avLst/>
+          </a:prstGeom>
+        </p:spPr>
+        <p:txBody>
+          <a:bodyPr lIns="0" rIns="0" tIns="0" bIns="0"/>
+          <a:p>
+            <a:endParaRPr/>
+          </a:p>
+        </p:txBody>
+      </p:sp>
+      <p:sp>
+        <p:nvSpPr>
+          <p:cNvPr id="162" name="PlaceHolder 3"/>
+          <p:cNvSpPr>
+            <a:spLocks noGrp="1"/>
+          </p:cNvSpPr>
+          <p:nvPr>
+            <p:ph type="body"/>
+          </p:nvPr>
+        </p:nvSpPr>
+        <p:spPr>
+          <a:xfrm>
+            <a:off x="1610640" y="1769040"/>
+            <a:ext cx="1053720" cy="2090520"/>
+          </a:xfrm>
+          <a:prstGeom prst="rect">
+            <a:avLst/>
+          </a:prstGeom>
+        </p:spPr>
+        <p:txBody>
+          <a:bodyPr lIns="0" rIns="0" tIns="0" bIns="0"/>
+          <a:p>
+            <a:endParaRPr/>
+          </a:p>
+        </p:txBody>
+      </p:sp>
+      <p:sp>
+        <p:nvSpPr>
+          <p:cNvPr id="163" name="PlaceHolder 4"/>
+          <p:cNvSpPr>
+            <a:spLocks noGrp="1"/>
+          </p:cNvSpPr>
+          <p:nvPr>
+            <p:ph type="body"/>
+          </p:nvPr>
+        </p:nvSpPr>
+        <p:spPr>
+          <a:xfrm>
+            <a:off x="1610640" y="4058640"/>
+            <a:ext cx="1053720" cy="2090520"/>
+          </a:xfrm>
+          <a:prstGeom prst="rect">
+            <a:avLst/>
+          </a:prstGeom>
+        </p:spPr>
+        <p:txBody>
+          <a:bodyPr lIns="0" rIns="0" tIns="0" bIns="0"/>
+          <a:p>
+            <a:endParaRPr/>
+          </a:p>
+        </p:txBody>
+      </p:sp>
+    </p:spTree>
+  </p:cSld>
+</p:sldLayout>
+</file>
+
+<file path=ppt/slideLayouts/slideLayout57.xml><?xml version="1.0" encoding="utf-8"?>
+<p:sldLayout xmlns:a="http://schemas.openxmlformats.org/drawingml/2006/main" xmlns:p="http://schemas.openxmlformats.org/presentationml/2006/main" xmlns:r="http://schemas.openxmlformats.org/officeDocument/2006/relationships" type="twoObjOverTx" preserve="1">
+  <p:cSld name="Title, 2 Content over Content">
+    <p:spTree>
+      <p:nvGrpSpPr>
+        <p:cNvPr id="1" name=""/>
+        <p:cNvGrpSpPr/>
+        <p:nvPr/>
+      </p:nvGrpSpPr>
+      <p:grpSpPr>
+        <a:xfrm>
+          <a:off x="0" y="0"/>
+          <a:ext cx="0" cy="0"/>
+          <a:chOff x="0" y="0"/>
+          <a:chExt cx="0" cy="0"/>
+        </a:xfrm>
+      </p:grpSpPr>
+      <p:sp>
+        <p:nvSpPr>
+          <p:cNvPr id="164" name="PlaceHolder 1"/>
+          <p:cNvSpPr>
+            <a:spLocks noGrp="1"/>
+          </p:cNvSpPr>
+          <p:nvPr>
+            <p:ph type="title"/>
+          </p:nvPr>
+        </p:nvSpPr>
+        <p:spPr>
+          <a:xfrm>
+            <a:off x="504000" y="301320"/>
+            <a:ext cx="9070560" cy="1262520"/>
+          </a:xfrm>
+          <a:prstGeom prst="rect">
+            <a:avLst/>
+          </a:prstGeom>
+        </p:spPr>
+        <p:txBody>
+          <a:bodyPr lIns="0" rIns="0" tIns="0" bIns="0" anchor="ctr"/>
+          <a:p>
+            <a:pPr algn="ctr"/>
+            <a:endParaRPr/>
+          </a:p>
+        </p:txBody>
+      </p:sp>
+      <p:sp>
+        <p:nvSpPr>
+          <p:cNvPr id="165" name="PlaceHolder 2"/>
+          <p:cNvSpPr>
+            <a:spLocks noGrp="1"/>
+          </p:cNvSpPr>
+          <p:nvPr>
+            <p:ph type="body"/>
+          </p:nvPr>
+        </p:nvSpPr>
+        <p:spPr>
+          <a:xfrm>
+            <a:off x="504000" y="1769040"/>
+            <a:ext cx="1053720" cy="2090520"/>
+          </a:xfrm>
+          <a:prstGeom prst="rect">
+            <a:avLst/>
+          </a:prstGeom>
+        </p:spPr>
+        <p:txBody>
+          <a:bodyPr lIns="0" rIns="0" tIns="0" bIns="0"/>
+          <a:p>
+            <a:endParaRPr/>
+          </a:p>
+        </p:txBody>
+      </p:sp>
+      <p:sp>
+        <p:nvSpPr>
+          <p:cNvPr id="166" name="PlaceHolder 3"/>
+          <p:cNvSpPr>
+            <a:spLocks noGrp="1"/>
+          </p:cNvSpPr>
+          <p:nvPr>
+            <p:ph type="body"/>
+          </p:nvPr>
+        </p:nvSpPr>
+        <p:spPr>
+          <a:xfrm>
+            <a:off x="1610640" y="1769040"/>
+            <a:ext cx="1053720" cy="2090520"/>
+          </a:xfrm>
+          <a:prstGeom prst="rect">
+            <a:avLst/>
+          </a:prstGeom>
+        </p:spPr>
+        <p:txBody>
+          <a:bodyPr lIns="0" rIns="0" tIns="0" bIns="0"/>
+          <a:p>
+            <a:endParaRPr/>
+          </a:p>
+        </p:txBody>
+      </p:sp>
+      <p:sp>
+        <p:nvSpPr>
+          <p:cNvPr id="167" name="PlaceHolder 4"/>
+          <p:cNvSpPr>
+            <a:spLocks noGrp="1"/>
+          </p:cNvSpPr>
+          <p:nvPr>
+            <p:ph type="body"/>
+          </p:nvPr>
+        </p:nvSpPr>
+        <p:spPr>
+          <a:xfrm>
+            <a:off x="504000" y="4058640"/>
+            <a:ext cx="2159280" cy="2090520"/>
+          </a:xfrm>
+          <a:prstGeom prst="rect">
+            <a:avLst/>
+          </a:prstGeom>
+        </p:spPr>
+        <p:txBody>
+          <a:bodyPr lIns="0" rIns="0" tIns="0" bIns="0"/>
+          <a:p>
+            <a:endParaRPr/>
+          </a:p>
+        </p:txBody>
+      </p:sp>
+    </p:spTree>
+  </p:cSld>
+</p:sldLayout>
+</file>
+
+<file path=ppt/slideLayouts/slideLayout58.xml><?xml version="1.0" encoding="utf-8"?>
+<p:sldLayout xmlns:a="http://schemas.openxmlformats.org/drawingml/2006/main" xmlns:p="http://schemas.openxmlformats.org/presentationml/2006/main" xmlns:r="http://schemas.openxmlformats.org/officeDocument/2006/relationships" type="objOverTx" preserve="1">
+  <p:cSld name="Title, Content over Content">
+    <p:spTree>
+      <p:nvGrpSpPr>
+        <p:cNvPr id="1" name=""/>
+        <p:cNvGrpSpPr/>
+        <p:nvPr/>
+      </p:nvGrpSpPr>
+      <p:grpSpPr>
+        <a:xfrm>
+          <a:off x="0" y="0"/>
+          <a:ext cx="0" cy="0"/>
+          <a:chOff x="0" y="0"/>
+          <a:chExt cx="0" cy="0"/>
+        </a:xfrm>
+      </p:grpSpPr>
+      <p:sp>
+        <p:nvSpPr>
+          <p:cNvPr id="168" name="PlaceHolder 1"/>
+          <p:cNvSpPr>
+            <a:spLocks noGrp="1"/>
+          </p:cNvSpPr>
+          <p:nvPr>
+            <p:ph type="title"/>
+          </p:nvPr>
+        </p:nvSpPr>
+        <p:spPr>
+          <a:xfrm>
+            <a:off x="504000" y="301320"/>
+            <a:ext cx="9070560" cy="1262520"/>
+          </a:xfrm>
+          <a:prstGeom prst="rect">
+            <a:avLst/>
+          </a:prstGeom>
+        </p:spPr>
+        <p:txBody>
+          <a:bodyPr lIns="0" rIns="0" tIns="0" bIns="0" anchor="ctr"/>
+          <a:p>
+            <a:pPr algn="ctr"/>
+            <a:endParaRPr/>
+          </a:p>
+        </p:txBody>
+      </p:sp>
+      <p:sp>
+        <p:nvSpPr>
+          <p:cNvPr id="169" name="PlaceHolder 2"/>
+          <p:cNvSpPr>
+            <a:spLocks noGrp="1"/>
+          </p:cNvSpPr>
+          <p:nvPr>
+            <p:ph type="body"/>
+          </p:nvPr>
+        </p:nvSpPr>
+        <p:spPr>
+          <a:xfrm>
+            <a:off x="504000" y="1769040"/>
+            <a:ext cx="2159280" cy="2090520"/>
+          </a:xfrm>
+          <a:prstGeom prst="rect">
+            <a:avLst/>
+          </a:prstGeom>
+        </p:spPr>
+        <p:txBody>
+          <a:bodyPr lIns="0" rIns="0" tIns="0" bIns="0"/>
+          <a:p>
+            <a:endParaRPr/>
+          </a:p>
+        </p:txBody>
+      </p:sp>
+      <p:sp>
+        <p:nvSpPr>
+          <p:cNvPr id="170" name="PlaceHolder 3"/>
+          <p:cNvSpPr>
+            <a:spLocks noGrp="1"/>
+          </p:cNvSpPr>
+          <p:nvPr>
+            <p:ph type="body"/>
+          </p:nvPr>
+        </p:nvSpPr>
+        <p:spPr>
+          <a:xfrm>
+            <a:off x="504000" y="4058640"/>
+            <a:ext cx="2159280" cy="2090520"/>
+          </a:xfrm>
+          <a:prstGeom prst="rect">
+            <a:avLst/>
+          </a:prstGeom>
+        </p:spPr>
+        <p:txBody>
+          <a:bodyPr lIns="0" rIns="0" tIns="0" bIns="0"/>
+          <a:p>
+            <a:endParaRPr/>
+          </a:p>
+        </p:txBody>
+      </p:sp>
+    </p:spTree>
+  </p:cSld>
+</p:sldLayout>
+</file>
+
+<file path=ppt/slideLayouts/slideLayout59.xml><?xml version="1.0" encoding="utf-8"?>
+<p:sldLayout xmlns:a="http://schemas.openxmlformats.org/drawingml/2006/main" xmlns:p="http://schemas.openxmlformats.org/presentationml/2006/main" xmlns:r="http://schemas.openxmlformats.org/officeDocument/2006/relationships" type="fourObj" preserve="1">
+  <p:cSld name="Title, 4 Content">
+    <p:spTree>
+      <p:nvGrpSpPr>
+        <p:cNvPr id="1" name=""/>
+        <p:cNvGrpSpPr/>
+        <p:nvPr/>
+      </p:nvGrpSpPr>
+      <p:grpSpPr>
+        <a:xfrm>
+          <a:off x="0" y="0"/>
+          <a:ext cx="0" cy="0"/>
+          <a:chOff x="0" y="0"/>
+          <a:chExt cx="0" cy="0"/>
+        </a:xfrm>
+      </p:grpSpPr>
+      <p:sp>
+        <p:nvSpPr>
+          <p:cNvPr id="171" name="PlaceHolder 1"/>
+          <p:cNvSpPr>
+            <a:spLocks noGrp="1"/>
+          </p:cNvSpPr>
+          <p:nvPr>
+            <p:ph type="title"/>
+          </p:nvPr>
+        </p:nvSpPr>
+        <p:spPr>
+          <a:xfrm>
+            <a:off x="504000" y="301320"/>
+            <a:ext cx="9070560" cy="1262520"/>
+          </a:xfrm>
+          <a:prstGeom prst="rect">
+            <a:avLst/>
+          </a:prstGeom>
+        </p:spPr>
+        <p:txBody>
+          <a:bodyPr lIns="0" rIns="0" tIns="0" bIns="0" anchor="ctr"/>
+          <a:p>
+            <a:pPr algn="ctr"/>
+            <a:endParaRPr/>
+          </a:p>
+        </p:txBody>
+      </p:sp>
+      <p:sp>
+        <p:nvSpPr>
+          <p:cNvPr id="172" name="PlaceHolder 2"/>
+          <p:cNvSpPr>
+            <a:spLocks noGrp="1"/>
+          </p:cNvSpPr>
+          <p:nvPr>
+            <p:ph type="body"/>
+          </p:nvPr>
+        </p:nvSpPr>
+        <p:spPr>
+          <a:xfrm>
+            <a:off x="504000" y="1769040"/>
+            <a:ext cx="1053720" cy="2090520"/>
+          </a:xfrm>
+          <a:prstGeom prst="rect">
+            <a:avLst/>
+          </a:prstGeom>
+        </p:spPr>
+        <p:txBody>
+          <a:bodyPr lIns="0" rIns="0" tIns="0" bIns="0"/>
+          <a:p>
+            <a:endParaRPr/>
+          </a:p>
+        </p:txBody>
+      </p:sp>
+      <p:sp>
+        <p:nvSpPr>
+          <p:cNvPr id="173" name="PlaceHolder 3"/>
+          <p:cNvSpPr>
+            <a:spLocks noGrp="1"/>
+          </p:cNvSpPr>
+          <p:nvPr>
+            <p:ph type="body"/>
+          </p:nvPr>
+        </p:nvSpPr>
+        <p:spPr>
+          <a:xfrm>
+            <a:off x="1610640" y="1769040"/>
+            <a:ext cx="1053720" cy="2090520"/>
+          </a:xfrm>
+          <a:prstGeom prst="rect">
+            <a:avLst/>
+          </a:prstGeom>
+        </p:spPr>
+        <p:txBody>
+          <a:bodyPr lIns="0" rIns="0" tIns="0" bIns="0"/>
+          <a:p>
+            <a:endParaRPr/>
+          </a:p>
+        </p:txBody>
+      </p:sp>
+      <p:sp>
+        <p:nvSpPr>
+          <p:cNvPr id="174" name="PlaceHolder 4"/>
+          <p:cNvSpPr>
+            <a:spLocks noGrp="1"/>
+          </p:cNvSpPr>
+          <p:nvPr>
+            <p:ph type="body"/>
+          </p:nvPr>
+        </p:nvSpPr>
+        <p:spPr>
+          <a:xfrm>
+            <a:off x="1610640" y="4058640"/>
+            <a:ext cx="1053720" cy="2090520"/>
+          </a:xfrm>
+          <a:prstGeom prst="rect">
+            <a:avLst/>
+          </a:prstGeom>
+        </p:spPr>
+        <p:txBody>
+          <a:bodyPr lIns="0" rIns="0" tIns="0" bIns="0"/>
+          <a:p>
+            <a:endParaRPr/>
+          </a:p>
+        </p:txBody>
+      </p:sp>
+      <p:sp>
+        <p:nvSpPr>
+          <p:cNvPr id="175" name="PlaceHolder 5"/>
+          <p:cNvSpPr>
+            <a:spLocks noGrp="1"/>
+          </p:cNvSpPr>
+          <p:nvPr>
+            <p:ph type="body"/>
+          </p:nvPr>
+        </p:nvSpPr>
+        <p:spPr>
+          <a:xfrm>
+            <a:off x="504000" y="4058640"/>
+            <a:ext cx="1053720" cy="2090520"/>
+          </a:xfrm>
+          <a:prstGeom prst="rect">
+            <a:avLst/>
+          </a:prstGeom>
+        </p:spPr>
+        <p:txBody>
+          <a:bodyPr lIns="0" rIns="0" tIns="0" bIns="0"/>
+          <a:p>
             <a:endParaRPr/>
           </a:p>
         </p:txBody>
@@ -3862,7 +6022,7 @@
         <p:spPr>
           <a:xfrm>
             <a:off x="504000" y="301320"/>
-            <a:ext cx="9070920" cy="5852160"/>
+            <a:ext cx="9070560" cy="5852160"/>
           </a:xfrm>
           <a:prstGeom prst="rect">
             <a:avLst/>
@@ -3876,6 +6036,157 @@
           </a:p>
         </p:txBody>
       </p:sp>
+    </p:spTree>
+  </p:cSld>
+</p:sldLayout>
+</file>
+
+<file path=ppt/slideLayouts/slideLayout60.xml><?xml version="1.0" encoding="utf-8"?>
+<p:sldLayout xmlns:a="http://schemas.openxmlformats.org/drawingml/2006/main" xmlns:p="http://schemas.openxmlformats.org/presentationml/2006/main" xmlns:r="http://schemas.openxmlformats.org/officeDocument/2006/relationships" type="blank" preserve="1">
+  <p:cSld name="Title, 6 Content">
+    <p:spTree>
+      <p:nvGrpSpPr>
+        <p:cNvPr id="1" name=""/>
+        <p:cNvGrpSpPr/>
+        <p:nvPr/>
+      </p:nvGrpSpPr>
+      <p:grpSpPr>
+        <a:xfrm>
+          <a:off x="0" y="0"/>
+          <a:ext cx="0" cy="0"/>
+          <a:chOff x="0" y="0"/>
+          <a:chExt cx="0" cy="0"/>
+        </a:xfrm>
+      </p:grpSpPr>
+      <p:sp>
+        <p:nvSpPr>
+          <p:cNvPr id="176" name="PlaceHolder 1"/>
+          <p:cNvSpPr>
+            <a:spLocks noGrp="1"/>
+          </p:cNvSpPr>
+          <p:nvPr>
+            <p:ph type="title"/>
+          </p:nvPr>
+        </p:nvSpPr>
+        <p:spPr>
+          <a:xfrm>
+            <a:off x="504000" y="301320"/>
+            <a:ext cx="9070560" cy="1262520"/>
+          </a:xfrm>
+          <a:prstGeom prst="rect">
+            <a:avLst/>
+          </a:prstGeom>
+        </p:spPr>
+        <p:txBody>
+          <a:bodyPr lIns="0" rIns="0" tIns="0" bIns="0" anchor="ctr"/>
+          <a:p>
+            <a:pPr algn="ctr"/>
+            <a:endParaRPr/>
+          </a:p>
+        </p:txBody>
+      </p:sp>
+      <p:sp>
+        <p:nvSpPr>
+          <p:cNvPr id="177" name="PlaceHolder 2"/>
+          <p:cNvSpPr>
+            <a:spLocks noGrp="1"/>
+          </p:cNvSpPr>
+          <p:nvPr>
+            <p:ph type="body"/>
+          </p:nvPr>
+        </p:nvSpPr>
+        <p:spPr>
+          <a:xfrm>
+            <a:off x="504000" y="1769040"/>
+            <a:ext cx="2159280" cy="4383360"/>
+          </a:xfrm>
+          <a:prstGeom prst="rect">
+            <a:avLst/>
+          </a:prstGeom>
+        </p:spPr>
+        <p:txBody>
+          <a:bodyPr lIns="0" rIns="0" tIns="0" bIns="0"/>
+          <a:p>
+            <a:endParaRPr/>
+          </a:p>
+        </p:txBody>
+      </p:sp>
+      <p:sp>
+        <p:nvSpPr>
+          <p:cNvPr id="178" name="PlaceHolder 3"/>
+          <p:cNvSpPr>
+            <a:spLocks noGrp="1"/>
+          </p:cNvSpPr>
+          <p:nvPr>
+            <p:ph type="body"/>
+          </p:nvPr>
+        </p:nvSpPr>
+        <p:spPr>
+          <a:xfrm>
+            <a:off x="504000" y="1769040"/>
+            <a:ext cx="2159280" cy="4383360"/>
+          </a:xfrm>
+          <a:prstGeom prst="rect">
+            <a:avLst/>
+          </a:prstGeom>
+        </p:spPr>
+        <p:txBody>
+          <a:bodyPr lIns="0" rIns="0" tIns="0" bIns="0"/>
+          <a:p>
+            <a:endParaRPr/>
+          </a:p>
+        </p:txBody>
+      </p:sp>
+      <p:pic>
+        <p:nvPicPr>
+          <p:cNvPr id="179" name="" descr=""/>
+          <p:cNvPicPr/>
+          <p:nvPr/>
+        </p:nvPicPr>
+        <p:blipFill>
+          <a:blip r:embed="rId2"/>
+          <a:stretch>
+            <a:fillRect/>
+          </a:stretch>
+        </p:blipFill>
+        <p:spPr>
+          <a:xfrm>
+            <a:off x="504000" y="3099240"/>
+            <a:ext cx="2159280" cy="1722600"/>
+          </a:xfrm>
+          <a:prstGeom prst="rect">
+            <a:avLst/>
+          </a:prstGeom>
+          <a:ln>
+            <a:noFill/>
+          </a:ln>
+        </p:spPr>
+      </p:pic>
+      <p:pic>
+        <p:nvPicPr>
+          <p:cNvPr id="180" name="" descr=""/>
+          <p:cNvPicPr/>
+          <p:nvPr/>
+        </p:nvPicPr>
+        <p:blipFill>
+          <a:blip r:embed="rId3"/>
+          <a:stretch>
+            <a:fillRect/>
+          </a:stretch>
+        </p:blipFill>
+        <p:spPr>
+          <a:xfrm>
+            <a:off x="504000" y="3099240"/>
+            <a:ext cx="2159280" cy="1722600"/>
+          </a:xfrm>
+          <a:prstGeom prst="rect">
+            <a:avLst/>
+          </a:prstGeom>
+          <a:ln>
+            <a:noFill/>
+          </a:ln>
+        </p:spPr>
+      </p:pic>
     </p:spTree>
   </p:cSld>
 </p:sldLayout>
@@ -3911,7 +6222,7 @@
         <p:spPr>
           <a:xfrm>
             <a:off x="504000" y="301320"/>
-            <a:ext cx="9070920" cy="1262520"/>
+            <a:ext cx="9070560" cy="1262520"/>
           </a:xfrm>
           <a:prstGeom prst="rect">
             <a:avLst/>
@@ -3938,7 +6249,7 @@
         <p:spPr>
           <a:xfrm>
             <a:off x="504000" y="1769040"/>
-            <a:ext cx="1053720" cy="2090880"/>
+            <a:ext cx="1053720" cy="2090520"/>
           </a:xfrm>
           <a:prstGeom prst="rect">
             <a:avLst/>
@@ -3963,8 +6274,8 @@
         </p:nvSpPr>
         <p:spPr>
           <a:xfrm>
-            <a:off x="504000" y="4059000"/>
-            <a:ext cx="1053720" cy="2090880"/>
+            <a:off x="504000" y="4058640"/>
+            <a:ext cx="1053720" cy="2090520"/>
           </a:xfrm>
           <a:prstGeom prst="rect">
             <a:avLst/>
@@ -3990,7 +6301,7 @@
         <p:spPr>
           <a:xfrm>
             <a:off x="1610640" y="1769040"/>
-            <a:ext cx="1053720" cy="4383720"/>
+            <a:ext cx="1053720" cy="4383360"/>
           </a:xfrm>
           <a:prstGeom prst="rect">
             <a:avLst/>
@@ -4038,7 +6349,7 @@
         <p:spPr>
           <a:xfrm>
             <a:off x="504000" y="301320"/>
-            <a:ext cx="9070920" cy="1262520"/>
+            <a:ext cx="9070560" cy="1262520"/>
           </a:xfrm>
           <a:prstGeom prst="rect">
             <a:avLst/>
@@ -4065,7 +6376,7 @@
         <p:spPr>
           <a:xfrm>
             <a:off x="504000" y="1769040"/>
-            <a:ext cx="1053720" cy="4383720"/>
+            <a:ext cx="1053720" cy="4383360"/>
           </a:xfrm>
           <a:prstGeom prst="rect">
             <a:avLst/>
@@ -4091,7 +6402,7 @@
         <p:spPr>
           <a:xfrm>
             <a:off x="1610640" y="1769040"/>
-            <a:ext cx="1053720" cy="2090880"/>
+            <a:ext cx="1053720" cy="2090520"/>
           </a:xfrm>
           <a:prstGeom prst="rect">
             <a:avLst/>
@@ -4116,8 +6427,8 @@
         </p:nvSpPr>
         <p:spPr>
           <a:xfrm>
-            <a:off x="1610640" y="4059000"/>
-            <a:ext cx="1053720" cy="2090880"/>
+            <a:off x="1610640" y="4058640"/>
+            <a:ext cx="1053720" cy="2090520"/>
           </a:xfrm>
           <a:prstGeom prst="rect">
             <a:avLst/>
@@ -4165,7 +6476,7 @@
         <p:spPr>
           <a:xfrm>
             <a:off x="504000" y="301320"/>
-            <a:ext cx="9070920" cy="1262520"/>
+            <a:ext cx="9070560" cy="1262520"/>
           </a:xfrm>
           <a:prstGeom prst="rect">
             <a:avLst/>
@@ -4192,7 +6503,7 @@
         <p:spPr>
           <a:xfrm>
             <a:off x="504000" y="1769040"/>
-            <a:ext cx="1053720" cy="2090880"/>
+            <a:ext cx="1053720" cy="2090520"/>
           </a:xfrm>
           <a:prstGeom prst="rect">
             <a:avLst/>
@@ -4218,7 +6529,7 @@
         <p:spPr>
           <a:xfrm>
             <a:off x="1610640" y="1769040"/>
-            <a:ext cx="1053720" cy="2090880"/>
+            <a:ext cx="1053720" cy="2090520"/>
           </a:xfrm>
           <a:prstGeom prst="rect">
             <a:avLst/>
@@ -4243,8 +6554,8 @@
         </p:nvSpPr>
         <p:spPr>
           <a:xfrm>
-            <a:off x="504000" y="4059000"/>
-            <a:ext cx="2159640" cy="2090880"/>
+            <a:off x="504000" y="4058640"/>
+            <a:ext cx="2159280" cy="2090520"/>
           </a:xfrm>
           <a:prstGeom prst="rect">
             <a:avLst/>
@@ -4674,7 +6985,7 @@
         <p:spPr>
           <a:xfrm>
             <a:off x="504000" y="301320"/>
-            <a:ext cx="9070920" cy="1262160"/>
+            <a:ext cx="9070560" cy="1262160"/>
           </a:xfrm>
           <a:prstGeom prst="rect">
             <a:avLst/>
@@ -4706,7 +7017,7 @@
         <p:spPr>
           <a:xfrm>
             <a:off x="504000" y="1769040"/>
-            <a:ext cx="2159640" cy="4383720"/>
+            <a:ext cx="1053360" cy="4383360"/>
           </a:xfrm>
           <a:prstGeom prst="rect">
             <a:avLst/>
@@ -4826,8 +7137,8 @@
         </p:nvSpPr>
         <p:spPr>
           <a:xfrm>
-            <a:off x="2772360" y="1769040"/>
-            <a:ext cx="2159640" cy="4383720"/>
+            <a:off x="1610640" y="1769040"/>
+            <a:ext cx="1053360" cy="4383360"/>
           </a:xfrm>
           <a:prstGeom prst="rect">
             <a:avLst/>
@@ -4951,6 +7262,386 @@
     <p:sldLayoutId id="2147483684" r:id="rId11"/>
     <p:sldLayoutId id="2147483685" r:id="rId12"/>
     <p:sldLayoutId id="2147483686" r:id="rId13"/>
+  </p:sldLayoutIdLst>
+</p:sldMaster>
+</file>
+
+<file path=ppt/slideMasters/slideMaster4.xml><?xml version="1.0" encoding="utf-8"?>
+<p:sldMaster xmlns:a="http://schemas.openxmlformats.org/drawingml/2006/main" xmlns:p="http://schemas.openxmlformats.org/presentationml/2006/main" xmlns:r="http://schemas.openxmlformats.org/officeDocument/2006/relationships">
+  <p:cSld>
+    <p:spTree>
+      <p:nvGrpSpPr>
+        <p:cNvPr id="1" name=""/>
+        <p:cNvGrpSpPr/>
+        <p:nvPr/>
+      </p:nvGrpSpPr>
+      <p:grpSpPr>
+        <a:xfrm>
+          <a:off x="0" y="0"/>
+          <a:ext cx="0" cy="0"/>
+          <a:chOff x="0" y="0"/>
+          <a:chExt cx="0" cy="0"/>
+        </a:xfrm>
+      </p:grpSpPr>
+      <p:sp>
+        <p:nvSpPr>
+          <p:cNvPr id="109" name="PlaceHolder 1"/>
+          <p:cNvSpPr>
+            <a:spLocks noGrp="1"/>
+          </p:cNvSpPr>
+          <p:nvPr>
+            <p:ph type="title"/>
+          </p:nvPr>
+        </p:nvSpPr>
+        <p:spPr>
+          <a:xfrm>
+            <a:off x="504000" y="301320"/>
+            <a:ext cx="9070560" cy="1262160"/>
+          </a:xfrm>
+          <a:prstGeom prst="rect">
+            <a:avLst/>
+          </a:prstGeom>
+        </p:spPr>
+        <p:txBody>
+          <a:bodyPr lIns="0" rIns="0" tIns="0" bIns="0" anchor="ctr"/>
+          <a:p>
+            <a:r>
+              <a:rPr lang="en-US">
+                <a:latin typeface="Arial"/>
+              </a:rPr>
+              <a:t>Click to edit the title text format</a:t>
+            </a:r>
+            <a:endParaRPr/>
+          </a:p>
+        </p:txBody>
+      </p:sp>
+      <p:sp>
+        <p:nvSpPr>
+          <p:cNvPr id="110" name="PlaceHolder 2"/>
+          <p:cNvSpPr>
+            <a:spLocks noGrp="1"/>
+          </p:cNvSpPr>
+          <p:nvPr>
+            <p:ph type="body"/>
+          </p:nvPr>
+        </p:nvSpPr>
+        <p:spPr>
+          <a:xfrm>
+            <a:off x="504000" y="1769040"/>
+            <a:ext cx="2159280" cy="4383360"/>
+          </a:xfrm>
+          <a:prstGeom prst="rect">
+            <a:avLst/>
+          </a:prstGeom>
+        </p:spPr>
+        <p:txBody>
+          <a:bodyPr lIns="0" rIns="0" tIns="0" bIns="0"/>
+          <a:p>
+            <a:pPr>
+              <a:buSzPct val="45000"/>
+              <a:buFont typeface="StarSymbol"/>
+              <a:buChar char=""/>
+            </a:pPr>
+            <a:r>
+              <a:rPr lang="en-US">
+                <a:latin typeface="Arial"/>
+              </a:rPr>
+              <a:t>Click to edit the outline text format</a:t>
+            </a:r>
+            <a:endParaRPr/>
+          </a:p>
+          <a:p>
+            <a:pPr lvl="1">
+              <a:buSzPct val="75000"/>
+              <a:buFont typeface="StarSymbol"/>
+              <a:buChar char=""/>
+            </a:pPr>
+            <a:r>
+              <a:rPr lang="en-US">
+                <a:latin typeface="Arial"/>
+              </a:rPr>
+              <a:t>Second Outline Level</a:t>
+            </a:r>
+            <a:endParaRPr/>
+          </a:p>
+          <a:p>
+            <a:pPr lvl="2">
+              <a:buSzPct val="45000"/>
+              <a:buFont typeface="StarSymbol"/>
+              <a:buChar char=""/>
+            </a:pPr>
+            <a:r>
+              <a:rPr lang="en-US">
+                <a:latin typeface="Arial"/>
+              </a:rPr>
+              <a:t>Third Outline Level</a:t>
+            </a:r>
+            <a:endParaRPr/>
+          </a:p>
+          <a:p>
+            <a:pPr lvl="3">
+              <a:buSzPct val="75000"/>
+              <a:buFont typeface="StarSymbol"/>
+              <a:buChar char=""/>
+            </a:pPr>
+            <a:r>
+              <a:rPr lang="en-US">
+                <a:latin typeface="Arial"/>
+              </a:rPr>
+              <a:t>Fourth Outline Level</a:t>
+            </a:r>
+            <a:endParaRPr/>
+          </a:p>
+          <a:p>
+            <a:pPr lvl="4">
+              <a:buSzPct val="45000"/>
+              <a:buFont typeface="StarSymbol"/>
+              <a:buChar char=""/>
+            </a:pPr>
+            <a:r>
+              <a:rPr lang="en-US">
+                <a:latin typeface="Arial"/>
+              </a:rPr>
+              <a:t>Fifth Outline Level</a:t>
+            </a:r>
+            <a:endParaRPr/>
+          </a:p>
+          <a:p>
+            <a:pPr lvl="5">
+              <a:buSzPct val="45000"/>
+              <a:buFont typeface="StarSymbol"/>
+              <a:buChar char=""/>
+            </a:pPr>
+            <a:r>
+              <a:rPr lang="en-US">
+                <a:latin typeface="Arial"/>
+              </a:rPr>
+              <a:t>Sixth Outline Level</a:t>
+            </a:r>
+            <a:endParaRPr/>
+          </a:p>
+          <a:p>
+            <a:pPr lvl="6">
+              <a:buSzPct val="45000"/>
+              <a:buFont typeface="StarSymbol"/>
+              <a:buChar char=""/>
+            </a:pPr>
+            <a:r>
+              <a:rPr lang="en-US">
+                <a:latin typeface="Arial"/>
+              </a:rPr>
+              <a:t>Seventh Outline Level</a:t>
+            </a:r>
+            <a:endParaRPr/>
+          </a:p>
+        </p:txBody>
+      </p:sp>
+    </p:spTree>
+  </p:cSld>
+  <p:clrMap bg1="lt1" bg2="lt2" tx1="dk1" tx2="dk2" accent1="accent1" accent2="accent2" accent3="accent3" accent4="accent4" accent5="accent5" accent6="accent6" hlink="hlink" folHlink="folHlink"/>
+  <p:sldLayoutIdLst>
+    <p:sldLayoutId id="2147483688" r:id="rId2"/>
+    <p:sldLayoutId id="2147483689" r:id="rId3"/>
+    <p:sldLayoutId id="2147483690" r:id="rId4"/>
+    <p:sldLayoutId id="2147483691" r:id="rId5"/>
+    <p:sldLayoutId id="2147483692" r:id="rId6"/>
+    <p:sldLayoutId id="2147483693" r:id="rId7"/>
+    <p:sldLayoutId id="2147483694" r:id="rId8"/>
+    <p:sldLayoutId id="2147483695" r:id="rId9"/>
+    <p:sldLayoutId id="2147483696" r:id="rId10"/>
+    <p:sldLayoutId id="2147483697" r:id="rId11"/>
+    <p:sldLayoutId id="2147483698" r:id="rId12"/>
+    <p:sldLayoutId id="2147483699" r:id="rId13"/>
+  </p:sldLayoutIdLst>
+</p:sldMaster>
+</file>
+
+<file path=ppt/slideMasters/slideMaster5.xml><?xml version="1.0" encoding="utf-8"?>
+<p:sldMaster xmlns:a="http://schemas.openxmlformats.org/drawingml/2006/main" xmlns:p="http://schemas.openxmlformats.org/presentationml/2006/main" xmlns:r="http://schemas.openxmlformats.org/officeDocument/2006/relationships">
+  <p:cSld>
+    <p:spTree>
+      <p:nvGrpSpPr>
+        <p:cNvPr id="1" name=""/>
+        <p:cNvGrpSpPr/>
+        <p:nvPr/>
+      </p:nvGrpSpPr>
+      <p:grpSpPr>
+        <a:xfrm>
+          <a:off x="0" y="0"/>
+          <a:ext cx="0" cy="0"/>
+          <a:chOff x="0" y="0"/>
+          <a:chExt cx="0" cy="0"/>
+        </a:xfrm>
+      </p:grpSpPr>
+      <p:sp>
+        <p:nvSpPr>
+          <p:cNvPr id="145" name="PlaceHolder 1"/>
+          <p:cNvSpPr>
+            <a:spLocks noGrp="1"/>
+          </p:cNvSpPr>
+          <p:nvPr>
+            <p:ph type="title"/>
+          </p:nvPr>
+        </p:nvSpPr>
+        <p:spPr>
+          <a:xfrm>
+            <a:off x="504000" y="301320"/>
+            <a:ext cx="9070560" cy="1262160"/>
+          </a:xfrm>
+          <a:prstGeom prst="rect">
+            <a:avLst/>
+          </a:prstGeom>
+        </p:spPr>
+        <p:txBody>
+          <a:bodyPr lIns="0" rIns="0" tIns="0" bIns="0" anchor="ctr"/>
+          <a:p>
+            <a:r>
+              <a:rPr lang="en-US">
+                <a:latin typeface="Arial"/>
+              </a:rPr>
+              <a:t>Click to edit the title text format</a:t>
+            </a:r>
+            <a:endParaRPr/>
+          </a:p>
+        </p:txBody>
+      </p:sp>
+      <p:sp>
+        <p:nvSpPr>
+          <p:cNvPr id="146" name="PlaceHolder 2"/>
+          <p:cNvSpPr>
+            <a:spLocks noGrp="1"/>
+          </p:cNvSpPr>
+          <p:nvPr>
+            <p:ph type="body"/>
+          </p:nvPr>
+        </p:nvSpPr>
+        <p:spPr>
+          <a:xfrm>
+            <a:off x="504000" y="1769040"/>
+            <a:ext cx="2159280" cy="4383360"/>
+          </a:xfrm>
+          <a:prstGeom prst="rect">
+            <a:avLst/>
+          </a:prstGeom>
+        </p:spPr>
+        <p:txBody>
+          <a:bodyPr lIns="0" rIns="0" tIns="0" bIns="0"/>
+          <a:p>
+            <a:pPr>
+              <a:buSzPct val="45000"/>
+              <a:buFont typeface="StarSymbol"/>
+              <a:buChar char=""/>
+            </a:pPr>
+            <a:r>
+              <a:rPr lang="en-US">
+                <a:latin typeface="Arial"/>
+              </a:rPr>
+              <a:t>Click to edit the outline text format</a:t>
+            </a:r>
+            <a:endParaRPr/>
+          </a:p>
+          <a:p>
+            <a:pPr lvl="1">
+              <a:buSzPct val="75000"/>
+              <a:buFont typeface="StarSymbol"/>
+              <a:buChar char=""/>
+            </a:pPr>
+            <a:r>
+              <a:rPr lang="en-US">
+                <a:latin typeface="Arial"/>
+              </a:rPr>
+              <a:t>Second Outline Level</a:t>
+            </a:r>
+            <a:endParaRPr/>
+          </a:p>
+          <a:p>
+            <a:pPr lvl="2">
+              <a:buSzPct val="45000"/>
+              <a:buFont typeface="StarSymbol"/>
+              <a:buChar char=""/>
+            </a:pPr>
+            <a:r>
+              <a:rPr lang="en-US">
+                <a:latin typeface="Arial"/>
+              </a:rPr>
+              <a:t>Third Outline Level</a:t>
+            </a:r>
+            <a:endParaRPr/>
+          </a:p>
+          <a:p>
+            <a:pPr lvl="3">
+              <a:buSzPct val="75000"/>
+              <a:buFont typeface="StarSymbol"/>
+              <a:buChar char=""/>
+            </a:pPr>
+            <a:r>
+              <a:rPr lang="en-US">
+                <a:latin typeface="Arial"/>
+              </a:rPr>
+              <a:t>Fourth Outline Level</a:t>
+            </a:r>
+            <a:endParaRPr/>
+          </a:p>
+          <a:p>
+            <a:pPr lvl="4">
+              <a:buSzPct val="45000"/>
+              <a:buFont typeface="StarSymbol"/>
+              <a:buChar char=""/>
+            </a:pPr>
+            <a:r>
+              <a:rPr lang="en-US">
+                <a:latin typeface="Arial"/>
+              </a:rPr>
+              <a:t>Fifth Outline Level</a:t>
+            </a:r>
+            <a:endParaRPr/>
+          </a:p>
+          <a:p>
+            <a:pPr lvl="5">
+              <a:buSzPct val="45000"/>
+              <a:buFont typeface="StarSymbol"/>
+              <a:buChar char=""/>
+            </a:pPr>
+            <a:r>
+              <a:rPr lang="en-US">
+                <a:latin typeface="Arial"/>
+              </a:rPr>
+              <a:t>Sixth Outline Level</a:t>
+            </a:r>
+            <a:endParaRPr/>
+          </a:p>
+          <a:p>
+            <a:pPr lvl="6">
+              <a:buSzPct val="45000"/>
+              <a:buFont typeface="StarSymbol"/>
+              <a:buChar char=""/>
+            </a:pPr>
+            <a:r>
+              <a:rPr lang="en-US">
+                <a:latin typeface="Arial"/>
+              </a:rPr>
+              <a:t>Seventh Outline Level</a:t>
+            </a:r>
+            <a:endParaRPr/>
+          </a:p>
+        </p:txBody>
+      </p:sp>
+    </p:spTree>
+  </p:cSld>
+  <p:clrMap bg1="lt1" bg2="lt2" tx1="dk1" tx2="dk2" accent1="accent1" accent2="accent2" accent3="accent3" accent4="accent4" accent5="accent5" accent6="accent6" hlink="hlink" folHlink="folHlink"/>
+  <p:sldLayoutIdLst>
+    <p:sldLayoutId id="2147483701" r:id="rId2"/>
+    <p:sldLayoutId id="2147483702" r:id="rId3"/>
+    <p:sldLayoutId id="2147483703" r:id="rId4"/>
+    <p:sldLayoutId id="2147483704" r:id="rId5"/>
+    <p:sldLayoutId id="2147483705" r:id="rId6"/>
+    <p:sldLayoutId id="2147483706" r:id="rId7"/>
+    <p:sldLayoutId id="2147483707" r:id="rId8"/>
+    <p:sldLayoutId id="2147483708" r:id="rId9"/>
+    <p:sldLayoutId id="2147483709" r:id="rId10"/>
+    <p:sldLayoutId id="2147483710" r:id="rId11"/>
+    <p:sldLayoutId id="2147483711" r:id="rId12"/>
+    <p:sldLayoutId id="2147483712" r:id="rId13"/>
   </p:sldLayoutIdLst>
 </p:sldMaster>
 </file>
@@ -4974,14 +7665,14 @@
       </p:grpSpPr>
       <p:sp>
         <p:nvSpPr>
-          <p:cNvPr id="109" name="CustomShape 1"/>
+          <p:cNvPr id="181" name="CustomShape 1"/>
           <p:cNvSpPr/>
           <p:nvPr/>
         </p:nvSpPr>
         <p:spPr>
           <a:xfrm>
             <a:off x="504000" y="914760"/>
-            <a:ext cx="9070920" cy="5851080"/>
+            <a:ext cx="9070560" cy="5850720"/>
           </a:xfrm>
           <a:prstGeom prst="rect">
             <a:avLst/>
@@ -5110,23 +7801,31 @@
       </p:grpSpPr>
       <p:sp>
         <p:nvSpPr>
-          <p:cNvPr id="129" name="TextShape 1"/>
-          <p:cNvSpPr txBox="1"/>
+          <p:cNvPr id="201" name="CustomShape 1"/>
+          <p:cNvSpPr/>
           <p:nvPr/>
         </p:nvSpPr>
         <p:spPr>
           <a:xfrm>
             <a:off x="504000" y="301320"/>
-            <a:ext cx="9070920" cy="1262160"/>
-          </a:xfrm>
-          <a:prstGeom prst="rect">
-            <a:avLst/>
-          </a:prstGeom>
+            <a:ext cx="9070560" cy="1261800"/>
+          </a:xfrm>
+          <a:prstGeom prst="rect">
+            <a:avLst/>
+          </a:prstGeom>
+          <a:noFill/>
+          <a:ln>
+            <a:noFill/>
+          </a:ln>
         </p:spPr>
         <p:txBody>
           <a:bodyPr lIns="0" rIns="0" tIns="0" bIns="0" anchor="ctr"/>
           <a:p>
-            <a:pPr algn="ctr"/>
+            <a:pPr algn="ctr">
+              <a:lnSpc>
+                <a:spcPct val="100000"/>
+              </a:lnSpc>
+            </a:pPr>
             <a:r>
               <a:rPr lang="en-US" sz="4400">
                 <a:latin typeface="Arial"/>
@@ -5139,26 +7838,33 @@
       </p:sp>
       <p:sp>
         <p:nvSpPr>
-          <p:cNvPr id="130" name="TextShape 2"/>
-          <p:cNvSpPr txBox="1"/>
+          <p:cNvPr id="202" name="CustomShape 2"/>
+          <p:cNvSpPr/>
           <p:nvPr/>
         </p:nvSpPr>
         <p:spPr>
           <a:xfrm>
             <a:off x="504000" y="1769040"/>
-            <a:ext cx="8914320" cy="4906080"/>
-          </a:xfrm>
-          <a:prstGeom prst="rect">
-            <a:avLst/>
-          </a:prstGeom>
+            <a:ext cx="8913960" cy="4905720"/>
+          </a:xfrm>
+          <a:prstGeom prst="rect">
+            <a:avLst/>
+          </a:prstGeom>
+          <a:noFill/>
+          <a:ln>
+            <a:noFill/>
+          </a:ln>
         </p:spPr>
         <p:txBody>
           <a:bodyPr lIns="0" rIns="0" tIns="0" bIns="0"/>
           <a:p>
             <a:pPr>
+              <a:lnSpc>
+                <a:spcPct val="100000"/>
+              </a:lnSpc>
               <a:buSzPct val="45000"/>
               <a:buFont typeface="StarSymbol"/>
-              <a:buChar char=""/>
+              <a:buChar char="l"/>
             </a:pPr>
             <a:r>
               <a:rPr lang="en-US" sz="3200">
@@ -5170,9 +7876,12 @@
           </a:p>
           <a:p>
             <a:pPr>
+              <a:lnSpc>
+                <a:spcPct val="100000"/>
+              </a:lnSpc>
               <a:buSzPct val="45000"/>
               <a:buFont typeface="StarSymbol"/>
-              <a:buChar char=""/>
+              <a:buChar char="l"/>
             </a:pPr>
             <a:r>
               <a:rPr lang="en-US" sz="3200">
@@ -5184,9 +7893,12 @@
           </a:p>
           <a:p>
             <a:pPr>
+              <a:lnSpc>
+                <a:spcPct val="100000"/>
+              </a:lnSpc>
               <a:buSzPct val="45000"/>
               <a:buFont typeface="StarSymbol"/>
-              <a:buChar char=""/>
+              <a:buChar char="l"/>
             </a:pPr>
             <a:r>
               <a:rPr lang="en-US" sz="3200">
@@ -5198,9 +7910,12 @@
           </a:p>
           <a:p>
             <a:pPr lvl="1">
+              <a:lnSpc>
+                <a:spcPct val="100000"/>
+              </a:lnSpc>
               <a:buSzPct val="75000"/>
               <a:buFont typeface="StarSymbol"/>
-              <a:buChar char=""/>
+              <a:buChar char="l"/>
             </a:pPr>
             <a:r>
               <a:rPr lang="en-US" sz="2800">
@@ -5212,9 +7927,12 @@
           </a:p>
           <a:p>
             <a:pPr lvl="1">
+              <a:lnSpc>
+                <a:spcPct val="100000"/>
+              </a:lnSpc>
               <a:buSzPct val="75000"/>
               <a:buFont typeface="StarSymbol"/>
-              <a:buChar char=""/>
+              <a:buChar char="l"/>
             </a:pPr>
             <a:r>
               <a:rPr lang="en-US" sz="2800">
@@ -5226,9 +7944,12 @@
           </a:p>
           <a:p>
             <a:pPr>
+              <a:lnSpc>
+                <a:spcPct val="100000"/>
+              </a:lnSpc>
               <a:buSzPct val="45000"/>
               <a:buFont typeface="StarSymbol"/>
-              <a:buChar char=""/>
+              <a:buChar char="l"/>
             </a:pPr>
             <a:r>
               <a:rPr lang="en-US" sz="3200">
@@ -5242,6 +7963,33 @@
       </p:sp>
     </p:spTree>
   </p:cSld>
+  <p:timing>
+    <p:tnLst>
+      <p:par>
+        <p:cTn id="19" dur="indefinite" restart="never" nodeType="tmRoot">
+          <p:childTnLst>
+            <p:seq>
+              <p:cTn id="20" nodeType="mainSeq"/>
+              <p:prevCondLst>
+                <p:cond delay="0" evt="onPrev">
+                  <p:tgtEl>
+                    <p:sldTgt/>
+                  </p:tgtEl>
+                </p:cond>
+              </p:prevCondLst>
+              <p:nextCondLst>
+                <p:cond delay="0" evt="onNext">
+                  <p:tgtEl>
+                    <p:sldTgt/>
+                  </p:tgtEl>
+                </p:cond>
+              </p:nextCondLst>
+            </p:seq>
+          </p:childTnLst>
+        </p:cTn>
+      </p:par>
+    </p:tnLst>
+  </p:timing>
 </p:sld>
 </file>
 
@@ -5264,23 +8012,31 @@
       </p:grpSpPr>
       <p:sp>
         <p:nvSpPr>
-          <p:cNvPr id="131" name="TextShape 1"/>
-          <p:cNvSpPr txBox="1"/>
+          <p:cNvPr id="203" name="CustomShape 1"/>
+          <p:cNvSpPr/>
           <p:nvPr/>
         </p:nvSpPr>
         <p:spPr>
           <a:xfrm>
             <a:off x="504000" y="301320"/>
-            <a:ext cx="9070920" cy="1262160"/>
-          </a:xfrm>
-          <a:prstGeom prst="rect">
-            <a:avLst/>
-          </a:prstGeom>
+            <a:ext cx="9070560" cy="1261800"/>
+          </a:xfrm>
+          <a:prstGeom prst="rect">
+            <a:avLst/>
+          </a:prstGeom>
+          <a:noFill/>
+          <a:ln>
+            <a:noFill/>
+          </a:ln>
         </p:spPr>
         <p:txBody>
           <a:bodyPr lIns="0" rIns="0" tIns="0" bIns="0" anchor="ctr"/>
           <a:p>
-            <a:pPr algn="ctr"/>
+            <a:pPr algn="ctr">
+              <a:lnSpc>
+                <a:spcPct val="100000"/>
+              </a:lnSpc>
+            </a:pPr>
             <a:r>
               <a:rPr lang="en-US" sz="4400">
                 <a:latin typeface="Arial"/>
@@ -5293,7 +8049,7 @@
       </p:sp>
       <p:pic>
         <p:nvPicPr>
-          <p:cNvPr id="132" name="" descr=""/>
+          <p:cNvPr id="204" name="" descr=""/>
           <p:cNvPicPr/>
           <p:nvPr/>
         </p:nvPicPr>
@@ -5306,7 +8062,7 @@
         <p:spPr>
           <a:xfrm>
             <a:off x="2045160" y="1523880"/>
-            <a:ext cx="6095520" cy="4571640"/>
+            <a:ext cx="6095160" cy="4571280"/>
           </a:xfrm>
           <a:prstGeom prst="rect">
             <a:avLst/>
@@ -5321,10 +8077,10 @@
   <p:timing>
     <p:tnLst>
       <p:par>
-        <p:cTn id="19" dur="indefinite" restart="never" nodeType="tmRoot">
+        <p:cTn id="21" dur="indefinite" restart="never" nodeType="tmRoot">
           <p:childTnLst>
             <p:seq>
-              <p:cTn id="20" nodeType="mainSeq"/>
+              <p:cTn id="22" nodeType="mainSeq"/>
               <p:prevCondLst>
                 <p:cond delay="0" evt="onPrev">
                   <p:tgtEl>
@@ -5367,28 +8123,36 @@
       </p:grpSpPr>
       <p:sp>
         <p:nvSpPr>
-          <p:cNvPr id="133" name="TextShape 1"/>
-          <p:cNvSpPr txBox="1"/>
+          <p:cNvPr id="205" name="CustomShape 1"/>
+          <p:cNvSpPr/>
           <p:nvPr/>
         </p:nvSpPr>
         <p:spPr>
           <a:xfrm>
             <a:off x="504000" y="301320"/>
-            <a:ext cx="9070920" cy="1262160"/>
-          </a:xfrm>
-          <a:prstGeom prst="rect">
-            <a:avLst/>
-          </a:prstGeom>
+            <a:ext cx="9070560" cy="1261800"/>
+          </a:xfrm>
+          <a:prstGeom prst="rect">
+            <a:avLst/>
+          </a:prstGeom>
+          <a:noFill/>
+          <a:ln>
+            <a:noFill/>
+          </a:ln>
         </p:spPr>
         <p:txBody>
           <a:bodyPr lIns="0" rIns="0" tIns="0" bIns="0" anchor="ctr"/>
           <a:p>
-            <a:pPr algn="ctr"/>
+            <a:pPr algn="ctr">
+              <a:lnSpc>
+                <a:spcPct val="100000"/>
+              </a:lnSpc>
+            </a:pPr>
             <a:r>
               <a:rPr lang="en-US" sz="4400">
                 <a:latin typeface="Arial"/>
               </a:rPr>
-              <a:t>Is This Faster</a:t>
+              <a:t>Is This Faster?</a:t>
             </a:r>
             <a:endParaRPr/>
           </a:p>
@@ -5396,26 +8160,33 @@
       </p:sp>
       <p:sp>
         <p:nvSpPr>
-          <p:cNvPr id="134" name="TextShape 2"/>
-          <p:cNvSpPr txBox="1"/>
+          <p:cNvPr id="206" name="CustomShape 2"/>
+          <p:cNvSpPr/>
           <p:nvPr/>
         </p:nvSpPr>
         <p:spPr>
           <a:xfrm>
             <a:off x="504000" y="1769040"/>
-            <a:ext cx="8914320" cy="4383720"/>
-          </a:xfrm>
-          <a:prstGeom prst="rect">
-            <a:avLst/>
-          </a:prstGeom>
+            <a:ext cx="8913960" cy="4383360"/>
+          </a:xfrm>
+          <a:prstGeom prst="rect">
+            <a:avLst/>
+          </a:prstGeom>
+          <a:noFill/>
+          <a:ln>
+            <a:noFill/>
+          </a:ln>
         </p:spPr>
         <p:txBody>
           <a:bodyPr lIns="0" rIns="0" tIns="0" bIns="0"/>
           <a:p>
             <a:pPr>
+              <a:lnSpc>
+                <a:spcPct val="100000"/>
+              </a:lnSpc>
               <a:buSzPct val="45000"/>
               <a:buFont typeface="StarSymbol"/>
-              <a:buChar char=""/>
+              <a:buChar char="l"/>
             </a:pPr>
             <a:r>
               <a:rPr lang="en-US" sz="3200">
@@ -5427,9 +8198,12 @@
           </a:p>
           <a:p>
             <a:pPr>
+              <a:lnSpc>
+                <a:spcPct val="100000"/>
+              </a:lnSpc>
               <a:buSzPct val="45000"/>
               <a:buFont typeface="StarSymbol"/>
-              <a:buChar char=""/>
+              <a:buChar char="l"/>
             </a:pPr>
             <a:r>
               <a:rPr lang="en-US" sz="3200">
@@ -5443,13 +8217,13 @@
       </p:sp>
       <p:graphicFrame>
         <p:nvGraphicFramePr>
-          <p:cNvPr id="135" name=""/>
+          <p:cNvPr id="207" name=""/>
           <p:cNvGraphicFramePr/>
           <p:nvPr/>
         </p:nvGraphicFramePr>
         <p:xfrm>
           <a:off x="2212920" y="3474720"/>
-          <a:ext cx="5759640" cy="3239640"/>
+          <a:ext cx="5759280" cy="3239280"/>
         </p:xfrm>
         <a:graphic>
           <a:graphicData uri="http://schemas.openxmlformats.org/drawingml/2006/chart">
@@ -5462,10 +8236,10 @@
   <p:timing>
     <p:tnLst>
       <p:par>
-        <p:cTn id="21" dur="indefinite" restart="never" nodeType="tmRoot">
+        <p:cTn id="23" dur="indefinite" restart="never" nodeType="tmRoot">
           <p:childTnLst>
             <p:seq>
-              <p:cTn id="22" nodeType="mainSeq"/>
+              <p:cTn id="24" nodeType="mainSeq"/>
               <p:prevCondLst>
                 <p:cond delay="0" evt="onPrev">
                   <p:tgtEl>
@@ -5489,6 +8263,104 @@
 </p:sld>
 </file>
 
+<file path=ppt/slides/slide13.xml><?xml version="1.0" encoding="utf-8"?>
+<p:sld xmlns:a="http://schemas.openxmlformats.org/drawingml/2006/main" xmlns:p="http://schemas.openxmlformats.org/presentationml/2006/main" xmlns:r="http://schemas.openxmlformats.org/officeDocument/2006/relationships">
+  <p:cSld>
+    <p:spTree>
+      <p:nvGrpSpPr>
+        <p:cNvPr id="1" name=""/>
+        <p:cNvGrpSpPr/>
+        <p:nvPr/>
+      </p:nvGrpSpPr>
+      <p:grpSpPr>
+        <a:xfrm>
+          <a:off x="0" y="0"/>
+          <a:ext cx="0" cy="0"/>
+          <a:chOff x="0" y="0"/>
+          <a:chExt cx="0" cy="0"/>
+        </a:xfrm>
+      </p:grpSpPr>
+      <p:sp>
+        <p:nvSpPr>
+          <p:cNvPr id="208" name="TextShape 1"/>
+          <p:cNvSpPr txBox="1"/>
+          <p:nvPr/>
+        </p:nvSpPr>
+        <p:spPr>
+          <a:xfrm>
+            <a:off x="504000" y="301320"/>
+            <a:ext cx="9070560" cy="1262160"/>
+          </a:xfrm>
+          <a:prstGeom prst="rect">
+            <a:avLst/>
+          </a:prstGeom>
+        </p:spPr>
+        <p:txBody>
+          <a:bodyPr lIns="0" rIns="0" tIns="0" bIns="0" anchor="ctr"/>
+          <a:p>
+            <a:pPr algn="ctr"/>
+            <a:r>
+              <a:rPr lang="en-US" sz="4400">
+                <a:latin typeface="Arial"/>
+              </a:rPr>
+              <a:t>Next Steps</a:t>
+            </a:r>
+            <a:endParaRPr/>
+          </a:p>
+        </p:txBody>
+      </p:sp>
+      <p:sp>
+        <p:nvSpPr>
+          <p:cNvPr id="209" name="TextShape 2"/>
+          <p:cNvSpPr txBox="1"/>
+          <p:nvPr/>
+        </p:nvSpPr>
+        <p:spPr>
+          <a:xfrm>
+            <a:off x="504000" y="1769040"/>
+            <a:ext cx="8914320" cy="4383360"/>
+          </a:xfrm>
+          <a:prstGeom prst="rect">
+            <a:avLst/>
+          </a:prstGeom>
+        </p:spPr>
+        <p:txBody>
+          <a:bodyPr lIns="0" rIns="0" tIns="0" bIns="0"/>
+          <a:p>
+            <a:pPr>
+              <a:buSzPct val="45000"/>
+              <a:buFont typeface="StarSymbol"/>
+              <a:buChar char=""/>
+            </a:pPr>
+            <a:r>
+              <a:rPr lang="en-US" sz="3200">
+                <a:latin typeface="Arial"/>
+              </a:rPr>
+              <a:t>Add functionality for non-European payouts</a:t>
+            </a:r>
+            <a:endParaRPr/>
+          </a:p>
+          <a:p>
+            <a:pPr>
+              <a:buSzPct val="45000"/>
+              <a:buFont typeface="StarSymbol"/>
+              <a:buChar char=""/>
+            </a:pPr>
+            <a:r>
+              <a:rPr lang="en-US" sz="3200">
+                <a:latin typeface="Arial"/>
+              </a:rPr>
+              <a:t>More sensibly, port to lower-level language</a:t>
+            </a:r>
+            <a:endParaRPr/>
+          </a:p>
+        </p:txBody>
+      </p:sp>
+    </p:spTree>
+  </p:cSld>
+</p:sld>
+</file>
+
 <file path=ppt/slides/slide2.xml><?xml version="1.0" encoding="utf-8"?>
 <p:sld xmlns:a="http://schemas.openxmlformats.org/drawingml/2006/main" xmlns:p="http://schemas.openxmlformats.org/presentationml/2006/main" xmlns:r="http://schemas.openxmlformats.org/officeDocument/2006/relationships">
   <p:cSld>
@@ -5508,14 +8380,14 @@
       </p:grpSpPr>
       <p:sp>
         <p:nvSpPr>
-          <p:cNvPr id="110" name="CustomShape 1"/>
+          <p:cNvPr id="182" name="CustomShape 1"/>
           <p:cNvSpPr/>
           <p:nvPr/>
         </p:nvSpPr>
         <p:spPr>
           <a:xfrm>
             <a:off x="504000" y="301320"/>
-            <a:ext cx="9070920" cy="1261440"/>
+            <a:ext cx="9070560" cy="1261080"/>
           </a:xfrm>
           <a:prstGeom prst="rect">
             <a:avLst/>
@@ -5545,14 +8417,14 @@
       </p:sp>
       <p:sp>
         <p:nvSpPr>
-          <p:cNvPr id="111" name="CustomShape 2"/>
+          <p:cNvPr id="183" name="CustomShape 2"/>
           <p:cNvSpPr/>
           <p:nvPr/>
         </p:nvSpPr>
         <p:spPr>
           <a:xfrm>
             <a:off x="504000" y="1769040"/>
-            <a:ext cx="9070920" cy="4383720"/>
+            <a:ext cx="9070560" cy="4383360"/>
           </a:xfrm>
           <a:prstGeom prst="rect">
             <a:avLst/>
@@ -5685,14 +8557,14 @@
       </p:grpSpPr>
       <p:sp>
         <p:nvSpPr>
-          <p:cNvPr id="112" name="CustomShape 1"/>
+          <p:cNvPr id="184" name="CustomShape 1"/>
           <p:cNvSpPr/>
           <p:nvPr/>
         </p:nvSpPr>
         <p:spPr>
           <a:xfrm>
             <a:off x="504000" y="301320"/>
-            <a:ext cx="9070920" cy="1261440"/>
+            <a:ext cx="9070560" cy="1261080"/>
           </a:xfrm>
           <a:prstGeom prst="rect">
             <a:avLst/>
@@ -5722,14 +8594,14 @@
       </p:sp>
       <p:sp>
         <p:nvSpPr>
-          <p:cNvPr id="113" name="CustomShape 2"/>
+          <p:cNvPr id="185" name="CustomShape 2"/>
           <p:cNvSpPr/>
           <p:nvPr/>
         </p:nvSpPr>
         <p:spPr>
           <a:xfrm>
             <a:off x="504000" y="1769040"/>
-            <a:ext cx="4426200" cy="4383720"/>
+            <a:ext cx="4425840" cy="4383360"/>
           </a:xfrm>
           <a:prstGeom prst="rect">
             <a:avLst/>
@@ -5796,7 +8668,7 @@
       </p:sp>
       <p:pic>
         <p:nvPicPr>
-          <p:cNvPr id="114" name="" descr=""/>
+          <p:cNvPr id="186" name="" descr=""/>
           <p:cNvPicPr/>
           <p:nvPr/>
         </p:nvPicPr>
@@ -5809,7 +8681,7 @@
         <p:spPr>
           <a:xfrm>
             <a:off x="5017680" y="1554480"/>
-            <a:ext cx="4674240" cy="4662720"/>
+            <a:ext cx="4673880" cy="4662360"/>
           </a:xfrm>
           <a:prstGeom prst="rect">
             <a:avLst/>
@@ -5870,14 +8742,14 @@
       </p:grpSpPr>
       <p:sp>
         <p:nvSpPr>
-          <p:cNvPr id="115" name="CustomShape 1"/>
+          <p:cNvPr id="187" name="CustomShape 1"/>
           <p:cNvSpPr/>
           <p:nvPr/>
         </p:nvSpPr>
         <p:spPr>
           <a:xfrm>
             <a:off x="504000" y="301320"/>
-            <a:ext cx="9070920" cy="1261440"/>
+            <a:ext cx="9070560" cy="1261080"/>
           </a:xfrm>
           <a:prstGeom prst="rect">
             <a:avLst/>
@@ -5907,14 +8779,14 @@
       </p:sp>
       <p:sp>
         <p:nvSpPr>
-          <p:cNvPr id="116" name="CustomShape 2"/>
+          <p:cNvPr id="188" name="CustomShape 2"/>
           <p:cNvSpPr/>
           <p:nvPr/>
         </p:nvSpPr>
         <p:spPr>
           <a:xfrm>
             <a:off x="504000" y="1769040"/>
-            <a:ext cx="9070920" cy="4383720"/>
+            <a:ext cx="9070560" cy="4383360"/>
           </a:xfrm>
           <a:prstGeom prst="rect">
             <a:avLst/>
@@ -6093,14 +8965,14 @@
       </p:grpSpPr>
       <p:sp>
         <p:nvSpPr>
-          <p:cNvPr id="117" name="CustomShape 1"/>
+          <p:cNvPr id="189" name="CustomShape 1"/>
           <p:cNvSpPr/>
           <p:nvPr/>
         </p:nvSpPr>
         <p:spPr>
           <a:xfrm>
             <a:off x="504000" y="301320"/>
-            <a:ext cx="9070920" cy="1261440"/>
+            <a:ext cx="9070560" cy="1261080"/>
           </a:xfrm>
           <a:prstGeom prst="rect">
             <a:avLst/>
@@ -6130,14 +9002,14 @@
       </p:sp>
       <p:sp>
         <p:nvSpPr>
-          <p:cNvPr id="118" name="CustomShape 2"/>
+          <p:cNvPr id="190" name="CustomShape 2"/>
           <p:cNvSpPr/>
           <p:nvPr/>
         </p:nvSpPr>
         <p:spPr>
           <a:xfrm>
             <a:off x="504000" y="1769040"/>
-            <a:ext cx="9070920" cy="4383720"/>
+            <a:ext cx="9070560" cy="4383360"/>
           </a:xfrm>
           <a:prstGeom prst="rect">
             <a:avLst/>
@@ -6236,14 +9108,14 @@
       </p:grpSpPr>
       <p:sp>
         <p:nvSpPr>
-          <p:cNvPr id="119" name="CustomShape 1"/>
+          <p:cNvPr id="191" name="CustomShape 1"/>
           <p:cNvSpPr/>
           <p:nvPr/>
         </p:nvSpPr>
         <p:spPr>
           <a:xfrm>
             <a:off x="504000" y="301320"/>
-            <a:ext cx="9070920" cy="1261440"/>
+            <a:ext cx="9070560" cy="1261080"/>
           </a:xfrm>
           <a:prstGeom prst="rect">
             <a:avLst/>
@@ -6273,26 +9145,33 @@
       </p:sp>
       <p:sp>
         <p:nvSpPr>
-          <p:cNvPr id="120" name="TextShape 2"/>
-          <p:cNvSpPr txBox="1"/>
+          <p:cNvPr id="192" name="CustomShape 2"/>
+          <p:cNvSpPr/>
           <p:nvPr/>
         </p:nvSpPr>
         <p:spPr>
           <a:xfrm>
             <a:off x="504000" y="1768680"/>
-            <a:ext cx="9072000" cy="4384080"/>
-          </a:xfrm>
-          <a:prstGeom prst="rect">
-            <a:avLst/>
-          </a:prstGeom>
+            <a:ext cx="9071640" cy="4383720"/>
+          </a:xfrm>
+          <a:prstGeom prst="rect">
+            <a:avLst/>
+          </a:prstGeom>
+          <a:noFill/>
+          <a:ln>
+            <a:noFill/>
+          </a:ln>
         </p:spPr>
         <p:txBody>
           <a:bodyPr lIns="0" rIns="0" tIns="0" bIns="0"/>
           <a:p>
             <a:pPr>
+              <a:lnSpc>
+                <a:spcPct val="100000"/>
+              </a:lnSpc>
               <a:buSzPct val="45000"/>
               <a:buFont typeface="StarSymbol"/>
-              <a:buChar char=""/>
+              <a:buChar char="l"/>
             </a:pPr>
             <a:r>
               <a:rPr lang="en-US" sz="3200">
@@ -6304,9 +9183,12 @@
           </a:p>
           <a:p>
             <a:pPr>
+              <a:lnSpc>
+                <a:spcPct val="100000"/>
+              </a:lnSpc>
               <a:buSzPct val="45000"/>
               <a:buFont typeface="StarSymbol"/>
-              <a:buChar char=""/>
+              <a:buChar char="l"/>
             </a:pPr>
             <a:r>
               <a:rPr lang="en-US" sz="3200">
@@ -6318,9 +9200,12 @@
           </a:p>
           <a:p>
             <a:pPr>
+              <a:lnSpc>
+                <a:spcPct val="100000"/>
+              </a:lnSpc>
               <a:buSzPct val="45000"/>
               <a:buFont typeface="StarSymbol"/>
-              <a:buChar char=""/>
+              <a:buChar char="l"/>
             </a:pPr>
             <a:r>
               <a:rPr lang="en-US" sz="3200">
@@ -6383,14 +9268,14 @@
       </p:grpSpPr>
       <p:sp>
         <p:nvSpPr>
-          <p:cNvPr id="121" name="CustomShape 1"/>
+          <p:cNvPr id="193" name="CustomShape 1"/>
           <p:cNvSpPr/>
           <p:nvPr/>
         </p:nvSpPr>
         <p:spPr>
           <a:xfrm>
             <a:off x="504000" y="301320"/>
-            <a:ext cx="9070920" cy="1261440"/>
+            <a:ext cx="9070560" cy="1261080"/>
           </a:xfrm>
           <a:prstGeom prst="rect">
             <a:avLst/>
@@ -6420,14 +9305,14 @@
       </p:sp>
       <p:sp>
         <p:nvSpPr>
-          <p:cNvPr id="122" name="CustomShape 2"/>
+          <p:cNvPr id="194" name="CustomShape 2"/>
           <p:cNvSpPr/>
           <p:nvPr/>
         </p:nvSpPr>
         <p:spPr>
           <a:xfrm>
             <a:off x="504000" y="1769040"/>
-            <a:ext cx="4426200" cy="4383720"/>
+            <a:ext cx="4425840" cy="4383360"/>
           </a:xfrm>
           <a:prstGeom prst="rect">
             <a:avLst/>
@@ -6477,13 +9362,13 @@
       </p:sp>
       <p:graphicFrame>
         <p:nvGraphicFramePr>
-          <p:cNvPr id="123" name=""/>
+          <p:cNvPr id="195" name=""/>
           <p:cNvGraphicFramePr/>
           <p:nvPr/>
         </p:nvGraphicFramePr>
         <p:xfrm>
           <a:off x="4480560" y="1377360"/>
-          <a:ext cx="5028840" cy="2828520"/>
+          <a:ext cx="5028480" cy="2828160"/>
         </p:xfrm>
         <a:graphic>
           <a:graphicData uri="http://schemas.openxmlformats.org/drawingml/2006/chart">
@@ -6493,13 +9378,13 @@
       </p:graphicFrame>
       <p:graphicFrame>
         <p:nvGraphicFramePr>
-          <p:cNvPr id="124" name=""/>
+          <p:cNvPr id="196" name=""/>
           <p:cNvGraphicFramePr/>
           <p:nvPr/>
         </p:nvGraphicFramePr>
         <p:xfrm>
           <a:off x="4737600" y="4206240"/>
-          <a:ext cx="4588920" cy="2580840"/>
+          <a:ext cx="4588560" cy="2580480"/>
         </p:xfrm>
         <a:graphic>
           <a:graphicData uri="http://schemas.openxmlformats.org/drawingml/2006/chart">
@@ -6558,23 +9443,31 @@
       </p:grpSpPr>
       <p:sp>
         <p:nvSpPr>
-          <p:cNvPr id="125" name="TextShape 1"/>
-          <p:cNvSpPr txBox="1"/>
+          <p:cNvPr id="197" name="CustomShape 1"/>
+          <p:cNvSpPr/>
           <p:nvPr/>
         </p:nvSpPr>
         <p:spPr>
           <a:xfrm>
             <a:off x="504000" y="301320"/>
-            <a:ext cx="9070920" cy="1262160"/>
-          </a:xfrm>
-          <a:prstGeom prst="rect">
-            <a:avLst/>
-          </a:prstGeom>
+            <a:ext cx="9070560" cy="1261800"/>
+          </a:xfrm>
+          <a:prstGeom prst="rect">
+            <a:avLst/>
+          </a:prstGeom>
+          <a:noFill/>
+          <a:ln>
+            <a:noFill/>
+          </a:ln>
         </p:spPr>
         <p:txBody>
           <a:bodyPr lIns="0" rIns="0" tIns="0" bIns="0" anchor="ctr"/>
           <a:p>
-            <a:pPr algn="ctr"/>
+            <a:pPr algn="ctr">
+              <a:lnSpc>
+                <a:spcPct val="100000"/>
+              </a:lnSpc>
+            </a:pPr>
             <a:r>
               <a:rPr lang="en-US" sz="4400">
                 <a:latin typeface="Arial"/>
@@ -6587,26 +9480,33 @@
       </p:sp>
       <p:sp>
         <p:nvSpPr>
-          <p:cNvPr id="126" name="TextShape 2"/>
-          <p:cNvSpPr txBox="1"/>
+          <p:cNvPr id="198" name="CustomShape 2"/>
+          <p:cNvSpPr/>
           <p:nvPr/>
         </p:nvSpPr>
         <p:spPr>
           <a:xfrm>
             <a:off x="504000" y="1769040"/>
-            <a:ext cx="9097200" cy="4383720"/>
-          </a:xfrm>
-          <a:prstGeom prst="rect">
-            <a:avLst/>
-          </a:prstGeom>
+            <a:ext cx="9096840" cy="4383360"/>
+          </a:xfrm>
+          <a:prstGeom prst="rect">
+            <a:avLst/>
+          </a:prstGeom>
+          <a:noFill/>
+          <a:ln>
+            <a:noFill/>
+          </a:ln>
         </p:spPr>
         <p:txBody>
           <a:bodyPr lIns="0" rIns="0" tIns="0" bIns="0"/>
           <a:p>
             <a:pPr>
+              <a:lnSpc>
+                <a:spcPct val="100000"/>
+              </a:lnSpc>
               <a:buSzPct val="45000"/>
               <a:buFont typeface="StarSymbol"/>
-              <a:buChar char=""/>
+              <a:buChar char="l"/>
             </a:pPr>
             <a:r>
               <a:rPr lang="en-US" sz="3200">
@@ -6618,9 +9518,12 @@
           </a:p>
           <a:p>
             <a:pPr>
+              <a:lnSpc>
+                <a:spcPct val="100000"/>
+              </a:lnSpc>
               <a:buSzPct val="45000"/>
               <a:buFont typeface="StarSymbol"/>
-              <a:buChar char=""/>
+              <a:buChar char="l"/>
             </a:pPr>
             <a:r>
               <a:rPr lang="en-US" sz="3200">
@@ -6632,9 +9535,12 @@
           </a:p>
           <a:p>
             <a:pPr lvl="1">
+              <a:lnSpc>
+                <a:spcPct val="100000"/>
+              </a:lnSpc>
               <a:buSzPct val="75000"/>
               <a:buFont typeface="StarSymbol"/>
-              <a:buChar char=""/>
+              <a:buChar char="l"/>
             </a:pPr>
             <a:r>
               <a:rPr lang="en-US" sz="2800">
@@ -6646,9 +9552,12 @@
           </a:p>
           <a:p>
             <a:pPr lvl="1">
+              <a:lnSpc>
+                <a:spcPct val="100000"/>
+              </a:lnSpc>
               <a:buSzPct val="75000"/>
               <a:buFont typeface="StarSymbol"/>
-              <a:buChar char=""/>
+              <a:buChar char="l"/>
             </a:pPr>
             <a:r>
               <a:rPr lang="en-US" sz="2800">
@@ -6660,9 +9569,12 @@
           </a:p>
           <a:p>
             <a:pPr>
+              <a:lnSpc>
+                <a:spcPct val="100000"/>
+              </a:lnSpc>
               <a:buSzPct val="45000"/>
               <a:buFont typeface="StarSymbol"/>
-              <a:buChar char=""/>
+              <a:buChar char="l"/>
             </a:pPr>
             <a:r>
               <a:rPr lang="en-US" sz="3200">
@@ -6725,23 +9637,31 @@
       </p:grpSpPr>
       <p:sp>
         <p:nvSpPr>
-          <p:cNvPr id="127" name="TextShape 1"/>
-          <p:cNvSpPr txBox="1"/>
+          <p:cNvPr id="199" name="CustomShape 1"/>
+          <p:cNvSpPr/>
           <p:nvPr/>
         </p:nvSpPr>
         <p:spPr>
           <a:xfrm>
             <a:off x="504000" y="301320"/>
-            <a:ext cx="9070920" cy="1262160"/>
-          </a:xfrm>
-          <a:prstGeom prst="rect">
-            <a:avLst/>
-          </a:prstGeom>
+            <a:ext cx="9070560" cy="1261800"/>
+          </a:xfrm>
+          <a:prstGeom prst="rect">
+            <a:avLst/>
+          </a:prstGeom>
+          <a:noFill/>
+          <a:ln>
+            <a:noFill/>
+          </a:ln>
         </p:spPr>
         <p:txBody>
           <a:bodyPr lIns="0" rIns="0" tIns="0" bIns="0" anchor="ctr"/>
           <a:p>
-            <a:pPr algn="ctr"/>
+            <a:pPr algn="ctr">
+              <a:lnSpc>
+                <a:spcPct val="100000"/>
+              </a:lnSpc>
+            </a:pPr>
             <a:r>
               <a:rPr lang="en-US" sz="4400">
                 <a:latin typeface="Arial"/>
@@ -6754,26 +9674,33 @@
       </p:sp>
       <p:sp>
         <p:nvSpPr>
-          <p:cNvPr id="128" name="TextShape 2"/>
-          <p:cNvSpPr txBox="1"/>
+          <p:cNvPr id="200" name="CustomShape 2"/>
+          <p:cNvSpPr/>
           <p:nvPr/>
         </p:nvSpPr>
         <p:spPr>
           <a:xfrm>
             <a:off x="504000" y="1769040"/>
-            <a:ext cx="9097200" cy="4383720"/>
-          </a:xfrm>
-          <a:prstGeom prst="rect">
-            <a:avLst/>
-          </a:prstGeom>
+            <a:ext cx="9096840" cy="4383360"/>
+          </a:xfrm>
+          <a:prstGeom prst="rect">
+            <a:avLst/>
+          </a:prstGeom>
+          <a:noFill/>
+          <a:ln>
+            <a:noFill/>
+          </a:ln>
         </p:spPr>
         <p:txBody>
           <a:bodyPr lIns="0" rIns="0" tIns="0" bIns="0"/>
           <a:p>
             <a:pPr>
+              <a:lnSpc>
+                <a:spcPct val="100000"/>
+              </a:lnSpc>
               <a:buSzPct val="45000"/>
               <a:buFont typeface="StarSymbol"/>
-              <a:buChar char=""/>
+              <a:buChar char="l"/>
             </a:pPr>
             <a:r>
               <a:rPr lang="en-US" sz="3200">
@@ -6785,9 +9712,12 @@
           </a:p>
           <a:p>
             <a:pPr>
+              <a:lnSpc>
+                <a:spcPct val="100000"/>
+              </a:lnSpc>
               <a:buSzPct val="45000"/>
               <a:buFont typeface="StarSymbol"/>
-              <a:buChar char=""/>
+              <a:buChar char="l"/>
             </a:pPr>
             <a:r>
               <a:rPr lang="en-US" sz="3200">
@@ -6799,9 +9729,12 @@
           </a:p>
           <a:p>
             <a:pPr>
+              <a:lnSpc>
+                <a:spcPct val="100000"/>
+              </a:lnSpc>
               <a:buSzPct val="45000"/>
               <a:buFont typeface="StarSymbol"/>
-              <a:buChar char=""/>
+              <a:buChar char="l"/>
             </a:pPr>
             <a:r>
               <a:rPr lang="en-US" sz="3200">
@@ -7512,4 +10445,450 @@
     </a:fmtScheme>
   </a:themeElements>
 </a:theme>
+</file>
+
+<file path=ppt/theme/theme4.xml><?xml version="1.0" encoding="utf-8"?>
+<a:theme xmlns:a="http://schemas.openxmlformats.org/drawingml/2006/main" name="Office Theme">
+  <a:themeElements>
+    <a:clrScheme name="Office">
+      <a:dk1>
+        <a:sysClr val="windowText" lastClr="000000"/>
+      </a:dk1>
+      <a:lt1>
+        <a:sysClr val="window" lastClr="FFFFFF"/>
+      </a:lt1>
+      <a:dk2>
+        <a:srgbClr val="1F497D"/>
+      </a:dk2>
+      <a:lt2>
+        <a:srgbClr val="EEECE1"/>
+      </a:lt2>
+      <a:accent1>
+        <a:srgbClr val="4F81BD"/>
+      </a:accent1>
+      <a:accent2>
+        <a:srgbClr val="C0504D"/>
+      </a:accent2>
+      <a:accent3>
+        <a:srgbClr val="9BBB59"/>
+      </a:accent3>
+      <a:accent4>
+        <a:srgbClr val="8064A2"/>
+      </a:accent4>
+      <a:accent5>
+        <a:srgbClr val="4BACC6"/>
+      </a:accent5>
+      <a:accent6>
+        <a:srgbClr val="F79646"/>
+      </a:accent6>
+      <a:hlink>
+        <a:srgbClr val="0000FF"/>
+      </a:hlink>
+      <a:folHlink>
+        <a:srgbClr val="800080"/>
+      </a:folHlink>
+    </a:clrScheme>
+    <a:fontScheme name="Office">
+      <a:majorFont>
+        <a:latin typeface="Arial"/>
+        <a:ea typeface="DejaVu Sans"/>
+        <a:cs typeface="DejaVu Sans"/>
+      </a:majorFont>
+      <a:minorFont>
+        <a:latin typeface="Arial"/>
+        <a:ea typeface="DejaVu Sans"/>
+        <a:cs typeface="DejaVu Sans"/>
+      </a:minorFont>
+    </a:fontScheme>
+    <a:fmtScheme name="Office">
+      <a:fillStyleLst>
+        <a:solidFill>
+          <a:schemeClr val="phClr"/>
+        </a:solidFill>
+        <a:gradFill rotWithShape="1">
+          <a:gsLst>
+            <a:gs pos="0">
+              <a:schemeClr val="phClr">
+                <a:tint val="50000"/>
+                <a:satMod val="300000"/>
+              </a:schemeClr>
+            </a:gs>
+            <a:gs pos="35000">
+              <a:schemeClr val="phClr">
+                <a:tint val="37000"/>
+                <a:satMod val="300000"/>
+              </a:schemeClr>
+            </a:gs>
+            <a:gs pos="100000">
+              <a:schemeClr val="phClr">
+                <a:tint val="15000"/>
+                <a:satMod val="350000"/>
+              </a:schemeClr>
+            </a:gs>
+          </a:gsLst>
+          <a:lin ang="16200000" scaled="1"/>
+        </a:gradFill>
+        <a:gradFill rotWithShape="1">
+          <a:gsLst>
+            <a:gs pos="0">
+              <a:schemeClr val="phClr">
+                <a:shade val="51000"/>
+                <a:satMod val="130000"/>
+              </a:schemeClr>
+            </a:gs>
+            <a:gs pos="80000">
+              <a:schemeClr val="phClr">
+                <a:shade val="93000"/>
+                <a:satMod val="130000"/>
+              </a:schemeClr>
+            </a:gs>
+            <a:gs pos="100000">
+              <a:schemeClr val="phClr">
+                <a:shade val="94000"/>
+                <a:satMod val="135000"/>
+              </a:schemeClr>
+            </a:gs>
+          </a:gsLst>
+          <a:lin ang="16200000" scaled="0"/>
+        </a:gradFill>
+      </a:fillStyleLst>
+      <a:lnStyleLst>
+        <a:ln w="9525" cap="flat" cmpd="sng" algn="ctr">
+          <a:solidFill>
+            <a:schemeClr val="phClr">
+              <a:shade val="95000"/>
+              <a:satMod val="105000"/>
+            </a:schemeClr>
+          </a:solidFill>
+          <a:prstDash val="solid"/>
+        </a:ln>
+        <a:ln w="25400" cap="flat" cmpd="sng" algn="ctr">
+          <a:solidFill>
+            <a:schemeClr val="phClr"/>
+          </a:solidFill>
+          <a:prstDash val="solid"/>
+        </a:ln>
+        <a:ln w="38100" cap="flat" cmpd="sng" algn="ctr">
+          <a:solidFill>
+            <a:schemeClr val="phClr"/>
+          </a:solidFill>
+          <a:prstDash val="solid"/>
+        </a:ln>
+      </a:lnStyleLst>
+      <a:effectStyleLst>
+        <a:effectStyle>
+          <a:effectLst>
+            <a:outerShdw blurRad="40000" dist="20000" dir="5400000" rotWithShape="0">
+              <a:srgbClr val="000000">
+                <a:alpha val="38000"/>
+              </a:srgbClr>
+            </a:outerShdw>
+          </a:effectLst>
+        </a:effectStyle>
+        <a:effectStyle>
+          <a:effectLst>
+            <a:outerShdw blurRad="40000" dist="23000" dir="5400000" rotWithShape="0">
+              <a:srgbClr val="000000">
+                <a:alpha val="35000"/>
+              </a:srgbClr>
+            </a:outerShdw>
+          </a:effectLst>
+        </a:effectStyle>
+        <a:effectStyle>
+          <a:effectLst>
+            <a:outerShdw blurRad="40000" dist="23000" dir="5400000" rotWithShape="0">
+              <a:srgbClr val="000000">
+                <a:alpha val="35000"/>
+              </a:srgbClr>
+            </a:outerShdw>
+          </a:effectLst>
+          <a:scene3d>
+            <a:camera prst="orthographicFront">
+              <a:rot lat="0" lon="0" rev="0"/>
+            </a:camera>
+            <a:lightRig rig="threePt" dir="t">
+              <a:rot lat="0" lon="0" rev="1200000"/>
+            </a:lightRig>
+          </a:scene3d>
+          <a:sp3d>
+            <a:bevelT w="63500" h="25400"/>
+          </a:sp3d>
+        </a:effectStyle>
+      </a:effectStyleLst>
+      <a:bgFillStyleLst>
+        <a:solidFill>
+          <a:schemeClr val="phClr"/>
+        </a:solidFill>
+        <a:gradFill rotWithShape="1">
+          <a:gsLst>
+            <a:gs pos="0">
+              <a:schemeClr val="phClr">
+                <a:tint val="40000"/>
+                <a:satMod val="350000"/>
+              </a:schemeClr>
+            </a:gs>
+            <a:gs pos="40000">
+              <a:schemeClr val="phClr">
+                <a:tint val="45000"/>
+                <a:shade val="99000"/>
+                <a:satMod val="350000"/>
+              </a:schemeClr>
+            </a:gs>
+            <a:gs pos="100000">
+              <a:schemeClr val="phClr">
+                <a:shade val="20000"/>
+                <a:satMod val="255000"/>
+              </a:schemeClr>
+            </a:gs>
+          </a:gsLst>
+          <a:path path="circle">
+            <a:fillToRect l="50000" t="-80000" r="50000" b="180000"/>
+          </a:path>
+        </a:gradFill>
+        <a:gradFill rotWithShape="1">
+          <a:gsLst>
+            <a:gs pos="0">
+              <a:schemeClr val="phClr">
+                <a:tint val="80000"/>
+                <a:satMod val="300000"/>
+              </a:schemeClr>
+            </a:gs>
+            <a:gs pos="100000">
+              <a:schemeClr val="phClr">
+                <a:shade val="30000"/>
+                <a:satMod val="200000"/>
+              </a:schemeClr>
+            </a:gs>
+          </a:gsLst>
+          <a:path path="circle">
+            <a:fillToRect l="50000" t="50000" r="50000" b="50000"/>
+          </a:path>
+        </a:gradFill>
+      </a:bgFillStyleLst>
+    </a:fmtScheme>
+  </a:themeElements>
+</a:theme>
+</file>
+
+<file path=ppt/theme/theme5.xml><?xml version="1.0" encoding="utf-8"?>
+<a:theme xmlns:a="http://schemas.openxmlformats.org/drawingml/2006/main" name="Office Theme">
+  <a:themeElements>
+    <a:clrScheme name="Office">
+      <a:dk1>
+        <a:sysClr val="windowText" lastClr="000000"/>
+      </a:dk1>
+      <a:lt1>
+        <a:sysClr val="window" lastClr="FFFFFF"/>
+      </a:lt1>
+      <a:dk2>
+        <a:srgbClr val="1F497D"/>
+      </a:dk2>
+      <a:lt2>
+        <a:srgbClr val="EEECE1"/>
+      </a:lt2>
+      <a:accent1>
+        <a:srgbClr val="4F81BD"/>
+      </a:accent1>
+      <a:accent2>
+        <a:srgbClr val="C0504D"/>
+      </a:accent2>
+      <a:accent3>
+        <a:srgbClr val="9BBB59"/>
+      </a:accent3>
+      <a:accent4>
+        <a:srgbClr val="8064A2"/>
+      </a:accent4>
+      <a:accent5>
+        <a:srgbClr val="4BACC6"/>
+      </a:accent5>
+      <a:accent6>
+        <a:srgbClr val="F79646"/>
+      </a:accent6>
+      <a:hlink>
+        <a:srgbClr val="0000FF"/>
+      </a:hlink>
+      <a:folHlink>
+        <a:srgbClr val="800080"/>
+      </a:folHlink>
+    </a:clrScheme>
+    <a:fontScheme name="Office">
+      <a:majorFont>
+        <a:latin typeface="Arial"/>
+        <a:ea typeface="DejaVu Sans"/>
+        <a:cs typeface="DejaVu Sans"/>
+      </a:majorFont>
+      <a:minorFont>
+        <a:latin typeface="Arial"/>
+        <a:ea typeface="DejaVu Sans"/>
+        <a:cs typeface="DejaVu Sans"/>
+      </a:minorFont>
+    </a:fontScheme>
+    <a:fmtScheme name="Office">
+      <a:fillStyleLst>
+        <a:solidFill>
+          <a:schemeClr val="phClr"/>
+        </a:solidFill>
+        <a:gradFill rotWithShape="1">
+          <a:gsLst>
+            <a:gs pos="0">
+              <a:schemeClr val="phClr">
+                <a:tint val="50000"/>
+                <a:satMod val="300000"/>
+              </a:schemeClr>
+            </a:gs>
+            <a:gs pos="35000">
+              <a:schemeClr val="phClr">
+                <a:tint val="37000"/>
+                <a:satMod val="300000"/>
+              </a:schemeClr>
+            </a:gs>
+            <a:gs pos="100000">
+              <a:schemeClr val="phClr">
+                <a:tint val="15000"/>
+                <a:satMod val="350000"/>
+              </a:schemeClr>
+            </a:gs>
+          </a:gsLst>
+          <a:lin ang="16200000" scaled="1"/>
+        </a:gradFill>
+        <a:gradFill rotWithShape="1">
+          <a:gsLst>
+            <a:gs pos="0">
+              <a:schemeClr val="phClr">
+                <a:shade val="51000"/>
+                <a:satMod val="130000"/>
+              </a:schemeClr>
+            </a:gs>
+            <a:gs pos="80000">
+              <a:schemeClr val="phClr">
+                <a:shade val="93000"/>
+                <a:satMod val="130000"/>
+              </a:schemeClr>
+            </a:gs>
+            <a:gs pos="100000">
+              <a:schemeClr val="phClr">
+                <a:shade val="94000"/>
+                <a:satMod val="135000"/>
+              </a:schemeClr>
+            </a:gs>
+          </a:gsLst>
+          <a:lin ang="16200000" scaled="0"/>
+        </a:gradFill>
+      </a:fillStyleLst>
+      <a:lnStyleLst>
+        <a:ln w="9525" cap="flat" cmpd="sng" algn="ctr">
+          <a:solidFill>
+            <a:schemeClr val="phClr">
+              <a:shade val="95000"/>
+              <a:satMod val="105000"/>
+            </a:schemeClr>
+          </a:solidFill>
+          <a:prstDash val="solid"/>
+        </a:ln>
+        <a:ln w="25400" cap="flat" cmpd="sng" algn="ctr">
+          <a:solidFill>
+            <a:schemeClr val="phClr"/>
+          </a:solidFill>
+          <a:prstDash val="solid"/>
+        </a:ln>
+        <a:ln w="38100" cap="flat" cmpd="sng" algn="ctr">
+          <a:solidFill>
+            <a:schemeClr val="phClr"/>
+          </a:solidFill>
+          <a:prstDash val="solid"/>
+        </a:ln>
+      </a:lnStyleLst>
+      <a:effectStyleLst>
+        <a:effectStyle>
+          <a:effectLst>
+            <a:outerShdw blurRad="40000" dist="20000" dir="5400000" rotWithShape="0">
+              <a:srgbClr val="000000">
+                <a:alpha val="38000"/>
+              </a:srgbClr>
+            </a:outerShdw>
+          </a:effectLst>
+        </a:effectStyle>
+        <a:effectStyle>
+          <a:effectLst>
+            <a:outerShdw blurRad="40000" dist="23000" dir="5400000" rotWithShape="0">
+              <a:srgbClr val="000000">
+                <a:alpha val="35000"/>
+              </a:srgbClr>
+            </a:outerShdw>
+          </a:effectLst>
+        </a:effectStyle>
+        <a:effectStyle>
+          <a:effectLst>
+            <a:outerShdw blurRad="40000" dist="23000" dir="5400000" rotWithShape="0">
+              <a:srgbClr val="000000">
+                <a:alpha val="35000"/>
+              </a:srgbClr>
+            </a:outerShdw>
+          </a:effectLst>
+          <a:scene3d>
+            <a:camera prst="orthographicFront">
+              <a:rot lat="0" lon="0" rev="0"/>
+            </a:camera>
+            <a:lightRig rig="threePt" dir="t">
+              <a:rot lat="0" lon="0" rev="1200000"/>
+            </a:lightRig>
+          </a:scene3d>
+          <a:sp3d>
+            <a:bevelT w="63500" h="25400"/>
+          </a:sp3d>
+        </a:effectStyle>
+      </a:effectStyleLst>
+      <a:bgFillStyleLst>
+        <a:solidFill>
+          <a:schemeClr val="phClr"/>
+        </a:solidFill>
+        <a:gradFill rotWithShape="1">
+          <a:gsLst>
+            <a:gs pos="0">
+              <a:schemeClr val="phClr">
+                <a:tint val="40000"/>
+                <a:satMod val="350000"/>
+              </a:schemeClr>
+            </a:gs>
+            <a:gs pos="40000">
+              <a:schemeClr val="phClr">
+                <a:tint val="45000"/>
+                <a:shade val="99000"/>
+                <a:satMod val="350000"/>
+              </a:schemeClr>
+            </a:gs>
+            <a:gs pos="100000">
+              <a:schemeClr val="phClr">
+                <a:shade val="20000"/>
+                <a:satMod val="255000"/>
+              </a:schemeClr>
+            </a:gs>
+          </a:gsLst>
+          <a:path path="circle">
+            <a:fillToRect l="50000" t="-80000" r="50000" b="180000"/>
+          </a:path>
+        </a:gradFill>
+        <a:gradFill rotWithShape="1">
+          <a:gsLst>
+            <a:gs pos="0">
+              <a:schemeClr val="phClr">
+                <a:tint val="80000"/>
+                <a:satMod val="300000"/>
+              </a:schemeClr>
+            </a:gs>
+            <a:gs pos="100000">
+              <a:schemeClr val="phClr">
+                <a:shade val="30000"/>
+                <a:satMod val="200000"/>
+              </a:schemeClr>
+            </a:gs>
+          </a:gsLst>
+          <a:path path="circle">
+            <a:fillToRect l="50000" t="50000" r="50000" b="50000"/>
+          </a:path>
+        </a:gradFill>
+      </a:bgFillStyleLst>
+    </a:fmtScheme>
+  </a:themeElements>
+</a:theme>
 </file>
--- a/docs/final_presentation.pptx
+++ b/docs/final_presentation.pptx
@@ -7,28 +7,29 @@
     <p:sldMasterId id="2147483674" r:id="rId4"/>
     <p:sldMasterId id="2147483687" r:id="rId5"/>
     <p:sldMasterId id="2147483700" r:id="rId6"/>
+    <p:sldMasterId id="2147483713" r:id="rId7"/>
   </p:sldMasterIdLst>
   <p:sldIdLst>
-    <p:sldId id="256" r:id="rId7"/>
-    <p:sldId id="257" r:id="rId8"/>
-    <p:sldId id="258" r:id="rId9"/>
-    <p:sldId id="259" r:id="rId10"/>
-    <p:sldId id="260" r:id="rId11"/>
-    <p:sldId id="261" r:id="rId12"/>
-    <p:sldId id="262" r:id="rId13"/>
-    <p:sldId id="263" r:id="rId14"/>
-    <p:sldId id="264" r:id="rId15"/>
-    <p:sldId id="265" r:id="rId16"/>
-    <p:sldId id="266" r:id="rId17"/>
-    <p:sldId id="267" r:id="rId18"/>
-    <p:sldId id="268" r:id="rId19"/>
+    <p:sldId id="256" r:id="rId8"/>
+    <p:sldId id="257" r:id="rId9"/>
+    <p:sldId id="258" r:id="rId10"/>
+    <p:sldId id="259" r:id="rId11"/>
+    <p:sldId id="260" r:id="rId12"/>
+    <p:sldId id="261" r:id="rId13"/>
+    <p:sldId id="262" r:id="rId14"/>
+    <p:sldId id="263" r:id="rId15"/>
+    <p:sldId id="264" r:id="rId16"/>
+    <p:sldId id="265" r:id="rId17"/>
+    <p:sldId id="266" r:id="rId18"/>
+    <p:sldId id="267" r:id="rId19"/>
+    <p:sldId id="268" r:id="rId20"/>
   </p:sldIdLst>
   <p:sldSz cx="10080625" cy="7559675"/>
   <p:notesSz cx="7772400" cy="10058400"/>
 </p:presentation>
 </file>
 
-<file path=ppt/charts/chart11.xml><?xml version="1.0" encoding="utf-8"?>
+<file path=ppt/charts/chart7.xml><?xml version="1.0" encoding="utf-8"?>
 <c:chartSpace xmlns:c="http://schemas.openxmlformats.org/drawingml/2006/chart" xmlns:a="http://schemas.openxmlformats.org/drawingml/2006/main" xmlns:r="http://schemas.openxmlformats.org/officeDocument/2006/relationships">
   <c:lang val="en-US"/>
   <c:chart>
@@ -87,7 +88,7 @@
             </a:ln>
           </c:spPr>
           <c:marker>
-            <c:size val="5"/>
+            <c:size val="2"/>
           </c:marker>
           <c:xVal>
             <c:numRef>
@@ -174,11 +175,11 @@
             </c:numRef>
           </c:yVal>
         </c:ser>
-        <c:axId val="20575653"/>
-        <c:axId val="43563840"/>
+        <c:axId val="30116779"/>
+        <c:axId val="44105266"/>
       </c:scatterChart>
       <c:valAx>
-        <c:axId val="20575653"/>
+        <c:axId val="30116779"/>
         <c:scaling>
           <c:orientation val="minMax"/>
           <c:logBase val="10"/>
@@ -220,11 +221,11 @@
             <a:round/>
           </a:ln>
         </c:spPr>
-        <c:crossAx val="43563840"/>
+        <c:crossAx val="44105266"/>
         <c:crossesAt val="0"/>
       </c:valAx>
       <c:valAx>
-        <c:axId val="43563840"/>
+        <c:axId val="44105266"/>
         <c:scaling>
           <c:orientation val="minMax"/>
         </c:scaling>
@@ -265,7 +266,7 @@
             <a:round/>
           </a:ln>
         </c:spPr>
-        <c:crossAx val="20575653"/>
+        <c:crossAx val="30116779"/>
         <c:crossesAt val="0"/>
       </c:valAx>
       <c:spPr>
@@ -290,7 +291,7 @@
 </c:chartSpace>
 </file>
 
-<file path=ppt/charts/chart12.xml><?xml version="1.0" encoding="utf-8"?>
+<file path=ppt/charts/chart8.xml><?xml version="1.0" encoding="utf-8"?>
 <c:chartSpace xmlns:c="http://schemas.openxmlformats.org/drawingml/2006/chart" xmlns:a="http://schemas.openxmlformats.org/drawingml/2006/main" xmlns:r="http://schemas.openxmlformats.org/officeDocument/2006/relationships">
   <c:lang val="en-US"/>
   <c:chart>
@@ -346,7 +347,7 @@
             </a:ln>
           </c:spPr>
           <c:marker>
-            <c:size val="5"/>
+            <c:size val="2"/>
           </c:marker>
           <c:xVal>
             <c:numRef>
@@ -421,11 +422,11 @@
             </c:numRef>
           </c:yVal>
         </c:ser>
-        <c:axId val="14268697"/>
-        <c:axId val="79895660"/>
+        <c:axId val="33605592"/>
+        <c:axId val="62182058"/>
       </c:scatterChart>
       <c:valAx>
-        <c:axId val="14268697"/>
+        <c:axId val="33605592"/>
         <c:scaling>
           <c:orientation val="minMax"/>
           <c:logBase val="10"/>
@@ -467,11 +468,11 @@
             <a:round/>
           </a:ln>
         </c:spPr>
-        <c:crossAx val="79895660"/>
+        <c:crossAx val="62182058"/>
         <c:crossesAt val="0"/>
       </c:valAx>
       <c:valAx>
-        <c:axId val="79895660"/>
+        <c:axId val="62182058"/>
         <c:scaling>
           <c:orientation val="minMax"/>
           <c:logBase val="10"/>
@@ -523,242 +524,7 @@
             <a:round/>
           </a:ln>
         </c:spPr>
-        <c:crossAx val="14268697"/>
-        <c:crossesAt val="0"/>
-      </c:valAx>
-      <c:spPr>
-        <a:noFill/>
-        <a:ln>
-          <a:solidFill>
-            <a:srgbClr val="b3b3b3"/>
-          </a:solidFill>
-        </a:ln>
-      </c:spPr>
-    </c:plotArea>
-    <c:plotVisOnly val="1"/>
-  </c:chart>
-  <c:spPr>
-    <a:solidFill>
-      <a:srgbClr val="ffffff"/>
-    </a:solidFill>
-    <a:ln>
-      <a:noFill/>
-    </a:ln>
-  </c:spPr>
-</c:chartSpace>
-</file>
-
-<file path=ppt/charts/chart13.xml><?xml version="1.0" encoding="utf-8"?>
-<c:chartSpace xmlns:c="http://schemas.openxmlformats.org/drawingml/2006/chart" xmlns:a="http://schemas.openxmlformats.org/drawingml/2006/main" xmlns:r="http://schemas.openxmlformats.org/officeDocument/2006/relationships">
-  <c:lang val="en-US"/>
-  <c:chart>
-    <c:title>
-      <c:tx>
-        <c:rich>
-          <a:bodyPr/>
-          <a:lstStyle/>
-          <a:p>
-            <a:pPr>
-              <a:defRPr/>
-            </a:pPr>
-            <a:r>
-              <a:rPr b="1" sz="1300">
-                <a:solidFill>
-                  <a:srgbClr val="000000"/>
-                </a:solidFill>
-                <a:latin typeface="Arial"/>
-                <a:ea typeface="DejaVu Sans"/>
-              </a:rPr>
-              <a:t>Time to Solve Price as Function of Branching Factor</a:t>
-            </a:r>
-          </a:p>
-        </c:rich>
-      </c:tx>
-      <c:layout/>
-    </c:title>
-    <c:plotArea>
-      <c:layout/>
-      <c:scatterChart>
-        <c:scatterStyle val="lineMarker"/>
-        <c:varyColors val="0"/>
-        <c:ser>
-          <c:idx val="0"/>
-          <c:order val="0"/>
-          <c:tx>
-            <c:strRef>
-              <c:f>label 0</c:f>
-              <c:strCache>
-                <c:ptCount val="1"/>
-                <c:pt idx="0">
-                  <c:v>Seconds per Price</c:v>
-                </c:pt>
-              </c:strCache>
-            </c:strRef>
-          </c:tx>
-          <c:spPr>
-            <a:solidFill>
-              <a:srgbClr val="004586"/>
-            </a:solidFill>
-            <a:ln w="28800">
-              <a:solidFill>
-                <a:srgbClr val="004586"/>
-              </a:solidFill>
-              <a:round/>
-            </a:ln>
-          </c:spPr>
-          <c:marker>
-            <c:size val="6"/>
-          </c:marker>
-          <c:xVal>
-            <c:numRef>
-              <c:f>1</c:f>
-              <c:numCache>
-                <c:formatCode>General</c:formatCode>
-                <c:ptCount val="5"/>
-                <c:pt idx="0">
-                  <c:v>2</c:v>
-                </c:pt>
-                <c:pt idx="1">
-                  <c:v>4</c:v>
-                </c:pt>
-                <c:pt idx="2">
-                  <c:v>6</c:v>
-                </c:pt>
-                <c:pt idx="3">
-                  <c:v>8</c:v>
-                </c:pt>
-                <c:pt idx="4">
-                  <c:v>10</c:v>
-                </c:pt>
-              </c:numCache>
-            </c:numRef>
-          </c:xVal>
-          <c:yVal>
-            <c:numRef>
-              <c:f>0</c:f>
-              <c:numCache>
-                <c:formatCode>General</c:formatCode>
-                <c:ptCount val="5"/>
-                <c:pt idx="0">
-                  <c:v>86.036395</c:v>
-                </c:pt>
-                <c:pt idx="1">
-                  <c:v>67.039308</c:v>
-                </c:pt>
-                <c:pt idx="2">
-                  <c:v>50.8351224</c:v>
-                </c:pt>
-                <c:pt idx="3">
-                  <c:v>52.2144568</c:v>
-                </c:pt>
-                <c:pt idx="4">
-                  <c:v>54.80986</c:v>
-                </c:pt>
-              </c:numCache>
-            </c:numRef>
-          </c:yVal>
-        </c:ser>
-        <c:axId val="40229249"/>
-        <c:axId val="29126063"/>
-      </c:scatterChart>
-      <c:valAx>
-        <c:axId val="40229249"/>
-        <c:scaling>
-          <c:orientation val="minMax"/>
-        </c:scaling>
-        <c:delete val="0"/>
-        <c:axPos val="b"/>
-        <c:title>
-          <c:tx>
-            <c:rich>
-              <a:bodyPr/>
-              <a:lstStyle/>
-              <a:p>
-                <a:pPr>
-                  <a:defRPr/>
-                </a:pPr>
-                <a:r>
-                  <a:rPr b="1" sz="900">
-                    <a:solidFill>
-                      <a:srgbClr val="000000"/>
-                    </a:solidFill>
-                    <a:latin typeface="Arial"/>
-                    <a:ea typeface="DejaVu Sans"/>
-                  </a:rPr>
-                  <a:t>Branching Factor</a:t>
-                </a:r>
-              </a:p>
-            </c:rich>
-          </c:tx>
-          <c:layout/>
-        </c:title>
-        <c:majorTickMark val="out"/>
-        <c:minorTickMark val="none"/>
-        <c:tickLblPos val="nextTo"/>
-        <c:spPr>
-          <a:ln w="9360">
-            <a:solidFill>
-              <a:srgbClr val="b3b3b3"/>
-            </a:solidFill>
-            <a:round/>
-          </a:ln>
-        </c:spPr>
-        <c:crossAx val="29126063"/>
-        <c:crossesAt val="0"/>
-      </c:valAx>
-      <c:valAx>
-        <c:axId val="29126063"/>
-        <c:scaling>
-          <c:orientation val="minMax"/>
-        </c:scaling>
-        <c:delete val="0"/>
-        <c:axPos val="l"/>
-        <c:majorGridlines>
-          <c:spPr>
-            <a:ln w="9360">
-              <a:solidFill>
-                <a:srgbClr val="b3b3b3"/>
-              </a:solidFill>
-              <a:round/>
-            </a:ln>
-          </c:spPr>
-        </c:majorGridlines>
-        <c:title>
-          <c:tx>
-            <c:rich>
-              <a:bodyPr/>
-              <a:lstStyle/>
-              <a:p>
-                <a:pPr>
-                  <a:defRPr/>
-                </a:pPr>
-                <a:r>
-                  <a:rPr b="1" sz="900">
-                    <a:solidFill>
-                      <a:srgbClr val="000000"/>
-                    </a:solidFill>
-                    <a:latin typeface="Arial"/>
-                    <a:ea typeface="DejaVu Sans"/>
-                  </a:rPr>
-                  <a:t>Seconds</a:t>
-                </a:r>
-              </a:p>
-            </c:rich>
-          </c:tx>
-          <c:layout/>
-        </c:title>
-        <c:majorTickMark val="out"/>
-        <c:minorTickMark val="none"/>
-        <c:tickLblPos val="nextTo"/>
-        <c:spPr>
-          <a:ln w="9360">
-            <a:solidFill>
-              <a:srgbClr val="b3b3b3"/>
-            </a:solidFill>
-            <a:round/>
-          </a:ln>
-        </c:spPr>
-        <c:crossAx val="40229249"/>
+        <c:crossAx val="33605592"/>
         <c:crossesAt val="0"/>
       </c:valAx>
       <c:spPr>
@@ -835,7 +601,7 @@
         <p:spPr>
           <a:xfrm>
             <a:off x="504000" y="301320"/>
-            <a:ext cx="9070560" cy="1262520"/>
+            <a:ext cx="9072000" cy="1262160"/>
           </a:xfrm>
           <a:prstGeom prst="rect">
             <a:avLst/>
@@ -861,8 +627,8 @@
         </p:nvSpPr>
         <p:spPr>
           <a:xfrm>
-            <a:off x="504000" y="1769040"/>
-            <a:ext cx="2159280" cy="2090520"/>
+            <a:off x="504000" y="1768680"/>
+            <a:ext cx="9072000" cy="2090880"/>
           </a:xfrm>
           <a:prstGeom prst="rect">
             <a:avLst/>
@@ -888,7 +654,7 @@
         <p:spPr>
           <a:xfrm>
             <a:off x="504000" y="4058640"/>
-            <a:ext cx="2159280" cy="2090520"/>
+            <a:ext cx="9072000" cy="2090880"/>
           </a:xfrm>
           <a:prstGeom prst="rect">
             <a:avLst/>
@@ -936,7 +702,7 @@
         <p:spPr>
           <a:xfrm>
             <a:off x="504000" y="301320"/>
-            <a:ext cx="9070560" cy="1262520"/>
+            <a:ext cx="9072000" cy="1262160"/>
           </a:xfrm>
           <a:prstGeom prst="rect">
             <a:avLst/>
@@ -962,8 +728,8 @@
         </p:nvSpPr>
         <p:spPr>
           <a:xfrm>
-            <a:off x="504000" y="1769040"/>
-            <a:ext cx="1053720" cy="2090520"/>
+            <a:off x="504000" y="1768680"/>
+            <a:ext cx="4426920" cy="2090880"/>
           </a:xfrm>
           <a:prstGeom prst="rect">
             <a:avLst/>
@@ -988,8 +754,8 @@
         </p:nvSpPr>
         <p:spPr>
           <a:xfrm>
-            <a:off x="1610640" y="1769040"/>
-            <a:ext cx="1053720" cy="2090520"/>
+            <a:off x="5152680" y="1768680"/>
+            <a:ext cx="4426920" cy="2090880"/>
           </a:xfrm>
           <a:prstGeom prst="rect">
             <a:avLst/>
@@ -1014,8 +780,8 @@
         </p:nvSpPr>
         <p:spPr>
           <a:xfrm>
-            <a:off x="1610640" y="4058640"/>
-            <a:ext cx="1053720" cy="2090520"/>
+            <a:off x="5152680" y="4058640"/>
+            <a:ext cx="4426920" cy="2090880"/>
           </a:xfrm>
           <a:prstGeom prst="rect">
             <a:avLst/>
@@ -1041,7 +807,7 @@
         <p:spPr>
           <a:xfrm>
             <a:off x="504000" y="4058640"/>
-            <a:ext cx="1053720" cy="2090520"/>
+            <a:ext cx="4426920" cy="2090880"/>
           </a:xfrm>
           <a:prstGeom prst="rect">
             <a:avLst/>
@@ -1089,7 +855,7 @@
         <p:spPr>
           <a:xfrm>
             <a:off x="504000" y="301320"/>
-            <a:ext cx="9070560" cy="1262520"/>
+            <a:ext cx="9072000" cy="1262160"/>
           </a:xfrm>
           <a:prstGeom prst="rect">
             <a:avLst/>
@@ -1115,8 +881,8 @@
         </p:nvSpPr>
         <p:spPr>
           <a:xfrm>
-            <a:off x="504000" y="1769040"/>
-            <a:ext cx="2159280" cy="4383360"/>
+            <a:off x="504000" y="1768680"/>
+            <a:ext cx="9072000" cy="4384080"/>
           </a:xfrm>
           <a:prstGeom prst="rect">
             <a:avLst/>
@@ -1141,8 +907,8 @@
         </p:nvSpPr>
         <p:spPr>
           <a:xfrm>
-            <a:off x="504000" y="1769040"/>
-            <a:ext cx="2159280" cy="4383360"/>
+            <a:off x="504000" y="1768680"/>
+            <a:ext cx="9072000" cy="4384080"/>
           </a:xfrm>
           <a:prstGeom prst="rect">
             <a:avLst/>
@@ -1169,8 +935,8 @@
         </p:blipFill>
         <p:spPr>
           <a:xfrm>
-            <a:off x="504000" y="3099240"/>
-            <a:ext cx="2159280" cy="1722600"/>
+            <a:off x="2292480" y="1768680"/>
+            <a:ext cx="5494680" cy="4384080"/>
           </a:xfrm>
           <a:prstGeom prst="rect">
             <a:avLst/>
@@ -1194,8 +960,8 @@
         </p:blipFill>
         <p:spPr>
           <a:xfrm>
-            <a:off x="504000" y="3099240"/>
-            <a:ext cx="2159280" cy="1722600"/>
+            <a:off x="2292480" y="1768680"/>
+            <a:ext cx="5494680" cy="4384080"/>
           </a:xfrm>
           <a:prstGeom prst="rect">
             <a:avLst/>
@@ -1262,7 +1028,7 @@
         <p:spPr>
           <a:xfrm>
             <a:off x="504000" y="301320"/>
-            <a:ext cx="9070560" cy="1262520"/>
+            <a:ext cx="9072000" cy="1262160"/>
           </a:xfrm>
           <a:prstGeom prst="rect">
             <a:avLst/>
@@ -1288,8 +1054,8 @@
         </p:nvSpPr>
         <p:spPr>
           <a:xfrm>
-            <a:off x="504000" y="1769040"/>
-            <a:ext cx="2159280" cy="4383720"/>
+            <a:off x="504000" y="1768680"/>
+            <a:ext cx="9072000" cy="4384440"/>
           </a:xfrm>
           <a:prstGeom prst="rect">
             <a:avLst/>
@@ -1338,7 +1104,7 @@
         <p:spPr>
           <a:xfrm>
             <a:off x="504000" y="301320"/>
-            <a:ext cx="9070560" cy="1262520"/>
+            <a:ext cx="9072000" cy="1262160"/>
           </a:xfrm>
           <a:prstGeom prst="rect">
             <a:avLst/>
@@ -1364,8 +1130,8 @@
         </p:nvSpPr>
         <p:spPr>
           <a:xfrm>
-            <a:off x="504000" y="1769040"/>
-            <a:ext cx="2159280" cy="4383360"/>
+            <a:off x="504000" y="1768680"/>
+            <a:ext cx="9072000" cy="4384080"/>
           </a:xfrm>
           <a:prstGeom prst="rect">
             <a:avLst/>
@@ -1413,7 +1179,7 @@
         <p:spPr>
           <a:xfrm>
             <a:off x="504000" y="301320"/>
-            <a:ext cx="9070560" cy="1262520"/>
+            <a:ext cx="9072000" cy="1262160"/>
           </a:xfrm>
           <a:prstGeom prst="rect">
             <a:avLst/>
@@ -1439,8 +1205,8 @@
         </p:nvSpPr>
         <p:spPr>
           <a:xfrm>
-            <a:off x="504000" y="1769040"/>
-            <a:ext cx="1053720" cy="4383360"/>
+            <a:off x="504000" y="1768680"/>
+            <a:ext cx="4426920" cy="4384080"/>
           </a:xfrm>
           <a:prstGeom prst="rect">
             <a:avLst/>
@@ -1465,8 +1231,8 @@
         </p:nvSpPr>
         <p:spPr>
           <a:xfrm>
-            <a:off x="1610640" y="1769040"/>
-            <a:ext cx="1053720" cy="4383360"/>
+            <a:off x="5152680" y="1768680"/>
+            <a:ext cx="4426920" cy="4384080"/>
           </a:xfrm>
           <a:prstGeom prst="rect">
             <a:avLst/>
@@ -1514,7 +1280,7 @@
         <p:spPr>
           <a:xfrm>
             <a:off x="504000" y="301320"/>
-            <a:ext cx="9070560" cy="1262520"/>
+            <a:ext cx="9072000" cy="1262160"/>
           </a:xfrm>
           <a:prstGeom prst="rect">
             <a:avLst/>
@@ -1563,7 +1329,7 @@
         <p:spPr>
           <a:xfrm>
             <a:off x="504000" y="301320"/>
-            <a:ext cx="9070560" cy="5852160"/>
+            <a:ext cx="9072000" cy="5850720"/>
           </a:xfrm>
           <a:prstGeom prst="rect">
             <a:avLst/>
@@ -1612,7 +1378,7 @@
         <p:spPr>
           <a:xfrm>
             <a:off x="504000" y="301320"/>
-            <a:ext cx="9070560" cy="1262520"/>
+            <a:ext cx="9072000" cy="1262160"/>
           </a:xfrm>
           <a:prstGeom prst="rect">
             <a:avLst/>
@@ -1638,8 +1404,8 @@
         </p:nvSpPr>
         <p:spPr>
           <a:xfrm>
-            <a:off x="504000" y="1769040"/>
-            <a:ext cx="1053720" cy="2090520"/>
+            <a:off x="504000" y="1768680"/>
+            <a:ext cx="4426920" cy="2090880"/>
           </a:xfrm>
           <a:prstGeom prst="rect">
             <a:avLst/>
@@ -1665,7 +1431,7 @@
         <p:spPr>
           <a:xfrm>
             <a:off x="504000" y="4058640"/>
-            <a:ext cx="1053720" cy="2090520"/>
+            <a:ext cx="4426920" cy="2090880"/>
           </a:xfrm>
           <a:prstGeom prst="rect">
             <a:avLst/>
@@ -1690,8 +1456,8 @@
         </p:nvSpPr>
         <p:spPr>
           <a:xfrm>
-            <a:off x="1610640" y="1769040"/>
-            <a:ext cx="1053720" cy="4383360"/>
+            <a:off x="5152680" y="1768680"/>
+            <a:ext cx="4426920" cy="4384080"/>
           </a:xfrm>
           <a:prstGeom prst="rect">
             <a:avLst/>
@@ -1739,7 +1505,7 @@
         <p:spPr>
           <a:xfrm>
             <a:off x="504000" y="301320"/>
-            <a:ext cx="9070560" cy="1262520"/>
+            <a:ext cx="9072000" cy="1262160"/>
           </a:xfrm>
           <a:prstGeom prst="rect">
             <a:avLst/>
@@ -1765,8 +1531,8 @@
         </p:nvSpPr>
         <p:spPr>
           <a:xfrm>
-            <a:off x="504000" y="1769040"/>
-            <a:ext cx="2159280" cy="4383720"/>
+            <a:off x="504000" y="1768680"/>
+            <a:ext cx="9072000" cy="4384440"/>
           </a:xfrm>
           <a:prstGeom prst="rect">
             <a:avLst/>
@@ -1815,7 +1581,7 @@
         <p:spPr>
           <a:xfrm>
             <a:off x="504000" y="301320"/>
-            <a:ext cx="9070560" cy="1262520"/>
+            <a:ext cx="9072000" cy="1262160"/>
           </a:xfrm>
           <a:prstGeom prst="rect">
             <a:avLst/>
@@ -1841,8 +1607,8 @@
         </p:nvSpPr>
         <p:spPr>
           <a:xfrm>
-            <a:off x="504000" y="1769040"/>
-            <a:ext cx="1053720" cy="4383360"/>
+            <a:off x="504000" y="1768680"/>
+            <a:ext cx="4426920" cy="4384080"/>
           </a:xfrm>
           <a:prstGeom prst="rect">
             <a:avLst/>
@@ -1867,8 +1633,8 @@
         </p:nvSpPr>
         <p:spPr>
           <a:xfrm>
-            <a:off x="1610640" y="1769040"/>
-            <a:ext cx="1053720" cy="2090520"/>
+            <a:off x="5152680" y="1768680"/>
+            <a:ext cx="4426920" cy="2090880"/>
           </a:xfrm>
           <a:prstGeom prst="rect">
             <a:avLst/>
@@ -1893,8 +1659,8 @@
         </p:nvSpPr>
         <p:spPr>
           <a:xfrm>
-            <a:off x="1610640" y="4058640"/>
-            <a:ext cx="1053720" cy="2090520"/>
+            <a:off x="5152680" y="4058640"/>
+            <a:ext cx="4426920" cy="2090880"/>
           </a:xfrm>
           <a:prstGeom prst="rect">
             <a:avLst/>
@@ -1942,7 +1708,7 @@
         <p:spPr>
           <a:xfrm>
             <a:off x="504000" y="301320"/>
-            <a:ext cx="9070560" cy="1262520"/>
+            <a:ext cx="9072000" cy="1262160"/>
           </a:xfrm>
           <a:prstGeom prst="rect">
             <a:avLst/>
@@ -1968,8 +1734,8 @@
         </p:nvSpPr>
         <p:spPr>
           <a:xfrm>
-            <a:off x="504000" y="1769040"/>
-            <a:ext cx="1053720" cy="2090520"/>
+            <a:off x="504000" y="1768680"/>
+            <a:ext cx="4426920" cy="2090880"/>
           </a:xfrm>
           <a:prstGeom prst="rect">
             <a:avLst/>
@@ -1994,8 +1760,8 @@
         </p:nvSpPr>
         <p:spPr>
           <a:xfrm>
-            <a:off x="1610640" y="1769040"/>
-            <a:ext cx="1053720" cy="2090520"/>
+            <a:off x="5152680" y="1768680"/>
+            <a:ext cx="4426920" cy="2090880"/>
           </a:xfrm>
           <a:prstGeom prst="rect">
             <a:avLst/>
@@ -2021,7 +1787,7 @@
         <p:spPr>
           <a:xfrm>
             <a:off x="504000" y="4058640"/>
-            <a:ext cx="2159280" cy="2090520"/>
+            <a:ext cx="9072000" cy="2090880"/>
           </a:xfrm>
           <a:prstGeom prst="rect">
             <a:avLst/>
@@ -2069,7 +1835,7 @@
         <p:spPr>
           <a:xfrm>
             <a:off x="504000" y="301320"/>
-            <a:ext cx="9070560" cy="1262520"/>
+            <a:ext cx="9072000" cy="1262160"/>
           </a:xfrm>
           <a:prstGeom prst="rect">
             <a:avLst/>
@@ -2095,8 +1861,8 @@
         </p:nvSpPr>
         <p:spPr>
           <a:xfrm>
-            <a:off x="504000" y="1769040"/>
-            <a:ext cx="2159280" cy="2090520"/>
+            <a:off x="504000" y="1768680"/>
+            <a:ext cx="9072000" cy="2090880"/>
           </a:xfrm>
           <a:prstGeom prst="rect">
             <a:avLst/>
@@ -2122,7 +1888,7 @@
         <p:spPr>
           <a:xfrm>
             <a:off x="504000" y="4058640"/>
-            <a:ext cx="2159280" cy="2090520"/>
+            <a:ext cx="9072000" cy="2090880"/>
           </a:xfrm>
           <a:prstGeom prst="rect">
             <a:avLst/>
@@ -2170,7 +1936,7 @@
         <p:spPr>
           <a:xfrm>
             <a:off x="504000" y="301320"/>
-            <a:ext cx="9070560" cy="1262520"/>
+            <a:ext cx="9072000" cy="1262160"/>
           </a:xfrm>
           <a:prstGeom prst="rect">
             <a:avLst/>
@@ -2196,8 +1962,8 @@
         </p:nvSpPr>
         <p:spPr>
           <a:xfrm>
-            <a:off x="504000" y="1769040"/>
-            <a:ext cx="1053720" cy="2090520"/>
+            <a:off x="504000" y="1768680"/>
+            <a:ext cx="4426920" cy="2090880"/>
           </a:xfrm>
           <a:prstGeom prst="rect">
             <a:avLst/>
@@ -2222,8 +1988,8 @@
         </p:nvSpPr>
         <p:spPr>
           <a:xfrm>
-            <a:off x="1610640" y="1769040"/>
-            <a:ext cx="1053720" cy="2090520"/>
+            <a:off x="5152680" y="1768680"/>
+            <a:ext cx="4426920" cy="2090880"/>
           </a:xfrm>
           <a:prstGeom prst="rect">
             <a:avLst/>
@@ -2248,8 +2014,8 @@
         </p:nvSpPr>
         <p:spPr>
           <a:xfrm>
-            <a:off x="1610640" y="4058640"/>
-            <a:ext cx="1053720" cy="2090520"/>
+            <a:off x="5152680" y="4058640"/>
+            <a:ext cx="4426920" cy="2090880"/>
           </a:xfrm>
           <a:prstGeom prst="rect">
             <a:avLst/>
@@ -2275,7 +2041,7 @@
         <p:spPr>
           <a:xfrm>
             <a:off x="504000" y="4058640"/>
-            <a:ext cx="1053720" cy="2090520"/>
+            <a:ext cx="4426920" cy="2090880"/>
           </a:xfrm>
           <a:prstGeom prst="rect">
             <a:avLst/>
@@ -2323,7 +2089,7 @@
         <p:spPr>
           <a:xfrm>
             <a:off x="504000" y="301320"/>
-            <a:ext cx="9070560" cy="1262520"/>
+            <a:ext cx="9072000" cy="1262160"/>
           </a:xfrm>
           <a:prstGeom prst="rect">
             <a:avLst/>
@@ -2349,8 +2115,8 @@
         </p:nvSpPr>
         <p:spPr>
           <a:xfrm>
-            <a:off x="504000" y="1769040"/>
-            <a:ext cx="2159280" cy="4383360"/>
+            <a:off x="504000" y="1768680"/>
+            <a:ext cx="9072000" cy="4384080"/>
           </a:xfrm>
           <a:prstGeom prst="rect">
             <a:avLst/>
@@ -2375,8 +2141,8 @@
         </p:nvSpPr>
         <p:spPr>
           <a:xfrm>
-            <a:off x="504000" y="1769040"/>
-            <a:ext cx="2159280" cy="4383360"/>
+            <a:off x="504000" y="1768680"/>
+            <a:ext cx="9072000" cy="4384080"/>
           </a:xfrm>
           <a:prstGeom prst="rect">
             <a:avLst/>
@@ -2403,8 +2169,8 @@
         </p:blipFill>
         <p:spPr>
           <a:xfrm>
-            <a:off x="504000" y="3099240"/>
-            <a:ext cx="2159280" cy="1722600"/>
+            <a:off x="2292480" y="1768680"/>
+            <a:ext cx="5494680" cy="4384080"/>
           </a:xfrm>
           <a:prstGeom prst="rect">
             <a:avLst/>
@@ -2428,8 +2194,8 @@
         </p:blipFill>
         <p:spPr>
           <a:xfrm>
-            <a:off x="504000" y="3099240"/>
-            <a:ext cx="2159280" cy="1722600"/>
+            <a:off x="2292480" y="1768680"/>
+            <a:ext cx="5494680" cy="4384080"/>
           </a:xfrm>
           <a:prstGeom prst="rect">
             <a:avLst/>
@@ -2496,7 +2262,7 @@
         <p:spPr>
           <a:xfrm>
             <a:off x="504000" y="301320"/>
-            <a:ext cx="9070560" cy="1262520"/>
+            <a:ext cx="9072000" cy="1262160"/>
           </a:xfrm>
           <a:prstGeom prst="rect">
             <a:avLst/>
@@ -2522,8 +2288,8 @@
         </p:nvSpPr>
         <p:spPr>
           <a:xfrm>
-            <a:off x="504000" y="1769040"/>
-            <a:ext cx="2159280" cy="4383720"/>
+            <a:off x="504000" y="1768680"/>
+            <a:ext cx="9072000" cy="4384440"/>
           </a:xfrm>
           <a:prstGeom prst="rect">
             <a:avLst/>
@@ -2572,7 +2338,7 @@
         <p:spPr>
           <a:xfrm>
             <a:off x="504000" y="301320"/>
-            <a:ext cx="9070560" cy="1262520"/>
+            <a:ext cx="9072000" cy="1262160"/>
           </a:xfrm>
           <a:prstGeom prst="rect">
             <a:avLst/>
@@ -2598,8 +2364,8 @@
         </p:nvSpPr>
         <p:spPr>
           <a:xfrm>
-            <a:off x="504000" y="1769040"/>
-            <a:ext cx="2159280" cy="4383360"/>
+            <a:off x="504000" y="1768680"/>
+            <a:ext cx="9072000" cy="4384080"/>
           </a:xfrm>
           <a:prstGeom prst="rect">
             <a:avLst/>
@@ -2647,7 +2413,7 @@
         <p:spPr>
           <a:xfrm>
             <a:off x="504000" y="301320"/>
-            <a:ext cx="9070560" cy="1262520"/>
+            <a:ext cx="9072000" cy="1262160"/>
           </a:xfrm>
           <a:prstGeom prst="rect">
             <a:avLst/>
@@ -2673,8 +2439,8 @@
         </p:nvSpPr>
         <p:spPr>
           <a:xfrm>
-            <a:off x="504000" y="1769040"/>
-            <a:ext cx="1053720" cy="4383360"/>
+            <a:off x="504000" y="1768680"/>
+            <a:ext cx="4426920" cy="4384080"/>
           </a:xfrm>
           <a:prstGeom prst="rect">
             <a:avLst/>
@@ -2699,8 +2465,8 @@
         </p:nvSpPr>
         <p:spPr>
           <a:xfrm>
-            <a:off x="1610640" y="1769040"/>
-            <a:ext cx="1053720" cy="4383360"/>
+            <a:off x="5152680" y="1768680"/>
+            <a:ext cx="4426920" cy="4384080"/>
           </a:xfrm>
           <a:prstGeom prst="rect">
             <a:avLst/>
@@ -2748,7 +2514,7 @@
         <p:spPr>
           <a:xfrm>
             <a:off x="504000" y="301320"/>
-            <a:ext cx="9070560" cy="1262520"/>
+            <a:ext cx="9072000" cy="1262160"/>
           </a:xfrm>
           <a:prstGeom prst="rect">
             <a:avLst/>
@@ -2797,7 +2563,7 @@
         <p:spPr>
           <a:xfrm>
             <a:off x="504000" y="301320"/>
-            <a:ext cx="9070560" cy="1262520"/>
+            <a:ext cx="9072000" cy="1262160"/>
           </a:xfrm>
           <a:prstGeom prst="rect">
             <a:avLst/>
@@ -2823,8 +2589,8 @@
         </p:nvSpPr>
         <p:spPr>
           <a:xfrm>
-            <a:off x="504000" y="1769040"/>
-            <a:ext cx="2159280" cy="4383360"/>
+            <a:off x="504000" y="1768680"/>
+            <a:ext cx="9072000" cy="4384080"/>
           </a:xfrm>
           <a:prstGeom prst="rect">
             <a:avLst/>
@@ -2872,7 +2638,7 @@
         <p:spPr>
           <a:xfrm>
             <a:off x="504000" y="301320"/>
-            <a:ext cx="9070560" cy="5852160"/>
+            <a:ext cx="9072000" cy="5850720"/>
           </a:xfrm>
           <a:prstGeom prst="rect">
             <a:avLst/>
@@ -2921,7 +2687,7 @@
         <p:spPr>
           <a:xfrm>
             <a:off x="504000" y="301320"/>
-            <a:ext cx="9070560" cy="1262520"/>
+            <a:ext cx="9072000" cy="1262160"/>
           </a:xfrm>
           <a:prstGeom prst="rect">
             <a:avLst/>
@@ -2947,8 +2713,8 @@
         </p:nvSpPr>
         <p:spPr>
           <a:xfrm>
-            <a:off x="504000" y="1769040"/>
-            <a:ext cx="1053720" cy="2090520"/>
+            <a:off x="504000" y="1768680"/>
+            <a:ext cx="4426920" cy="2090880"/>
           </a:xfrm>
           <a:prstGeom prst="rect">
             <a:avLst/>
@@ -2974,7 +2740,7 @@
         <p:spPr>
           <a:xfrm>
             <a:off x="504000" y="4058640"/>
-            <a:ext cx="1053720" cy="2090520"/>
+            <a:ext cx="4426920" cy="2090880"/>
           </a:xfrm>
           <a:prstGeom prst="rect">
             <a:avLst/>
@@ -2999,8 +2765,8 @@
         </p:nvSpPr>
         <p:spPr>
           <a:xfrm>
-            <a:off x="1610640" y="1769040"/>
-            <a:ext cx="1053720" cy="4383360"/>
+            <a:off x="5152680" y="1768680"/>
+            <a:ext cx="4426920" cy="4384080"/>
           </a:xfrm>
           <a:prstGeom prst="rect">
             <a:avLst/>
@@ -3048,7 +2814,7 @@
         <p:spPr>
           <a:xfrm>
             <a:off x="504000" y="301320"/>
-            <a:ext cx="9070560" cy="1262520"/>
+            <a:ext cx="9072000" cy="1262160"/>
           </a:xfrm>
           <a:prstGeom prst="rect">
             <a:avLst/>
@@ -3074,8 +2840,8 @@
         </p:nvSpPr>
         <p:spPr>
           <a:xfrm>
-            <a:off x="504000" y="1769040"/>
-            <a:ext cx="1053720" cy="4383360"/>
+            <a:off x="504000" y="1768680"/>
+            <a:ext cx="4426920" cy="4384080"/>
           </a:xfrm>
           <a:prstGeom prst="rect">
             <a:avLst/>
@@ -3100,8 +2866,8 @@
         </p:nvSpPr>
         <p:spPr>
           <a:xfrm>
-            <a:off x="1610640" y="1769040"/>
-            <a:ext cx="1053720" cy="2090520"/>
+            <a:off x="5152680" y="1768680"/>
+            <a:ext cx="4426920" cy="2090880"/>
           </a:xfrm>
           <a:prstGeom prst="rect">
             <a:avLst/>
@@ -3126,8 +2892,8 @@
         </p:nvSpPr>
         <p:spPr>
           <a:xfrm>
-            <a:off x="1610640" y="4058640"/>
-            <a:ext cx="1053720" cy="2090520"/>
+            <a:off x="5152680" y="4058640"/>
+            <a:ext cx="4426920" cy="2090880"/>
           </a:xfrm>
           <a:prstGeom prst="rect">
             <a:avLst/>
@@ -3175,7 +2941,7 @@
         <p:spPr>
           <a:xfrm>
             <a:off x="504000" y="301320"/>
-            <a:ext cx="9070560" cy="1262520"/>
+            <a:ext cx="9072000" cy="1262160"/>
           </a:xfrm>
           <a:prstGeom prst="rect">
             <a:avLst/>
@@ -3201,8 +2967,8 @@
         </p:nvSpPr>
         <p:spPr>
           <a:xfrm>
-            <a:off x="504000" y="1769040"/>
-            <a:ext cx="1053720" cy="2090520"/>
+            <a:off x="504000" y="1768680"/>
+            <a:ext cx="4426920" cy="2090880"/>
           </a:xfrm>
           <a:prstGeom prst="rect">
             <a:avLst/>
@@ -3227,8 +2993,8 @@
         </p:nvSpPr>
         <p:spPr>
           <a:xfrm>
-            <a:off x="1610640" y="1769040"/>
-            <a:ext cx="1053720" cy="2090520"/>
+            <a:off x="5152680" y="1768680"/>
+            <a:ext cx="4426920" cy="2090880"/>
           </a:xfrm>
           <a:prstGeom prst="rect">
             <a:avLst/>
@@ -3254,7 +3020,7 @@
         <p:spPr>
           <a:xfrm>
             <a:off x="504000" y="4058640"/>
-            <a:ext cx="2159280" cy="2090520"/>
+            <a:ext cx="9072000" cy="2090880"/>
           </a:xfrm>
           <a:prstGeom prst="rect">
             <a:avLst/>
@@ -3302,7 +3068,7 @@
         <p:spPr>
           <a:xfrm>
             <a:off x="504000" y="301320"/>
-            <a:ext cx="9070560" cy="1262520"/>
+            <a:ext cx="9072000" cy="1262160"/>
           </a:xfrm>
           <a:prstGeom prst="rect">
             <a:avLst/>
@@ -3328,8 +3094,8 @@
         </p:nvSpPr>
         <p:spPr>
           <a:xfrm>
-            <a:off x="504000" y="1769040"/>
-            <a:ext cx="2159280" cy="2090520"/>
+            <a:off x="504000" y="1768680"/>
+            <a:ext cx="9072000" cy="2090880"/>
           </a:xfrm>
           <a:prstGeom prst="rect">
             <a:avLst/>
@@ -3355,7 +3121,7 @@
         <p:spPr>
           <a:xfrm>
             <a:off x="504000" y="4058640"/>
-            <a:ext cx="2159280" cy="2090520"/>
+            <a:ext cx="9072000" cy="2090880"/>
           </a:xfrm>
           <a:prstGeom prst="rect">
             <a:avLst/>
@@ -3403,7 +3169,7 @@
         <p:spPr>
           <a:xfrm>
             <a:off x="504000" y="301320"/>
-            <a:ext cx="9070560" cy="1262520"/>
+            <a:ext cx="9072000" cy="1262160"/>
           </a:xfrm>
           <a:prstGeom prst="rect">
             <a:avLst/>
@@ -3429,8 +3195,8 @@
         </p:nvSpPr>
         <p:spPr>
           <a:xfrm>
-            <a:off x="504000" y="1769040"/>
-            <a:ext cx="1053720" cy="2090520"/>
+            <a:off x="504000" y="1768680"/>
+            <a:ext cx="4426920" cy="2090880"/>
           </a:xfrm>
           <a:prstGeom prst="rect">
             <a:avLst/>
@@ -3455,8 +3221,8 @@
         </p:nvSpPr>
         <p:spPr>
           <a:xfrm>
-            <a:off x="1610640" y="1769040"/>
-            <a:ext cx="1053720" cy="2090520"/>
+            <a:off x="5152680" y="1768680"/>
+            <a:ext cx="4426920" cy="2090880"/>
           </a:xfrm>
           <a:prstGeom prst="rect">
             <a:avLst/>
@@ -3481,8 +3247,8 @@
         </p:nvSpPr>
         <p:spPr>
           <a:xfrm>
-            <a:off x="1610640" y="4058640"/>
-            <a:ext cx="1053720" cy="2090520"/>
+            <a:off x="5152680" y="4058640"/>
+            <a:ext cx="4426920" cy="2090880"/>
           </a:xfrm>
           <a:prstGeom prst="rect">
             <a:avLst/>
@@ -3508,7 +3274,7 @@
         <p:spPr>
           <a:xfrm>
             <a:off x="504000" y="4058640"/>
-            <a:ext cx="1053720" cy="2090520"/>
+            <a:ext cx="4426920" cy="2090880"/>
           </a:xfrm>
           <a:prstGeom prst="rect">
             <a:avLst/>
@@ -3556,7 +3322,7 @@
         <p:spPr>
           <a:xfrm>
             <a:off x="504000" y="301320"/>
-            <a:ext cx="9070560" cy="1262520"/>
+            <a:ext cx="9072000" cy="1262160"/>
           </a:xfrm>
           <a:prstGeom prst="rect">
             <a:avLst/>
@@ -3582,8 +3348,8 @@
         </p:nvSpPr>
         <p:spPr>
           <a:xfrm>
-            <a:off x="504000" y="1769040"/>
-            <a:ext cx="2159280" cy="4383360"/>
+            <a:off x="504000" y="1768680"/>
+            <a:ext cx="9072000" cy="4384080"/>
           </a:xfrm>
           <a:prstGeom prst="rect">
             <a:avLst/>
@@ -3608,8 +3374,8 @@
         </p:nvSpPr>
         <p:spPr>
           <a:xfrm>
-            <a:off x="504000" y="1769040"/>
-            <a:ext cx="2159280" cy="4383360"/>
+            <a:off x="504000" y="1768680"/>
+            <a:ext cx="9072000" cy="4384080"/>
           </a:xfrm>
           <a:prstGeom prst="rect">
             <a:avLst/>
@@ -3636,8 +3402,8 @@
         </p:blipFill>
         <p:spPr>
           <a:xfrm>
-            <a:off x="504000" y="3099240"/>
-            <a:ext cx="2159280" cy="1722600"/>
+            <a:off x="2292480" y="1768680"/>
+            <a:ext cx="5494680" cy="4384080"/>
           </a:xfrm>
           <a:prstGeom prst="rect">
             <a:avLst/>
@@ -3661,8 +3427,8 @@
         </p:blipFill>
         <p:spPr>
           <a:xfrm>
-            <a:off x="504000" y="3099240"/>
-            <a:ext cx="2159280" cy="1722600"/>
+            <a:off x="2292480" y="1768680"/>
+            <a:ext cx="5494680" cy="4384080"/>
           </a:xfrm>
           <a:prstGeom prst="rect">
             <a:avLst/>
@@ -3729,7 +3495,7 @@
         <p:spPr>
           <a:xfrm>
             <a:off x="504000" y="301320"/>
-            <a:ext cx="9070560" cy="1262520"/>
+            <a:ext cx="9072000" cy="1262160"/>
           </a:xfrm>
           <a:prstGeom prst="rect">
             <a:avLst/>
@@ -3755,8 +3521,8 @@
         </p:nvSpPr>
         <p:spPr>
           <a:xfrm>
-            <a:off x="504000" y="1769040"/>
-            <a:ext cx="2159280" cy="4383720"/>
+            <a:off x="504000" y="1768680"/>
+            <a:ext cx="9072000" cy="4384440"/>
           </a:xfrm>
           <a:prstGeom prst="rect">
             <a:avLst/>
@@ -3805,7 +3571,7 @@
         <p:spPr>
           <a:xfrm>
             <a:off x="504000" y="301320"/>
-            <a:ext cx="9070560" cy="1262520"/>
+            <a:ext cx="9072000" cy="1262160"/>
           </a:xfrm>
           <a:prstGeom prst="rect">
             <a:avLst/>
@@ -3831,8 +3597,8 @@
         </p:nvSpPr>
         <p:spPr>
           <a:xfrm>
-            <a:off x="504000" y="1769040"/>
-            <a:ext cx="2159280" cy="4383360"/>
+            <a:off x="504000" y="1768680"/>
+            <a:ext cx="9072000" cy="4384080"/>
           </a:xfrm>
           <a:prstGeom prst="rect">
             <a:avLst/>
@@ -3880,7 +3646,7 @@
         <p:spPr>
           <a:xfrm>
             <a:off x="504000" y="301320"/>
-            <a:ext cx="9070560" cy="1262520"/>
+            <a:ext cx="9072000" cy="1262160"/>
           </a:xfrm>
           <a:prstGeom prst="rect">
             <a:avLst/>
@@ -3906,8 +3672,8 @@
         </p:nvSpPr>
         <p:spPr>
           <a:xfrm>
-            <a:off x="504000" y="1769040"/>
-            <a:ext cx="1053720" cy="4383360"/>
+            <a:off x="504000" y="1768680"/>
+            <a:ext cx="4426920" cy="4384080"/>
           </a:xfrm>
           <a:prstGeom prst="rect">
             <a:avLst/>
@@ -3932,8 +3698,8 @@
         </p:nvSpPr>
         <p:spPr>
           <a:xfrm>
-            <a:off x="1610640" y="1769040"/>
-            <a:ext cx="1053720" cy="4383360"/>
+            <a:off x="5152680" y="1768680"/>
+            <a:ext cx="4426920" cy="4384080"/>
           </a:xfrm>
           <a:prstGeom prst="rect">
             <a:avLst/>
@@ -3981,7 +3747,7 @@
         <p:spPr>
           <a:xfrm>
             <a:off x="504000" y="301320"/>
-            <a:ext cx="9070560" cy="1262520"/>
+            <a:ext cx="9072000" cy="1262160"/>
           </a:xfrm>
           <a:prstGeom prst="rect">
             <a:avLst/>
@@ -4007,8 +3773,8 @@
         </p:nvSpPr>
         <p:spPr>
           <a:xfrm>
-            <a:off x="504000" y="1769040"/>
-            <a:ext cx="1053720" cy="4383360"/>
+            <a:off x="504000" y="1768680"/>
+            <a:ext cx="4426920" cy="4384080"/>
           </a:xfrm>
           <a:prstGeom prst="rect">
             <a:avLst/>
@@ -4033,8 +3799,8 @@
         </p:nvSpPr>
         <p:spPr>
           <a:xfrm>
-            <a:off x="1610640" y="1769040"/>
-            <a:ext cx="1053720" cy="4383360"/>
+            <a:off x="5152680" y="1768680"/>
+            <a:ext cx="4426920" cy="4384080"/>
           </a:xfrm>
           <a:prstGeom prst="rect">
             <a:avLst/>
@@ -4082,7 +3848,7 @@
         <p:spPr>
           <a:xfrm>
             <a:off x="504000" y="301320"/>
-            <a:ext cx="9070560" cy="1262520"/>
+            <a:ext cx="9072000" cy="1262160"/>
           </a:xfrm>
           <a:prstGeom prst="rect">
             <a:avLst/>
@@ -4131,7 +3897,7 @@
         <p:spPr>
           <a:xfrm>
             <a:off x="504000" y="301320"/>
-            <a:ext cx="9070560" cy="5852160"/>
+            <a:ext cx="9072000" cy="5850720"/>
           </a:xfrm>
           <a:prstGeom prst="rect">
             <a:avLst/>
@@ -4180,7 +3946,7 @@
         <p:spPr>
           <a:xfrm>
             <a:off x="504000" y="301320"/>
-            <a:ext cx="9070560" cy="1262520"/>
+            <a:ext cx="9072000" cy="1262160"/>
           </a:xfrm>
           <a:prstGeom prst="rect">
             <a:avLst/>
@@ -4206,8 +3972,8 @@
         </p:nvSpPr>
         <p:spPr>
           <a:xfrm>
-            <a:off x="504000" y="1769040"/>
-            <a:ext cx="1053720" cy="2090520"/>
+            <a:off x="504000" y="1768680"/>
+            <a:ext cx="4426920" cy="2090880"/>
           </a:xfrm>
           <a:prstGeom prst="rect">
             <a:avLst/>
@@ -4233,7 +3999,7 @@
         <p:spPr>
           <a:xfrm>
             <a:off x="504000" y="4058640"/>
-            <a:ext cx="1053720" cy="2090520"/>
+            <a:ext cx="4426920" cy="2090880"/>
           </a:xfrm>
           <a:prstGeom prst="rect">
             <a:avLst/>
@@ -4258,8 +4024,8 @@
         </p:nvSpPr>
         <p:spPr>
           <a:xfrm>
-            <a:off x="1610640" y="1769040"/>
-            <a:ext cx="1053720" cy="4383360"/>
+            <a:off x="5152680" y="1768680"/>
+            <a:ext cx="4426920" cy="4384080"/>
           </a:xfrm>
           <a:prstGeom prst="rect">
             <a:avLst/>
@@ -4307,7 +4073,7 @@
         <p:spPr>
           <a:xfrm>
             <a:off x="504000" y="301320"/>
-            <a:ext cx="9070560" cy="1262520"/>
+            <a:ext cx="9072000" cy="1262160"/>
           </a:xfrm>
           <a:prstGeom prst="rect">
             <a:avLst/>
@@ -4333,8 +4099,8 @@
         </p:nvSpPr>
         <p:spPr>
           <a:xfrm>
-            <a:off x="504000" y="1769040"/>
-            <a:ext cx="1053720" cy="4383360"/>
+            <a:off x="504000" y="1768680"/>
+            <a:ext cx="4426920" cy="4384080"/>
           </a:xfrm>
           <a:prstGeom prst="rect">
             <a:avLst/>
@@ -4359,8 +4125,8 @@
         </p:nvSpPr>
         <p:spPr>
           <a:xfrm>
-            <a:off x="1610640" y="1769040"/>
-            <a:ext cx="1053720" cy="2090520"/>
+            <a:off x="5152680" y="1768680"/>
+            <a:ext cx="4426920" cy="2090880"/>
           </a:xfrm>
           <a:prstGeom prst="rect">
             <a:avLst/>
@@ -4385,8 +4151,8 @@
         </p:nvSpPr>
         <p:spPr>
           <a:xfrm>
-            <a:off x="1610640" y="4058640"/>
-            <a:ext cx="1053720" cy="2090520"/>
+            <a:off x="5152680" y="4058640"/>
+            <a:ext cx="4426920" cy="2090880"/>
           </a:xfrm>
           <a:prstGeom prst="rect">
             <a:avLst/>
@@ -4434,7 +4200,7 @@
         <p:spPr>
           <a:xfrm>
             <a:off x="504000" y="301320"/>
-            <a:ext cx="9070560" cy="1262520"/>
+            <a:ext cx="9072000" cy="1262160"/>
           </a:xfrm>
           <a:prstGeom prst="rect">
             <a:avLst/>
@@ -4460,8 +4226,8 @@
         </p:nvSpPr>
         <p:spPr>
           <a:xfrm>
-            <a:off x="504000" y="1769040"/>
-            <a:ext cx="1053720" cy="2090520"/>
+            <a:off x="504000" y="1768680"/>
+            <a:ext cx="4426920" cy="2090880"/>
           </a:xfrm>
           <a:prstGeom prst="rect">
             <a:avLst/>
@@ -4486,8 +4252,8 @@
         </p:nvSpPr>
         <p:spPr>
           <a:xfrm>
-            <a:off x="1610640" y="1769040"/>
-            <a:ext cx="1053720" cy="2090520"/>
+            <a:off x="5152680" y="1768680"/>
+            <a:ext cx="4426920" cy="2090880"/>
           </a:xfrm>
           <a:prstGeom prst="rect">
             <a:avLst/>
@@ -4513,7 +4279,7 @@
         <p:spPr>
           <a:xfrm>
             <a:off x="504000" y="4058640"/>
-            <a:ext cx="2159280" cy="2090520"/>
+            <a:ext cx="9072000" cy="2090880"/>
           </a:xfrm>
           <a:prstGeom prst="rect">
             <a:avLst/>
@@ -4561,7 +4327,7 @@
         <p:spPr>
           <a:xfrm>
             <a:off x="504000" y="301320"/>
-            <a:ext cx="9070560" cy="1262520"/>
+            <a:ext cx="9072000" cy="1262160"/>
           </a:xfrm>
           <a:prstGeom prst="rect">
             <a:avLst/>
@@ -4587,8 +4353,8 @@
         </p:nvSpPr>
         <p:spPr>
           <a:xfrm>
-            <a:off x="504000" y="1769040"/>
-            <a:ext cx="2159280" cy="2090520"/>
+            <a:off x="504000" y="1768680"/>
+            <a:ext cx="9072000" cy="2090880"/>
           </a:xfrm>
           <a:prstGeom prst="rect">
             <a:avLst/>
@@ -4614,7 +4380,7 @@
         <p:spPr>
           <a:xfrm>
             <a:off x="504000" y="4058640"/>
-            <a:ext cx="2159280" cy="2090520"/>
+            <a:ext cx="9072000" cy="2090880"/>
           </a:xfrm>
           <a:prstGeom prst="rect">
             <a:avLst/>
@@ -4662,7 +4428,7 @@
         <p:spPr>
           <a:xfrm>
             <a:off x="504000" y="301320"/>
-            <a:ext cx="9070560" cy="1262520"/>
+            <a:ext cx="9072000" cy="1262160"/>
           </a:xfrm>
           <a:prstGeom prst="rect">
             <a:avLst/>
@@ -4688,8 +4454,8 @@
         </p:nvSpPr>
         <p:spPr>
           <a:xfrm>
-            <a:off x="504000" y="1769040"/>
-            <a:ext cx="1053720" cy="2090520"/>
+            <a:off x="504000" y="1768680"/>
+            <a:ext cx="4426920" cy="2090880"/>
           </a:xfrm>
           <a:prstGeom prst="rect">
             <a:avLst/>
@@ -4714,8 +4480,8 @@
         </p:nvSpPr>
         <p:spPr>
           <a:xfrm>
-            <a:off x="1610640" y="1769040"/>
-            <a:ext cx="1053720" cy="2090520"/>
+            <a:off x="5152680" y="1768680"/>
+            <a:ext cx="4426920" cy="2090880"/>
           </a:xfrm>
           <a:prstGeom prst="rect">
             <a:avLst/>
@@ -4740,8 +4506,8 @@
         </p:nvSpPr>
         <p:spPr>
           <a:xfrm>
-            <a:off x="1610640" y="4058640"/>
-            <a:ext cx="1053720" cy="2090520"/>
+            <a:off x="5152680" y="4058640"/>
+            <a:ext cx="4426920" cy="2090880"/>
           </a:xfrm>
           <a:prstGeom prst="rect">
             <a:avLst/>
@@ -4767,7 +4533,7 @@
         <p:spPr>
           <a:xfrm>
             <a:off x="504000" y="4058640"/>
-            <a:ext cx="1053720" cy="2090520"/>
+            <a:ext cx="4426920" cy="2090880"/>
           </a:xfrm>
           <a:prstGeom prst="rect">
             <a:avLst/>
@@ -4815,7 +4581,7 @@
         <p:spPr>
           <a:xfrm>
             <a:off x="504000" y="301320"/>
-            <a:ext cx="9070560" cy="1262520"/>
+            <a:ext cx="9072000" cy="1262160"/>
           </a:xfrm>
           <a:prstGeom prst="rect">
             <a:avLst/>
@@ -4841,8 +4607,8 @@
         </p:nvSpPr>
         <p:spPr>
           <a:xfrm>
-            <a:off x="504000" y="1769040"/>
-            <a:ext cx="2159280" cy="4383360"/>
+            <a:off x="504000" y="1768680"/>
+            <a:ext cx="9072000" cy="4384080"/>
           </a:xfrm>
           <a:prstGeom prst="rect">
             <a:avLst/>
@@ -4867,8 +4633,8 @@
         </p:nvSpPr>
         <p:spPr>
           <a:xfrm>
-            <a:off x="504000" y="1769040"/>
-            <a:ext cx="2159280" cy="4383360"/>
+            <a:off x="504000" y="1768680"/>
+            <a:ext cx="9072000" cy="4384080"/>
           </a:xfrm>
           <a:prstGeom prst="rect">
             <a:avLst/>
@@ -4895,8 +4661,8 @@
         </p:blipFill>
         <p:spPr>
           <a:xfrm>
-            <a:off x="504000" y="3099240"/>
-            <a:ext cx="2159280" cy="1722600"/>
+            <a:off x="2292480" y="1768680"/>
+            <a:ext cx="5494680" cy="4384080"/>
           </a:xfrm>
           <a:prstGeom prst="rect">
             <a:avLst/>
@@ -4920,8 +4686,8 @@
         </p:blipFill>
         <p:spPr>
           <a:xfrm>
-            <a:off x="504000" y="3099240"/>
-            <a:ext cx="2159280" cy="1722600"/>
+            <a:off x="2292480" y="1768680"/>
+            <a:ext cx="5494680" cy="4384080"/>
           </a:xfrm>
           <a:prstGeom prst="rect">
             <a:avLst/>
@@ -4988,7 +4754,7 @@
         <p:spPr>
           <a:xfrm>
             <a:off x="504000" y="301320"/>
-            <a:ext cx="9070560" cy="1262520"/>
+            <a:ext cx="9072000" cy="1262160"/>
           </a:xfrm>
           <a:prstGeom prst="rect">
             <a:avLst/>
@@ -5037,7 +4803,7 @@
         <p:spPr>
           <a:xfrm>
             <a:off x="504000" y="301320"/>
-            <a:ext cx="9070560" cy="1262520"/>
+            <a:ext cx="9072000" cy="1262160"/>
           </a:xfrm>
           <a:prstGeom prst="rect">
             <a:avLst/>
@@ -5063,8 +4829,8 @@
         </p:nvSpPr>
         <p:spPr>
           <a:xfrm>
-            <a:off x="504000" y="1769040"/>
-            <a:ext cx="2159280" cy="4383720"/>
+            <a:off x="504000" y="1768680"/>
+            <a:ext cx="9072000" cy="4384440"/>
           </a:xfrm>
           <a:prstGeom prst="rect">
             <a:avLst/>
@@ -5113,7 +4879,7 @@
         <p:spPr>
           <a:xfrm>
             <a:off x="504000" y="301320"/>
-            <a:ext cx="9070560" cy="1262520"/>
+            <a:ext cx="9072000" cy="1262160"/>
           </a:xfrm>
           <a:prstGeom prst="rect">
             <a:avLst/>
@@ -5139,8 +4905,8 @@
         </p:nvSpPr>
         <p:spPr>
           <a:xfrm>
-            <a:off x="504000" y="1769040"/>
-            <a:ext cx="2159280" cy="4383360"/>
+            <a:off x="504000" y="1768680"/>
+            <a:ext cx="9072000" cy="4384080"/>
           </a:xfrm>
           <a:prstGeom prst="rect">
             <a:avLst/>
@@ -5188,7 +4954,7 @@
         <p:spPr>
           <a:xfrm>
             <a:off x="504000" y="301320"/>
-            <a:ext cx="9070560" cy="1262520"/>
+            <a:ext cx="9072000" cy="1262160"/>
           </a:xfrm>
           <a:prstGeom prst="rect">
             <a:avLst/>
@@ -5214,8 +4980,8 @@
         </p:nvSpPr>
         <p:spPr>
           <a:xfrm>
-            <a:off x="504000" y="1769040"/>
-            <a:ext cx="1053720" cy="4383360"/>
+            <a:off x="504000" y="1768680"/>
+            <a:ext cx="4426920" cy="4384080"/>
           </a:xfrm>
           <a:prstGeom prst="rect">
             <a:avLst/>
@@ -5240,8 +5006,8 @@
         </p:nvSpPr>
         <p:spPr>
           <a:xfrm>
-            <a:off x="1610640" y="1769040"/>
-            <a:ext cx="1053720" cy="4383360"/>
+            <a:off x="5152680" y="1768680"/>
+            <a:ext cx="4426920" cy="4384080"/>
           </a:xfrm>
           <a:prstGeom prst="rect">
             <a:avLst/>
@@ -5289,7 +5055,7 @@
         <p:spPr>
           <a:xfrm>
             <a:off x="504000" y="301320"/>
-            <a:ext cx="9070560" cy="1262520"/>
+            <a:ext cx="9072000" cy="1262160"/>
           </a:xfrm>
           <a:prstGeom prst="rect">
             <a:avLst/>
@@ -5338,7 +5104,7 @@
         <p:spPr>
           <a:xfrm>
             <a:off x="504000" y="301320"/>
-            <a:ext cx="9070560" cy="5852160"/>
+            <a:ext cx="9072000" cy="5850720"/>
           </a:xfrm>
           <a:prstGeom prst="rect">
             <a:avLst/>
@@ -5387,7 +5153,7 @@
         <p:spPr>
           <a:xfrm>
             <a:off x="504000" y="301320"/>
-            <a:ext cx="9070560" cy="1262520"/>
+            <a:ext cx="9072000" cy="1262160"/>
           </a:xfrm>
           <a:prstGeom prst="rect">
             <a:avLst/>
@@ -5413,8 +5179,8 @@
         </p:nvSpPr>
         <p:spPr>
           <a:xfrm>
-            <a:off x="504000" y="1769040"/>
-            <a:ext cx="1053720" cy="2090520"/>
+            <a:off x="504000" y="1768680"/>
+            <a:ext cx="4426920" cy="2090880"/>
           </a:xfrm>
           <a:prstGeom prst="rect">
             <a:avLst/>
@@ -5440,7 +5206,7 @@
         <p:spPr>
           <a:xfrm>
             <a:off x="504000" y="4058640"/>
-            <a:ext cx="1053720" cy="2090520"/>
+            <a:ext cx="4426920" cy="2090880"/>
           </a:xfrm>
           <a:prstGeom prst="rect">
             <a:avLst/>
@@ -5465,8 +5231,8 @@
         </p:nvSpPr>
         <p:spPr>
           <a:xfrm>
-            <a:off x="1610640" y="1769040"/>
-            <a:ext cx="1053720" cy="4383360"/>
+            <a:off x="5152680" y="1768680"/>
+            <a:ext cx="4426920" cy="4384080"/>
           </a:xfrm>
           <a:prstGeom prst="rect">
             <a:avLst/>
@@ -5514,7 +5280,7 @@
         <p:spPr>
           <a:xfrm>
             <a:off x="504000" y="301320"/>
-            <a:ext cx="9070560" cy="1262520"/>
+            <a:ext cx="9072000" cy="1262160"/>
           </a:xfrm>
           <a:prstGeom prst="rect">
             <a:avLst/>
@@ -5540,8 +5306,8 @@
         </p:nvSpPr>
         <p:spPr>
           <a:xfrm>
-            <a:off x="504000" y="1769040"/>
-            <a:ext cx="1053720" cy="4383360"/>
+            <a:off x="504000" y="1768680"/>
+            <a:ext cx="4426920" cy="4384080"/>
           </a:xfrm>
           <a:prstGeom prst="rect">
             <a:avLst/>
@@ -5566,8 +5332,8 @@
         </p:nvSpPr>
         <p:spPr>
           <a:xfrm>
-            <a:off x="1610640" y="1769040"/>
-            <a:ext cx="1053720" cy="2090520"/>
+            <a:off x="5152680" y="1768680"/>
+            <a:ext cx="4426920" cy="2090880"/>
           </a:xfrm>
           <a:prstGeom prst="rect">
             <a:avLst/>
@@ -5592,8 +5358,8 @@
         </p:nvSpPr>
         <p:spPr>
           <a:xfrm>
-            <a:off x="1610640" y="4058640"/>
-            <a:ext cx="1053720" cy="2090520"/>
+            <a:off x="5152680" y="4058640"/>
+            <a:ext cx="4426920" cy="2090880"/>
           </a:xfrm>
           <a:prstGeom prst="rect">
             <a:avLst/>
@@ -5641,7 +5407,7 @@
         <p:spPr>
           <a:xfrm>
             <a:off x="504000" y="301320"/>
-            <a:ext cx="9070560" cy="1262520"/>
+            <a:ext cx="9072000" cy="1262160"/>
           </a:xfrm>
           <a:prstGeom prst="rect">
             <a:avLst/>
@@ -5667,8 +5433,8 @@
         </p:nvSpPr>
         <p:spPr>
           <a:xfrm>
-            <a:off x="504000" y="1769040"/>
-            <a:ext cx="1053720" cy="2090520"/>
+            <a:off x="504000" y="1768680"/>
+            <a:ext cx="4426920" cy="2090880"/>
           </a:xfrm>
           <a:prstGeom prst="rect">
             <a:avLst/>
@@ -5693,8 +5459,8 @@
         </p:nvSpPr>
         <p:spPr>
           <a:xfrm>
-            <a:off x="1610640" y="1769040"/>
-            <a:ext cx="1053720" cy="2090520"/>
+            <a:off x="5152680" y="1768680"/>
+            <a:ext cx="4426920" cy="2090880"/>
           </a:xfrm>
           <a:prstGeom prst="rect">
             <a:avLst/>
@@ -5720,7 +5486,7 @@
         <p:spPr>
           <a:xfrm>
             <a:off x="504000" y="4058640"/>
-            <a:ext cx="2159280" cy="2090520"/>
+            <a:ext cx="9072000" cy="2090880"/>
           </a:xfrm>
           <a:prstGeom prst="rect">
             <a:avLst/>
@@ -5768,7 +5534,7 @@
         <p:spPr>
           <a:xfrm>
             <a:off x="504000" y="301320"/>
-            <a:ext cx="9070560" cy="1262520"/>
+            <a:ext cx="9072000" cy="1262160"/>
           </a:xfrm>
           <a:prstGeom prst="rect">
             <a:avLst/>
@@ -5794,8 +5560,8 @@
         </p:nvSpPr>
         <p:spPr>
           <a:xfrm>
-            <a:off x="504000" y="1769040"/>
-            <a:ext cx="2159280" cy="2090520"/>
+            <a:off x="504000" y="1768680"/>
+            <a:ext cx="9072000" cy="2090880"/>
           </a:xfrm>
           <a:prstGeom prst="rect">
             <a:avLst/>
@@ -5821,7 +5587,7 @@
         <p:spPr>
           <a:xfrm>
             <a:off x="504000" y="4058640"/>
-            <a:ext cx="2159280" cy="2090520"/>
+            <a:ext cx="9072000" cy="2090880"/>
           </a:xfrm>
           <a:prstGeom prst="rect">
             <a:avLst/>
@@ -5869,7 +5635,7 @@
         <p:spPr>
           <a:xfrm>
             <a:off x="504000" y="301320"/>
-            <a:ext cx="9070560" cy="1262520"/>
+            <a:ext cx="9072000" cy="1262160"/>
           </a:xfrm>
           <a:prstGeom prst="rect">
             <a:avLst/>
@@ -5895,8 +5661,8 @@
         </p:nvSpPr>
         <p:spPr>
           <a:xfrm>
-            <a:off x="504000" y="1769040"/>
-            <a:ext cx="1053720" cy="2090520"/>
+            <a:off x="504000" y="1768680"/>
+            <a:ext cx="4426920" cy="2090880"/>
           </a:xfrm>
           <a:prstGeom prst="rect">
             <a:avLst/>
@@ -5921,8 +5687,8 @@
         </p:nvSpPr>
         <p:spPr>
           <a:xfrm>
-            <a:off x="1610640" y="1769040"/>
-            <a:ext cx="1053720" cy="2090520"/>
+            <a:off x="5152680" y="1768680"/>
+            <a:ext cx="4426920" cy="2090880"/>
           </a:xfrm>
           <a:prstGeom prst="rect">
             <a:avLst/>
@@ -5947,8 +5713,8 @@
         </p:nvSpPr>
         <p:spPr>
           <a:xfrm>
-            <a:off x="1610640" y="4058640"/>
-            <a:ext cx="1053720" cy="2090520"/>
+            <a:off x="5152680" y="4058640"/>
+            <a:ext cx="4426920" cy="2090880"/>
           </a:xfrm>
           <a:prstGeom prst="rect">
             <a:avLst/>
@@ -5974,7 +5740,7 @@
         <p:spPr>
           <a:xfrm>
             <a:off x="504000" y="4058640"/>
-            <a:ext cx="1053720" cy="2090520"/>
+            <a:ext cx="4426920" cy="2090880"/>
           </a:xfrm>
           <a:prstGeom prst="rect">
             <a:avLst/>
@@ -6022,7 +5788,7 @@
         <p:spPr>
           <a:xfrm>
             <a:off x="504000" y="301320"/>
-            <a:ext cx="9070560" cy="5852160"/>
+            <a:ext cx="9072000" cy="5850720"/>
           </a:xfrm>
           <a:prstGeom prst="rect">
             <a:avLst/>
@@ -6071,7 +5837,7 @@
         <p:spPr>
           <a:xfrm>
             <a:off x="504000" y="301320"/>
-            <a:ext cx="9070560" cy="1262520"/>
+            <a:ext cx="9072000" cy="1262160"/>
           </a:xfrm>
           <a:prstGeom prst="rect">
             <a:avLst/>
@@ -6097,8 +5863,8 @@
         </p:nvSpPr>
         <p:spPr>
           <a:xfrm>
-            <a:off x="504000" y="1769040"/>
-            <a:ext cx="2159280" cy="4383360"/>
+            <a:off x="504000" y="1768680"/>
+            <a:ext cx="9072000" cy="4384080"/>
           </a:xfrm>
           <a:prstGeom prst="rect">
             <a:avLst/>
@@ -6123,8 +5889,8 @@
         </p:nvSpPr>
         <p:spPr>
           <a:xfrm>
-            <a:off x="504000" y="1769040"/>
-            <a:ext cx="2159280" cy="4383360"/>
+            <a:off x="504000" y="1768680"/>
+            <a:ext cx="9072000" cy="4384080"/>
           </a:xfrm>
           <a:prstGeom prst="rect">
             <a:avLst/>
@@ -6151,8 +5917,8 @@
         </p:blipFill>
         <p:spPr>
           <a:xfrm>
-            <a:off x="504000" y="3099240"/>
-            <a:ext cx="2159280" cy="1722600"/>
+            <a:off x="2292480" y="1768680"/>
+            <a:ext cx="5494680" cy="4384080"/>
           </a:xfrm>
           <a:prstGeom prst="rect">
             <a:avLst/>
@@ -6176,8 +5942,8 @@
         </p:blipFill>
         <p:spPr>
           <a:xfrm>
-            <a:off x="504000" y="3099240"/>
-            <a:ext cx="2159280" cy="1722600"/>
+            <a:off x="2292480" y="1768680"/>
+            <a:ext cx="5494680" cy="4384080"/>
           </a:xfrm>
           <a:prstGeom prst="rect">
             <a:avLst/>
@@ -6187,6 +5953,759 @@
           </a:ln>
         </p:spPr>
       </p:pic>
+    </p:spTree>
+  </p:cSld>
+</p:sldLayout>
+</file>
+
+<file path=ppt/slideLayouts/slideLayout61.xml><?xml version="1.0" encoding="utf-8"?>
+<p:sldLayout xmlns:a="http://schemas.openxmlformats.org/drawingml/2006/main" xmlns:p="http://schemas.openxmlformats.org/presentationml/2006/main" xmlns:r="http://schemas.openxmlformats.org/officeDocument/2006/relationships" type="blank" preserve="1">
+  <p:cSld name="Blank Slide">
+    <p:spTree>
+      <p:nvGrpSpPr>
+        <p:cNvPr id="1" name=""/>
+        <p:cNvGrpSpPr/>
+        <p:nvPr/>
+      </p:nvGrpSpPr>
+      <p:grpSpPr>
+        <a:xfrm>
+          <a:off x="0" y="0"/>
+          <a:ext cx="0" cy="0"/>
+          <a:chOff x="0" y="0"/>
+          <a:chExt cx="0" cy="0"/>
+        </a:xfrm>
+      </p:grpSpPr>
+    </p:spTree>
+  </p:cSld>
+</p:sldLayout>
+</file>
+
+<file path=ppt/slideLayouts/slideLayout62.xml><?xml version="1.0" encoding="utf-8"?>
+<p:sldLayout xmlns:a="http://schemas.openxmlformats.org/drawingml/2006/main" xmlns:p="http://schemas.openxmlformats.org/presentationml/2006/main" xmlns:r="http://schemas.openxmlformats.org/officeDocument/2006/relationships" type="tx" preserve="1">
+  <p:cSld name="Title Slide">
+    <p:spTree>
+      <p:nvGrpSpPr>
+        <p:cNvPr id="1" name=""/>
+        <p:cNvGrpSpPr/>
+        <p:nvPr/>
+      </p:nvGrpSpPr>
+      <p:grpSpPr>
+        <a:xfrm>
+          <a:off x="0" y="0"/>
+          <a:ext cx="0" cy="0"/>
+          <a:chOff x="0" y="0"/>
+          <a:chExt cx="0" cy="0"/>
+        </a:xfrm>
+      </p:grpSpPr>
+      <p:sp>
+        <p:nvSpPr>
+          <p:cNvPr id="183" name="PlaceHolder 1"/>
+          <p:cNvSpPr>
+            <a:spLocks noGrp="1"/>
+          </p:cNvSpPr>
+          <p:nvPr>
+            <p:ph type="title"/>
+          </p:nvPr>
+        </p:nvSpPr>
+        <p:spPr>
+          <a:xfrm>
+            <a:off x="504000" y="301320"/>
+            <a:ext cx="9072000" cy="1262160"/>
+          </a:xfrm>
+          <a:prstGeom prst="rect">
+            <a:avLst/>
+          </a:prstGeom>
+        </p:spPr>
+        <p:txBody>
+          <a:bodyPr lIns="0" rIns="0" tIns="0" bIns="0" anchor="ctr"/>
+          <a:p>
+            <a:pPr algn="ctr"/>
+            <a:endParaRPr/>
+          </a:p>
+        </p:txBody>
+      </p:sp>
+      <p:sp>
+        <p:nvSpPr>
+          <p:cNvPr id="184" name="PlaceHolder 2"/>
+          <p:cNvSpPr>
+            <a:spLocks noGrp="1"/>
+          </p:cNvSpPr>
+          <p:nvPr>
+            <p:ph type="subTitle"/>
+          </p:nvPr>
+        </p:nvSpPr>
+        <p:spPr>
+          <a:xfrm>
+            <a:off x="504000" y="1768680"/>
+            <a:ext cx="9072000" cy="4384440"/>
+          </a:xfrm>
+          <a:prstGeom prst="rect">
+            <a:avLst/>
+          </a:prstGeom>
+        </p:spPr>
+        <p:txBody>
+          <a:bodyPr lIns="0" rIns="0" tIns="0" bIns="0" anchor="ctr"/>
+          <a:p>
+            <a:pPr algn="ctr"/>
+            <a:endParaRPr/>
+          </a:p>
+        </p:txBody>
+      </p:sp>
+    </p:spTree>
+  </p:cSld>
+</p:sldLayout>
+</file>
+
+<file path=ppt/slideLayouts/slideLayout63.xml><?xml version="1.0" encoding="utf-8"?>
+<p:sldLayout xmlns:a="http://schemas.openxmlformats.org/drawingml/2006/main" xmlns:p="http://schemas.openxmlformats.org/presentationml/2006/main" xmlns:r="http://schemas.openxmlformats.org/officeDocument/2006/relationships" type="obj" preserve="1">
+  <p:cSld name="Title, Content">
+    <p:spTree>
+      <p:nvGrpSpPr>
+        <p:cNvPr id="1" name=""/>
+        <p:cNvGrpSpPr/>
+        <p:nvPr/>
+      </p:nvGrpSpPr>
+      <p:grpSpPr>
+        <a:xfrm>
+          <a:off x="0" y="0"/>
+          <a:ext cx="0" cy="0"/>
+          <a:chOff x="0" y="0"/>
+          <a:chExt cx="0" cy="0"/>
+        </a:xfrm>
+      </p:grpSpPr>
+      <p:sp>
+        <p:nvSpPr>
+          <p:cNvPr id="185" name="PlaceHolder 1"/>
+          <p:cNvSpPr>
+            <a:spLocks noGrp="1"/>
+          </p:cNvSpPr>
+          <p:nvPr>
+            <p:ph type="title"/>
+          </p:nvPr>
+        </p:nvSpPr>
+        <p:spPr>
+          <a:xfrm>
+            <a:off x="504000" y="301320"/>
+            <a:ext cx="9072000" cy="1262160"/>
+          </a:xfrm>
+          <a:prstGeom prst="rect">
+            <a:avLst/>
+          </a:prstGeom>
+        </p:spPr>
+        <p:txBody>
+          <a:bodyPr lIns="0" rIns="0" tIns="0" bIns="0" anchor="ctr"/>
+          <a:p>
+            <a:pPr algn="ctr"/>
+            <a:endParaRPr/>
+          </a:p>
+        </p:txBody>
+      </p:sp>
+      <p:sp>
+        <p:nvSpPr>
+          <p:cNvPr id="186" name="PlaceHolder 2"/>
+          <p:cNvSpPr>
+            <a:spLocks noGrp="1"/>
+          </p:cNvSpPr>
+          <p:nvPr>
+            <p:ph type="body"/>
+          </p:nvPr>
+        </p:nvSpPr>
+        <p:spPr>
+          <a:xfrm>
+            <a:off x="504000" y="1768680"/>
+            <a:ext cx="9072000" cy="4384080"/>
+          </a:xfrm>
+          <a:prstGeom prst="rect">
+            <a:avLst/>
+          </a:prstGeom>
+        </p:spPr>
+        <p:txBody>
+          <a:bodyPr lIns="0" rIns="0" tIns="0" bIns="0"/>
+          <a:p>
+            <a:endParaRPr/>
+          </a:p>
+        </p:txBody>
+      </p:sp>
+    </p:spTree>
+  </p:cSld>
+</p:sldLayout>
+</file>
+
+<file path=ppt/slideLayouts/slideLayout64.xml><?xml version="1.0" encoding="utf-8"?>
+<p:sldLayout xmlns:a="http://schemas.openxmlformats.org/drawingml/2006/main" xmlns:p="http://schemas.openxmlformats.org/presentationml/2006/main" xmlns:r="http://schemas.openxmlformats.org/officeDocument/2006/relationships" type="twoObj" preserve="1">
+  <p:cSld name="Title, 2 Content">
+    <p:spTree>
+      <p:nvGrpSpPr>
+        <p:cNvPr id="1" name=""/>
+        <p:cNvGrpSpPr/>
+        <p:nvPr/>
+      </p:nvGrpSpPr>
+      <p:grpSpPr>
+        <a:xfrm>
+          <a:off x="0" y="0"/>
+          <a:ext cx="0" cy="0"/>
+          <a:chOff x="0" y="0"/>
+          <a:chExt cx="0" cy="0"/>
+        </a:xfrm>
+      </p:grpSpPr>
+      <p:sp>
+        <p:nvSpPr>
+          <p:cNvPr id="187" name="PlaceHolder 1"/>
+          <p:cNvSpPr>
+            <a:spLocks noGrp="1"/>
+          </p:cNvSpPr>
+          <p:nvPr>
+            <p:ph type="title"/>
+          </p:nvPr>
+        </p:nvSpPr>
+        <p:spPr>
+          <a:xfrm>
+            <a:off x="504000" y="301320"/>
+            <a:ext cx="9072000" cy="1262160"/>
+          </a:xfrm>
+          <a:prstGeom prst="rect">
+            <a:avLst/>
+          </a:prstGeom>
+        </p:spPr>
+        <p:txBody>
+          <a:bodyPr lIns="0" rIns="0" tIns="0" bIns="0" anchor="ctr"/>
+          <a:p>
+            <a:pPr algn="ctr"/>
+            <a:endParaRPr/>
+          </a:p>
+        </p:txBody>
+      </p:sp>
+      <p:sp>
+        <p:nvSpPr>
+          <p:cNvPr id="188" name="PlaceHolder 2"/>
+          <p:cNvSpPr>
+            <a:spLocks noGrp="1"/>
+          </p:cNvSpPr>
+          <p:nvPr>
+            <p:ph type="body"/>
+          </p:nvPr>
+        </p:nvSpPr>
+        <p:spPr>
+          <a:xfrm>
+            <a:off x="504000" y="1768680"/>
+            <a:ext cx="4426920" cy="4384080"/>
+          </a:xfrm>
+          <a:prstGeom prst="rect">
+            <a:avLst/>
+          </a:prstGeom>
+        </p:spPr>
+        <p:txBody>
+          <a:bodyPr lIns="0" rIns="0" tIns="0" bIns="0"/>
+          <a:p>
+            <a:endParaRPr/>
+          </a:p>
+        </p:txBody>
+      </p:sp>
+      <p:sp>
+        <p:nvSpPr>
+          <p:cNvPr id="189" name="PlaceHolder 3"/>
+          <p:cNvSpPr>
+            <a:spLocks noGrp="1"/>
+          </p:cNvSpPr>
+          <p:nvPr>
+            <p:ph type="body"/>
+          </p:nvPr>
+        </p:nvSpPr>
+        <p:spPr>
+          <a:xfrm>
+            <a:off x="5152680" y="1768680"/>
+            <a:ext cx="4426920" cy="4384080"/>
+          </a:xfrm>
+          <a:prstGeom prst="rect">
+            <a:avLst/>
+          </a:prstGeom>
+        </p:spPr>
+        <p:txBody>
+          <a:bodyPr lIns="0" rIns="0" tIns="0" bIns="0"/>
+          <a:p>
+            <a:endParaRPr/>
+          </a:p>
+        </p:txBody>
+      </p:sp>
+    </p:spTree>
+  </p:cSld>
+</p:sldLayout>
+</file>
+
+<file path=ppt/slideLayouts/slideLayout65.xml><?xml version="1.0" encoding="utf-8"?>
+<p:sldLayout xmlns:a="http://schemas.openxmlformats.org/drawingml/2006/main" xmlns:p="http://schemas.openxmlformats.org/presentationml/2006/main" xmlns:r="http://schemas.openxmlformats.org/officeDocument/2006/relationships" type="titleOnly" preserve="1">
+  <p:cSld name="Title Only">
+    <p:spTree>
+      <p:nvGrpSpPr>
+        <p:cNvPr id="1" name=""/>
+        <p:cNvGrpSpPr/>
+        <p:nvPr/>
+      </p:nvGrpSpPr>
+      <p:grpSpPr>
+        <a:xfrm>
+          <a:off x="0" y="0"/>
+          <a:ext cx="0" cy="0"/>
+          <a:chOff x="0" y="0"/>
+          <a:chExt cx="0" cy="0"/>
+        </a:xfrm>
+      </p:grpSpPr>
+      <p:sp>
+        <p:nvSpPr>
+          <p:cNvPr id="190" name="PlaceHolder 1"/>
+          <p:cNvSpPr>
+            <a:spLocks noGrp="1"/>
+          </p:cNvSpPr>
+          <p:nvPr>
+            <p:ph type="title"/>
+          </p:nvPr>
+        </p:nvSpPr>
+        <p:spPr>
+          <a:xfrm>
+            <a:off x="504000" y="301320"/>
+            <a:ext cx="9072000" cy="1262160"/>
+          </a:xfrm>
+          <a:prstGeom prst="rect">
+            <a:avLst/>
+          </a:prstGeom>
+        </p:spPr>
+        <p:txBody>
+          <a:bodyPr lIns="0" rIns="0" tIns="0" bIns="0" anchor="ctr"/>
+          <a:p>
+            <a:pPr algn="ctr"/>
+            <a:endParaRPr/>
+          </a:p>
+        </p:txBody>
+      </p:sp>
+    </p:spTree>
+  </p:cSld>
+</p:sldLayout>
+</file>
+
+<file path=ppt/slideLayouts/slideLayout66.xml><?xml version="1.0" encoding="utf-8"?>
+<p:sldLayout xmlns:a="http://schemas.openxmlformats.org/drawingml/2006/main" xmlns:p="http://schemas.openxmlformats.org/presentationml/2006/main" xmlns:r="http://schemas.openxmlformats.org/officeDocument/2006/relationships" type="objOnly" preserve="1">
+  <p:cSld name="Centered Text">
+    <p:spTree>
+      <p:nvGrpSpPr>
+        <p:cNvPr id="1" name=""/>
+        <p:cNvGrpSpPr/>
+        <p:nvPr/>
+      </p:nvGrpSpPr>
+      <p:grpSpPr>
+        <a:xfrm>
+          <a:off x="0" y="0"/>
+          <a:ext cx="0" cy="0"/>
+          <a:chOff x="0" y="0"/>
+          <a:chExt cx="0" cy="0"/>
+        </a:xfrm>
+      </p:grpSpPr>
+      <p:sp>
+        <p:nvSpPr>
+          <p:cNvPr id="191" name="PlaceHolder 1"/>
+          <p:cNvSpPr>
+            <a:spLocks noGrp="1"/>
+          </p:cNvSpPr>
+          <p:nvPr>
+            <p:ph type="subTitle"/>
+          </p:nvPr>
+        </p:nvSpPr>
+        <p:spPr>
+          <a:xfrm>
+            <a:off x="504000" y="301320"/>
+            <a:ext cx="9072000" cy="5850720"/>
+          </a:xfrm>
+          <a:prstGeom prst="rect">
+            <a:avLst/>
+          </a:prstGeom>
+        </p:spPr>
+        <p:txBody>
+          <a:bodyPr lIns="0" rIns="0" tIns="0" bIns="0" anchor="ctr"/>
+          <a:p>
+            <a:pPr algn="ctr"/>
+            <a:endParaRPr/>
+          </a:p>
+        </p:txBody>
+      </p:sp>
+    </p:spTree>
+  </p:cSld>
+</p:sldLayout>
+</file>
+
+<file path=ppt/slideLayouts/slideLayout67.xml><?xml version="1.0" encoding="utf-8"?>
+<p:sldLayout xmlns:a="http://schemas.openxmlformats.org/drawingml/2006/main" xmlns:p="http://schemas.openxmlformats.org/presentationml/2006/main" xmlns:r="http://schemas.openxmlformats.org/officeDocument/2006/relationships" type="twoObjAndObj" preserve="1">
+  <p:cSld name="Title, 2 Content and Content">
+    <p:spTree>
+      <p:nvGrpSpPr>
+        <p:cNvPr id="1" name=""/>
+        <p:cNvGrpSpPr/>
+        <p:nvPr/>
+      </p:nvGrpSpPr>
+      <p:grpSpPr>
+        <a:xfrm>
+          <a:off x="0" y="0"/>
+          <a:ext cx="0" cy="0"/>
+          <a:chOff x="0" y="0"/>
+          <a:chExt cx="0" cy="0"/>
+        </a:xfrm>
+      </p:grpSpPr>
+      <p:sp>
+        <p:nvSpPr>
+          <p:cNvPr id="192" name="PlaceHolder 1"/>
+          <p:cNvSpPr>
+            <a:spLocks noGrp="1"/>
+          </p:cNvSpPr>
+          <p:nvPr>
+            <p:ph type="title"/>
+          </p:nvPr>
+        </p:nvSpPr>
+        <p:spPr>
+          <a:xfrm>
+            <a:off x="504000" y="301320"/>
+            <a:ext cx="9072000" cy="1262160"/>
+          </a:xfrm>
+          <a:prstGeom prst="rect">
+            <a:avLst/>
+          </a:prstGeom>
+        </p:spPr>
+        <p:txBody>
+          <a:bodyPr lIns="0" rIns="0" tIns="0" bIns="0" anchor="ctr"/>
+          <a:p>
+            <a:pPr algn="ctr"/>
+            <a:endParaRPr/>
+          </a:p>
+        </p:txBody>
+      </p:sp>
+      <p:sp>
+        <p:nvSpPr>
+          <p:cNvPr id="193" name="PlaceHolder 2"/>
+          <p:cNvSpPr>
+            <a:spLocks noGrp="1"/>
+          </p:cNvSpPr>
+          <p:nvPr>
+            <p:ph type="body"/>
+          </p:nvPr>
+        </p:nvSpPr>
+        <p:spPr>
+          <a:xfrm>
+            <a:off x="504000" y="1768680"/>
+            <a:ext cx="4426920" cy="2090880"/>
+          </a:xfrm>
+          <a:prstGeom prst="rect">
+            <a:avLst/>
+          </a:prstGeom>
+        </p:spPr>
+        <p:txBody>
+          <a:bodyPr lIns="0" rIns="0" tIns="0" bIns="0"/>
+          <a:p>
+            <a:endParaRPr/>
+          </a:p>
+        </p:txBody>
+      </p:sp>
+      <p:sp>
+        <p:nvSpPr>
+          <p:cNvPr id="194" name="PlaceHolder 3"/>
+          <p:cNvSpPr>
+            <a:spLocks noGrp="1"/>
+          </p:cNvSpPr>
+          <p:nvPr>
+            <p:ph type="body"/>
+          </p:nvPr>
+        </p:nvSpPr>
+        <p:spPr>
+          <a:xfrm>
+            <a:off x="504000" y="4058640"/>
+            <a:ext cx="4426920" cy="2090880"/>
+          </a:xfrm>
+          <a:prstGeom prst="rect">
+            <a:avLst/>
+          </a:prstGeom>
+        </p:spPr>
+        <p:txBody>
+          <a:bodyPr lIns="0" rIns="0" tIns="0" bIns="0"/>
+          <a:p>
+            <a:endParaRPr/>
+          </a:p>
+        </p:txBody>
+      </p:sp>
+      <p:sp>
+        <p:nvSpPr>
+          <p:cNvPr id="195" name="PlaceHolder 4"/>
+          <p:cNvSpPr>
+            <a:spLocks noGrp="1"/>
+          </p:cNvSpPr>
+          <p:nvPr>
+            <p:ph type="body"/>
+          </p:nvPr>
+        </p:nvSpPr>
+        <p:spPr>
+          <a:xfrm>
+            <a:off x="5152680" y="1768680"/>
+            <a:ext cx="4426920" cy="4384080"/>
+          </a:xfrm>
+          <a:prstGeom prst="rect">
+            <a:avLst/>
+          </a:prstGeom>
+        </p:spPr>
+        <p:txBody>
+          <a:bodyPr lIns="0" rIns="0" tIns="0" bIns="0"/>
+          <a:p>
+            <a:endParaRPr/>
+          </a:p>
+        </p:txBody>
+      </p:sp>
+    </p:spTree>
+  </p:cSld>
+</p:sldLayout>
+</file>
+
+<file path=ppt/slideLayouts/slideLayout68.xml><?xml version="1.0" encoding="utf-8"?>
+<p:sldLayout xmlns:a="http://schemas.openxmlformats.org/drawingml/2006/main" xmlns:p="http://schemas.openxmlformats.org/presentationml/2006/main" xmlns:r="http://schemas.openxmlformats.org/officeDocument/2006/relationships" type="objAndTwoObj" preserve="1">
+  <p:cSld name="Title Content and 2 Content">
+    <p:spTree>
+      <p:nvGrpSpPr>
+        <p:cNvPr id="1" name=""/>
+        <p:cNvGrpSpPr/>
+        <p:nvPr/>
+      </p:nvGrpSpPr>
+      <p:grpSpPr>
+        <a:xfrm>
+          <a:off x="0" y="0"/>
+          <a:ext cx="0" cy="0"/>
+          <a:chOff x="0" y="0"/>
+          <a:chExt cx="0" cy="0"/>
+        </a:xfrm>
+      </p:grpSpPr>
+      <p:sp>
+        <p:nvSpPr>
+          <p:cNvPr id="196" name="PlaceHolder 1"/>
+          <p:cNvSpPr>
+            <a:spLocks noGrp="1"/>
+          </p:cNvSpPr>
+          <p:nvPr>
+            <p:ph type="title"/>
+          </p:nvPr>
+        </p:nvSpPr>
+        <p:spPr>
+          <a:xfrm>
+            <a:off x="504000" y="301320"/>
+            <a:ext cx="9072000" cy="1262160"/>
+          </a:xfrm>
+          <a:prstGeom prst="rect">
+            <a:avLst/>
+          </a:prstGeom>
+        </p:spPr>
+        <p:txBody>
+          <a:bodyPr lIns="0" rIns="0" tIns="0" bIns="0" anchor="ctr"/>
+          <a:p>
+            <a:pPr algn="ctr"/>
+            <a:endParaRPr/>
+          </a:p>
+        </p:txBody>
+      </p:sp>
+      <p:sp>
+        <p:nvSpPr>
+          <p:cNvPr id="197" name="PlaceHolder 2"/>
+          <p:cNvSpPr>
+            <a:spLocks noGrp="1"/>
+          </p:cNvSpPr>
+          <p:nvPr>
+            <p:ph type="body"/>
+          </p:nvPr>
+        </p:nvSpPr>
+        <p:spPr>
+          <a:xfrm>
+            <a:off x="504000" y="1768680"/>
+            <a:ext cx="4426920" cy="4384080"/>
+          </a:xfrm>
+          <a:prstGeom prst="rect">
+            <a:avLst/>
+          </a:prstGeom>
+        </p:spPr>
+        <p:txBody>
+          <a:bodyPr lIns="0" rIns="0" tIns="0" bIns="0"/>
+          <a:p>
+            <a:endParaRPr/>
+          </a:p>
+        </p:txBody>
+      </p:sp>
+      <p:sp>
+        <p:nvSpPr>
+          <p:cNvPr id="198" name="PlaceHolder 3"/>
+          <p:cNvSpPr>
+            <a:spLocks noGrp="1"/>
+          </p:cNvSpPr>
+          <p:nvPr>
+            <p:ph type="body"/>
+          </p:nvPr>
+        </p:nvSpPr>
+        <p:spPr>
+          <a:xfrm>
+            <a:off x="5152680" y="1768680"/>
+            <a:ext cx="4426920" cy="2090880"/>
+          </a:xfrm>
+          <a:prstGeom prst="rect">
+            <a:avLst/>
+          </a:prstGeom>
+        </p:spPr>
+        <p:txBody>
+          <a:bodyPr lIns="0" rIns="0" tIns="0" bIns="0"/>
+          <a:p>
+            <a:endParaRPr/>
+          </a:p>
+        </p:txBody>
+      </p:sp>
+      <p:sp>
+        <p:nvSpPr>
+          <p:cNvPr id="199" name="PlaceHolder 4"/>
+          <p:cNvSpPr>
+            <a:spLocks noGrp="1"/>
+          </p:cNvSpPr>
+          <p:nvPr>
+            <p:ph type="body"/>
+          </p:nvPr>
+        </p:nvSpPr>
+        <p:spPr>
+          <a:xfrm>
+            <a:off x="5152680" y="4058640"/>
+            <a:ext cx="4426920" cy="2090880"/>
+          </a:xfrm>
+          <a:prstGeom prst="rect">
+            <a:avLst/>
+          </a:prstGeom>
+        </p:spPr>
+        <p:txBody>
+          <a:bodyPr lIns="0" rIns="0" tIns="0" bIns="0"/>
+          <a:p>
+            <a:endParaRPr/>
+          </a:p>
+        </p:txBody>
+      </p:sp>
+    </p:spTree>
+  </p:cSld>
+</p:sldLayout>
+</file>
+
+<file path=ppt/slideLayouts/slideLayout69.xml><?xml version="1.0" encoding="utf-8"?>
+<p:sldLayout xmlns:a="http://schemas.openxmlformats.org/drawingml/2006/main" xmlns:p="http://schemas.openxmlformats.org/presentationml/2006/main" xmlns:r="http://schemas.openxmlformats.org/officeDocument/2006/relationships" type="twoObjOverTx" preserve="1">
+  <p:cSld name="Title, 2 Content over Content">
+    <p:spTree>
+      <p:nvGrpSpPr>
+        <p:cNvPr id="1" name=""/>
+        <p:cNvGrpSpPr/>
+        <p:nvPr/>
+      </p:nvGrpSpPr>
+      <p:grpSpPr>
+        <a:xfrm>
+          <a:off x="0" y="0"/>
+          <a:ext cx="0" cy="0"/>
+          <a:chOff x="0" y="0"/>
+          <a:chExt cx="0" cy="0"/>
+        </a:xfrm>
+      </p:grpSpPr>
+      <p:sp>
+        <p:nvSpPr>
+          <p:cNvPr id="200" name="PlaceHolder 1"/>
+          <p:cNvSpPr>
+            <a:spLocks noGrp="1"/>
+          </p:cNvSpPr>
+          <p:nvPr>
+            <p:ph type="title"/>
+          </p:nvPr>
+        </p:nvSpPr>
+        <p:spPr>
+          <a:xfrm>
+            <a:off x="504000" y="301320"/>
+            <a:ext cx="9072000" cy="1262160"/>
+          </a:xfrm>
+          <a:prstGeom prst="rect">
+            <a:avLst/>
+          </a:prstGeom>
+        </p:spPr>
+        <p:txBody>
+          <a:bodyPr lIns="0" rIns="0" tIns="0" bIns="0" anchor="ctr"/>
+          <a:p>
+            <a:pPr algn="ctr"/>
+            <a:endParaRPr/>
+          </a:p>
+        </p:txBody>
+      </p:sp>
+      <p:sp>
+        <p:nvSpPr>
+          <p:cNvPr id="201" name="PlaceHolder 2"/>
+          <p:cNvSpPr>
+            <a:spLocks noGrp="1"/>
+          </p:cNvSpPr>
+          <p:nvPr>
+            <p:ph type="body"/>
+          </p:nvPr>
+        </p:nvSpPr>
+        <p:spPr>
+          <a:xfrm>
+            <a:off x="504000" y="1768680"/>
+            <a:ext cx="4426920" cy="2090880"/>
+          </a:xfrm>
+          <a:prstGeom prst="rect">
+            <a:avLst/>
+          </a:prstGeom>
+        </p:spPr>
+        <p:txBody>
+          <a:bodyPr lIns="0" rIns="0" tIns="0" bIns="0"/>
+          <a:p>
+            <a:endParaRPr/>
+          </a:p>
+        </p:txBody>
+      </p:sp>
+      <p:sp>
+        <p:nvSpPr>
+          <p:cNvPr id="202" name="PlaceHolder 3"/>
+          <p:cNvSpPr>
+            <a:spLocks noGrp="1"/>
+          </p:cNvSpPr>
+          <p:nvPr>
+            <p:ph type="body"/>
+          </p:nvPr>
+        </p:nvSpPr>
+        <p:spPr>
+          <a:xfrm>
+            <a:off x="5152680" y="1768680"/>
+            <a:ext cx="4426920" cy="2090880"/>
+          </a:xfrm>
+          <a:prstGeom prst="rect">
+            <a:avLst/>
+          </a:prstGeom>
+        </p:spPr>
+        <p:txBody>
+          <a:bodyPr lIns="0" rIns="0" tIns="0" bIns="0"/>
+          <a:p>
+            <a:endParaRPr/>
+          </a:p>
+        </p:txBody>
+      </p:sp>
+      <p:sp>
+        <p:nvSpPr>
+          <p:cNvPr id="203" name="PlaceHolder 4"/>
+          <p:cNvSpPr>
+            <a:spLocks noGrp="1"/>
+          </p:cNvSpPr>
+          <p:nvPr>
+            <p:ph type="body"/>
+          </p:nvPr>
+        </p:nvSpPr>
+        <p:spPr>
+          <a:xfrm>
+            <a:off x="504000" y="4058640"/>
+            <a:ext cx="9072000" cy="2090880"/>
+          </a:xfrm>
+          <a:prstGeom prst="rect">
+            <a:avLst/>
+          </a:prstGeom>
+        </p:spPr>
+        <p:txBody>
+          <a:bodyPr lIns="0" rIns="0" tIns="0" bIns="0"/>
+          <a:p>
+            <a:endParaRPr/>
+          </a:p>
+        </p:txBody>
+      </p:sp>
     </p:spTree>
   </p:cSld>
 </p:sldLayout>
@@ -6222,7 +6741,7 @@
         <p:spPr>
           <a:xfrm>
             <a:off x="504000" y="301320"/>
-            <a:ext cx="9070560" cy="1262520"/>
+            <a:ext cx="9072000" cy="1262160"/>
           </a:xfrm>
           <a:prstGeom prst="rect">
             <a:avLst/>
@@ -6248,8 +6767,8 @@
         </p:nvSpPr>
         <p:spPr>
           <a:xfrm>
-            <a:off x="504000" y="1769040"/>
-            <a:ext cx="1053720" cy="2090520"/>
+            <a:off x="504000" y="1768680"/>
+            <a:ext cx="4426920" cy="2090880"/>
           </a:xfrm>
           <a:prstGeom prst="rect">
             <a:avLst/>
@@ -6275,7 +6794,7 @@
         <p:spPr>
           <a:xfrm>
             <a:off x="504000" y="4058640"/>
-            <a:ext cx="1053720" cy="2090520"/>
+            <a:ext cx="4426920" cy="2090880"/>
           </a:xfrm>
           <a:prstGeom prst="rect">
             <a:avLst/>
@@ -6300,20 +6819,425 @@
         </p:nvSpPr>
         <p:spPr>
           <a:xfrm>
-            <a:off x="1610640" y="1769040"/>
-            <a:ext cx="1053720" cy="4383360"/>
-          </a:xfrm>
-          <a:prstGeom prst="rect">
-            <a:avLst/>
-          </a:prstGeom>
-        </p:spPr>
-        <p:txBody>
-          <a:bodyPr lIns="0" rIns="0" tIns="0" bIns="0"/>
-          <a:p>
-            <a:endParaRPr/>
-          </a:p>
-        </p:txBody>
-      </p:sp>
+            <a:off x="5152680" y="1768680"/>
+            <a:ext cx="4426920" cy="4384080"/>
+          </a:xfrm>
+          <a:prstGeom prst="rect">
+            <a:avLst/>
+          </a:prstGeom>
+        </p:spPr>
+        <p:txBody>
+          <a:bodyPr lIns="0" rIns="0" tIns="0" bIns="0"/>
+          <a:p>
+            <a:endParaRPr/>
+          </a:p>
+        </p:txBody>
+      </p:sp>
+    </p:spTree>
+  </p:cSld>
+</p:sldLayout>
+</file>
+
+<file path=ppt/slideLayouts/slideLayout70.xml><?xml version="1.0" encoding="utf-8"?>
+<p:sldLayout xmlns:a="http://schemas.openxmlformats.org/drawingml/2006/main" xmlns:p="http://schemas.openxmlformats.org/presentationml/2006/main" xmlns:r="http://schemas.openxmlformats.org/officeDocument/2006/relationships" type="objOverTx" preserve="1">
+  <p:cSld name="Title, Content over Content">
+    <p:spTree>
+      <p:nvGrpSpPr>
+        <p:cNvPr id="1" name=""/>
+        <p:cNvGrpSpPr/>
+        <p:nvPr/>
+      </p:nvGrpSpPr>
+      <p:grpSpPr>
+        <a:xfrm>
+          <a:off x="0" y="0"/>
+          <a:ext cx="0" cy="0"/>
+          <a:chOff x="0" y="0"/>
+          <a:chExt cx="0" cy="0"/>
+        </a:xfrm>
+      </p:grpSpPr>
+      <p:sp>
+        <p:nvSpPr>
+          <p:cNvPr id="204" name="PlaceHolder 1"/>
+          <p:cNvSpPr>
+            <a:spLocks noGrp="1"/>
+          </p:cNvSpPr>
+          <p:nvPr>
+            <p:ph type="title"/>
+          </p:nvPr>
+        </p:nvSpPr>
+        <p:spPr>
+          <a:xfrm>
+            <a:off x="504000" y="301320"/>
+            <a:ext cx="9072000" cy="1262160"/>
+          </a:xfrm>
+          <a:prstGeom prst="rect">
+            <a:avLst/>
+          </a:prstGeom>
+        </p:spPr>
+        <p:txBody>
+          <a:bodyPr lIns="0" rIns="0" tIns="0" bIns="0" anchor="ctr"/>
+          <a:p>
+            <a:pPr algn="ctr"/>
+            <a:endParaRPr/>
+          </a:p>
+        </p:txBody>
+      </p:sp>
+      <p:sp>
+        <p:nvSpPr>
+          <p:cNvPr id="205" name="PlaceHolder 2"/>
+          <p:cNvSpPr>
+            <a:spLocks noGrp="1"/>
+          </p:cNvSpPr>
+          <p:nvPr>
+            <p:ph type="body"/>
+          </p:nvPr>
+        </p:nvSpPr>
+        <p:spPr>
+          <a:xfrm>
+            <a:off x="504000" y="1768680"/>
+            <a:ext cx="9072000" cy="2090880"/>
+          </a:xfrm>
+          <a:prstGeom prst="rect">
+            <a:avLst/>
+          </a:prstGeom>
+        </p:spPr>
+        <p:txBody>
+          <a:bodyPr lIns="0" rIns="0" tIns="0" bIns="0"/>
+          <a:p>
+            <a:endParaRPr/>
+          </a:p>
+        </p:txBody>
+      </p:sp>
+      <p:sp>
+        <p:nvSpPr>
+          <p:cNvPr id="206" name="PlaceHolder 3"/>
+          <p:cNvSpPr>
+            <a:spLocks noGrp="1"/>
+          </p:cNvSpPr>
+          <p:nvPr>
+            <p:ph type="body"/>
+          </p:nvPr>
+        </p:nvSpPr>
+        <p:spPr>
+          <a:xfrm>
+            <a:off x="504000" y="4058640"/>
+            <a:ext cx="9072000" cy="2090880"/>
+          </a:xfrm>
+          <a:prstGeom prst="rect">
+            <a:avLst/>
+          </a:prstGeom>
+        </p:spPr>
+        <p:txBody>
+          <a:bodyPr lIns="0" rIns="0" tIns="0" bIns="0"/>
+          <a:p>
+            <a:endParaRPr/>
+          </a:p>
+        </p:txBody>
+      </p:sp>
+    </p:spTree>
+  </p:cSld>
+</p:sldLayout>
+</file>
+
+<file path=ppt/slideLayouts/slideLayout71.xml><?xml version="1.0" encoding="utf-8"?>
+<p:sldLayout xmlns:a="http://schemas.openxmlformats.org/drawingml/2006/main" xmlns:p="http://schemas.openxmlformats.org/presentationml/2006/main" xmlns:r="http://schemas.openxmlformats.org/officeDocument/2006/relationships" type="fourObj" preserve="1">
+  <p:cSld name="Title, 4 Content">
+    <p:spTree>
+      <p:nvGrpSpPr>
+        <p:cNvPr id="1" name=""/>
+        <p:cNvGrpSpPr/>
+        <p:nvPr/>
+      </p:nvGrpSpPr>
+      <p:grpSpPr>
+        <a:xfrm>
+          <a:off x="0" y="0"/>
+          <a:ext cx="0" cy="0"/>
+          <a:chOff x="0" y="0"/>
+          <a:chExt cx="0" cy="0"/>
+        </a:xfrm>
+      </p:grpSpPr>
+      <p:sp>
+        <p:nvSpPr>
+          <p:cNvPr id="207" name="PlaceHolder 1"/>
+          <p:cNvSpPr>
+            <a:spLocks noGrp="1"/>
+          </p:cNvSpPr>
+          <p:nvPr>
+            <p:ph type="title"/>
+          </p:nvPr>
+        </p:nvSpPr>
+        <p:spPr>
+          <a:xfrm>
+            <a:off x="504000" y="301320"/>
+            <a:ext cx="9072000" cy="1262160"/>
+          </a:xfrm>
+          <a:prstGeom prst="rect">
+            <a:avLst/>
+          </a:prstGeom>
+        </p:spPr>
+        <p:txBody>
+          <a:bodyPr lIns="0" rIns="0" tIns="0" bIns="0" anchor="ctr"/>
+          <a:p>
+            <a:pPr algn="ctr"/>
+            <a:endParaRPr/>
+          </a:p>
+        </p:txBody>
+      </p:sp>
+      <p:sp>
+        <p:nvSpPr>
+          <p:cNvPr id="208" name="PlaceHolder 2"/>
+          <p:cNvSpPr>
+            <a:spLocks noGrp="1"/>
+          </p:cNvSpPr>
+          <p:nvPr>
+            <p:ph type="body"/>
+          </p:nvPr>
+        </p:nvSpPr>
+        <p:spPr>
+          <a:xfrm>
+            <a:off x="504000" y="1768680"/>
+            <a:ext cx="4426920" cy="2090880"/>
+          </a:xfrm>
+          <a:prstGeom prst="rect">
+            <a:avLst/>
+          </a:prstGeom>
+        </p:spPr>
+        <p:txBody>
+          <a:bodyPr lIns="0" rIns="0" tIns="0" bIns="0"/>
+          <a:p>
+            <a:endParaRPr/>
+          </a:p>
+        </p:txBody>
+      </p:sp>
+      <p:sp>
+        <p:nvSpPr>
+          <p:cNvPr id="209" name="PlaceHolder 3"/>
+          <p:cNvSpPr>
+            <a:spLocks noGrp="1"/>
+          </p:cNvSpPr>
+          <p:nvPr>
+            <p:ph type="body"/>
+          </p:nvPr>
+        </p:nvSpPr>
+        <p:spPr>
+          <a:xfrm>
+            <a:off x="5152680" y="1768680"/>
+            <a:ext cx="4426920" cy="2090880"/>
+          </a:xfrm>
+          <a:prstGeom prst="rect">
+            <a:avLst/>
+          </a:prstGeom>
+        </p:spPr>
+        <p:txBody>
+          <a:bodyPr lIns="0" rIns="0" tIns="0" bIns="0"/>
+          <a:p>
+            <a:endParaRPr/>
+          </a:p>
+        </p:txBody>
+      </p:sp>
+      <p:sp>
+        <p:nvSpPr>
+          <p:cNvPr id="210" name="PlaceHolder 4"/>
+          <p:cNvSpPr>
+            <a:spLocks noGrp="1"/>
+          </p:cNvSpPr>
+          <p:nvPr>
+            <p:ph type="body"/>
+          </p:nvPr>
+        </p:nvSpPr>
+        <p:spPr>
+          <a:xfrm>
+            <a:off x="5152680" y="4058640"/>
+            <a:ext cx="4426920" cy="2090880"/>
+          </a:xfrm>
+          <a:prstGeom prst="rect">
+            <a:avLst/>
+          </a:prstGeom>
+        </p:spPr>
+        <p:txBody>
+          <a:bodyPr lIns="0" rIns="0" tIns="0" bIns="0"/>
+          <a:p>
+            <a:endParaRPr/>
+          </a:p>
+        </p:txBody>
+      </p:sp>
+      <p:sp>
+        <p:nvSpPr>
+          <p:cNvPr id="211" name="PlaceHolder 5"/>
+          <p:cNvSpPr>
+            <a:spLocks noGrp="1"/>
+          </p:cNvSpPr>
+          <p:nvPr>
+            <p:ph type="body"/>
+          </p:nvPr>
+        </p:nvSpPr>
+        <p:spPr>
+          <a:xfrm>
+            <a:off x="504000" y="4058640"/>
+            <a:ext cx="4426920" cy="2090880"/>
+          </a:xfrm>
+          <a:prstGeom prst="rect">
+            <a:avLst/>
+          </a:prstGeom>
+        </p:spPr>
+        <p:txBody>
+          <a:bodyPr lIns="0" rIns="0" tIns="0" bIns="0"/>
+          <a:p>
+            <a:endParaRPr/>
+          </a:p>
+        </p:txBody>
+      </p:sp>
+    </p:spTree>
+  </p:cSld>
+</p:sldLayout>
+</file>
+
+<file path=ppt/slideLayouts/slideLayout72.xml><?xml version="1.0" encoding="utf-8"?>
+<p:sldLayout xmlns:a="http://schemas.openxmlformats.org/drawingml/2006/main" xmlns:p="http://schemas.openxmlformats.org/presentationml/2006/main" xmlns:r="http://schemas.openxmlformats.org/officeDocument/2006/relationships" type="blank" preserve="1">
+  <p:cSld name="Title, 6 Content">
+    <p:spTree>
+      <p:nvGrpSpPr>
+        <p:cNvPr id="1" name=""/>
+        <p:cNvGrpSpPr/>
+        <p:nvPr/>
+      </p:nvGrpSpPr>
+      <p:grpSpPr>
+        <a:xfrm>
+          <a:off x="0" y="0"/>
+          <a:ext cx="0" cy="0"/>
+          <a:chOff x="0" y="0"/>
+          <a:chExt cx="0" cy="0"/>
+        </a:xfrm>
+      </p:grpSpPr>
+      <p:sp>
+        <p:nvSpPr>
+          <p:cNvPr id="212" name="PlaceHolder 1"/>
+          <p:cNvSpPr>
+            <a:spLocks noGrp="1"/>
+          </p:cNvSpPr>
+          <p:nvPr>
+            <p:ph type="title"/>
+          </p:nvPr>
+        </p:nvSpPr>
+        <p:spPr>
+          <a:xfrm>
+            <a:off x="504000" y="301320"/>
+            <a:ext cx="9072000" cy="1262160"/>
+          </a:xfrm>
+          <a:prstGeom prst="rect">
+            <a:avLst/>
+          </a:prstGeom>
+        </p:spPr>
+        <p:txBody>
+          <a:bodyPr lIns="0" rIns="0" tIns="0" bIns="0" anchor="ctr"/>
+          <a:p>
+            <a:pPr algn="ctr"/>
+            <a:endParaRPr/>
+          </a:p>
+        </p:txBody>
+      </p:sp>
+      <p:sp>
+        <p:nvSpPr>
+          <p:cNvPr id="213" name="PlaceHolder 2"/>
+          <p:cNvSpPr>
+            <a:spLocks noGrp="1"/>
+          </p:cNvSpPr>
+          <p:nvPr>
+            <p:ph type="body"/>
+          </p:nvPr>
+        </p:nvSpPr>
+        <p:spPr>
+          <a:xfrm>
+            <a:off x="504000" y="1768680"/>
+            <a:ext cx="9072000" cy="4384080"/>
+          </a:xfrm>
+          <a:prstGeom prst="rect">
+            <a:avLst/>
+          </a:prstGeom>
+        </p:spPr>
+        <p:txBody>
+          <a:bodyPr lIns="0" rIns="0" tIns="0" bIns="0"/>
+          <a:p>
+            <a:endParaRPr/>
+          </a:p>
+        </p:txBody>
+      </p:sp>
+      <p:sp>
+        <p:nvSpPr>
+          <p:cNvPr id="214" name="PlaceHolder 3"/>
+          <p:cNvSpPr>
+            <a:spLocks noGrp="1"/>
+          </p:cNvSpPr>
+          <p:nvPr>
+            <p:ph type="body"/>
+          </p:nvPr>
+        </p:nvSpPr>
+        <p:spPr>
+          <a:xfrm>
+            <a:off x="504000" y="1768680"/>
+            <a:ext cx="9072000" cy="4384080"/>
+          </a:xfrm>
+          <a:prstGeom prst="rect">
+            <a:avLst/>
+          </a:prstGeom>
+        </p:spPr>
+        <p:txBody>
+          <a:bodyPr lIns="0" rIns="0" tIns="0" bIns="0"/>
+          <a:p>
+            <a:endParaRPr/>
+          </a:p>
+        </p:txBody>
+      </p:sp>
+      <p:pic>
+        <p:nvPicPr>
+          <p:cNvPr id="215" name="" descr=""/>
+          <p:cNvPicPr/>
+          <p:nvPr/>
+        </p:nvPicPr>
+        <p:blipFill>
+          <a:blip r:embed="rId2"/>
+          <a:stretch>
+            <a:fillRect/>
+          </a:stretch>
+        </p:blipFill>
+        <p:spPr>
+          <a:xfrm>
+            <a:off x="2292480" y="1768680"/>
+            <a:ext cx="5494680" cy="4384080"/>
+          </a:xfrm>
+          <a:prstGeom prst="rect">
+            <a:avLst/>
+          </a:prstGeom>
+          <a:ln>
+            <a:noFill/>
+          </a:ln>
+        </p:spPr>
+      </p:pic>
+      <p:pic>
+        <p:nvPicPr>
+          <p:cNvPr id="216" name="" descr=""/>
+          <p:cNvPicPr/>
+          <p:nvPr/>
+        </p:nvPicPr>
+        <p:blipFill>
+          <a:blip r:embed="rId3"/>
+          <a:stretch>
+            <a:fillRect/>
+          </a:stretch>
+        </p:blipFill>
+        <p:spPr>
+          <a:xfrm>
+            <a:off x="2292480" y="1768680"/>
+            <a:ext cx="5494680" cy="4384080"/>
+          </a:xfrm>
+          <a:prstGeom prst="rect">
+            <a:avLst/>
+          </a:prstGeom>
+          <a:ln>
+            <a:noFill/>
+          </a:ln>
+        </p:spPr>
+      </p:pic>
     </p:spTree>
   </p:cSld>
 </p:sldLayout>
@@ -6349,7 +7273,7 @@
         <p:spPr>
           <a:xfrm>
             <a:off x="504000" y="301320"/>
-            <a:ext cx="9070560" cy="1262520"/>
+            <a:ext cx="9072000" cy="1262160"/>
           </a:xfrm>
           <a:prstGeom prst="rect">
             <a:avLst/>
@@ -6375,8 +7299,8 @@
         </p:nvSpPr>
         <p:spPr>
           <a:xfrm>
-            <a:off x="504000" y="1769040"/>
-            <a:ext cx="1053720" cy="4383360"/>
+            <a:off x="504000" y="1768680"/>
+            <a:ext cx="4426920" cy="4384080"/>
           </a:xfrm>
           <a:prstGeom prst="rect">
             <a:avLst/>
@@ -6401,8 +7325,8 @@
         </p:nvSpPr>
         <p:spPr>
           <a:xfrm>
-            <a:off x="1610640" y="1769040"/>
-            <a:ext cx="1053720" cy="2090520"/>
+            <a:off x="5152680" y="1768680"/>
+            <a:ext cx="4426920" cy="2090880"/>
           </a:xfrm>
           <a:prstGeom prst="rect">
             <a:avLst/>
@@ -6427,8 +7351,8 @@
         </p:nvSpPr>
         <p:spPr>
           <a:xfrm>
-            <a:off x="1610640" y="4058640"/>
-            <a:ext cx="1053720" cy="2090520"/>
+            <a:off x="5152680" y="4058640"/>
+            <a:ext cx="4426920" cy="2090880"/>
           </a:xfrm>
           <a:prstGeom prst="rect">
             <a:avLst/>
@@ -6476,7 +7400,7 @@
         <p:spPr>
           <a:xfrm>
             <a:off x="504000" y="301320"/>
-            <a:ext cx="9070560" cy="1262520"/>
+            <a:ext cx="9072000" cy="1262160"/>
           </a:xfrm>
           <a:prstGeom prst="rect">
             <a:avLst/>
@@ -6502,8 +7426,8 @@
         </p:nvSpPr>
         <p:spPr>
           <a:xfrm>
-            <a:off x="504000" y="1769040"/>
-            <a:ext cx="1053720" cy="2090520"/>
+            <a:off x="504000" y="1768680"/>
+            <a:ext cx="4426920" cy="2090880"/>
           </a:xfrm>
           <a:prstGeom prst="rect">
             <a:avLst/>
@@ -6528,8 +7452,8 @@
         </p:nvSpPr>
         <p:spPr>
           <a:xfrm>
-            <a:off x="1610640" y="1769040"/>
-            <a:ext cx="1053720" cy="2090520"/>
+            <a:off x="5152680" y="1768680"/>
+            <a:ext cx="4426920" cy="2090880"/>
           </a:xfrm>
           <a:prstGeom prst="rect">
             <a:avLst/>
@@ -6555,7 +7479,7 @@
         <p:spPr>
           <a:xfrm>
             <a:off x="504000" y="4058640"/>
-            <a:ext cx="2159280" cy="2090520"/>
+            <a:ext cx="9072000" cy="2090880"/>
           </a:xfrm>
           <a:prstGeom prst="rect">
             <a:avLst/>
@@ -6985,7 +7909,7 @@
         <p:spPr>
           <a:xfrm>
             <a:off x="504000" y="301320"/>
-            <a:ext cx="9070560" cy="1262160"/>
+            <a:ext cx="9071640" cy="1261800"/>
           </a:xfrm>
           <a:prstGeom prst="rect">
             <a:avLst/>
@@ -7016,8 +7940,8 @@
         </p:nvSpPr>
         <p:spPr>
           <a:xfrm>
-            <a:off x="504000" y="1769040"/>
-            <a:ext cx="1053360" cy="4383360"/>
+            <a:off x="504000" y="1768680"/>
+            <a:ext cx="4426560" cy="4383720"/>
           </a:xfrm>
           <a:prstGeom prst="rect">
             <a:avLst/>
@@ -7137,8 +8061,8 @@
         </p:nvSpPr>
         <p:spPr>
           <a:xfrm>
-            <a:off x="1610640" y="1769040"/>
-            <a:ext cx="1053360" cy="4383360"/>
+            <a:off x="5152680" y="1768680"/>
+            <a:ext cx="4426560" cy="4383720"/>
           </a:xfrm>
           <a:prstGeom prst="rect">
             <a:avLst/>
@@ -7296,7 +8220,7 @@
         <p:spPr>
           <a:xfrm>
             <a:off x="504000" y="301320"/>
-            <a:ext cx="9070560" cy="1262160"/>
+            <a:ext cx="9072000" cy="1261800"/>
           </a:xfrm>
           <a:prstGeom prst="rect">
             <a:avLst/>
@@ -7305,8 +8229,9 @@
         <p:txBody>
           <a:bodyPr lIns="0" rIns="0" tIns="0" bIns="0" anchor="ctr"/>
           <a:p>
+            <a:pPr algn="ctr"/>
             <a:r>
-              <a:rPr lang="en-US">
+              <a:rPr lang="en-US" sz="4400">
                 <a:latin typeface="Arial"/>
               </a:rPr>
               <a:t>Click to edit the title text format</a:t>
@@ -7327,8 +8252,8 @@
         </p:nvSpPr>
         <p:spPr>
           <a:xfrm>
-            <a:off x="504000" y="1769040"/>
-            <a:ext cx="2159280" cy="4383360"/>
+            <a:off x="504000" y="1768680"/>
+            <a:ext cx="9072000" cy="4384080"/>
           </a:xfrm>
           <a:prstGeom prst="rect">
             <a:avLst/>
@@ -7343,7 +8268,7 @@
               <a:buChar char=""/>
             </a:pPr>
             <a:r>
-              <a:rPr lang="en-US">
+              <a:rPr lang="en-US" sz="3200">
                 <a:latin typeface="Arial"/>
               </a:rPr>
               <a:t>Click to edit the outline text format</a:t>
@@ -7357,7 +8282,7 @@
               <a:buChar char=""/>
             </a:pPr>
             <a:r>
-              <a:rPr lang="en-US">
+              <a:rPr lang="en-US" sz="2800">
                 <a:latin typeface="Arial"/>
               </a:rPr>
               <a:t>Second Outline Level</a:t>
@@ -7371,7 +8296,7 @@
               <a:buChar char=""/>
             </a:pPr>
             <a:r>
-              <a:rPr lang="en-US">
+              <a:rPr lang="en-US" sz="2400">
                 <a:latin typeface="Arial"/>
               </a:rPr>
               <a:t>Third Outline Level</a:t>
@@ -7385,7 +8310,7 @@
               <a:buChar char=""/>
             </a:pPr>
             <a:r>
-              <a:rPr lang="en-US">
+              <a:rPr lang="en-US" sz="2000">
                 <a:latin typeface="Arial"/>
               </a:rPr>
               <a:t>Fourth Outline Level</a:t>
@@ -7399,7 +8324,7 @@
               <a:buChar char=""/>
             </a:pPr>
             <a:r>
-              <a:rPr lang="en-US">
+              <a:rPr lang="en-US" sz="2000">
                 <a:latin typeface="Arial"/>
               </a:rPr>
               <a:t>Fifth Outline Level</a:t>
@@ -7413,7 +8338,7 @@
               <a:buChar char=""/>
             </a:pPr>
             <a:r>
-              <a:rPr lang="en-US">
+              <a:rPr lang="en-US" sz="2000">
                 <a:latin typeface="Arial"/>
               </a:rPr>
               <a:t>Sixth Outline Level</a:t>
@@ -7427,7 +8352,7 @@
               <a:buChar char=""/>
             </a:pPr>
             <a:r>
-              <a:rPr lang="en-US">
+              <a:rPr lang="en-US" sz="2000">
                 <a:latin typeface="Arial"/>
               </a:rPr>
               <a:t>Seventh Outline Level</a:t>
@@ -7486,7 +8411,7 @@
         <p:spPr>
           <a:xfrm>
             <a:off x="504000" y="301320"/>
-            <a:ext cx="9070560" cy="1262160"/>
+            <a:ext cx="9072000" cy="1261800"/>
           </a:xfrm>
           <a:prstGeom prst="rect">
             <a:avLst/>
@@ -7495,8 +8420,9 @@
         <p:txBody>
           <a:bodyPr lIns="0" rIns="0" tIns="0" bIns="0" anchor="ctr"/>
           <a:p>
+            <a:pPr algn="ctr"/>
             <a:r>
-              <a:rPr lang="en-US">
+              <a:rPr lang="en-US" sz="4400">
                 <a:latin typeface="Arial"/>
               </a:rPr>
               <a:t>Click to edit the title text format</a:t>
@@ -7517,8 +8443,8 @@
         </p:nvSpPr>
         <p:spPr>
           <a:xfrm>
-            <a:off x="504000" y="1769040"/>
-            <a:ext cx="2159280" cy="4383360"/>
+            <a:off x="504000" y="1768680"/>
+            <a:ext cx="9072000" cy="4384080"/>
           </a:xfrm>
           <a:prstGeom prst="rect">
             <a:avLst/>
@@ -7533,7 +8459,7 @@
               <a:buChar char=""/>
             </a:pPr>
             <a:r>
-              <a:rPr lang="en-US">
+              <a:rPr lang="en-US" sz="3200">
                 <a:latin typeface="Arial"/>
               </a:rPr>
               <a:t>Click to edit the outline text format</a:t>
@@ -7547,7 +8473,7 @@
               <a:buChar char=""/>
             </a:pPr>
             <a:r>
-              <a:rPr lang="en-US">
+              <a:rPr lang="en-US" sz="2800">
                 <a:latin typeface="Arial"/>
               </a:rPr>
               <a:t>Second Outline Level</a:t>
@@ -7561,7 +8487,7 @@
               <a:buChar char=""/>
             </a:pPr>
             <a:r>
-              <a:rPr lang="en-US">
+              <a:rPr lang="en-US" sz="2400">
                 <a:latin typeface="Arial"/>
               </a:rPr>
               <a:t>Third Outline Level</a:t>
@@ -7575,7 +8501,7 @@
               <a:buChar char=""/>
             </a:pPr>
             <a:r>
-              <a:rPr lang="en-US">
+              <a:rPr lang="en-US" sz="2000">
                 <a:latin typeface="Arial"/>
               </a:rPr>
               <a:t>Fourth Outline Level</a:t>
@@ -7589,7 +8515,7 @@
               <a:buChar char=""/>
             </a:pPr>
             <a:r>
-              <a:rPr lang="en-US">
+              <a:rPr lang="en-US" sz="2000">
                 <a:latin typeface="Arial"/>
               </a:rPr>
               <a:t>Fifth Outline Level</a:t>
@@ -7603,7 +8529,7 @@
               <a:buChar char=""/>
             </a:pPr>
             <a:r>
-              <a:rPr lang="en-US">
+              <a:rPr lang="en-US" sz="2000">
                 <a:latin typeface="Arial"/>
               </a:rPr>
               <a:t>Sixth Outline Level</a:t>
@@ -7617,7 +8543,7 @@
               <a:buChar char=""/>
             </a:pPr>
             <a:r>
-              <a:rPr lang="en-US">
+              <a:rPr lang="en-US" sz="2000">
                 <a:latin typeface="Arial"/>
               </a:rPr>
               <a:t>Seventh Outline Level</a:t>
@@ -7642,6 +8568,197 @@
     <p:sldLayoutId id="2147483710" r:id="rId11"/>
     <p:sldLayoutId id="2147483711" r:id="rId12"/>
     <p:sldLayoutId id="2147483712" r:id="rId13"/>
+  </p:sldLayoutIdLst>
+</p:sldMaster>
+</file>
+
+<file path=ppt/slideMasters/slideMaster6.xml><?xml version="1.0" encoding="utf-8"?>
+<p:sldMaster xmlns:a="http://schemas.openxmlformats.org/drawingml/2006/main" xmlns:p="http://schemas.openxmlformats.org/presentationml/2006/main" xmlns:r="http://schemas.openxmlformats.org/officeDocument/2006/relationships">
+  <p:cSld>
+    <p:spTree>
+      <p:nvGrpSpPr>
+        <p:cNvPr id="1" name=""/>
+        <p:cNvGrpSpPr/>
+        <p:nvPr/>
+      </p:nvGrpSpPr>
+      <p:grpSpPr>
+        <a:xfrm>
+          <a:off x="0" y="0"/>
+          <a:ext cx="0" cy="0"/>
+          <a:chOff x="0" y="0"/>
+          <a:chExt cx="0" cy="0"/>
+        </a:xfrm>
+      </p:grpSpPr>
+      <p:sp>
+        <p:nvSpPr>
+          <p:cNvPr id="181" name="PlaceHolder 1"/>
+          <p:cNvSpPr>
+            <a:spLocks noGrp="1"/>
+          </p:cNvSpPr>
+          <p:nvPr>
+            <p:ph type="title"/>
+          </p:nvPr>
+        </p:nvSpPr>
+        <p:spPr>
+          <a:xfrm>
+            <a:off x="504000" y="301320"/>
+            <a:ext cx="9072000" cy="1261800"/>
+          </a:xfrm>
+          <a:prstGeom prst="rect">
+            <a:avLst/>
+          </a:prstGeom>
+        </p:spPr>
+        <p:txBody>
+          <a:bodyPr lIns="0" rIns="0" tIns="0" bIns="0" anchor="ctr"/>
+          <a:p>
+            <a:pPr algn="ctr"/>
+            <a:r>
+              <a:rPr lang="en-US" sz="4400">
+                <a:latin typeface="Arial"/>
+              </a:rPr>
+              <a:t>Click to edit the title text format</a:t>
+            </a:r>
+            <a:endParaRPr/>
+          </a:p>
+        </p:txBody>
+      </p:sp>
+      <p:sp>
+        <p:nvSpPr>
+          <p:cNvPr id="182" name="PlaceHolder 2"/>
+          <p:cNvSpPr>
+            <a:spLocks noGrp="1"/>
+          </p:cNvSpPr>
+          <p:nvPr>
+            <p:ph type="body"/>
+          </p:nvPr>
+        </p:nvSpPr>
+        <p:spPr>
+          <a:xfrm>
+            <a:off x="504000" y="1768680"/>
+            <a:ext cx="9072000" cy="4384080"/>
+          </a:xfrm>
+          <a:prstGeom prst="rect">
+            <a:avLst/>
+          </a:prstGeom>
+        </p:spPr>
+        <p:txBody>
+          <a:bodyPr lIns="0" rIns="0" tIns="0" bIns="0"/>
+          <a:p>
+            <a:pPr>
+              <a:buSzPct val="45000"/>
+              <a:buFont typeface="StarSymbol"/>
+              <a:buChar char=""/>
+            </a:pPr>
+            <a:r>
+              <a:rPr lang="en-US" sz="3200">
+                <a:latin typeface="Arial"/>
+              </a:rPr>
+              <a:t>Click to edit the outline text format</a:t>
+            </a:r>
+            <a:endParaRPr/>
+          </a:p>
+          <a:p>
+            <a:pPr lvl="1">
+              <a:buSzPct val="75000"/>
+              <a:buFont typeface="StarSymbol"/>
+              <a:buChar char=""/>
+            </a:pPr>
+            <a:r>
+              <a:rPr lang="en-US" sz="2800">
+                <a:latin typeface="Arial"/>
+              </a:rPr>
+              <a:t>Second Outline Level</a:t>
+            </a:r>
+            <a:endParaRPr/>
+          </a:p>
+          <a:p>
+            <a:pPr lvl="2">
+              <a:buSzPct val="45000"/>
+              <a:buFont typeface="StarSymbol"/>
+              <a:buChar char=""/>
+            </a:pPr>
+            <a:r>
+              <a:rPr lang="en-US" sz="2400">
+                <a:latin typeface="Arial"/>
+              </a:rPr>
+              <a:t>Third Outline Level</a:t>
+            </a:r>
+            <a:endParaRPr/>
+          </a:p>
+          <a:p>
+            <a:pPr lvl="3">
+              <a:buSzPct val="75000"/>
+              <a:buFont typeface="StarSymbol"/>
+              <a:buChar char=""/>
+            </a:pPr>
+            <a:r>
+              <a:rPr lang="en-US" sz="2000">
+                <a:latin typeface="Arial"/>
+              </a:rPr>
+              <a:t>Fourth Outline Level</a:t>
+            </a:r>
+            <a:endParaRPr/>
+          </a:p>
+          <a:p>
+            <a:pPr lvl="4">
+              <a:buSzPct val="45000"/>
+              <a:buFont typeface="StarSymbol"/>
+              <a:buChar char=""/>
+            </a:pPr>
+            <a:r>
+              <a:rPr lang="en-US" sz="2000">
+                <a:latin typeface="Arial"/>
+              </a:rPr>
+              <a:t>Fifth Outline Level</a:t>
+            </a:r>
+            <a:endParaRPr/>
+          </a:p>
+          <a:p>
+            <a:pPr lvl="5">
+              <a:buSzPct val="45000"/>
+              <a:buFont typeface="StarSymbol"/>
+              <a:buChar char=""/>
+            </a:pPr>
+            <a:r>
+              <a:rPr lang="en-US" sz="2000">
+                <a:latin typeface="Arial"/>
+              </a:rPr>
+              <a:t>Sixth Outline Level</a:t>
+            </a:r>
+            <a:endParaRPr/>
+          </a:p>
+          <a:p>
+            <a:pPr lvl="6">
+              <a:buSzPct val="45000"/>
+              <a:buFont typeface="StarSymbol"/>
+              <a:buChar char=""/>
+            </a:pPr>
+            <a:r>
+              <a:rPr lang="en-US" sz="2000">
+                <a:latin typeface="Arial"/>
+              </a:rPr>
+              <a:t>Seventh Outline Level</a:t>
+            </a:r>
+            <a:endParaRPr/>
+          </a:p>
+        </p:txBody>
+      </p:sp>
+    </p:spTree>
+  </p:cSld>
+  <p:clrMap bg1="lt1" bg2="lt2" tx1="dk1" tx2="dk2" accent1="accent1" accent2="accent2" accent3="accent3" accent4="accent4" accent5="accent5" accent6="accent6" hlink="hlink" folHlink="folHlink"/>
+  <p:sldLayoutIdLst>
+    <p:sldLayoutId id="2147483714" r:id="rId2"/>
+    <p:sldLayoutId id="2147483715" r:id="rId3"/>
+    <p:sldLayoutId id="2147483716" r:id="rId4"/>
+    <p:sldLayoutId id="2147483717" r:id="rId5"/>
+    <p:sldLayoutId id="2147483718" r:id="rId6"/>
+    <p:sldLayoutId id="2147483719" r:id="rId7"/>
+    <p:sldLayoutId id="2147483720" r:id="rId8"/>
+    <p:sldLayoutId id="2147483721" r:id="rId9"/>
+    <p:sldLayoutId id="2147483722" r:id="rId10"/>
+    <p:sldLayoutId id="2147483723" r:id="rId11"/>
+    <p:sldLayoutId id="2147483724" r:id="rId12"/>
+    <p:sldLayoutId id="2147483725" r:id="rId13"/>
   </p:sldLayoutIdLst>
 </p:sldMaster>
 </file>
@@ -7665,14 +8782,14 @@
       </p:grpSpPr>
       <p:sp>
         <p:nvSpPr>
-          <p:cNvPr id="181" name="CustomShape 1"/>
+          <p:cNvPr id="217" name="CustomShape 1"/>
           <p:cNvSpPr/>
           <p:nvPr/>
         </p:nvSpPr>
         <p:spPr>
           <a:xfrm>
             <a:off x="504000" y="914760"/>
-            <a:ext cx="9070560" cy="5850720"/>
+            <a:ext cx="9069480" cy="5849640"/>
           </a:xfrm>
           <a:prstGeom prst="rect">
             <a:avLst/>
@@ -7801,14 +8918,14 @@
       </p:grpSpPr>
       <p:sp>
         <p:nvSpPr>
-          <p:cNvPr id="201" name="CustomShape 1"/>
+          <p:cNvPr id="241" name="CustomShape 1"/>
           <p:cNvSpPr/>
           <p:nvPr/>
         </p:nvSpPr>
         <p:spPr>
           <a:xfrm>
             <a:off x="504000" y="301320"/>
-            <a:ext cx="9070560" cy="1261800"/>
+            <a:ext cx="9069480" cy="1260720"/>
           </a:xfrm>
           <a:prstGeom prst="rect">
             <a:avLst/>
@@ -7838,14 +8955,14 @@
       </p:sp>
       <p:sp>
         <p:nvSpPr>
-          <p:cNvPr id="202" name="CustomShape 2"/>
+          <p:cNvPr id="242" name="CustomShape 2"/>
           <p:cNvSpPr/>
           <p:nvPr/>
         </p:nvSpPr>
         <p:spPr>
           <a:xfrm>
             <a:off x="504000" y="1769040"/>
-            <a:ext cx="8913960" cy="4905720"/>
+            <a:ext cx="8912880" cy="4904640"/>
           </a:xfrm>
           <a:prstGeom prst="rect">
             <a:avLst/>
@@ -8012,14 +9129,14 @@
       </p:grpSpPr>
       <p:sp>
         <p:nvSpPr>
-          <p:cNvPr id="203" name="CustomShape 1"/>
+          <p:cNvPr id="243" name="CustomShape 1"/>
           <p:cNvSpPr/>
           <p:nvPr/>
         </p:nvSpPr>
         <p:spPr>
           <a:xfrm>
             <a:off x="504000" y="301320"/>
-            <a:ext cx="9070560" cy="1261800"/>
+            <a:ext cx="9069480" cy="1260720"/>
           </a:xfrm>
           <a:prstGeom prst="rect">
             <a:avLst/>
@@ -8049,7 +9166,7 @@
       </p:sp>
       <p:pic>
         <p:nvPicPr>
-          <p:cNvPr id="204" name="" descr=""/>
+          <p:cNvPr id="244" name="" descr=""/>
           <p:cNvPicPr/>
           <p:nvPr/>
         </p:nvPicPr>
@@ -8062,7 +9179,7 @@
         <p:spPr>
           <a:xfrm>
             <a:off x="2045160" y="1523880"/>
-            <a:ext cx="6095160" cy="4571280"/>
+            <a:ext cx="6094080" cy="4570200"/>
           </a:xfrm>
           <a:prstGeom prst="rect">
             <a:avLst/>
@@ -8123,14 +9240,14 @@
       </p:grpSpPr>
       <p:sp>
         <p:nvSpPr>
-          <p:cNvPr id="205" name="CustomShape 1"/>
+          <p:cNvPr id="245" name="CustomShape 1"/>
           <p:cNvSpPr/>
           <p:nvPr/>
         </p:nvSpPr>
         <p:spPr>
           <a:xfrm>
             <a:off x="504000" y="301320"/>
-            <a:ext cx="9070560" cy="1261800"/>
+            <a:ext cx="9069480" cy="1260720"/>
           </a:xfrm>
           <a:prstGeom prst="rect">
             <a:avLst/>
@@ -8160,14 +9277,14 @@
       </p:sp>
       <p:sp>
         <p:nvSpPr>
-          <p:cNvPr id="206" name="CustomShape 2"/>
+          <p:cNvPr id="246" name="CustomShape 2"/>
           <p:cNvSpPr/>
           <p:nvPr/>
         </p:nvSpPr>
         <p:spPr>
           <a:xfrm>
             <a:off x="504000" y="1769040"/>
-            <a:ext cx="8913960" cy="4383360"/>
+            <a:ext cx="3884400" cy="4813920"/>
           </a:xfrm>
           <a:prstGeom prst="rect">
             <a:avLst/>
@@ -8192,7 +9309,41 @@
               <a:rPr lang="en-US" sz="3200">
                 <a:latin typeface="Arial"/>
               </a:rPr>
-              <a:t>Not unequivocally so</a:t>
+              <a:t>Not unequivocally</a:t>
+            </a:r>
+            <a:endParaRPr/>
+          </a:p>
+          <a:p>
+            <a:pPr lvl="1">
+              <a:lnSpc>
+                <a:spcPct val="100000"/>
+              </a:lnSpc>
+              <a:buSzPct val="45000"/>
+              <a:buFont typeface="StarSymbol"/>
+              <a:buChar char="l"/>
+            </a:pPr>
+            <a:r>
+              <a:rPr lang="en-US" sz="3200">
+                <a:latin typeface="Arial"/>
+              </a:rPr>
+              <a:t>Doesn't work great with big error</a:t>
+            </a:r>
+            <a:endParaRPr/>
+          </a:p>
+          <a:p>
+            <a:pPr lvl="1">
+              <a:lnSpc>
+                <a:spcPct val="100000"/>
+              </a:lnSpc>
+              <a:buSzPct val="45000"/>
+              <a:buFont typeface="StarSymbol"/>
+              <a:buChar char="l"/>
+            </a:pPr>
+            <a:r>
+              <a:rPr lang="en-US" sz="3200">
+                <a:latin typeface="Arial"/>
+              </a:rPr>
+              <a:t>Lipschitz conditions should be met</a:t>
             </a:r>
             <a:endParaRPr/>
           </a:p>
@@ -8215,22 +9366,31 @@
           </a:p>
         </p:txBody>
       </p:sp>
-      <p:graphicFrame>
-        <p:nvGraphicFramePr>
-          <p:cNvPr id="207" name=""/>
-          <p:cNvGraphicFramePr/>
+      <p:pic>
+        <p:nvPicPr>
+          <p:cNvPr id="247" name="" descr=""/>
+          <p:cNvPicPr/>
           <p:nvPr/>
-        </p:nvGraphicFramePr>
-        <p:xfrm>
-          <a:off x="2212920" y="3474720"/>
-          <a:ext cx="5759280" cy="3239280"/>
-        </p:xfrm>
-        <a:graphic>
-          <a:graphicData uri="http://schemas.openxmlformats.org/drawingml/2006/chart">
-            <c:chart xmlns:c="http://schemas.openxmlformats.org/drawingml/2006/chart" xmlns:r="http://schemas.openxmlformats.org/officeDocument/2006/relationships" r:id="rId1"/>
-          </a:graphicData>
-        </a:graphic>
-      </p:graphicFrame>
+        </p:nvPicPr>
+        <p:blipFill>
+          <a:blip r:embed="rId1"/>
+          <a:stretch>
+            <a:fillRect/>
+          </a:stretch>
+        </p:blipFill>
+        <p:spPr>
+          <a:xfrm>
+            <a:off x="4996080" y="1941120"/>
+            <a:ext cx="4970160" cy="3727440"/>
+          </a:xfrm>
+          <a:prstGeom prst="rect">
+            <a:avLst/>
+          </a:prstGeom>
+          <a:ln>
+            <a:noFill/>
+          </a:ln>
+        </p:spPr>
+      </p:pic>
     </p:spTree>
   </p:cSld>
   <p:timing>
@@ -8282,23 +9442,31 @@
       </p:grpSpPr>
       <p:sp>
         <p:nvSpPr>
-          <p:cNvPr id="208" name="TextShape 1"/>
-          <p:cNvSpPr txBox="1"/>
+          <p:cNvPr id="248" name="CustomShape 1"/>
+          <p:cNvSpPr/>
           <p:nvPr/>
         </p:nvSpPr>
         <p:spPr>
           <a:xfrm>
             <a:off x="504000" y="301320"/>
-            <a:ext cx="9070560" cy="1262160"/>
-          </a:xfrm>
-          <a:prstGeom prst="rect">
-            <a:avLst/>
-          </a:prstGeom>
+            <a:ext cx="9069480" cy="1261080"/>
+          </a:xfrm>
+          <a:prstGeom prst="rect">
+            <a:avLst/>
+          </a:prstGeom>
+          <a:noFill/>
+          <a:ln>
+            <a:noFill/>
+          </a:ln>
         </p:spPr>
         <p:txBody>
           <a:bodyPr lIns="0" rIns="0" tIns="0" bIns="0" anchor="ctr"/>
           <a:p>
-            <a:pPr algn="ctr"/>
+            <a:pPr algn="ctr">
+              <a:lnSpc>
+                <a:spcPct val="100000"/>
+              </a:lnSpc>
+            </a:pPr>
             <a:r>
               <a:rPr lang="en-US" sz="4400">
                 <a:latin typeface="Arial"/>
@@ -8311,26 +9479,33 @@
       </p:sp>
       <p:sp>
         <p:nvSpPr>
-          <p:cNvPr id="209" name="TextShape 2"/>
-          <p:cNvSpPr txBox="1"/>
+          <p:cNvPr id="249" name="CustomShape 2"/>
+          <p:cNvSpPr/>
           <p:nvPr/>
         </p:nvSpPr>
         <p:spPr>
           <a:xfrm>
             <a:off x="504000" y="1769040"/>
-            <a:ext cx="8914320" cy="4383360"/>
-          </a:xfrm>
-          <a:prstGeom prst="rect">
-            <a:avLst/>
-          </a:prstGeom>
+            <a:ext cx="8913240" cy="4382280"/>
+          </a:xfrm>
+          <a:prstGeom prst="rect">
+            <a:avLst/>
+          </a:prstGeom>
+          <a:noFill/>
+          <a:ln>
+            <a:noFill/>
+          </a:ln>
         </p:spPr>
         <p:txBody>
           <a:bodyPr lIns="0" rIns="0" tIns="0" bIns="0"/>
           <a:p>
             <a:pPr>
+              <a:lnSpc>
+                <a:spcPct val="100000"/>
+              </a:lnSpc>
               <a:buSzPct val="45000"/>
               <a:buFont typeface="StarSymbol"/>
-              <a:buChar char=""/>
+              <a:buChar char="l"/>
             </a:pPr>
             <a:r>
               <a:rPr lang="en-US" sz="3200">
@@ -8342,9 +9517,12 @@
           </a:p>
           <a:p>
             <a:pPr>
+              <a:lnSpc>
+                <a:spcPct val="100000"/>
+              </a:lnSpc>
               <a:buSzPct val="45000"/>
               <a:buFont typeface="StarSymbol"/>
-              <a:buChar char=""/>
+              <a:buChar char="l"/>
             </a:pPr>
             <a:r>
               <a:rPr lang="en-US" sz="3200">
@@ -8358,6 +9536,33 @@
       </p:sp>
     </p:spTree>
   </p:cSld>
+  <p:timing>
+    <p:tnLst>
+      <p:par>
+        <p:cTn id="25" dur="indefinite" restart="never" nodeType="tmRoot">
+          <p:childTnLst>
+            <p:seq>
+              <p:cTn id="26" nodeType="mainSeq"/>
+              <p:prevCondLst>
+                <p:cond delay="0" evt="onPrev">
+                  <p:tgtEl>
+                    <p:sldTgt/>
+                  </p:tgtEl>
+                </p:cond>
+              </p:prevCondLst>
+              <p:nextCondLst>
+                <p:cond delay="0" evt="onNext">
+                  <p:tgtEl>
+                    <p:sldTgt/>
+                  </p:tgtEl>
+                </p:cond>
+              </p:nextCondLst>
+            </p:seq>
+          </p:childTnLst>
+        </p:cTn>
+      </p:par>
+    </p:tnLst>
+  </p:timing>
 </p:sld>
 </file>
 
@@ -8380,14 +9585,14 @@
       </p:grpSpPr>
       <p:sp>
         <p:nvSpPr>
-          <p:cNvPr id="182" name="CustomShape 1"/>
+          <p:cNvPr id="218" name="CustomShape 1"/>
           <p:cNvSpPr/>
           <p:nvPr/>
         </p:nvSpPr>
         <p:spPr>
           <a:xfrm>
             <a:off x="504000" y="301320"/>
-            <a:ext cx="9070560" cy="1261080"/>
+            <a:ext cx="9069480" cy="1260000"/>
           </a:xfrm>
           <a:prstGeom prst="rect">
             <a:avLst/>
@@ -8417,14 +9622,14 @@
       </p:sp>
       <p:sp>
         <p:nvSpPr>
-          <p:cNvPr id="183" name="CustomShape 2"/>
+          <p:cNvPr id="219" name="CustomShape 2"/>
           <p:cNvSpPr/>
           <p:nvPr/>
         </p:nvSpPr>
         <p:spPr>
           <a:xfrm>
             <a:off x="504000" y="1769040"/>
-            <a:ext cx="9070560" cy="4383360"/>
+            <a:ext cx="9069480" cy="4382280"/>
           </a:xfrm>
           <a:prstGeom prst="rect">
             <a:avLst/>
@@ -8557,14 +9762,14 @@
       </p:grpSpPr>
       <p:sp>
         <p:nvSpPr>
-          <p:cNvPr id="184" name="CustomShape 1"/>
+          <p:cNvPr id="220" name="CustomShape 1"/>
           <p:cNvSpPr/>
           <p:nvPr/>
         </p:nvSpPr>
         <p:spPr>
           <a:xfrm>
             <a:off x="504000" y="301320"/>
-            <a:ext cx="9070560" cy="1261080"/>
+            <a:ext cx="9069480" cy="1260000"/>
           </a:xfrm>
           <a:prstGeom prst="rect">
             <a:avLst/>
@@ -8594,14 +9799,14 @@
       </p:sp>
       <p:sp>
         <p:nvSpPr>
-          <p:cNvPr id="185" name="CustomShape 2"/>
+          <p:cNvPr id="221" name="CustomShape 2"/>
           <p:cNvSpPr/>
           <p:nvPr/>
         </p:nvSpPr>
         <p:spPr>
           <a:xfrm>
             <a:off x="504000" y="1769040"/>
-            <a:ext cx="4425840" cy="4383360"/>
+            <a:ext cx="4424760" cy="4382280"/>
           </a:xfrm>
           <a:prstGeom prst="rect">
             <a:avLst/>
@@ -8668,7 +9873,7 @@
       </p:sp>
       <p:pic>
         <p:nvPicPr>
-          <p:cNvPr id="186" name="" descr=""/>
+          <p:cNvPr id="222" name="" descr=""/>
           <p:cNvPicPr/>
           <p:nvPr/>
         </p:nvPicPr>
@@ -8681,7 +9886,7 @@
         <p:spPr>
           <a:xfrm>
             <a:off x="5017680" y="1554480"/>
-            <a:ext cx="4673880" cy="4662360"/>
+            <a:ext cx="4672800" cy="4661280"/>
           </a:xfrm>
           <a:prstGeom prst="rect">
             <a:avLst/>
@@ -8742,14 +9947,14 @@
       </p:grpSpPr>
       <p:sp>
         <p:nvSpPr>
-          <p:cNvPr id="187" name="CustomShape 1"/>
+          <p:cNvPr id="223" name="CustomShape 1"/>
           <p:cNvSpPr/>
           <p:nvPr/>
         </p:nvSpPr>
         <p:spPr>
           <a:xfrm>
             <a:off x="504000" y="301320"/>
-            <a:ext cx="9070560" cy="1261080"/>
+            <a:ext cx="9069480" cy="1260000"/>
           </a:xfrm>
           <a:prstGeom prst="rect">
             <a:avLst/>
@@ -8779,14 +9984,14 @@
       </p:sp>
       <p:sp>
         <p:nvSpPr>
-          <p:cNvPr id="188" name="CustomShape 2"/>
+          <p:cNvPr id="224" name="CustomShape 2"/>
           <p:cNvSpPr/>
           <p:nvPr/>
         </p:nvSpPr>
         <p:spPr>
           <a:xfrm>
             <a:off x="504000" y="1769040"/>
-            <a:ext cx="9070560" cy="4383360"/>
+            <a:ext cx="9069480" cy="4382280"/>
           </a:xfrm>
           <a:prstGeom prst="rect">
             <a:avLst/>
@@ -8965,14 +10170,14 @@
       </p:grpSpPr>
       <p:sp>
         <p:nvSpPr>
-          <p:cNvPr id="189" name="CustomShape 1"/>
+          <p:cNvPr id="225" name="CustomShape 1"/>
           <p:cNvSpPr/>
           <p:nvPr/>
         </p:nvSpPr>
         <p:spPr>
           <a:xfrm>
             <a:off x="504000" y="301320"/>
-            <a:ext cx="9070560" cy="1261080"/>
+            <a:ext cx="9069480" cy="1260000"/>
           </a:xfrm>
           <a:prstGeom prst="rect">
             <a:avLst/>
@@ -9002,14 +10207,14 @@
       </p:sp>
       <p:sp>
         <p:nvSpPr>
-          <p:cNvPr id="190" name="CustomShape 2"/>
+          <p:cNvPr id="226" name="CustomShape 2"/>
           <p:cNvSpPr/>
           <p:nvPr/>
         </p:nvSpPr>
         <p:spPr>
           <a:xfrm>
             <a:off x="504000" y="1769040"/>
-            <a:ext cx="9070560" cy="4383360"/>
+            <a:ext cx="9069480" cy="4382280"/>
           </a:xfrm>
           <a:prstGeom prst="rect">
             <a:avLst/>
@@ -9057,6 +10262,31 @@
           </a:p>
         </p:txBody>
       </p:sp>
+      <p:pic>
+        <p:nvPicPr>
+          <p:cNvPr id="227" name="" descr=""/>
+          <p:cNvPicPr/>
+          <p:nvPr/>
+        </p:nvPicPr>
+        <p:blipFill>
+          <a:blip r:embed="rId1"/>
+          <a:stretch>
+            <a:fillRect/>
+          </a:stretch>
+        </p:blipFill>
+        <p:spPr>
+          <a:xfrm>
+            <a:off x="3340440" y="3629880"/>
+            <a:ext cx="3151440" cy="484560"/>
+          </a:xfrm>
+          <a:prstGeom prst="rect">
+            <a:avLst/>
+          </a:prstGeom>
+          <a:ln>
+            <a:noFill/>
+          </a:ln>
+        </p:spPr>
+      </p:pic>
     </p:spTree>
   </p:cSld>
   <p:timing>
@@ -9108,14 +10338,14 @@
       </p:grpSpPr>
       <p:sp>
         <p:nvSpPr>
-          <p:cNvPr id="191" name="CustomShape 1"/>
+          <p:cNvPr id="228" name="CustomShape 1"/>
           <p:cNvSpPr/>
           <p:nvPr/>
         </p:nvSpPr>
         <p:spPr>
           <a:xfrm>
             <a:off x="504000" y="301320"/>
-            <a:ext cx="9070560" cy="1261080"/>
+            <a:ext cx="9069480" cy="1260000"/>
           </a:xfrm>
           <a:prstGeom prst="rect">
             <a:avLst/>
@@ -9145,14 +10375,14 @@
       </p:sp>
       <p:sp>
         <p:nvSpPr>
-          <p:cNvPr id="192" name="CustomShape 2"/>
+          <p:cNvPr id="229" name="CustomShape 2"/>
           <p:cNvSpPr/>
           <p:nvPr/>
         </p:nvSpPr>
         <p:spPr>
           <a:xfrm>
             <a:off x="504000" y="1768680"/>
-            <a:ext cx="9071640" cy="4383720"/>
+            <a:ext cx="9070560" cy="4382640"/>
           </a:xfrm>
           <a:prstGeom prst="rect">
             <a:avLst/>
@@ -9217,6 +10447,56 @@
           </a:p>
         </p:txBody>
       </p:sp>
+      <p:pic>
+        <p:nvPicPr>
+          <p:cNvPr id="230" name="" descr=""/>
+          <p:cNvPicPr/>
+          <p:nvPr/>
+        </p:nvPicPr>
+        <p:blipFill>
+          <a:blip r:embed="rId1"/>
+          <a:stretch>
+            <a:fillRect/>
+          </a:stretch>
+        </p:blipFill>
+        <p:spPr>
+          <a:xfrm>
+            <a:off x="3035520" y="3826440"/>
+            <a:ext cx="3267720" cy="471240"/>
+          </a:xfrm>
+          <a:prstGeom prst="rect">
+            <a:avLst/>
+          </a:prstGeom>
+          <a:ln>
+            <a:noFill/>
+          </a:ln>
+        </p:spPr>
+      </p:pic>
+      <p:pic>
+        <p:nvPicPr>
+          <p:cNvPr id="231" name="" descr=""/>
+          <p:cNvPicPr/>
+          <p:nvPr/>
+        </p:nvPicPr>
+        <p:blipFill>
+          <a:blip r:embed="rId2"/>
+          <a:stretch>
+            <a:fillRect/>
+          </a:stretch>
+        </p:blipFill>
+        <p:spPr>
+          <a:xfrm>
+            <a:off x="3108960" y="4571640"/>
+            <a:ext cx="3031200" cy="366120"/>
+          </a:xfrm>
+          <a:prstGeom prst="rect">
+            <a:avLst/>
+          </a:prstGeom>
+          <a:ln>
+            <a:noFill/>
+          </a:ln>
+        </p:spPr>
+      </p:pic>
     </p:spTree>
   </p:cSld>
   <p:timing>
@@ -9268,14 +10548,14 @@
       </p:grpSpPr>
       <p:sp>
         <p:nvSpPr>
-          <p:cNvPr id="193" name="CustomShape 1"/>
+          <p:cNvPr id="232" name="CustomShape 1"/>
           <p:cNvSpPr/>
           <p:nvPr/>
         </p:nvSpPr>
         <p:spPr>
           <a:xfrm>
             <a:off x="504000" y="301320"/>
-            <a:ext cx="9070560" cy="1261080"/>
+            <a:ext cx="9069480" cy="1260000"/>
           </a:xfrm>
           <a:prstGeom prst="rect">
             <a:avLst/>
@@ -9305,14 +10585,14 @@
       </p:sp>
       <p:sp>
         <p:nvSpPr>
-          <p:cNvPr id="194" name="CustomShape 2"/>
+          <p:cNvPr id="233" name="CustomShape 2"/>
           <p:cNvSpPr/>
           <p:nvPr/>
         </p:nvSpPr>
         <p:spPr>
           <a:xfrm>
             <a:off x="504000" y="1769040"/>
-            <a:ext cx="4425840" cy="4383360"/>
+            <a:ext cx="4424760" cy="4382280"/>
           </a:xfrm>
           <a:prstGeom prst="rect">
             <a:avLst/>
@@ -9362,13 +10642,13 @@
       </p:sp>
       <p:graphicFrame>
         <p:nvGraphicFramePr>
-          <p:cNvPr id="195" name=""/>
+          <p:cNvPr id="234" name=""/>
           <p:cNvGraphicFramePr/>
           <p:nvPr/>
         </p:nvGraphicFramePr>
         <p:xfrm>
           <a:off x="4480560" y="1377360"/>
-          <a:ext cx="5028480" cy="2828160"/>
+          <a:ext cx="5027400" cy="2827080"/>
         </p:xfrm>
         <a:graphic>
           <a:graphicData uri="http://schemas.openxmlformats.org/drawingml/2006/chart">
@@ -9378,13 +10658,13 @@
       </p:graphicFrame>
       <p:graphicFrame>
         <p:nvGraphicFramePr>
-          <p:cNvPr id="196" name=""/>
+          <p:cNvPr id="235" name=""/>
           <p:cNvGraphicFramePr/>
           <p:nvPr/>
         </p:nvGraphicFramePr>
         <p:xfrm>
           <a:off x="4737600" y="4206240"/>
-          <a:ext cx="4588560" cy="2580480"/>
+          <a:ext cx="4587480" cy="2579400"/>
         </p:xfrm>
         <a:graphic>
           <a:graphicData uri="http://schemas.openxmlformats.org/drawingml/2006/chart">
@@ -9443,14 +10723,14 @@
       </p:grpSpPr>
       <p:sp>
         <p:nvSpPr>
-          <p:cNvPr id="197" name="CustomShape 1"/>
+          <p:cNvPr id="236" name="CustomShape 1"/>
           <p:cNvSpPr/>
           <p:nvPr/>
         </p:nvSpPr>
         <p:spPr>
           <a:xfrm>
             <a:off x="504000" y="301320"/>
-            <a:ext cx="9070560" cy="1261800"/>
+            <a:ext cx="9069480" cy="1260720"/>
           </a:xfrm>
           <a:prstGeom prst="rect">
             <a:avLst/>
@@ -9480,14 +10760,14 @@
       </p:sp>
       <p:sp>
         <p:nvSpPr>
-          <p:cNvPr id="198" name="CustomShape 2"/>
+          <p:cNvPr id="237" name="CustomShape 2"/>
           <p:cNvSpPr/>
           <p:nvPr/>
         </p:nvSpPr>
         <p:spPr>
           <a:xfrm>
             <a:off x="504000" y="1769040"/>
-            <a:ext cx="9096840" cy="4383360"/>
+            <a:ext cx="9095760" cy="4382280"/>
           </a:xfrm>
           <a:prstGeom prst="rect">
             <a:avLst/>
@@ -9637,14 +10917,14 @@
       </p:grpSpPr>
       <p:sp>
         <p:nvSpPr>
-          <p:cNvPr id="199" name="CustomShape 1"/>
+          <p:cNvPr id="238" name="CustomShape 1"/>
           <p:cNvSpPr/>
           <p:nvPr/>
         </p:nvSpPr>
         <p:spPr>
           <a:xfrm>
             <a:off x="504000" y="301320"/>
-            <a:ext cx="9070560" cy="1261800"/>
+            <a:ext cx="9069480" cy="1260720"/>
           </a:xfrm>
           <a:prstGeom prst="rect">
             <a:avLst/>
@@ -9674,14 +10954,14 @@
       </p:sp>
       <p:sp>
         <p:nvSpPr>
-          <p:cNvPr id="200" name="CustomShape 2"/>
+          <p:cNvPr id="239" name="CustomShape 2"/>
           <p:cNvSpPr/>
           <p:nvPr/>
         </p:nvSpPr>
         <p:spPr>
           <a:xfrm>
             <a:off x="504000" y="1769040"/>
-            <a:ext cx="9096840" cy="4383360"/>
+            <a:ext cx="9095760" cy="4382280"/>
           </a:xfrm>
           <a:prstGeom prst="rect">
             <a:avLst/>
@@ -9746,6 +11026,31 @@
           </a:p>
         </p:txBody>
       </p:sp>
+      <p:pic>
+        <p:nvPicPr>
+          <p:cNvPr id="240" name="" descr=""/>
+          <p:cNvPicPr/>
+          <p:nvPr/>
+        </p:nvPicPr>
+        <p:blipFill>
+          <a:blip r:embed="rId1"/>
+          <a:stretch>
+            <a:fillRect/>
+          </a:stretch>
+        </p:blipFill>
+        <p:spPr>
+          <a:xfrm>
+            <a:off x="3754080" y="5394960"/>
+            <a:ext cx="2646720" cy="731520"/>
+          </a:xfrm>
+          <a:prstGeom prst="rect">
+            <a:avLst/>
+          </a:prstGeom>
+          <a:ln>
+            <a:noFill/>
+          </a:ln>
+        </p:spPr>
+      </p:pic>
     </p:spTree>
   </p:cSld>
   <p:timing>
@@ -10891,4 +12196,227 @@
     </a:fmtScheme>
   </a:themeElements>
 </a:theme>
+</file>
+
+<file path=ppt/theme/theme6.xml><?xml version="1.0" encoding="utf-8"?>
+<a:theme xmlns:a="http://schemas.openxmlformats.org/drawingml/2006/main" name="Office Theme">
+  <a:themeElements>
+    <a:clrScheme name="Office">
+      <a:dk1>
+        <a:sysClr val="windowText" lastClr="000000"/>
+      </a:dk1>
+      <a:lt1>
+        <a:sysClr val="window" lastClr="FFFFFF"/>
+      </a:lt1>
+      <a:dk2>
+        <a:srgbClr val="1F497D"/>
+      </a:dk2>
+      <a:lt2>
+        <a:srgbClr val="EEECE1"/>
+      </a:lt2>
+      <a:accent1>
+        <a:srgbClr val="4F81BD"/>
+      </a:accent1>
+      <a:accent2>
+        <a:srgbClr val="C0504D"/>
+      </a:accent2>
+      <a:accent3>
+        <a:srgbClr val="9BBB59"/>
+      </a:accent3>
+      <a:accent4>
+        <a:srgbClr val="8064A2"/>
+      </a:accent4>
+      <a:accent5>
+        <a:srgbClr val="4BACC6"/>
+      </a:accent5>
+      <a:accent6>
+        <a:srgbClr val="F79646"/>
+      </a:accent6>
+      <a:hlink>
+        <a:srgbClr val="0000FF"/>
+      </a:hlink>
+      <a:folHlink>
+        <a:srgbClr val="800080"/>
+      </a:folHlink>
+    </a:clrScheme>
+    <a:fontScheme name="Office">
+      <a:majorFont>
+        <a:latin typeface="Arial"/>
+        <a:ea typeface="DejaVu Sans"/>
+        <a:cs typeface="DejaVu Sans"/>
+      </a:majorFont>
+      <a:minorFont>
+        <a:latin typeface="Arial"/>
+        <a:ea typeface="DejaVu Sans"/>
+        <a:cs typeface="DejaVu Sans"/>
+      </a:minorFont>
+    </a:fontScheme>
+    <a:fmtScheme name="Office">
+      <a:fillStyleLst>
+        <a:solidFill>
+          <a:schemeClr val="phClr"/>
+        </a:solidFill>
+        <a:gradFill rotWithShape="1">
+          <a:gsLst>
+            <a:gs pos="0">
+              <a:schemeClr val="phClr">
+                <a:tint val="50000"/>
+                <a:satMod val="300000"/>
+              </a:schemeClr>
+            </a:gs>
+            <a:gs pos="35000">
+              <a:schemeClr val="phClr">
+                <a:tint val="37000"/>
+                <a:satMod val="300000"/>
+              </a:schemeClr>
+            </a:gs>
+            <a:gs pos="100000">
+              <a:schemeClr val="phClr">
+                <a:tint val="15000"/>
+                <a:satMod val="350000"/>
+              </a:schemeClr>
+            </a:gs>
+          </a:gsLst>
+          <a:lin ang="16200000" scaled="1"/>
+        </a:gradFill>
+        <a:gradFill rotWithShape="1">
+          <a:gsLst>
+            <a:gs pos="0">
+              <a:schemeClr val="phClr">
+                <a:shade val="51000"/>
+                <a:satMod val="130000"/>
+              </a:schemeClr>
+            </a:gs>
+            <a:gs pos="80000">
+              <a:schemeClr val="phClr">
+                <a:shade val="93000"/>
+                <a:satMod val="130000"/>
+              </a:schemeClr>
+            </a:gs>
+            <a:gs pos="100000">
+              <a:schemeClr val="phClr">
+                <a:shade val="94000"/>
+                <a:satMod val="135000"/>
+              </a:schemeClr>
+            </a:gs>
+          </a:gsLst>
+          <a:lin ang="16200000" scaled="0"/>
+        </a:gradFill>
+      </a:fillStyleLst>
+      <a:lnStyleLst>
+        <a:ln w="9525" cap="flat" cmpd="sng" algn="ctr">
+          <a:solidFill>
+            <a:schemeClr val="phClr">
+              <a:shade val="95000"/>
+              <a:satMod val="105000"/>
+            </a:schemeClr>
+          </a:solidFill>
+          <a:prstDash val="solid"/>
+        </a:ln>
+        <a:ln w="25400" cap="flat" cmpd="sng" algn="ctr">
+          <a:solidFill>
+            <a:schemeClr val="phClr"/>
+          </a:solidFill>
+          <a:prstDash val="solid"/>
+        </a:ln>
+        <a:ln w="38100" cap="flat" cmpd="sng" algn="ctr">
+          <a:solidFill>
+            <a:schemeClr val="phClr"/>
+          </a:solidFill>
+          <a:prstDash val="solid"/>
+        </a:ln>
+      </a:lnStyleLst>
+      <a:effectStyleLst>
+        <a:effectStyle>
+          <a:effectLst>
+            <a:outerShdw blurRad="40000" dist="20000" dir="5400000" rotWithShape="0">
+              <a:srgbClr val="000000">
+                <a:alpha val="38000"/>
+              </a:srgbClr>
+            </a:outerShdw>
+          </a:effectLst>
+        </a:effectStyle>
+        <a:effectStyle>
+          <a:effectLst>
+            <a:outerShdw blurRad="40000" dist="23000" dir="5400000" rotWithShape="0">
+              <a:srgbClr val="000000">
+                <a:alpha val="35000"/>
+              </a:srgbClr>
+            </a:outerShdw>
+          </a:effectLst>
+        </a:effectStyle>
+        <a:effectStyle>
+          <a:effectLst>
+            <a:outerShdw blurRad="40000" dist="23000" dir="5400000" rotWithShape="0">
+              <a:srgbClr val="000000">
+                <a:alpha val="35000"/>
+              </a:srgbClr>
+            </a:outerShdw>
+          </a:effectLst>
+          <a:scene3d>
+            <a:camera prst="orthographicFront">
+              <a:rot lat="0" lon="0" rev="0"/>
+            </a:camera>
+            <a:lightRig rig="threePt" dir="t">
+              <a:rot lat="0" lon="0" rev="1200000"/>
+            </a:lightRig>
+          </a:scene3d>
+          <a:sp3d>
+            <a:bevelT w="63500" h="25400"/>
+          </a:sp3d>
+        </a:effectStyle>
+      </a:effectStyleLst>
+      <a:bgFillStyleLst>
+        <a:solidFill>
+          <a:schemeClr val="phClr"/>
+        </a:solidFill>
+        <a:gradFill rotWithShape="1">
+          <a:gsLst>
+            <a:gs pos="0">
+              <a:schemeClr val="phClr">
+                <a:tint val="40000"/>
+                <a:satMod val="350000"/>
+              </a:schemeClr>
+            </a:gs>
+            <a:gs pos="40000">
+              <a:schemeClr val="phClr">
+                <a:tint val="45000"/>
+                <a:shade val="99000"/>
+                <a:satMod val="350000"/>
+              </a:schemeClr>
+            </a:gs>
+            <a:gs pos="100000">
+              <a:schemeClr val="phClr">
+                <a:shade val="20000"/>
+                <a:satMod val="255000"/>
+              </a:schemeClr>
+            </a:gs>
+          </a:gsLst>
+          <a:path path="circle">
+            <a:fillToRect l="50000" t="-80000" r="50000" b="180000"/>
+          </a:path>
+        </a:gradFill>
+        <a:gradFill rotWithShape="1">
+          <a:gsLst>
+            <a:gs pos="0">
+              <a:schemeClr val="phClr">
+                <a:tint val="80000"/>
+                <a:satMod val="300000"/>
+              </a:schemeClr>
+            </a:gs>
+            <a:gs pos="100000">
+              <a:schemeClr val="phClr">
+                <a:shade val="30000"/>
+                <a:satMod val="200000"/>
+              </a:schemeClr>
+            </a:gs>
+          </a:gsLst>
+          <a:path path="circle">
+            <a:fillToRect l="50000" t="50000" r="50000" b="50000"/>
+          </a:path>
+        </a:gradFill>
+      </a:bgFillStyleLst>
+    </a:fmtScheme>
+  </a:themeElements>
+</a:theme>
 </file>